--- a/cse106/slides/2. Predicate.pptx
+++ b/cse106/slides/2. Predicate.pptx
@@ -10,28 +10,20 @@
     <p:sldId id="258" r:id="rId4"/>
     <p:sldId id="259" r:id="rId5"/>
     <p:sldId id="260" r:id="rId6"/>
-    <p:sldId id="261" r:id="rId7"/>
-    <p:sldId id="262" r:id="rId8"/>
-    <p:sldId id="263" r:id="rId9"/>
-    <p:sldId id="264" r:id="rId10"/>
-    <p:sldId id="265" r:id="rId11"/>
-    <p:sldId id="266" r:id="rId12"/>
-    <p:sldId id="267" r:id="rId13"/>
-    <p:sldId id="269" r:id="rId14"/>
-    <p:sldId id="270" r:id="rId15"/>
-    <p:sldId id="271" r:id="rId16"/>
-    <p:sldId id="272" r:id="rId17"/>
-    <p:sldId id="273" r:id="rId18"/>
-    <p:sldId id="274" r:id="rId19"/>
-    <p:sldId id="275" r:id="rId20"/>
-    <p:sldId id="276" r:id="rId21"/>
-    <p:sldId id="277" r:id="rId22"/>
-    <p:sldId id="278" r:id="rId23"/>
-    <p:sldId id="279" r:id="rId24"/>
-    <p:sldId id="281" r:id="rId25"/>
-    <p:sldId id="284" r:id="rId26"/>
-    <p:sldId id="285" r:id="rId27"/>
-    <p:sldId id="286" r:id="rId28"/>
+    <p:sldId id="270" r:id="rId7"/>
+    <p:sldId id="271" r:id="rId8"/>
+    <p:sldId id="272" r:id="rId9"/>
+    <p:sldId id="273" r:id="rId10"/>
+    <p:sldId id="274" r:id="rId11"/>
+    <p:sldId id="275" r:id="rId12"/>
+    <p:sldId id="276" r:id="rId13"/>
+    <p:sldId id="277" r:id="rId14"/>
+    <p:sldId id="278" r:id="rId15"/>
+    <p:sldId id="279" r:id="rId16"/>
+    <p:sldId id="281" r:id="rId17"/>
+    <p:sldId id="284" r:id="rId18"/>
+    <p:sldId id="285" r:id="rId19"/>
+    <p:sldId id="286" r:id="rId20"/>
   </p:sldIdLst>
   <p:sldSz cx="12192000" cy="6858000"/>
   <p:notesSz cx="6858000" cy="9144000"/>
@@ -3444,2887 +3436,17 @@
               <a:rPr lang="en-US" dirty="0">
                 <a:latin typeface="Comic Sans MS" panose="030F0702030302020204" pitchFamily="66" charset="0"/>
               </a:rPr>
-              <a:t>Universal Quantifier</a:t>
-            </a:r>
-          </a:p>
-        </p:txBody>
-      </p:sp>
-      <mc:AlternateContent xmlns:mc="http://schemas.openxmlformats.org/markup-compatibility/2006" xmlns:a14="http://schemas.microsoft.com/office/drawing/2010/main">
-        <mc:Choice Requires="a14">
-          <p:sp>
-            <p:nvSpPr>
-              <p:cNvPr id="3" name="Content Placeholder 2">
-                <a:extLst>
-                  <a:ext uri="{FF2B5EF4-FFF2-40B4-BE49-F238E27FC236}">
-                    <a16:creationId xmlns="" xmlns:a16="http://schemas.microsoft.com/office/drawing/2014/main" id="{8FD3E7E3-6406-4C87-9E06-5BA40AA66E22}"/>
-                  </a:ext>
-                </a:extLst>
-              </p:cNvPr>
-              <p:cNvSpPr>
-                <a:spLocks noGrp="1"/>
-              </p:cNvSpPr>
-              <p:nvPr>
-                <p:ph idx="1"/>
-              </p:nvPr>
-            </p:nvSpPr>
-            <p:spPr/>
-            <p:txBody>
-              <a:bodyPr>
-                <a:normAutofit/>
-              </a:bodyPr>
-              <a:lstStyle/>
-              <a:p>
-                <a:pPr marL="0" indent="0">
-                  <a:buNone/>
-                </a:pPr>
-                <a:r>
-                  <a:rPr lang="en-US" sz="3200" dirty="0">
-                    <a:latin typeface="Comic Sans MS" panose="030F0702030302020204" pitchFamily="66" charset="0"/>
-                  </a:rPr>
-                  <a:t>Let x, y range over </a:t>
-                </a:r>
-                <a14:m>
-                  <m:oMath xmlns:m="http://schemas.openxmlformats.org/officeDocument/2006/math">
-                    <m:r>
-                      <a:rPr lang="en-US" sz="3200" i="1" smtClean="0">
-                        <a:latin typeface="Cambria Math" panose="02040503050406030204" pitchFamily="18" charset="0"/>
-                        <a:ea typeface="Cambria Math" panose="02040503050406030204" pitchFamily="18" charset="0"/>
-                      </a:rPr>
-                      <m:t>ℕ</m:t>
-                    </m:r>
-                    <m:r>
-                      <a:rPr lang="en-US" sz="3200" b="0" i="1" smtClean="0">
-                        <a:latin typeface="Cambria Math" panose="02040503050406030204" pitchFamily="18" charset="0"/>
-                        <a:ea typeface="Cambria Math" panose="02040503050406030204" pitchFamily="18" charset="0"/>
-                      </a:rPr>
-                      <m:t>={1, 2, …}</m:t>
-                    </m:r>
-                  </m:oMath>
-                </a14:m>
-                <a:r>
-                  <a:rPr lang="en-US" sz="3200" dirty="0">
-                    <a:latin typeface="Comic Sans MS" panose="030F0702030302020204" pitchFamily="66" charset="0"/>
-                  </a:rPr>
-                  <a:t/>
-                </a:r>
-                <a:br>
-                  <a:rPr lang="en-US" sz="3200" dirty="0">
-                    <a:latin typeface="Comic Sans MS" panose="030F0702030302020204" pitchFamily="66" charset="0"/>
-                  </a:rPr>
-                </a:br>
-                <a:r>
-                  <a:rPr lang="en-US" sz="3200" dirty="0">
-                    <a:latin typeface="Comic Sans MS" panose="030F0702030302020204" pitchFamily="66" charset="0"/>
-                  </a:rPr>
-                  <a:t>P(x, y) ::= [x + y &gt; 0] </a:t>
-                </a:r>
-              </a:p>
-              <a:p>
-                <a:pPr marL="0" indent="0" algn="ctr">
-                  <a:buNone/>
-                </a:pPr>
-                <a:r>
-                  <a:rPr lang="en-US" sz="3200" dirty="0">
-                    <a:latin typeface="Comic Sans MS" panose="030F0702030302020204" pitchFamily="66" charset="0"/>
-                  </a:rPr>
-                  <a:t/>
-                </a:r>
-                <a:br>
-                  <a:rPr lang="en-US" sz="3200" dirty="0">
-                    <a:latin typeface="Comic Sans MS" panose="030F0702030302020204" pitchFamily="66" charset="0"/>
-                  </a:rPr>
-                </a:br>
-                <a:r>
-                  <a:rPr lang="en-US" sz="3200" dirty="0">
-                    <a:latin typeface="Comic Sans MS" panose="030F0702030302020204" pitchFamily="66" charset="0"/>
-                  </a:rPr>
-                  <a:t> ∀</a:t>
-                </a:r>
-                <a14:m>
-                  <m:oMath xmlns:m="http://schemas.openxmlformats.org/officeDocument/2006/math">
-                    <m:r>
-                      <m:rPr>
-                        <m:nor/>
-                      </m:rPr>
-                      <a:rPr lang="en-US" sz="3200" dirty="0">
-                        <a:latin typeface="Comic Sans MS" panose="030F0702030302020204" pitchFamily="66" charset="0"/>
-                      </a:rPr>
-                      <m:t>x</m:t>
-                    </m:r>
-                    <m:r>
-                      <m:rPr>
-                        <m:nor/>
-                      </m:rPr>
-                      <a:rPr lang="en-US" sz="3200" dirty="0">
-                        <a:latin typeface="Comic Sans MS" panose="030F0702030302020204" pitchFamily="66" charset="0"/>
-                      </a:rPr>
-                      <m:t> </m:t>
-                    </m:r>
-                    <m:r>
-                      <m:rPr>
-                        <m:nor/>
-                      </m:rPr>
-                      <a:rPr lang="en-US" sz="3200" dirty="0">
-                        <a:latin typeface="Comic Sans MS" panose="030F0702030302020204" pitchFamily="66" charset="0"/>
-                      </a:rPr>
-                      <m:t>P</m:t>
-                    </m:r>
-                    <m:r>
-                      <m:rPr>
-                        <m:nor/>
-                      </m:rPr>
-                      <a:rPr lang="en-US" sz="3200" dirty="0">
-                        <a:latin typeface="Comic Sans MS" panose="030F0702030302020204" pitchFamily="66" charset="0"/>
-                      </a:rPr>
-                      <m:t>(</m:t>
-                    </m:r>
-                    <m:r>
-                      <m:rPr>
-                        <m:nor/>
-                      </m:rPr>
-                      <a:rPr lang="en-US" sz="3200" dirty="0">
-                        <a:latin typeface="Comic Sans MS" panose="030F0702030302020204" pitchFamily="66" charset="0"/>
-                      </a:rPr>
-                      <m:t>x</m:t>
-                    </m:r>
-                    <m:r>
-                      <m:rPr>
-                        <m:nor/>
-                      </m:rPr>
-                      <a:rPr lang="en-US" sz="3200" dirty="0">
-                        <a:latin typeface="Comic Sans MS" panose="030F0702030302020204" pitchFamily="66" charset="0"/>
-                      </a:rPr>
-                      <m:t>, </m:t>
-                    </m:r>
-                    <m:r>
-                      <m:rPr>
-                        <m:nor/>
-                      </m:rPr>
-                      <a:rPr lang="en-US" sz="3200" dirty="0">
-                        <a:latin typeface="Comic Sans MS" panose="030F0702030302020204" pitchFamily="66" charset="0"/>
-                      </a:rPr>
-                      <m:t>y</m:t>
-                    </m:r>
-                    <m:r>
-                      <m:rPr>
-                        <m:nor/>
-                      </m:rPr>
-                      <a:rPr lang="en-US" sz="3200" dirty="0">
-                        <a:latin typeface="Comic Sans MS" panose="030F0702030302020204" pitchFamily="66" charset="0"/>
-                      </a:rPr>
-                      <m:t>)</m:t>
-                    </m:r>
-                    <m:r>
-                      <a:rPr lang="en-US" sz="3200" b="0" i="1" dirty="0" smtClean="0">
-                        <a:latin typeface="Cambria Math" panose="02040503050406030204" pitchFamily="18" charset="0"/>
-                      </a:rPr>
-                      <m:t>= ?</m:t>
-                    </m:r>
-                    <m:r>
-                      <a:rPr lang="en-US" sz="3200" i="1" dirty="0" smtClean="0">
-                        <a:latin typeface="Cambria Math" panose="02040503050406030204" pitchFamily="18" charset="0"/>
-                      </a:rPr>
-                      <m:t> </m:t>
-                    </m:r>
-                  </m:oMath>
-                </a14:m>
-                <a:endParaRPr lang="en-US" sz="3200" dirty="0">
-                  <a:latin typeface="Comic Sans MS" panose="030F0702030302020204" pitchFamily="66" charset="0"/>
-                </a:endParaRPr>
-              </a:p>
-              <a:p>
-                <a:pPr marL="0" indent="0">
-                  <a:buNone/>
-                </a:pPr>
-                <a:r>
-                  <a:rPr lang="en-US" sz="3200" dirty="0">
-                    <a:latin typeface="Comic Sans MS" panose="030F0702030302020204" pitchFamily="66" charset="0"/>
-                  </a:rPr>
-                  <a:t/>
-                </a:r>
-                <a:br>
-                  <a:rPr lang="en-US" sz="3200" dirty="0">
-                    <a:latin typeface="Comic Sans MS" panose="030F0702030302020204" pitchFamily="66" charset="0"/>
-                  </a:rPr>
-                </a:br>
-                <a:endParaRPr lang="en-US" sz="3200" dirty="0">
-                  <a:latin typeface="Comic Sans MS" panose="030F0702030302020204" pitchFamily="66" charset="0"/>
-                </a:endParaRPr>
-              </a:p>
-            </p:txBody>
-          </p:sp>
-        </mc:Choice>
-        <mc:Fallback xmlns="">
-          <p:sp>
-            <p:nvSpPr>
-              <p:cNvPr id="3" name="Content Placeholder 2">
-                <a:extLst>
-                  <a:ext uri="{FF2B5EF4-FFF2-40B4-BE49-F238E27FC236}">
-                    <a16:creationId xmlns:a16="http://schemas.microsoft.com/office/drawing/2014/main" xmlns:a14="http://schemas.microsoft.com/office/drawing/2010/main" xmlns="" id="{8FD3E7E3-6406-4C87-9E06-5BA40AA66E22}"/>
-                  </a:ext>
-                </a:extLst>
-              </p:cNvPr>
-              <p:cNvSpPr>
-                <a:spLocks noGrp="1" noRot="1" noChangeAspect="1" noMove="1" noResize="1" noEditPoints="1" noAdjustHandles="1" noChangeArrowheads="1" noChangeShapeType="1" noTextEdit="1"/>
-              </p:cNvSpPr>
-              <p:nvPr>
-                <p:ph idx="1"/>
-              </p:nvPr>
-            </p:nvSpPr>
-            <p:spPr>
-              <a:blipFill rotWithShape="0">
-                <a:blip r:embed="rId2"/>
-                <a:stretch>
-                  <a:fillRect l="-1507" t="-2941"/>
-                </a:stretch>
-              </a:blipFill>
-            </p:spPr>
-            <p:txBody>
-              <a:bodyPr/>
-              <a:lstStyle/>
-              <a:p>
-                <a:r>
-                  <a:rPr lang="en-US">
-                    <a:noFill/>
-                  </a:rPr>
-                  <a:t> </a:t>
-                </a:r>
-              </a:p>
-            </p:txBody>
-          </p:sp>
-        </mc:Fallback>
-      </mc:AlternateContent>
-    </p:spTree>
-    <p:extLst>
-      <p:ext uri="{BB962C8B-B14F-4D97-AF65-F5344CB8AC3E}">
-        <p14:creationId xmlns:p14="http://schemas.microsoft.com/office/powerpoint/2010/main" val="667977821"/>
-      </p:ext>
-    </p:extLst>
-  </p:cSld>
-  <p:clrMapOvr>
-    <a:masterClrMapping/>
-  </p:clrMapOvr>
-  <p:timing>
-    <p:tnLst>
-      <p:par>
-        <p:cTn id="1" dur="indefinite" restart="never" nodeType="tmRoot"/>
-      </p:par>
-    </p:tnLst>
-  </p:timing>
-</p:sld>
-</file>
-
-<file path=ppt/slides/slide11.xml><?xml version="1.0" encoding="utf-8"?>
-<p:sld xmlns:a="http://schemas.openxmlformats.org/drawingml/2006/main" xmlns:r="http://schemas.openxmlformats.org/officeDocument/2006/relationships" xmlns:p="http://schemas.openxmlformats.org/presentationml/2006/main">
-  <p:cSld>
-    <p:spTree>
-      <p:nvGrpSpPr>
-        <p:cNvPr id="1" name=""/>
-        <p:cNvGrpSpPr/>
-        <p:nvPr/>
-      </p:nvGrpSpPr>
-      <p:grpSpPr>
-        <a:xfrm>
-          <a:off x="0" y="0"/>
-          <a:ext cx="0" cy="0"/>
-          <a:chOff x="0" y="0"/>
-          <a:chExt cx="0" cy="0"/>
-        </a:xfrm>
-      </p:grpSpPr>
-      <p:sp>
-        <p:nvSpPr>
-          <p:cNvPr id="2" name="Title 1">
-            <a:extLst>
-              <a:ext uri="{FF2B5EF4-FFF2-40B4-BE49-F238E27FC236}">
-                <a16:creationId xmlns="" xmlns:a16="http://schemas.microsoft.com/office/drawing/2014/main" id="{64FC46BD-FCD3-4070-A2FE-CF068D21089D}"/>
-              </a:ext>
-            </a:extLst>
-          </p:cNvPr>
-          <p:cNvSpPr>
-            <a:spLocks noGrp="1"/>
-          </p:cNvSpPr>
-          <p:nvPr>
-            <p:ph type="title"/>
-          </p:nvPr>
-        </p:nvSpPr>
-        <p:spPr/>
-        <p:txBody>
-          <a:bodyPr/>
-          <a:lstStyle/>
-          <a:p>
-            <a:r>
-              <a:rPr lang="en-US" dirty="0">
+              <a:t>Nested </a:t>
+            </a:r>
+            <a:r>
+              <a:rPr lang="en-US" dirty="0" smtClean="0">
                 <a:latin typeface="Comic Sans MS" panose="030F0702030302020204" pitchFamily="66" charset="0"/>
               </a:rPr>
-              <a:t>Universal Quantifier</a:t>
-            </a:r>
-          </a:p>
-        </p:txBody>
-      </p:sp>
-      <p:sp>
-        <p:nvSpPr>
-          <p:cNvPr id="3" name="Content Placeholder 2">
-            <a:extLst>
-              <a:ext uri="{FF2B5EF4-FFF2-40B4-BE49-F238E27FC236}">
-                <a16:creationId xmlns="" xmlns:mc="http://schemas.openxmlformats.org/markup-compatibility/2006" xmlns:a14="http://schemas.microsoft.com/office/drawing/2010/main" xmlns:a16="http://schemas.microsoft.com/office/drawing/2014/main" id="{8FD3E7E3-6406-4C87-9E06-5BA40AA66E22}"/>
-              </a:ext>
-            </a:extLst>
-          </p:cNvPr>
-          <p:cNvSpPr>
-            <a:spLocks noGrp="1"/>
-          </p:cNvSpPr>
-          <p:nvPr>
-            <p:ph idx="1"/>
-          </p:nvPr>
-        </p:nvSpPr>
-        <p:spPr>
-          <a:xfrm>
-            <a:off x="838200" y="1825625"/>
-            <a:ext cx="10515600" cy="1831975"/>
-          </a:xfrm>
-        </p:spPr>
-        <p:txBody>
-          <a:bodyPr>
-            <a:normAutofit/>
-          </a:bodyPr>
-          <a:lstStyle/>
-          <a:p>
-            <a:pPr marL="0" indent="0">
-              <a:buNone/>
-            </a:pPr>
-            <a:r>
-              <a:rPr lang="en-US" sz="3200" dirty="0">
-                <a:latin typeface="Comic Sans MS" panose="030F0702030302020204" pitchFamily="66" charset="0"/>
-              </a:rPr>
-              <a:t>P(1, 2) ::= [1 + 2 &gt; 0] = [3 &gt; 0] </a:t>
-            </a:r>
-            <a:r>
-              <a:rPr lang="en-US" sz="3200" dirty="0">
-                <a:solidFill>
-                  <a:srgbClr val="00B050"/>
-                </a:solidFill>
-                <a:latin typeface="Comic Sans MS" panose="030F0702030302020204" pitchFamily="66" charset="0"/>
-              </a:rPr>
-              <a:t>T</a:t>
-            </a:r>
-          </a:p>
-          <a:p>
-            <a:pPr marL="0" indent="0">
-              <a:buNone/>
-            </a:pPr>
-            <a:r>
-              <a:rPr lang="en-US" sz="3200" dirty="0">
-                <a:latin typeface="Comic Sans MS" panose="030F0702030302020204" pitchFamily="66" charset="0"/>
-              </a:rPr>
-              <a:t>P(2, 3) ::= [2 + 3 &gt; 0] = [5 &gt; 0] </a:t>
-            </a:r>
-            <a:r>
-              <a:rPr lang="en-US" sz="3200" dirty="0">
-                <a:solidFill>
-                  <a:srgbClr val="00B050"/>
-                </a:solidFill>
-                <a:latin typeface="Comic Sans MS" panose="030F0702030302020204" pitchFamily="66" charset="0"/>
-              </a:rPr>
-              <a:t>T</a:t>
-            </a:r>
-          </a:p>
-          <a:p>
-            <a:pPr marL="0" indent="0">
-              <a:buNone/>
-            </a:pPr>
-            <a:r>
-              <a:rPr lang="en-US" sz="3200" dirty="0">
-                <a:latin typeface="Comic Sans MS" panose="030F0702030302020204" pitchFamily="66" charset="0"/>
-              </a:rPr>
-              <a:t>P(0, 0) ::= [4 + 5 &gt; 0] = [9 &gt; 0] </a:t>
-            </a:r>
-            <a:r>
-              <a:rPr lang="en-US" sz="3200" dirty="0" smtClean="0">
-                <a:solidFill>
-                  <a:srgbClr val="00B050"/>
-                </a:solidFill>
-                <a:latin typeface="Comic Sans MS" panose="030F0702030302020204" pitchFamily="66" charset="0"/>
-              </a:rPr>
-              <a:t>T</a:t>
-            </a:r>
-          </a:p>
-          <a:p>
-            <a:pPr marL="0" indent="0">
-              <a:buNone/>
-            </a:pPr>
-            <a:endParaRPr lang="en-US" sz="3200" dirty="0">
-              <a:solidFill>
-                <a:srgbClr val="FF0000"/>
-              </a:solidFill>
+              <a:t>Quantifier5</a:t>
+            </a:r>
+            <a:endParaRPr lang="en-US" dirty="0">
               <a:latin typeface="Comic Sans MS" panose="030F0702030302020204" pitchFamily="66" charset="0"/>
             </a:endParaRPr>
-          </a:p>
-        </p:txBody>
-      </p:sp>
-      <mc:AlternateContent xmlns:mc="http://schemas.openxmlformats.org/markup-compatibility/2006" xmlns:a14="http://schemas.microsoft.com/office/drawing/2010/main">
-        <mc:Choice Requires="a14">
-          <p:sp>
-            <p:nvSpPr>
-              <p:cNvPr id="4" name="Content Placeholder 2">
-                <a:extLst>
-                  <a:ext uri="{FF2B5EF4-FFF2-40B4-BE49-F238E27FC236}">
-                    <a16:creationId xmlns="" xmlns:a16="http://schemas.microsoft.com/office/drawing/2014/main" id="{8FD3E7E3-6406-4C87-9E06-5BA40AA66E22}"/>
-                  </a:ext>
-                </a:extLst>
-              </p:cNvPr>
-              <p:cNvSpPr txBox="1">
-                <a:spLocks/>
-              </p:cNvSpPr>
-              <p:nvPr/>
-            </p:nvSpPr>
-            <p:spPr>
-              <a:xfrm>
-                <a:off x="826827" y="3793177"/>
-                <a:ext cx="10515600" cy="1831975"/>
-              </a:xfrm>
-              <a:prstGeom prst="rect">
-                <a:avLst/>
-              </a:prstGeom>
-            </p:spPr>
-            <p:txBody>
-              <a:bodyPr vert="horz" lIns="91440" tIns="45720" rIns="91440" bIns="45720" rtlCol="0">
-                <a:normAutofit/>
-              </a:bodyPr>
-              <a:lstStyle>
-                <a:lvl1pPr marL="228600" indent="-228600" algn="l" defTabSz="914400" rtl="0" eaLnBrk="1" latinLnBrk="0" hangingPunct="1">
-                  <a:lnSpc>
-                    <a:spcPct val="90000"/>
-                  </a:lnSpc>
-                  <a:spcBef>
-                    <a:spcPts val="1000"/>
-                  </a:spcBef>
-                  <a:buFont typeface="Arial" panose="020B0604020202020204" pitchFamily="34" charset="0"/>
-                  <a:buChar char="•"/>
-                  <a:defRPr sz="2800" kern="1200">
-                    <a:solidFill>
-                      <a:schemeClr val="tx1"/>
-                    </a:solidFill>
-                    <a:latin typeface="+mn-lt"/>
-                    <a:ea typeface="+mn-ea"/>
-                    <a:cs typeface="+mn-cs"/>
-                  </a:defRPr>
-                </a:lvl1pPr>
-                <a:lvl2pPr marL="685800" indent="-228600" algn="l" defTabSz="914400" rtl="0" eaLnBrk="1" latinLnBrk="0" hangingPunct="1">
-                  <a:lnSpc>
-                    <a:spcPct val="90000"/>
-                  </a:lnSpc>
-                  <a:spcBef>
-                    <a:spcPts val="500"/>
-                  </a:spcBef>
-                  <a:buFont typeface="Arial" panose="020B0604020202020204" pitchFamily="34" charset="0"/>
-                  <a:buChar char="•"/>
-                  <a:defRPr sz="2400" kern="1200">
-                    <a:solidFill>
-                      <a:schemeClr val="tx1"/>
-                    </a:solidFill>
-                    <a:latin typeface="+mn-lt"/>
-                    <a:ea typeface="+mn-ea"/>
-                    <a:cs typeface="+mn-cs"/>
-                  </a:defRPr>
-                </a:lvl2pPr>
-                <a:lvl3pPr marL="1143000" indent="-228600" algn="l" defTabSz="914400" rtl="0" eaLnBrk="1" latinLnBrk="0" hangingPunct="1">
-                  <a:lnSpc>
-                    <a:spcPct val="90000"/>
-                  </a:lnSpc>
-                  <a:spcBef>
-                    <a:spcPts val="500"/>
-                  </a:spcBef>
-                  <a:buFont typeface="Arial" panose="020B0604020202020204" pitchFamily="34" charset="0"/>
-                  <a:buChar char="•"/>
-                  <a:defRPr sz="2000" kern="1200">
-                    <a:solidFill>
-                      <a:schemeClr val="tx1"/>
-                    </a:solidFill>
-                    <a:latin typeface="+mn-lt"/>
-                    <a:ea typeface="+mn-ea"/>
-                    <a:cs typeface="+mn-cs"/>
-                  </a:defRPr>
-                </a:lvl3pPr>
-                <a:lvl4pPr marL="1600200" indent="-228600" algn="l" defTabSz="914400" rtl="0" eaLnBrk="1" latinLnBrk="0" hangingPunct="1">
-                  <a:lnSpc>
-                    <a:spcPct val="90000"/>
-                  </a:lnSpc>
-                  <a:spcBef>
-                    <a:spcPts val="500"/>
-                  </a:spcBef>
-                  <a:buFont typeface="Arial" panose="020B0604020202020204" pitchFamily="34" charset="0"/>
-                  <a:buChar char="•"/>
-                  <a:defRPr sz="1800" kern="1200">
-                    <a:solidFill>
-                      <a:schemeClr val="tx1"/>
-                    </a:solidFill>
-                    <a:latin typeface="+mn-lt"/>
-                    <a:ea typeface="+mn-ea"/>
-                    <a:cs typeface="+mn-cs"/>
-                  </a:defRPr>
-                </a:lvl4pPr>
-                <a:lvl5pPr marL="2057400" indent="-228600" algn="l" defTabSz="914400" rtl="0" eaLnBrk="1" latinLnBrk="0" hangingPunct="1">
-                  <a:lnSpc>
-                    <a:spcPct val="90000"/>
-                  </a:lnSpc>
-                  <a:spcBef>
-                    <a:spcPts val="500"/>
-                  </a:spcBef>
-                  <a:buFont typeface="Arial" panose="020B0604020202020204" pitchFamily="34" charset="0"/>
-                  <a:buChar char="•"/>
-                  <a:defRPr sz="1800" kern="1200">
-                    <a:solidFill>
-                      <a:schemeClr val="tx1"/>
-                    </a:solidFill>
-                    <a:latin typeface="+mn-lt"/>
-                    <a:ea typeface="+mn-ea"/>
-                    <a:cs typeface="+mn-cs"/>
-                  </a:defRPr>
-                </a:lvl5pPr>
-                <a:lvl6pPr marL="2514600" indent="-228600" algn="l" defTabSz="914400" rtl="0" eaLnBrk="1" latinLnBrk="0" hangingPunct="1">
-                  <a:lnSpc>
-                    <a:spcPct val="90000"/>
-                  </a:lnSpc>
-                  <a:spcBef>
-                    <a:spcPts val="500"/>
-                  </a:spcBef>
-                  <a:buFont typeface="Arial" panose="020B0604020202020204" pitchFamily="34" charset="0"/>
-                  <a:buChar char="•"/>
-                  <a:defRPr sz="1800" kern="1200">
-                    <a:solidFill>
-                      <a:schemeClr val="tx1"/>
-                    </a:solidFill>
-                    <a:latin typeface="+mn-lt"/>
-                    <a:ea typeface="+mn-ea"/>
-                    <a:cs typeface="+mn-cs"/>
-                  </a:defRPr>
-                </a:lvl6pPr>
-                <a:lvl7pPr marL="2971800" indent="-228600" algn="l" defTabSz="914400" rtl="0" eaLnBrk="1" latinLnBrk="0" hangingPunct="1">
-                  <a:lnSpc>
-                    <a:spcPct val="90000"/>
-                  </a:lnSpc>
-                  <a:spcBef>
-                    <a:spcPts val="500"/>
-                  </a:spcBef>
-                  <a:buFont typeface="Arial" panose="020B0604020202020204" pitchFamily="34" charset="0"/>
-                  <a:buChar char="•"/>
-                  <a:defRPr sz="1800" kern="1200">
-                    <a:solidFill>
-                      <a:schemeClr val="tx1"/>
-                    </a:solidFill>
-                    <a:latin typeface="+mn-lt"/>
-                    <a:ea typeface="+mn-ea"/>
-                    <a:cs typeface="+mn-cs"/>
-                  </a:defRPr>
-                </a:lvl7pPr>
-                <a:lvl8pPr marL="3429000" indent="-228600" algn="l" defTabSz="914400" rtl="0" eaLnBrk="1" latinLnBrk="0" hangingPunct="1">
-                  <a:lnSpc>
-                    <a:spcPct val="90000"/>
-                  </a:lnSpc>
-                  <a:spcBef>
-                    <a:spcPts val="500"/>
-                  </a:spcBef>
-                  <a:buFont typeface="Arial" panose="020B0604020202020204" pitchFamily="34" charset="0"/>
-                  <a:buChar char="•"/>
-                  <a:defRPr sz="1800" kern="1200">
-                    <a:solidFill>
-                      <a:schemeClr val="tx1"/>
-                    </a:solidFill>
-                    <a:latin typeface="+mn-lt"/>
-                    <a:ea typeface="+mn-ea"/>
-                    <a:cs typeface="+mn-cs"/>
-                  </a:defRPr>
-                </a:lvl8pPr>
-                <a:lvl9pPr marL="3886200" indent="-228600" algn="l" defTabSz="914400" rtl="0" eaLnBrk="1" latinLnBrk="0" hangingPunct="1">
-                  <a:lnSpc>
-                    <a:spcPct val="90000"/>
-                  </a:lnSpc>
-                  <a:spcBef>
-                    <a:spcPts val="500"/>
-                  </a:spcBef>
-                  <a:buFont typeface="Arial" panose="020B0604020202020204" pitchFamily="34" charset="0"/>
-                  <a:buChar char="•"/>
-                  <a:defRPr sz="1800" kern="1200">
-                    <a:solidFill>
-                      <a:schemeClr val="tx1"/>
-                    </a:solidFill>
-                    <a:latin typeface="+mn-lt"/>
-                    <a:ea typeface="+mn-ea"/>
-                    <a:cs typeface="+mn-cs"/>
-                  </a:defRPr>
-                </a:lvl9pPr>
-              </a:lstStyle>
-              <a:p>
-                <a:pPr marL="0" indent="0" algn="ctr">
-                  <a:buNone/>
-                </a:pPr>
-                <a:r>
-                  <a:rPr lang="en-US" sz="3200" dirty="0" smtClean="0">
-                    <a:latin typeface="Comic Sans MS" panose="030F0702030302020204" pitchFamily="66" charset="0"/>
-                  </a:rPr>
-                  <a:t>∀</a:t>
-                </a:r>
-                <a14:m>
-                  <m:oMath xmlns:m="http://schemas.openxmlformats.org/officeDocument/2006/math">
-                    <m:r>
-                      <m:rPr>
-                        <m:nor/>
-                      </m:rPr>
-                      <a:rPr lang="en-US" sz="3200" dirty="0">
-                        <a:latin typeface="Comic Sans MS" panose="030F0702030302020204" pitchFamily="66" charset="0"/>
-                      </a:rPr>
-                      <m:t>x</m:t>
-                    </m:r>
-                    <m:r>
-                      <m:rPr>
-                        <m:nor/>
-                      </m:rPr>
-                      <a:rPr lang="en-US" sz="3200" dirty="0">
-                        <a:latin typeface="Comic Sans MS" panose="030F0702030302020204" pitchFamily="66" charset="0"/>
-                      </a:rPr>
-                      <m:t> </m:t>
-                    </m:r>
-                    <m:r>
-                      <m:rPr>
-                        <m:nor/>
-                      </m:rPr>
-                      <a:rPr lang="en-US" sz="3200" dirty="0">
-                        <a:latin typeface="Comic Sans MS" panose="030F0702030302020204" pitchFamily="66" charset="0"/>
-                      </a:rPr>
-                      <m:t>P</m:t>
-                    </m:r>
-                    <m:r>
-                      <m:rPr>
-                        <m:nor/>
-                      </m:rPr>
-                      <a:rPr lang="en-US" sz="3200" dirty="0">
-                        <a:latin typeface="Comic Sans MS" panose="030F0702030302020204" pitchFamily="66" charset="0"/>
-                      </a:rPr>
-                      <m:t>(</m:t>
-                    </m:r>
-                    <m:r>
-                      <m:rPr>
-                        <m:nor/>
-                      </m:rPr>
-                      <a:rPr lang="en-US" sz="3200" dirty="0">
-                        <a:latin typeface="Comic Sans MS" panose="030F0702030302020204" pitchFamily="66" charset="0"/>
-                      </a:rPr>
-                      <m:t>x</m:t>
-                    </m:r>
-                    <m:r>
-                      <m:rPr>
-                        <m:nor/>
-                      </m:rPr>
-                      <a:rPr lang="en-US" sz="3200" dirty="0">
-                        <a:latin typeface="Comic Sans MS" panose="030F0702030302020204" pitchFamily="66" charset="0"/>
-                      </a:rPr>
-                      <m:t>, </m:t>
-                    </m:r>
-                    <m:r>
-                      <m:rPr>
-                        <m:nor/>
-                      </m:rPr>
-                      <a:rPr lang="en-US" sz="3200" dirty="0">
-                        <a:latin typeface="Comic Sans MS" panose="030F0702030302020204" pitchFamily="66" charset="0"/>
-                      </a:rPr>
-                      <m:t>y</m:t>
-                    </m:r>
-                    <m:r>
-                      <m:rPr>
-                        <m:nor/>
-                      </m:rPr>
-                      <a:rPr lang="en-US" sz="3200" dirty="0">
-                        <a:latin typeface="Comic Sans MS" panose="030F0702030302020204" pitchFamily="66" charset="0"/>
-                      </a:rPr>
-                      <m:t>)</m:t>
-                    </m:r>
-                    <m:r>
-                      <a:rPr lang="en-US" sz="3200" i="1" dirty="0">
-                        <a:latin typeface="Cambria Math" panose="02040503050406030204" pitchFamily="18" charset="0"/>
-                      </a:rPr>
-                      <m:t>=</m:t>
-                    </m:r>
-                    <m:r>
-                      <m:rPr>
-                        <m:nor/>
-                      </m:rPr>
-                      <a:rPr lang="en-US" sz="3200" dirty="0">
-                        <a:solidFill>
-                          <a:srgbClr val="00B050"/>
-                        </a:solidFill>
-                        <a:latin typeface="Comic Sans MS" panose="030F0702030302020204" pitchFamily="66" charset="0"/>
-                      </a:rPr>
-                      <m:t>T</m:t>
-                    </m:r>
-                  </m:oMath>
-                </a14:m>
-                <a:endParaRPr lang="en-US" sz="3200" dirty="0">
-                  <a:solidFill>
-                    <a:srgbClr val="00B050"/>
-                  </a:solidFill>
-                  <a:latin typeface="Comic Sans MS" panose="030F0702030302020204" pitchFamily="66" charset="0"/>
-                </a:endParaRPr>
-              </a:p>
-              <a:p>
-                <a:pPr marL="0" indent="0">
-                  <a:buFont typeface="Arial" panose="020B0604020202020204" pitchFamily="34" charset="0"/>
-                  <a:buNone/>
-                </a:pPr>
-                <a:endParaRPr lang="en-US" sz="3200" dirty="0">
-                  <a:latin typeface="Comic Sans MS" panose="030F0702030302020204" pitchFamily="66" charset="0"/>
-                </a:endParaRPr>
-              </a:p>
-              <a:p>
-                <a:pPr marL="0" indent="0">
-                  <a:buFont typeface="Arial" panose="020B0604020202020204" pitchFamily="34" charset="0"/>
-                  <a:buNone/>
-                </a:pPr>
-                <a:endParaRPr lang="en-US" sz="3200" dirty="0">
-                  <a:solidFill>
-                    <a:srgbClr val="FF0000"/>
-                  </a:solidFill>
-                  <a:latin typeface="Comic Sans MS" panose="030F0702030302020204" pitchFamily="66" charset="0"/>
-                </a:endParaRPr>
-              </a:p>
-            </p:txBody>
-          </p:sp>
-        </mc:Choice>
-        <mc:Fallback xmlns="">
-          <p:sp>
-            <p:nvSpPr>
-              <p:cNvPr id="4" name="Content Placeholder 2">
-                <a:extLst>
-                  <a:ext uri="{FF2B5EF4-FFF2-40B4-BE49-F238E27FC236}">
-                    <a16:creationId xmlns:a16="http://schemas.microsoft.com/office/drawing/2014/main" xmlns:a14="http://schemas.microsoft.com/office/drawing/2010/main" xmlns="" id="{8FD3E7E3-6406-4C87-9E06-5BA40AA66E22}"/>
-                  </a:ext>
-                </a:extLst>
-              </p:cNvPr>
-              <p:cNvSpPr txBox="1">
-                <a:spLocks noRot="1" noChangeAspect="1" noMove="1" noResize="1" noEditPoints="1" noAdjustHandles="1" noChangeArrowheads="1" noChangeShapeType="1" noTextEdit="1"/>
-              </p:cNvSpPr>
-              <p:nvPr/>
-            </p:nvSpPr>
-            <p:spPr>
-              <a:xfrm>
-                <a:off x="826827" y="3793177"/>
-                <a:ext cx="10515600" cy="1831975"/>
-              </a:xfrm>
-              <a:prstGeom prst="rect">
-                <a:avLst/>
-              </a:prstGeom>
-              <a:blipFill rotWithShape="0">
-                <a:blip r:embed="rId2"/>
-                <a:stretch>
-                  <a:fillRect t="-7641"/>
-                </a:stretch>
-              </a:blipFill>
-            </p:spPr>
-            <p:txBody>
-              <a:bodyPr/>
-              <a:lstStyle/>
-              <a:p>
-                <a:r>
-                  <a:rPr lang="en-US">
-                    <a:noFill/>
-                  </a:rPr>
-                  <a:t> </a:t>
-                </a:r>
-              </a:p>
-            </p:txBody>
-          </p:sp>
-        </mc:Fallback>
-      </mc:AlternateContent>
-    </p:spTree>
-    <p:extLst>
-      <p:ext uri="{BB962C8B-B14F-4D97-AF65-F5344CB8AC3E}">
-        <p14:creationId xmlns:p14="http://schemas.microsoft.com/office/powerpoint/2010/main" val="2361294330"/>
-      </p:ext>
-    </p:extLst>
-  </p:cSld>
-  <p:clrMapOvr>
-    <a:masterClrMapping/>
-  </p:clrMapOvr>
-  <p:timing>
-    <p:tnLst>
-      <p:par>
-        <p:cTn id="1" dur="indefinite" restart="never" nodeType="tmRoot">
-          <p:childTnLst>
-            <p:seq concurrent="1" nextAc="seek">
-              <p:cTn id="2" dur="indefinite" nodeType="mainSeq">
-                <p:childTnLst>
-                  <p:par>
-                    <p:cTn id="3" fill="hold">
-                      <p:stCondLst>
-                        <p:cond delay="indefinite"/>
-                      </p:stCondLst>
-                      <p:childTnLst>
-                        <p:par>
-                          <p:cTn id="4" fill="hold">
-                            <p:stCondLst>
-                              <p:cond delay="0"/>
-                            </p:stCondLst>
-                            <p:childTnLst>
-                              <p:par>
-                                <p:cTn id="5" presetID="1" presetClass="entr" presetSubtype="0" fill="hold" grpId="0" nodeType="clickEffect">
-                                  <p:stCondLst>
-                                    <p:cond delay="0"/>
-                                  </p:stCondLst>
-                                  <p:childTnLst>
-                                    <p:set>
-                                      <p:cBhvr>
-                                        <p:cTn id="6" dur="1" fill="hold">
-                                          <p:stCondLst>
-                                            <p:cond delay="0"/>
-                                          </p:stCondLst>
-                                        </p:cTn>
-                                        <p:tgtEl>
-                                          <p:spTgt spid="4"/>
-                                        </p:tgtEl>
-                                        <p:attrNameLst>
-                                          <p:attrName>style.visibility</p:attrName>
-                                        </p:attrNameLst>
-                                      </p:cBhvr>
-                                      <p:to>
-                                        <p:strVal val="visible"/>
-                                      </p:to>
-                                    </p:set>
-                                  </p:childTnLst>
-                                </p:cTn>
-                              </p:par>
-                            </p:childTnLst>
-                          </p:cTn>
-                        </p:par>
-                      </p:childTnLst>
-                    </p:cTn>
-                  </p:par>
-                </p:childTnLst>
-              </p:cTn>
-              <p:prevCondLst>
-                <p:cond evt="onPrev" delay="0">
-                  <p:tgtEl>
-                    <p:sldTgt/>
-                  </p:tgtEl>
-                </p:cond>
-              </p:prevCondLst>
-              <p:nextCondLst>
-                <p:cond evt="onNext" delay="0">
-                  <p:tgtEl>
-                    <p:sldTgt/>
-                  </p:tgtEl>
-                </p:cond>
-              </p:nextCondLst>
-            </p:seq>
-          </p:childTnLst>
-        </p:cTn>
-      </p:par>
-    </p:tnLst>
-    <p:bldLst>
-      <p:bldP spid="4" grpId="0"/>
-    </p:bldLst>
-  </p:timing>
-</p:sld>
-</file>
-
-<file path=ppt/slides/slide12.xml><?xml version="1.0" encoding="utf-8"?>
-<p:sld xmlns:a="http://schemas.openxmlformats.org/drawingml/2006/main" xmlns:r="http://schemas.openxmlformats.org/officeDocument/2006/relationships" xmlns:p="http://schemas.openxmlformats.org/presentationml/2006/main">
-  <p:cSld>
-    <p:spTree>
-      <p:nvGrpSpPr>
-        <p:cNvPr id="1" name=""/>
-        <p:cNvGrpSpPr/>
-        <p:nvPr/>
-      </p:nvGrpSpPr>
-      <p:grpSpPr>
-        <a:xfrm>
-          <a:off x="0" y="0"/>
-          <a:ext cx="0" cy="0"/>
-          <a:chOff x="0" y="0"/>
-          <a:chExt cx="0" cy="0"/>
-        </a:xfrm>
-      </p:grpSpPr>
-      <p:sp>
-        <p:nvSpPr>
-          <p:cNvPr id="2" name="Title 1">
-            <a:extLst>
-              <a:ext uri="{FF2B5EF4-FFF2-40B4-BE49-F238E27FC236}">
-                <a16:creationId xmlns="" xmlns:a16="http://schemas.microsoft.com/office/drawing/2014/main" id="{64FC46BD-FCD3-4070-A2FE-CF068D21089D}"/>
-              </a:ext>
-            </a:extLst>
-          </p:cNvPr>
-          <p:cNvSpPr>
-            <a:spLocks noGrp="1"/>
-          </p:cNvSpPr>
-          <p:nvPr>
-            <p:ph type="title"/>
-          </p:nvPr>
-        </p:nvSpPr>
-        <p:spPr/>
-        <p:txBody>
-          <a:bodyPr/>
-          <a:lstStyle/>
-          <a:p>
-            <a:r>
-              <a:rPr lang="en-US" dirty="0">
-                <a:latin typeface="Comic Sans MS" panose="030F0702030302020204" pitchFamily="66" charset="0"/>
-              </a:rPr>
-              <a:t>Universal Quantifier</a:t>
-            </a:r>
-          </a:p>
-        </p:txBody>
-      </p:sp>
-      <mc:AlternateContent xmlns:mc="http://schemas.openxmlformats.org/markup-compatibility/2006" xmlns:a14="http://schemas.microsoft.com/office/drawing/2010/main">
-        <mc:Choice Requires="a14">
-          <p:sp>
-            <p:nvSpPr>
-              <p:cNvPr id="3" name="Content Placeholder 2">
-                <a:extLst>
-                  <a:ext uri="{FF2B5EF4-FFF2-40B4-BE49-F238E27FC236}">
-                    <a16:creationId xmlns="" xmlns:a16="http://schemas.microsoft.com/office/drawing/2014/main" id="{8FD3E7E3-6406-4C87-9E06-5BA40AA66E22}"/>
-                  </a:ext>
-                </a:extLst>
-              </p:cNvPr>
-              <p:cNvSpPr>
-                <a:spLocks noGrp="1"/>
-              </p:cNvSpPr>
-              <p:nvPr>
-                <p:ph idx="1"/>
-              </p:nvPr>
-            </p:nvSpPr>
-            <p:spPr/>
-            <p:txBody>
-              <a:bodyPr>
-                <a:normAutofit/>
-              </a:bodyPr>
-              <a:lstStyle/>
-              <a:p>
-                <a:pPr marL="0" indent="0">
-                  <a:buNone/>
-                </a:pPr>
-                <a:r>
-                  <a:rPr lang="en-US" sz="3200" dirty="0">
-                    <a:latin typeface="Comic Sans MS" panose="030F0702030302020204" pitchFamily="66" charset="0"/>
-                  </a:rPr>
-                  <a:t>Let x, y range over </a:t>
-                </a:r>
-                <a14:m>
-                  <m:oMath xmlns:m="http://schemas.openxmlformats.org/officeDocument/2006/math">
-                    <m:r>
-                      <a:rPr lang="en-US" sz="3200" i="1" smtClean="0">
-                        <a:latin typeface="Cambria Math" panose="02040503050406030204" pitchFamily="18" charset="0"/>
-                        <a:ea typeface="Cambria Math" panose="02040503050406030204" pitchFamily="18" charset="0"/>
-                      </a:rPr>
-                      <m:t>ℕ</m:t>
-                    </m:r>
-                    <m:r>
-                      <a:rPr lang="en-US" sz="3200" b="0" i="1" smtClean="0">
-                        <a:latin typeface="Cambria Math" panose="02040503050406030204" pitchFamily="18" charset="0"/>
-                        <a:ea typeface="Cambria Math" panose="02040503050406030204" pitchFamily="18" charset="0"/>
-                      </a:rPr>
-                      <m:t>={0, 1, 2, …}</m:t>
-                    </m:r>
-                  </m:oMath>
-                </a14:m>
-                <a:r>
-                  <a:rPr lang="en-US" sz="3200" dirty="0">
-                    <a:latin typeface="Comic Sans MS" panose="030F0702030302020204" pitchFamily="66" charset="0"/>
-                  </a:rPr>
-                  <a:t/>
-                </a:r>
-                <a:br>
-                  <a:rPr lang="en-US" sz="3200" dirty="0">
-                    <a:latin typeface="Comic Sans MS" panose="030F0702030302020204" pitchFamily="66" charset="0"/>
-                  </a:rPr>
-                </a:br>
-                <a:r>
-                  <a:rPr lang="en-US" sz="3200" dirty="0">
-                    <a:latin typeface="Comic Sans MS" panose="030F0702030302020204" pitchFamily="66" charset="0"/>
-                  </a:rPr>
-                  <a:t>P(x, y) ::= [x + y &gt; 0] </a:t>
-                </a:r>
-              </a:p>
-              <a:p>
-                <a:pPr marL="0" indent="0" algn="ctr">
-                  <a:buNone/>
-                </a:pPr>
-                <a:r>
-                  <a:rPr lang="en-US" sz="3200" dirty="0">
-                    <a:latin typeface="Comic Sans MS" panose="030F0702030302020204" pitchFamily="66" charset="0"/>
-                  </a:rPr>
-                  <a:t>∀</a:t>
-                </a:r>
-                <a14:m>
-                  <m:oMath xmlns:m="http://schemas.openxmlformats.org/officeDocument/2006/math">
-                    <m:r>
-                      <m:rPr>
-                        <m:nor/>
-                      </m:rPr>
-                      <a:rPr lang="en-US" sz="3200" dirty="0">
-                        <a:latin typeface="Comic Sans MS" panose="030F0702030302020204" pitchFamily="66" charset="0"/>
-                      </a:rPr>
-                      <m:t>x</m:t>
-                    </m:r>
-                    <m:r>
-                      <m:rPr>
-                        <m:nor/>
-                      </m:rPr>
-                      <a:rPr lang="en-US" sz="3200" dirty="0">
-                        <a:latin typeface="Comic Sans MS" panose="030F0702030302020204" pitchFamily="66" charset="0"/>
-                      </a:rPr>
-                      <m:t> </m:t>
-                    </m:r>
-                    <m:r>
-                      <m:rPr>
-                        <m:nor/>
-                      </m:rPr>
-                      <a:rPr lang="en-US" sz="3200" dirty="0">
-                        <a:latin typeface="Comic Sans MS" panose="030F0702030302020204" pitchFamily="66" charset="0"/>
-                      </a:rPr>
-                      <m:t>P</m:t>
-                    </m:r>
-                    <m:r>
-                      <m:rPr>
-                        <m:nor/>
-                      </m:rPr>
-                      <a:rPr lang="en-US" sz="3200" dirty="0">
-                        <a:latin typeface="Comic Sans MS" panose="030F0702030302020204" pitchFamily="66" charset="0"/>
-                      </a:rPr>
-                      <m:t>(</m:t>
-                    </m:r>
-                    <m:r>
-                      <m:rPr>
-                        <m:nor/>
-                      </m:rPr>
-                      <a:rPr lang="en-US" sz="3200" dirty="0">
-                        <a:latin typeface="Comic Sans MS" panose="030F0702030302020204" pitchFamily="66" charset="0"/>
-                      </a:rPr>
-                      <m:t>x</m:t>
-                    </m:r>
-                    <m:r>
-                      <m:rPr>
-                        <m:nor/>
-                      </m:rPr>
-                      <a:rPr lang="en-US" sz="3200" dirty="0">
-                        <a:latin typeface="Comic Sans MS" panose="030F0702030302020204" pitchFamily="66" charset="0"/>
-                      </a:rPr>
-                      <m:t>, </m:t>
-                    </m:r>
-                    <m:r>
-                      <m:rPr>
-                        <m:nor/>
-                      </m:rPr>
-                      <a:rPr lang="en-US" sz="3200" dirty="0">
-                        <a:latin typeface="Comic Sans MS" panose="030F0702030302020204" pitchFamily="66" charset="0"/>
-                      </a:rPr>
-                      <m:t>y</m:t>
-                    </m:r>
-                    <m:r>
-                      <m:rPr>
-                        <m:nor/>
-                      </m:rPr>
-                      <a:rPr lang="en-US" sz="3200" dirty="0">
-                        <a:latin typeface="Comic Sans MS" panose="030F0702030302020204" pitchFamily="66" charset="0"/>
-                      </a:rPr>
-                      <m:t>)</m:t>
-                    </m:r>
-                    <m:r>
-                      <a:rPr lang="en-US" sz="3200" i="1" dirty="0">
-                        <a:latin typeface="Cambria Math" panose="02040503050406030204" pitchFamily="18" charset="0"/>
-                      </a:rPr>
-                      <m:t>=</m:t>
-                    </m:r>
-                    <m:r>
-                      <m:rPr>
-                        <m:nor/>
-                      </m:rPr>
-                      <a:rPr lang="en-US" sz="3200" b="0" i="0" dirty="0" smtClean="0">
-                        <a:latin typeface="Cambria Math" panose="02040503050406030204" pitchFamily="18" charset="0"/>
-                      </a:rPr>
-                      <m:t>?</m:t>
-                    </m:r>
-                  </m:oMath>
-                </a14:m>
-                <a:endParaRPr lang="en-US" sz="3200" dirty="0">
-                  <a:solidFill>
-                    <a:srgbClr val="FF0000"/>
-                  </a:solidFill>
-                  <a:latin typeface="Comic Sans MS" panose="030F0702030302020204" pitchFamily="66" charset="0"/>
-                </a:endParaRPr>
-              </a:p>
-              <a:p>
-                <a:pPr marL="0" indent="0">
-                  <a:buNone/>
-                </a:pPr>
-                <a:r>
-                  <a:rPr lang="en-US" sz="3200" dirty="0">
-                    <a:latin typeface="Comic Sans MS" panose="030F0702030302020204" pitchFamily="66" charset="0"/>
-                  </a:rPr>
-                  <a:t/>
-                </a:r>
-                <a:br>
-                  <a:rPr lang="en-US" sz="3200" dirty="0">
-                    <a:latin typeface="Comic Sans MS" panose="030F0702030302020204" pitchFamily="66" charset="0"/>
-                  </a:rPr>
-                </a:br>
-                <a:endParaRPr lang="en-US" sz="3200" dirty="0">
-                  <a:latin typeface="Comic Sans MS" panose="030F0702030302020204" pitchFamily="66" charset="0"/>
-                </a:endParaRPr>
-              </a:p>
-            </p:txBody>
-          </p:sp>
-        </mc:Choice>
-        <mc:Fallback xmlns="">
-          <p:sp>
-            <p:nvSpPr>
-              <p:cNvPr id="3" name="Content Placeholder 2">
-                <a:extLst>
-                  <a:ext uri="{FF2B5EF4-FFF2-40B4-BE49-F238E27FC236}">
-                    <a16:creationId xmlns:a16="http://schemas.microsoft.com/office/drawing/2014/main" xmlns:a14="http://schemas.microsoft.com/office/drawing/2010/main" xmlns="" id="{8FD3E7E3-6406-4C87-9E06-5BA40AA66E22}"/>
-                  </a:ext>
-                </a:extLst>
-              </p:cNvPr>
-              <p:cNvSpPr>
-                <a:spLocks noGrp="1" noRot="1" noChangeAspect="1" noMove="1" noResize="1" noEditPoints="1" noAdjustHandles="1" noChangeArrowheads="1" noChangeShapeType="1" noTextEdit="1"/>
-              </p:cNvSpPr>
-              <p:nvPr>
-                <p:ph idx="1"/>
-              </p:nvPr>
-            </p:nvSpPr>
-            <p:spPr>
-              <a:blipFill rotWithShape="0">
-                <a:blip r:embed="rId2"/>
-                <a:stretch>
-                  <a:fillRect l="-1507" t="-2941"/>
-                </a:stretch>
-              </a:blipFill>
-            </p:spPr>
-            <p:txBody>
-              <a:bodyPr/>
-              <a:lstStyle/>
-              <a:p>
-                <a:r>
-                  <a:rPr lang="en-US">
-                    <a:noFill/>
-                  </a:rPr>
-                  <a:t> </a:t>
-                </a:r>
-              </a:p>
-            </p:txBody>
-          </p:sp>
-        </mc:Fallback>
-      </mc:AlternateContent>
-    </p:spTree>
-    <p:extLst>
-      <p:ext uri="{BB962C8B-B14F-4D97-AF65-F5344CB8AC3E}">
-        <p14:creationId xmlns:p14="http://schemas.microsoft.com/office/powerpoint/2010/main" val="3375319454"/>
-      </p:ext>
-    </p:extLst>
-  </p:cSld>
-  <p:clrMapOvr>
-    <a:masterClrMapping/>
-  </p:clrMapOvr>
-  <p:timing>
-    <p:tnLst>
-      <p:par>
-        <p:cTn id="1" dur="indefinite" restart="never" nodeType="tmRoot"/>
-      </p:par>
-    </p:tnLst>
-  </p:timing>
-</p:sld>
-</file>
-
-<file path=ppt/slides/slide13.xml><?xml version="1.0" encoding="utf-8"?>
-<p:sld xmlns:a="http://schemas.openxmlformats.org/drawingml/2006/main" xmlns:r="http://schemas.openxmlformats.org/officeDocument/2006/relationships" xmlns:p="http://schemas.openxmlformats.org/presentationml/2006/main">
-  <p:cSld>
-    <p:spTree>
-      <p:nvGrpSpPr>
-        <p:cNvPr id="1" name=""/>
-        <p:cNvGrpSpPr/>
-        <p:nvPr/>
-      </p:nvGrpSpPr>
-      <p:grpSpPr>
-        <a:xfrm>
-          <a:off x="0" y="0"/>
-          <a:ext cx="0" cy="0"/>
-          <a:chOff x="0" y="0"/>
-          <a:chExt cx="0" cy="0"/>
-        </a:xfrm>
-      </p:grpSpPr>
-      <p:sp>
-        <p:nvSpPr>
-          <p:cNvPr id="2" name="Title 1">
-            <a:extLst>
-              <a:ext uri="{FF2B5EF4-FFF2-40B4-BE49-F238E27FC236}">
-                <a16:creationId xmlns="" xmlns:a16="http://schemas.microsoft.com/office/drawing/2014/main" id="{64FC46BD-FCD3-4070-A2FE-CF068D21089D}"/>
-              </a:ext>
-            </a:extLst>
-          </p:cNvPr>
-          <p:cNvSpPr>
-            <a:spLocks noGrp="1"/>
-          </p:cNvSpPr>
-          <p:nvPr>
-            <p:ph type="title"/>
-          </p:nvPr>
-        </p:nvSpPr>
-        <p:spPr/>
-        <p:txBody>
-          <a:bodyPr/>
-          <a:lstStyle/>
-          <a:p>
-            <a:r>
-              <a:rPr lang="en-US" dirty="0">
-                <a:latin typeface="Comic Sans MS" panose="030F0702030302020204" pitchFamily="66" charset="0"/>
-              </a:rPr>
-              <a:t>Universal Quantifier</a:t>
-            </a:r>
-          </a:p>
-        </p:txBody>
-      </p:sp>
-      <p:sp>
-        <p:nvSpPr>
-          <p:cNvPr id="3" name="Content Placeholder 2">
-            <a:extLst>
-              <a:ext uri="{FF2B5EF4-FFF2-40B4-BE49-F238E27FC236}">
-                <a16:creationId xmlns="" xmlns:mc="http://schemas.openxmlformats.org/markup-compatibility/2006" xmlns:a14="http://schemas.microsoft.com/office/drawing/2010/main" xmlns:a16="http://schemas.microsoft.com/office/drawing/2014/main" id="{8FD3E7E3-6406-4C87-9E06-5BA40AA66E22}"/>
-              </a:ext>
-            </a:extLst>
-          </p:cNvPr>
-          <p:cNvSpPr>
-            <a:spLocks noGrp="1"/>
-          </p:cNvSpPr>
-          <p:nvPr>
-            <p:ph idx="1"/>
-          </p:nvPr>
-        </p:nvSpPr>
-        <p:spPr>
-          <a:xfrm>
-            <a:off x="838200" y="1825625"/>
-            <a:ext cx="10515600" cy="1900214"/>
-          </a:xfrm>
-        </p:spPr>
-        <p:txBody>
-          <a:bodyPr>
-            <a:normAutofit/>
-          </a:bodyPr>
-          <a:lstStyle/>
-          <a:p>
-            <a:pPr marL="0" indent="0">
-              <a:buNone/>
-            </a:pPr>
-            <a:r>
-              <a:rPr lang="en-US" sz="3200" dirty="0">
-                <a:latin typeface="Comic Sans MS" panose="030F0702030302020204" pitchFamily="66" charset="0"/>
-              </a:rPr>
-              <a:t>P(1, 2) ::= [1 + 2 &gt; 0] = [3 &gt; 0] </a:t>
-            </a:r>
-            <a:r>
-              <a:rPr lang="en-US" sz="3200" dirty="0">
-                <a:solidFill>
-                  <a:srgbClr val="00B050"/>
-                </a:solidFill>
-                <a:latin typeface="Comic Sans MS" panose="030F0702030302020204" pitchFamily="66" charset="0"/>
-              </a:rPr>
-              <a:t>T</a:t>
-            </a:r>
-          </a:p>
-          <a:p>
-            <a:pPr marL="0" indent="0">
-              <a:buNone/>
-            </a:pPr>
-            <a:r>
-              <a:rPr lang="en-US" sz="3200" dirty="0">
-                <a:latin typeface="Comic Sans MS" panose="030F0702030302020204" pitchFamily="66" charset="0"/>
-              </a:rPr>
-              <a:t>P(2, 3) ::= [2 + 3 &gt; 0] = [5 &gt; 0] </a:t>
-            </a:r>
-            <a:r>
-              <a:rPr lang="en-US" sz="3200" dirty="0">
-                <a:solidFill>
-                  <a:srgbClr val="00B050"/>
-                </a:solidFill>
-                <a:latin typeface="Comic Sans MS" panose="030F0702030302020204" pitchFamily="66" charset="0"/>
-              </a:rPr>
-              <a:t>T</a:t>
-            </a:r>
-          </a:p>
-          <a:p>
-            <a:pPr marL="0" indent="0">
-              <a:buNone/>
-            </a:pPr>
-            <a:r>
-              <a:rPr lang="en-US" sz="3200" dirty="0">
-                <a:latin typeface="Comic Sans MS" panose="030F0702030302020204" pitchFamily="66" charset="0"/>
-              </a:rPr>
-              <a:t>P(0, 0) ::= [0 + 0 &gt; 0] = [0 &gt; 0] </a:t>
-            </a:r>
-            <a:r>
-              <a:rPr lang="en-US" sz="3200" dirty="0" smtClean="0">
-                <a:solidFill>
-                  <a:srgbClr val="FF0000"/>
-                </a:solidFill>
-                <a:latin typeface="Comic Sans MS" panose="030F0702030302020204" pitchFamily="66" charset="0"/>
-              </a:rPr>
-              <a:t>F</a:t>
-            </a:r>
-            <a:endParaRPr lang="en-US" sz="3200" dirty="0">
-              <a:solidFill>
-                <a:srgbClr val="FF0000"/>
-              </a:solidFill>
-              <a:latin typeface="Comic Sans MS" panose="030F0702030302020204" pitchFamily="66" charset="0"/>
-            </a:endParaRPr>
-          </a:p>
-        </p:txBody>
-      </p:sp>
-      <mc:AlternateContent xmlns:mc="http://schemas.openxmlformats.org/markup-compatibility/2006" xmlns:a14="http://schemas.microsoft.com/office/drawing/2010/main">
-        <mc:Choice Requires="a14">
-          <p:sp>
-            <p:nvSpPr>
-              <p:cNvPr id="4" name="Content Placeholder 2">
-                <a:extLst>
-                  <a:ext uri="{FF2B5EF4-FFF2-40B4-BE49-F238E27FC236}">
-                    <a16:creationId xmlns="" xmlns:a16="http://schemas.microsoft.com/office/drawing/2014/main" id="{8FD3E7E3-6406-4C87-9E06-5BA40AA66E22}"/>
-                  </a:ext>
-                </a:extLst>
-              </p:cNvPr>
-              <p:cNvSpPr txBox="1">
-                <a:spLocks/>
-              </p:cNvSpPr>
-              <p:nvPr/>
-            </p:nvSpPr>
-            <p:spPr>
-              <a:xfrm>
-                <a:off x="826827" y="3793177"/>
-                <a:ext cx="10515600" cy="1831975"/>
-              </a:xfrm>
-              <a:prstGeom prst="rect">
-                <a:avLst/>
-              </a:prstGeom>
-            </p:spPr>
-            <p:txBody>
-              <a:bodyPr vert="horz" lIns="91440" tIns="45720" rIns="91440" bIns="45720" rtlCol="0">
-                <a:normAutofit/>
-              </a:bodyPr>
-              <a:lstStyle>
-                <a:lvl1pPr marL="228600" indent="-228600" algn="l" defTabSz="914400" rtl="0" eaLnBrk="1" latinLnBrk="0" hangingPunct="1">
-                  <a:lnSpc>
-                    <a:spcPct val="90000"/>
-                  </a:lnSpc>
-                  <a:spcBef>
-                    <a:spcPts val="1000"/>
-                  </a:spcBef>
-                  <a:buFont typeface="Arial" panose="020B0604020202020204" pitchFamily="34" charset="0"/>
-                  <a:buChar char="•"/>
-                  <a:defRPr sz="2800" kern="1200">
-                    <a:solidFill>
-                      <a:schemeClr val="tx1"/>
-                    </a:solidFill>
-                    <a:latin typeface="+mn-lt"/>
-                    <a:ea typeface="+mn-ea"/>
-                    <a:cs typeface="+mn-cs"/>
-                  </a:defRPr>
-                </a:lvl1pPr>
-                <a:lvl2pPr marL="685800" indent="-228600" algn="l" defTabSz="914400" rtl="0" eaLnBrk="1" latinLnBrk="0" hangingPunct="1">
-                  <a:lnSpc>
-                    <a:spcPct val="90000"/>
-                  </a:lnSpc>
-                  <a:spcBef>
-                    <a:spcPts val="500"/>
-                  </a:spcBef>
-                  <a:buFont typeface="Arial" panose="020B0604020202020204" pitchFamily="34" charset="0"/>
-                  <a:buChar char="•"/>
-                  <a:defRPr sz="2400" kern="1200">
-                    <a:solidFill>
-                      <a:schemeClr val="tx1"/>
-                    </a:solidFill>
-                    <a:latin typeface="+mn-lt"/>
-                    <a:ea typeface="+mn-ea"/>
-                    <a:cs typeface="+mn-cs"/>
-                  </a:defRPr>
-                </a:lvl2pPr>
-                <a:lvl3pPr marL="1143000" indent="-228600" algn="l" defTabSz="914400" rtl="0" eaLnBrk="1" latinLnBrk="0" hangingPunct="1">
-                  <a:lnSpc>
-                    <a:spcPct val="90000"/>
-                  </a:lnSpc>
-                  <a:spcBef>
-                    <a:spcPts val="500"/>
-                  </a:spcBef>
-                  <a:buFont typeface="Arial" panose="020B0604020202020204" pitchFamily="34" charset="0"/>
-                  <a:buChar char="•"/>
-                  <a:defRPr sz="2000" kern="1200">
-                    <a:solidFill>
-                      <a:schemeClr val="tx1"/>
-                    </a:solidFill>
-                    <a:latin typeface="+mn-lt"/>
-                    <a:ea typeface="+mn-ea"/>
-                    <a:cs typeface="+mn-cs"/>
-                  </a:defRPr>
-                </a:lvl3pPr>
-                <a:lvl4pPr marL="1600200" indent="-228600" algn="l" defTabSz="914400" rtl="0" eaLnBrk="1" latinLnBrk="0" hangingPunct="1">
-                  <a:lnSpc>
-                    <a:spcPct val="90000"/>
-                  </a:lnSpc>
-                  <a:spcBef>
-                    <a:spcPts val="500"/>
-                  </a:spcBef>
-                  <a:buFont typeface="Arial" panose="020B0604020202020204" pitchFamily="34" charset="0"/>
-                  <a:buChar char="•"/>
-                  <a:defRPr sz="1800" kern="1200">
-                    <a:solidFill>
-                      <a:schemeClr val="tx1"/>
-                    </a:solidFill>
-                    <a:latin typeface="+mn-lt"/>
-                    <a:ea typeface="+mn-ea"/>
-                    <a:cs typeface="+mn-cs"/>
-                  </a:defRPr>
-                </a:lvl4pPr>
-                <a:lvl5pPr marL="2057400" indent="-228600" algn="l" defTabSz="914400" rtl="0" eaLnBrk="1" latinLnBrk="0" hangingPunct="1">
-                  <a:lnSpc>
-                    <a:spcPct val="90000"/>
-                  </a:lnSpc>
-                  <a:spcBef>
-                    <a:spcPts val="500"/>
-                  </a:spcBef>
-                  <a:buFont typeface="Arial" panose="020B0604020202020204" pitchFamily="34" charset="0"/>
-                  <a:buChar char="•"/>
-                  <a:defRPr sz="1800" kern="1200">
-                    <a:solidFill>
-                      <a:schemeClr val="tx1"/>
-                    </a:solidFill>
-                    <a:latin typeface="+mn-lt"/>
-                    <a:ea typeface="+mn-ea"/>
-                    <a:cs typeface="+mn-cs"/>
-                  </a:defRPr>
-                </a:lvl5pPr>
-                <a:lvl6pPr marL="2514600" indent="-228600" algn="l" defTabSz="914400" rtl="0" eaLnBrk="1" latinLnBrk="0" hangingPunct="1">
-                  <a:lnSpc>
-                    <a:spcPct val="90000"/>
-                  </a:lnSpc>
-                  <a:spcBef>
-                    <a:spcPts val="500"/>
-                  </a:spcBef>
-                  <a:buFont typeface="Arial" panose="020B0604020202020204" pitchFamily="34" charset="0"/>
-                  <a:buChar char="•"/>
-                  <a:defRPr sz="1800" kern="1200">
-                    <a:solidFill>
-                      <a:schemeClr val="tx1"/>
-                    </a:solidFill>
-                    <a:latin typeface="+mn-lt"/>
-                    <a:ea typeface="+mn-ea"/>
-                    <a:cs typeface="+mn-cs"/>
-                  </a:defRPr>
-                </a:lvl6pPr>
-                <a:lvl7pPr marL="2971800" indent="-228600" algn="l" defTabSz="914400" rtl="0" eaLnBrk="1" latinLnBrk="0" hangingPunct="1">
-                  <a:lnSpc>
-                    <a:spcPct val="90000"/>
-                  </a:lnSpc>
-                  <a:spcBef>
-                    <a:spcPts val="500"/>
-                  </a:spcBef>
-                  <a:buFont typeface="Arial" panose="020B0604020202020204" pitchFamily="34" charset="0"/>
-                  <a:buChar char="•"/>
-                  <a:defRPr sz="1800" kern="1200">
-                    <a:solidFill>
-                      <a:schemeClr val="tx1"/>
-                    </a:solidFill>
-                    <a:latin typeface="+mn-lt"/>
-                    <a:ea typeface="+mn-ea"/>
-                    <a:cs typeface="+mn-cs"/>
-                  </a:defRPr>
-                </a:lvl7pPr>
-                <a:lvl8pPr marL="3429000" indent="-228600" algn="l" defTabSz="914400" rtl="0" eaLnBrk="1" latinLnBrk="0" hangingPunct="1">
-                  <a:lnSpc>
-                    <a:spcPct val="90000"/>
-                  </a:lnSpc>
-                  <a:spcBef>
-                    <a:spcPts val="500"/>
-                  </a:spcBef>
-                  <a:buFont typeface="Arial" panose="020B0604020202020204" pitchFamily="34" charset="0"/>
-                  <a:buChar char="•"/>
-                  <a:defRPr sz="1800" kern="1200">
-                    <a:solidFill>
-                      <a:schemeClr val="tx1"/>
-                    </a:solidFill>
-                    <a:latin typeface="+mn-lt"/>
-                    <a:ea typeface="+mn-ea"/>
-                    <a:cs typeface="+mn-cs"/>
-                  </a:defRPr>
-                </a:lvl8pPr>
-                <a:lvl9pPr marL="3886200" indent="-228600" algn="l" defTabSz="914400" rtl="0" eaLnBrk="1" latinLnBrk="0" hangingPunct="1">
-                  <a:lnSpc>
-                    <a:spcPct val="90000"/>
-                  </a:lnSpc>
-                  <a:spcBef>
-                    <a:spcPts val="500"/>
-                  </a:spcBef>
-                  <a:buFont typeface="Arial" panose="020B0604020202020204" pitchFamily="34" charset="0"/>
-                  <a:buChar char="•"/>
-                  <a:defRPr sz="1800" kern="1200">
-                    <a:solidFill>
-                      <a:schemeClr val="tx1"/>
-                    </a:solidFill>
-                    <a:latin typeface="+mn-lt"/>
-                    <a:ea typeface="+mn-ea"/>
-                    <a:cs typeface="+mn-cs"/>
-                  </a:defRPr>
-                </a:lvl9pPr>
-              </a:lstStyle>
-              <a:p>
-                <a:pPr marL="0" indent="0" algn="ctr">
-                  <a:buNone/>
-                </a:pPr>
-                <a:r>
-                  <a:rPr lang="en-US" sz="3200" dirty="0" smtClean="0">
-                    <a:latin typeface="Comic Sans MS" panose="030F0702030302020204" pitchFamily="66" charset="0"/>
-                  </a:rPr>
-                  <a:t>∀</a:t>
-                </a:r>
-                <a14:m>
-                  <m:oMath xmlns:m="http://schemas.openxmlformats.org/officeDocument/2006/math">
-                    <m:r>
-                      <m:rPr>
-                        <m:nor/>
-                      </m:rPr>
-                      <a:rPr lang="en-US" sz="3200" dirty="0">
-                        <a:latin typeface="Comic Sans MS" panose="030F0702030302020204" pitchFamily="66" charset="0"/>
-                      </a:rPr>
-                      <m:t>x</m:t>
-                    </m:r>
-                    <m:r>
-                      <m:rPr>
-                        <m:nor/>
-                      </m:rPr>
-                      <a:rPr lang="en-US" sz="3200" dirty="0">
-                        <a:latin typeface="Comic Sans MS" panose="030F0702030302020204" pitchFamily="66" charset="0"/>
-                      </a:rPr>
-                      <m:t> </m:t>
-                    </m:r>
-                    <m:r>
-                      <m:rPr>
-                        <m:nor/>
-                      </m:rPr>
-                      <a:rPr lang="en-US" sz="3200" dirty="0">
-                        <a:latin typeface="Comic Sans MS" panose="030F0702030302020204" pitchFamily="66" charset="0"/>
-                      </a:rPr>
-                      <m:t>P</m:t>
-                    </m:r>
-                    <m:r>
-                      <m:rPr>
-                        <m:nor/>
-                      </m:rPr>
-                      <a:rPr lang="en-US" sz="3200" dirty="0">
-                        <a:latin typeface="Comic Sans MS" panose="030F0702030302020204" pitchFamily="66" charset="0"/>
-                      </a:rPr>
-                      <m:t>(</m:t>
-                    </m:r>
-                    <m:r>
-                      <m:rPr>
-                        <m:nor/>
-                      </m:rPr>
-                      <a:rPr lang="en-US" sz="3200" dirty="0">
-                        <a:latin typeface="Comic Sans MS" panose="030F0702030302020204" pitchFamily="66" charset="0"/>
-                      </a:rPr>
-                      <m:t>x</m:t>
-                    </m:r>
-                    <m:r>
-                      <m:rPr>
-                        <m:nor/>
-                      </m:rPr>
-                      <a:rPr lang="en-US" sz="3200" dirty="0">
-                        <a:latin typeface="Comic Sans MS" panose="030F0702030302020204" pitchFamily="66" charset="0"/>
-                      </a:rPr>
-                      <m:t>, </m:t>
-                    </m:r>
-                    <m:r>
-                      <m:rPr>
-                        <m:nor/>
-                      </m:rPr>
-                      <a:rPr lang="en-US" sz="3200" dirty="0">
-                        <a:latin typeface="Comic Sans MS" panose="030F0702030302020204" pitchFamily="66" charset="0"/>
-                      </a:rPr>
-                      <m:t>y</m:t>
-                    </m:r>
-                    <m:r>
-                      <m:rPr>
-                        <m:nor/>
-                      </m:rPr>
-                      <a:rPr lang="en-US" sz="3200" dirty="0">
-                        <a:latin typeface="Comic Sans MS" panose="030F0702030302020204" pitchFamily="66" charset="0"/>
-                      </a:rPr>
-                      <m:t>)</m:t>
-                    </m:r>
-                    <m:r>
-                      <a:rPr lang="en-US" sz="3200" i="1" dirty="0">
-                        <a:latin typeface="Cambria Math" panose="02040503050406030204" pitchFamily="18" charset="0"/>
-                      </a:rPr>
-                      <m:t>=</m:t>
-                    </m:r>
-                    <m:r>
-                      <m:rPr>
-                        <m:nor/>
-                      </m:rPr>
-                      <a:rPr lang="en-US" sz="3200" dirty="0">
-                        <a:solidFill>
-                          <a:srgbClr val="FF0000"/>
-                        </a:solidFill>
-                        <a:latin typeface="Comic Sans MS" panose="030F0702030302020204" pitchFamily="66" charset="0"/>
-                      </a:rPr>
-                      <m:t>F</m:t>
-                    </m:r>
-                  </m:oMath>
-                </a14:m>
-                <a:endParaRPr lang="en-US" sz="3200" dirty="0">
-                  <a:solidFill>
-                    <a:srgbClr val="FF0000"/>
-                  </a:solidFill>
-                  <a:latin typeface="Comic Sans MS" panose="030F0702030302020204" pitchFamily="66" charset="0"/>
-                </a:endParaRPr>
-              </a:p>
-              <a:p>
-                <a:pPr marL="0" indent="0" algn="ctr">
-                  <a:buNone/>
-                </a:pPr>
-                <a:endParaRPr lang="en-US" sz="3200" dirty="0">
-                  <a:solidFill>
-                    <a:srgbClr val="00B050"/>
-                  </a:solidFill>
-                  <a:latin typeface="Comic Sans MS" panose="030F0702030302020204" pitchFamily="66" charset="0"/>
-                </a:endParaRPr>
-              </a:p>
-              <a:p>
-                <a:pPr marL="0" indent="0">
-                  <a:buFont typeface="Arial" panose="020B0604020202020204" pitchFamily="34" charset="0"/>
-                  <a:buNone/>
-                </a:pPr>
-                <a:endParaRPr lang="en-US" sz="3200" dirty="0">
-                  <a:latin typeface="Comic Sans MS" panose="030F0702030302020204" pitchFamily="66" charset="0"/>
-                </a:endParaRPr>
-              </a:p>
-              <a:p>
-                <a:pPr marL="0" indent="0">
-                  <a:buFont typeface="Arial" panose="020B0604020202020204" pitchFamily="34" charset="0"/>
-                  <a:buNone/>
-                </a:pPr>
-                <a:endParaRPr lang="en-US" sz="3200" dirty="0">
-                  <a:solidFill>
-                    <a:srgbClr val="FF0000"/>
-                  </a:solidFill>
-                  <a:latin typeface="Comic Sans MS" panose="030F0702030302020204" pitchFamily="66" charset="0"/>
-                </a:endParaRPr>
-              </a:p>
-            </p:txBody>
-          </p:sp>
-        </mc:Choice>
-        <mc:Fallback xmlns="">
-          <p:sp>
-            <p:nvSpPr>
-              <p:cNvPr id="4" name="Content Placeholder 2">
-                <a:extLst>
-                  <a:ext uri="{FF2B5EF4-FFF2-40B4-BE49-F238E27FC236}">
-                    <a16:creationId xmlns:a16="http://schemas.microsoft.com/office/drawing/2014/main" xmlns:a14="http://schemas.microsoft.com/office/drawing/2010/main" xmlns="" id="{8FD3E7E3-6406-4C87-9E06-5BA40AA66E22}"/>
-                  </a:ext>
-                </a:extLst>
-              </p:cNvPr>
-              <p:cNvSpPr txBox="1">
-                <a:spLocks noRot="1" noChangeAspect="1" noMove="1" noResize="1" noEditPoints="1" noAdjustHandles="1" noChangeArrowheads="1" noChangeShapeType="1" noTextEdit="1"/>
-              </p:cNvSpPr>
-              <p:nvPr/>
-            </p:nvSpPr>
-            <p:spPr>
-              <a:xfrm>
-                <a:off x="826827" y="3793177"/>
-                <a:ext cx="10515600" cy="1831975"/>
-              </a:xfrm>
-              <a:prstGeom prst="rect">
-                <a:avLst/>
-              </a:prstGeom>
-              <a:blipFill rotWithShape="0">
-                <a:blip r:embed="rId2"/>
-                <a:stretch>
-                  <a:fillRect t="-7641"/>
-                </a:stretch>
-              </a:blipFill>
-            </p:spPr>
-            <p:txBody>
-              <a:bodyPr/>
-              <a:lstStyle/>
-              <a:p>
-                <a:r>
-                  <a:rPr lang="en-US">
-                    <a:noFill/>
-                  </a:rPr>
-                  <a:t> </a:t>
-                </a:r>
-              </a:p>
-            </p:txBody>
-          </p:sp>
-        </mc:Fallback>
-      </mc:AlternateContent>
-    </p:spTree>
-    <p:extLst>
-      <p:ext uri="{BB962C8B-B14F-4D97-AF65-F5344CB8AC3E}">
-        <p14:creationId xmlns:p14="http://schemas.microsoft.com/office/powerpoint/2010/main" val="4250456078"/>
-      </p:ext>
-    </p:extLst>
-  </p:cSld>
-  <p:clrMapOvr>
-    <a:masterClrMapping/>
-  </p:clrMapOvr>
-  <p:timing>
-    <p:tnLst>
-      <p:par>
-        <p:cTn id="1" dur="indefinite" restart="never" nodeType="tmRoot">
-          <p:childTnLst>
-            <p:seq concurrent="1" nextAc="seek">
-              <p:cTn id="2" dur="indefinite" nodeType="mainSeq">
-                <p:childTnLst>
-                  <p:par>
-                    <p:cTn id="3" fill="hold">
-                      <p:stCondLst>
-                        <p:cond delay="indefinite"/>
-                      </p:stCondLst>
-                      <p:childTnLst>
-                        <p:par>
-                          <p:cTn id="4" fill="hold">
-                            <p:stCondLst>
-                              <p:cond delay="0"/>
-                            </p:stCondLst>
-                            <p:childTnLst>
-                              <p:par>
-                                <p:cTn id="5" presetID="1" presetClass="entr" presetSubtype="0" fill="hold" grpId="0" nodeType="clickEffect">
-                                  <p:stCondLst>
-                                    <p:cond delay="0"/>
-                                  </p:stCondLst>
-                                  <p:childTnLst>
-                                    <p:set>
-                                      <p:cBhvr>
-                                        <p:cTn id="6" dur="1" fill="hold">
-                                          <p:stCondLst>
-                                            <p:cond delay="0"/>
-                                          </p:stCondLst>
-                                        </p:cTn>
-                                        <p:tgtEl>
-                                          <p:spTgt spid="4"/>
-                                        </p:tgtEl>
-                                        <p:attrNameLst>
-                                          <p:attrName>style.visibility</p:attrName>
-                                        </p:attrNameLst>
-                                      </p:cBhvr>
-                                      <p:to>
-                                        <p:strVal val="visible"/>
-                                      </p:to>
-                                    </p:set>
-                                  </p:childTnLst>
-                                </p:cTn>
-                              </p:par>
-                            </p:childTnLst>
-                          </p:cTn>
-                        </p:par>
-                      </p:childTnLst>
-                    </p:cTn>
-                  </p:par>
-                </p:childTnLst>
-              </p:cTn>
-              <p:prevCondLst>
-                <p:cond evt="onPrev" delay="0">
-                  <p:tgtEl>
-                    <p:sldTgt/>
-                  </p:tgtEl>
-                </p:cond>
-              </p:prevCondLst>
-              <p:nextCondLst>
-                <p:cond evt="onNext" delay="0">
-                  <p:tgtEl>
-                    <p:sldTgt/>
-                  </p:tgtEl>
-                </p:cond>
-              </p:nextCondLst>
-            </p:seq>
-          </p:childTnLst>
-        </p:cTn>
-      </p:par>
-    </p:tnLst>
-    <p:bldLst>
-      <p:bldP spid="4" grpId="0"/>
-    </p:bldLst>
-  </p:timing>
-</p:sld>
-</file>
-
-<file path=ppt/slides/slide14.xml><?xml version="1.0" encoding="utf-8"?>
-<p:sld xmlns:a="http://schemas.openxmlformats.org/drawingml/2006/main" xmlns:r="http://schemas.openxmlformats.org/officeDocument/2006/relationships" xmlns:p="http://schemas.openxmlformats.org/presentationml/2006/main">
-  <p:cSld>
-    <p:spTree>
-      <p:nvGrpSpPr>
-        <p:cNvPr id="1" name=""/>
-        <p:cNvGrpSpPr/>
-        <p:nvPr/>
-      </p:nvGrpSpPr>
-      <p:grpSpPr>
-        <a:xfrm>
-          <a:off x="0" y="0"/>
-          <a:ext cx="0" cy="0"/>
-          <a:chOff x="0" y="0"/>
-          <a:chExt cx="0" cy="0"/>
-        </a:xfrm>
-      </p:grpSpPr>
-      <p:sp>
-        <p:nvSpPr>
-          <p:cNvPr id="2" name="Title 1">
-            <a:extLst>
-              <a:ext uri="{FF2B5EF4-FFF2-40B4-BE49-F238E27FC236}">
-                <a16:creationId xmlns="" xmlns:a16="http://schemas.microsoft.com/office/drawing/2014/main" id="{64FC46BD-FCD3-4070-A2FE-CF068D21089D}"/>
-              </a:ext>
-            </a:extLst>
-          </p:cNvPr>
-          <p:cNvSpPr>
-            <a:spLocks noGrp="1"/>
-          </p:cNvSpPr>
-          <p:nvPr>
-            <p:ph type="title"/>
-          </p:nvPr>
-        </p:nvSpPr>
-        <p:spPr/>
-        <p:txBody>
-          <a:bodyPr/>
-          <a:lstStyle/>
-          <a:p>
-            <a:r>
-              <a:rPr lang="en-US" dirty="0">
-                <a:latin typeface="Comic Sans MS" panose="030F0702030302020204" pitchFamily="66" charset="0"/>
-              </a:rPr>
-              <a:t>Nested Quantifier</a:t>
-            </a:r>
-          </a:p>
-        </p:txBody>
-      </p:sp>
-      <mc:AlternateContent xmlns:mc="http://schemas.openxmlformats.org/markup-compatibility/2006" xmlns:a14="http://schemas.microsoft.com/office/drawing/2010/main">
-        <mc:Choice Requires="a14">
-          <p:sp>
-            <p:nvSpPr>
-              <p:cNvPr id="3" name="Content Placeholder 2">
-                <a:extLst>
-                  <a:ext uri="{FF2B5EF4-FFF2-40B4-BE49-F238E27FC236}">
-                    <a16:creationId xmlns="" xmlns:a16="http://schemas.microsoft.com/office/drawing/2014/main" id="{8FD3E7E3-6406-4C87-9E06-5BA40AA66E22}"/>
-                  </a:ext>
-                </a:extLst>
-              </p:cNvPr>
-              <p:cNvSpPr>
-                <a:spLocks noGrp="1"/>
-              </p:cNvSpPr>
-              <p:nvPr>
-                <p:ph idx="1"/>
-              </p:nvPr>
-            </p:nvSpPr>
-            <p:spPr/>
-            <p:txBody>
-              <a:bodyPr>
-                <a:normAutofit/>
-              </a:bodyPr>
-              <a:lstStyle/>
-              <a:p>
-                <a:pPr marL="0" indent="0">
-                  <a:buNone/>
-                </a:pPr>
-                <a:r>
-                  <a:rPr lang="en-US" sz="3200" dirty="0">
-                    <a:latin typeface="Comic Sans MS" panose="030F0702030302020204" pitchFamily="66" charset="0"/>
-                  </a:rPr>
-                  <a:t>x, y </a:t>
-                </a:r>
-                <a14:m>
-                  <m:oMath xmlns:m="http://schemas.openxmlformats.org/officeDocument/2006/math">
-                    <m:r>
-                      <a:rPr lang="en-US" sz="3200" i="1" smtClean="0">
-                        <a:latin typeface="Cambria Math" panose="02040503050406030204" pitchFamily="18" charset="0"/>
-                        <a:ea typeface="Cambria Math" panose="02040503050406030204" pitchFamily="18" charset="0"/>
-                      </a:rPr>
-                      <m:t>∈</m:t>
-                    </m:r>
-                    <m:r>
-                      <a:rPr lang="en-US" sz="3200" i="1" smtClean="0">
-                        <a:latin typeface="Cambria Math" panose="02040503050406030204" pitchFamily="18" charset="0"/>
-                        <a:ea typeface="Cambria Math" panose="02040503050406030204" pitchFamily="18" charset="0"/>
-                      </a:rPr>
-                      <m:t>ℝ</m:t>
-                    </m:r>
-                  </m:oMath>
-                </a14:m>
-                <a:r>
-                  <a:rPr lang="en-US" sz="3200" dirty="0">
-                    <a:latin typeface="Comic Sans MS" panose="030F0702030302020204" pitchFamily="66" charset="0"/>
-                  </a:rPr>
-                  <a:t> </a:t>
-                </a:r>
-              </a:p>
-              <a:p>
-                <a:pPr marL="0" indent="0">
-                  <a:buNone/>
-                </a:pPr>
-                <a:r>
-                  <a:rPr lang="en-US" sz="3200" dirty="0">
-                    <a:latin typeface="Comic Sans MS" panose="030F0702030302020204" pitchFamily="66" charset="0"/>
-                  </a:rPr>
-                  <a:t>Q(x, y)::= [x + y = 0]</a:t>
-                </a:r>
-              </a:p>
-              <a:p>
-                <a:pPr marL="0" indent="0" algn="ctr">
-                  <a:buNone/>
-                </a:pPr>
-                <a14:m>
-                  <m:oMath xmlns:m="http://schemas.openxmlformats.org/officeDocument/2006/math">
-                    <m:r>
-                      <a:rPr lang="en-US" sz="3600" i="1" dirty="0" smtClean="0">
-                        <a:latin typeface="Cambria Math" panose="02040503050406030204" pitchFamily="18" charset="0"/>
-                        <a:ea typeface="Cambria Math" panose="02040503050406030204" pitchFamily="18" charset="0"/>
-                      </a:rPr>
-                      <m:t>∀</m:t>
-                    </m:r>
-                  </m:oMath>
-                </a14:m>
-                <a:r>
-                  <a:rPr lang="en-US" sz="3600" dirty="0">
-                    <a:latin typeface="Comic Sans MS" panose="030F0702030302020204" pitchFamily="66" charset="0"/>
-                  </a:rPr>
-                  <a:t>x</a:t>
-                </a:r>
-                <a14:m>
-                  <m:oMath xmlns:m="http://schemas.openxmlformats.org/officeDocument/2006/math">
-                    <m:r>
-                      <a:rPr lang="en-US" sz="3600" i="1" dirty="0" smtClean="0">
-                        <a:latin typeface="Cambria Math" panose="02040503050406030204" pitchFamily="18" charset="0"/>
-                        <a:ea typeface="Cambria Math" panose="02040503050406030204" pitchFamily="18" charset="0"/>
-                      </a:rPr>
-                      <m:t>∃</m:t>
-                    </m:r>
-                  </m:oMath>
-                </a14:m>
-                <a:r>
-                  <a:rPr lang="en-US" sz="3600" dirty="0">
-                    <a:latin typeface="Comic Sans MS" panose="030F0702030302020204" pitchFamily="66" charset="0"/>
-                  </a:rPr>
-                  <a:t>y Q(x, y) = ?</a:t>
-                </a:r>
-                <a:r>
-                  <a:rPr lang="en-US" sz="3200" dirty="0">
-                    <a:latin typeface="Comic Sans MS" panose="030F0702030302020204" pitchFamily="66" charset="0"/>
-                  </a:rPr>
-                  <a:t/>
-                </a:r>
-                <a:br>
-                  <a:rPr lang="en-US" sz="3200" dirty="0">
-                    <a:latin typeface="Comic Sans MS" panose="030F0702030302020204" pitchFamily="66" charset="0"/>
-                  </a:rPr>
-                </a:br>
-                <a:endParaRPr lang="en-US" sz="3200" dirty="0">
-                  <a:latin typeface="Comic Sans MS" panose="030F0702030302020204" pitchFamily="66" charset="0"/>
-                </a:endParaRPr>
-              </a:p>
-            </p:txBody>
-          </p:sp>
-        </mc:Choice>
-        <mc:Fallback xmlns="">
-          <p:sp>
-            <p:nvSpPr>
-              <p:cNvPr id="3" name="Content Placeholder 2">
-                <a:extLst>
-                  <a:ext uri="{FF2B5EF4-FFF2-40B4-BE49-F238E27FC236}">
-                    <a16:creationId xmlns:a16="http://schemas.microsoft.com/office/drawing/2014/main" id="{8FD3E7E3-6406-4C87-9E06-5BA40AA66E22}"/>
-                  </a:ext>
-                </a:extLst>
-              </p:cNvPr>
-              <p:cNvSpPr>
-                <a:spLocks noGrp="1" noRot="1" noChangeAspect="1" noMove="1" noResize="1" noEditPoints="1" noAdjustHandles="1" noChangeArrowheads="1" noChangeShapeType="1" noTextEdit="1"/>
-              </p:cNvSpPr>
-              <p:nvPr>
-                <p:ph idx="1"/>
-              </p:nvPr>
-            </p:nvSpPr>
-            <p:spPr>
-              <a:blipFill>
-                <a:blip r:embed="rId2"/>
-                <a:stretch>
-                  <a:fillRect l="-1507" t="-2941"/>
-                </a:stretch>
-              </a:blipFill>
-            </p:spPr>
-            <p:txBody>
-              <a:bodyPr/>
-              <a:lstStyle/>
-              <a:p>
-                <a:r>
-                  <a:rPr lang="en-US">
-                    <a:noFill/>
-                  </a:rPr>
-                  <a:t> </a:t>
-                </a:r>
-              </a:p>
-            </p:txBody>
-          </p:sp>
-        </mc:Fallback>
-      </mc:AlternateContent>
-    </p:spTree>
-    <p:extLst>
-      <p:ext uri="{BB962C8B-B14F-4D97-AF65-F5344CB8AC3E}">
-        <p14:creationId xmlns:p14="http://schemas.microsoft.com/office/powerpoint/2010/main" val="3208751036"/>
-      </p:ext>
-    </p:extLst>
-  </p:cSld>
-  <p:clrMapOvr>
-    <a:masterClrMapping/>
-  </p:clrMapOvr>
-  <p:timing>
-    <p:tnLst>
-      <p:par>
-        <p:cTn id="1" dur="indefinite" restart="never" nodeType="tmRoot"/>
-      </p:par>
-    </p:tnLst>
-  </p:timing>
-</p:sld>
-</file>
-
-<file path=ppt/slides/slide15.xml><?xml version="1.0" encoding="utf-8"?>
-<p:sld xmlns:a="http://schemas.openxmlformats.org/drawingml/2006/main" xmlns:r="http://schemas.openxmlformats.org/officeDocument/2006/relationships" xmlns:p="http://schemas.openxmlformats.org/presentationml/2006/main">
-  <p:cSld>
-    <p:spTree>
-      <p:nvGrpSpPr>
-        <p:cNvPr id="1" name=""/>
-        <p:cNvGrpSpPr/>
-        <p:nvPr/>
-      </p:nvGrpSpPr>
-      <p:grpSpPr>
-        <a:xfrm>
-          <a:off x="0" y="0"/>
-          <a:ext cx="0" cy="0"/>
-          <a:chOff x="0" y="0"/>
-          <a:chExt cx="0" cy="0"/>
-        </a:xfrm>
-      </p:grpSpPr>
-      <p:sp>
-        <p:nvSpPr>
-          <p:cNvPr id="2" name="Title 1">
-            <a:extLst>
-              <a:ext uri="{FF2B5EF4-FFF2-40B4-BE49-F238E27FC236}">
-                <a16:creationId xmlns="" xmlns:a16="http://schemas.microsoft.com/office/drawing/2014/main" id="{64FC46BD-FCD3-4070-A2FE-CF068D21089D}"/>
-              </a:ext>
-            </a:extLst>
-          </p:cNvPr>
-          <p:cNvSpPr>
-            <a:spLocks noGrp="1"/>
-          </p:cNvSpPr>
-          <p:nvPr>
-            <p:ph type="title"/>
-          </p:nvPr>
-        </p:nvSpPr>
-        <p:spPr/>
-        <p:txBody>
-          <a:bodyPr/>
-          <a:lstStyle/>
-          <a:p>
-            <a:r>
-              <a:rPr lang="en-US" dirty="0">
-                <a:latin typeface="Comic Sans MS" panose="030F0702030302020204" pitchFamily="66" charset="0"/>
-              </a:rPr>
-              <a:t>Nested Quantifier</a:t>
-            </a:r>
-          </a:p>
-        </p:txBody>
-      </p:sp>
-      <mc:AlternateContent xmlns:mc="http://schemas.openxmlformats.org/markup-compatibility/2006" xmlns:a14="http://schemas.microsoft.com/office/drawing/2010/main">
-        <mc:Choice Requires="a14">
-          <p:sp>
-            <p:nvSpPr>
-              <p:cNvPr id="3" name="Content Placeholder 2">
-                <a:extLst>
-                  <a:ext uri="{FF2B5EF4-FFF2-40B4-BE49-F238E27FC236}">
-                    <a16:creationId xmlns="" xmlns:a16="http://schemas.microsoft.com/office/drawing/2014/main" id="{8FD3E7E3-6406-4C87-9E06-5BA40AA66E22}"/>
-                  </a:ext>
-                </a:extLst>
-              </p:cNvPr>
-              <p:cNvSpPr>
-                <a:spLocks noGrp="1"/>
-              </p:cNvSpPr>
-              <p:nvPr>
-                <p:ph idx="1"/>
-              </p:nvPr>
-            </p:nvSpPr>
-            <p:spPr/>
-            <p:txBody>
-              <a:bodyPr>
-                <a:normAutofit/>
-              </a:bodyPr>
-              <a:lstStyle/>
-              <a:p>
-                <a:pPr marL="0" indent="0">
-                  <a:buNone/>
-                </a:pPr>
-                <a:r>
-                  <a:rPr lang="en-US" sz="3200" dirty="0">
-                    <a:latin typeface="Comic Sans MS" panose="030F0702030302020204" pitchFamily="66" charset="0"/>
-                  </a:rPr>
-                  <a:t>x </a:t>
-                </a:r>
-                <a14:m>
-                  <m:oMath xmlns:m="http://schemas.openxmlformats.org/officeDocument/2006/math">
-                    <m:r>
-                      <a:rPr lang="en-US" sz="3200" i="1" smtClean="0">
-                        <a:latin typeface="Cambria Math" panose="02040503050406030204" pitchFamily="18" charset="0"/>
-                        <a:ea typeface="Cambria Math" panose="02040503050406030204" pitchFamily="18" charset="0"/>
-                      </a:rPr>
-                      <m:t>∈</m:t>
-                    </m:r>
-                    <m:r>
-                      <a:rPr lang="en-US" sz="3200" i="1" smtClean="0">
-                        <a:latin typeface="Cambria Math" panose="02040503050406030204" pitchFamily="18" charset="0"/>
-                        <a:ea typeface="Cambria Math" panose="02040503050406030204" pitchFamily="18" charset="0"/>
-                      </a:rPr>
-                      <m:t>ℝ</m:t>
-                    </m:r>
-                  </m:oMath>
-                </a14:m>
-                <a:r>
-                  <a:rPr lang="en-US" sz="3200" dirty="0">
-                    <a:latin typeface="Comic Sans MS" panose="030F0702030302020204" pitchFamily="66" charset="0"/>
-                  </a:rPr>
-                  <a:t> , y </a:t>
-                </a:r>
-                <a14:m>
-                  <m:oMath xmlns:m="http://schemas.openxmlformats.org/officeDocument/2006/math">
-                    <m:r>
-                      <a:rPr lang="en-US" sz="3200" i="1" smtClean="0">
-                        <a:latin typeface="Cambria Math" panose="02040503050406030204" pitchFamily="18" charset="0"/>
-                        <a:ea typeface="Cambria Math" panose="02040503050406030204" pitchFamily="18" charset="0"/>
-                      </a:rPr>
-                      <m:t>∈</m:t>
-                    </m:r>
-                    <m:r>
-                      <a:rPr lang="en-US" sz="3200" i="1" smtClean="0">
-                        <a:latin typeface="Cambria Math" panose="02040503050406030204" pitchFamily="18" charset="0"/>
-                        <a:ea typeface="Cambria Math" panose="02040503050406030204" pitchFamily="18" charset="0"/>
-                      </a:rPr>
-                      <m:t>ℕ</m:t>
-                    </m:r>
-                    <m:r>
-                      <a:rPr lang="en-US" sz="3200" b="0" i="1" smtClean="0">
-                        <a:latin typeface="Cambria Math" panose="02040503050406030204" pitchFamily="18" charset="0"/>
-                        <a:ea typeface="Cambria Math" panose="02040503050406030204" pitchFamily="18" charset="0"/>
-                      </a:rPr>
-                      <m:t>={1, 2, …}</m:t>
-                    </m:r>
-                  </m:oMath>
-                </a14:m>
-                <a:endParaRPr lang="en-US" sz="3200" dirty="0">
-                  <a:latin typeface="Comic Sans MS" panose="030F0702030302020204" pitchFamily="66" charset="0"/>
-                </a:endParaRPr>
-              </a:p>
-              <a:p>
-                <a:pPr marL="0" indent="0">
-                  <a:buNone/>
-                </a:pPr>
-                <a:r>
-                  <a:rPr lang="en-US" sz="3200" dirty="0">
-                    <a:latin typeface="Comic Sans MS" panose="030F0702030302020204" pitchFamily="66" charset="0"/>
-                  </a:rPr>
-                  <a:t>Q(x, y)::= [x + y = 0]</a:t>
-                </a:r>
-              </a:p>
-              <a:p>
-                <a:pPr marL="0" indent="0" algn="ctr">
-                  <a:buNone/>
-                </a:pPr>
-                <a14:m>
-                  <m:oMath xmlns:m="http://schemas.openxmlformats.org/officeDocument/2006/math">
-                    <m:r>
-                      <a:rPr lang="en-US" sz="3600" i="1" dirty="0" smtClean="0">
-                        <a:latin typeface="Cambria Math" panose="02040503050406030204" pitchFamily="18" charset="0"/>
-                        <a:ea typeface="Cambria Math" panose="02040503050406030204" pitchFamily="18" charset="0"/>
-                      </a:rPr>
-                      <m:t>∀</m:t>
-                    </m:r>
-                  </m:oMath>
-                </a14:m>
-                <a:r>
-                  <a:rPr lang="en-US" sz="3600" dirty="0">
-                    <a:latin typeface="Comic Sans MS" panose="030F0702030302020204" pitchFamily="66" charset="0"/>
-                  </a:rPr>
-                  <a:t>x</a:t>
-                </a:r>
-                <a14:m>
-                  <m:oMath xmlns:m="http://schemas.openxmlformats.org/officeDocument/2006/math">
-                    <m:r>
-                      <a:rPr lang="en-US" sz="3600" i="1" dirty="0" smtClean="0">
-                        <a:latin typeface="Cambria Math" panose="02040503050406030204" pitchFamily="18" charset="0"/>
-                        <a:ea typeface="Cambria Math" panose="02040503050406030204" pitchFamily="18" charset="0"/>
-                      </a:rPr>
-                      <m:t>∃</m:t>
-                    </m:r>
-                  </m:oMath>
-                </a14:m>
-                <a:r>
-                  <a:rPr lang="en-US" sz="3600" dirty="0">
-                    <a:latin typeface="Comic Sans MS" panose="030F0702030302020204" pitchFamily="66" charset="0"/>
-                  </a:rPr>
-                  <a:t>y Q(x, y) = ?</a:t>
-                </a:r>
-                <a:r>
-                  <a:rPr lang="en-US" sz="3200" dirty="0">
-                    <a:latin typeface="Comic Sans MS" panose="030F0702030302020204" pitchFamily="66" charset="0"/>
-                  </a:rPr>
-                  <a:t/>
-                </a:r>
-                <a:br>
-                  <a:rPr lang="en-US" sz="3200" dirty="0">
-                    <a:latin typeface="Comic Sans MS" panose="030F0702030302020204" pitchFamily="66" charset="0"/>
-                  </a:rPr>
-                </a:br>
-                <a:endParaRPr lang="en-US" sz="3200" dirty="0">
-                  <a:latin typeface="Comic Sans MS" panose="030F0702030302020204" pitchFamily="66" charset="0"/>
-                </a:endParaRPr>
-              </a:p>
-            </p:txBody>
-          </p:sp>
-        </mc:Choice>
-        <mc:Fallback xmlns="">
-          <p:sp>
-            <p:nvSpPr>
-              <p:cNvPr id="3" name="Content Placeholder 2">
-                <a:extLst>
-                  <a:ext uri="{FF2B5EF4-FFF2-40B4-BE49-F238E27FC236}">
-                    <a16:creationId xmlns:a16="http://schemas.microsoft.com/office/drawing/2014/main" id="{8FD3E7E3-6406-4C87-9E06-5BA40AA66E22}"/>
-                  </a:ext>
-                </a:extLst>
-              </p:cNvPr>
-              <p:cNvSpPr>
-                <a:spLocks noGrp="1" noRot="1" noChangeAspect="1" noMove="1" noResize="1" noEditPoints="1" noAdjustHandles="1" noChangeArrowheads="1" noChangeShapeType="1" noTextEdit="1"/>
-              </p:cNvSpPr>
-              <p:nvPr>
-                <p:ph idx="1"/>
-              </p:nvPr>
-            </p:nvSpPr>
-            <p:spPr>
-              <a:blipFill>
-                <a:blip r:embed="rId2"/>
-                <a:stretch>
-                  <a:fillRect l="-1507" t="-2941"/>
-                </a:stretch>
-              </a:blipFill>
-            </p:spPr>
-            <p:txBody>
-              <a:bodyPr/>
-              <a:lstStyle/>
-              <a:p>
-                <a:r>
-                  <a:rPr lang="en-US">
-                    <a:noFill/>
-                  </a:rPr>
-                  <a:t> </a:t>
-                </a:r>
-              </a:p>
-            </p:txBody>
-          </p:sp>
-        </mc:Fallback>
-      </mc:AlternateContent>
-    </p:spTree>
-    <p:extLst>
-      <p:ext uri="{BB962C8B-B14F-4D97-AF65-F5344CB8AC3E}">
-        <p14:creationId xmlns:p14="http://schemas.microsoft.com/office/powerpoint/2010/main" val="4011440162"/>
-      </p:ext>
-    </p:extLst>
-  </p:cSld>
-  <p:clrMapOvr>
-    <a:masterClrMapping/>
-  </p:clrMapOvr>
-  <p:timing>
-    <p:tnLst>
-      <p:par>
-        <p:cTn id="1" dur="indefinite" restart="never" nodeType="tmRoot"/>
-      </p:par>
-    </p:tnLst>
-  </p:timing>
-</p:sld>
-</file>
-
-<file path=ppt/slides/slide16.xml><?xml version="1.0" encoding="utf-8"?>
-<p:sld xmlns:a="http://schemas.openxmlformats.org/drawingml/2006/main" xmlns:r="http://schemas.openxmlformats.org/officeDocument/2006/relationships" xmlns:p="http://schemas.openxmlformats.org/presentationml/2006/main">
-  <p:cSld>
-    <p:spTree>
-      <p:nvGrpSpPr>
-        <p:cNvPr id="1" name=""/>
-        <p:cNvGrpSpPr/>
-        <p:nvPr/>
-      </p:nvGrpSpPr>
-      <p:grpSpPr>
-        <a:xfrm>
-          <a:off x="0" y="0"/>
-          <a:ext cx="0" cy="0"/>
-          <a:chOff x="0" y="0"/>
-          <a:chExt cx="0" cy="0"/>
-        </a:xfrm>
-      </p:grpSpPr>
-      <p:sp>
-        <p:nvSpPr>
-          <p:cNvPr id="2" name="Title 1">
-            <a:extLst>
-              <a:ext uri="{FF2B5EF4-FFF2-40B4-BE49-F238E27FC236}">
-                <a16:creationId xmlns="" xmlns:a16="http://schemas.microsoft.com/office/drawing/2014/main" id="{64FC46BD-FCD3-4070-A2FE-CF068D21089D}"/>
-              </a:ext>
-            </a:extLst>
-          </p:cNvPr>
-          <p:cNvSpPr>
-            <a:spLocks noGrp="1"/>
-          </p:cNvSpPr>
-          <p:nvPr>
-            <p:ph type="title"/>
-          </p:nvPr>
-        </p:nvSpPr>
-        <p:spPr/>
-        <p:txBody>
-          <a:bodyPr/>
-          <a:lstStyle/>
-          <a:p>
-            <a:r>
-              <a:rPr lang="en-US" dirty="0">
-                <a:latin typeface="Comic Sans MS" panose="030F0702030302020204" pitchFamily="66" charset="0"/>
-              </a:rPr>
-              <a:t>Nested Quantifier</a:t>
-            </a:r>
-          </a:p>
-        </p:txBody>
-      </p:sp>
-      <mc:AlternateContent xmlns:mc="http://schemas.openxmlformats.org/markup-compatibility/2006" xmlns:a14="http://schemas.microsoft.com/office/drawing/2010/main">
-        <mc:Choice Requires="a14">
-          <p:sp>
-            <p:nvSpPr>
-              <p:cNvPr id="3" name="Content Placeholder 2">
-                <a:extLst>
-                  <a:ext uri="{FF2B5EF4-FFF2-40B4-BE49-F238E27FC236}">
-                    <a16:creationId xmlns="" xmlns:a16="http://schemas.microsoft.com/office/drawing/2014/main" id="{8FD3E7E3-6406-4C87-9E06-5BA40AA66E22}"/>
-                  </a:ext>
-                </a:extLst>
-              </p:cNvPr>
-              <p:cNvSpPr>
-                <a:spLocks noGrp="1"/>
-              </p:cNvSpPr>
-              <p:nvPr>
-                <p:ph idx="1"/>
-              </p:nvPr>
-            </p:nvSpPr>
-            <p:spPr/>
-            <p:txBody>
-              <a:bodyPr>
-                <a:normAutofit/>
-              </a:bodyPr>
-              <a:lstStyle/>
-              <a:p>
-                <a:pPr marL="0" indent="0">
-                  <a:buNone/>
-                </a:pPr>
-                <a:r>
-                  <a:rPr lang="en-US" sz="3200" dirty="0">
-                    <a:latin typeface="Comic Sans MS" panose="030F0702030302020204" pitchFamily="66" charset="0"/>
-                  </a:rPr>
-                  <a:t>x </a:t>
-                </a:r>
-                <a14:m>
-                  <m:oMath xmlns:m="http://schemas.openxmlformats.org/officeDocument/2006/math">
-                    <m:r>
-                      <a:rPr lang="en-US" sz="3200" i="1" smtClean="0">
-                        <a:latin typeface="Cambria Math" panose="02040503050406030204" pitchFamily="18" charset="0"/>
-                        <a:ea typeface="Cambria Math" panose="02040503050406030204" pitchFamily="18" charset="0"/>
-                      </a:rPr>
-                      <m:t>∈</m:t>
-                    </m:r>
-                    <m:r>
-                      <a:rPr lang="en-US" sz="3200" i="1" smtClean="0">
-                        <a:latin typeface="Cambria Math" panose="02040503050406030204" pitchFamily="18" charset="0"/>
-                        <a:ea typeface="Cambria Math" panose="02040503050406030204" pitchFamily="18" charset="0"/>
-                      </a:rPr>
-                      <m:t>ℝ</m:t>
-                    </m:r>
-                  </m:oMath>
-                </a14:m>
-                <a:r>
-                  <a:rPr lang="en-US" sz="3200" dirty="0">
-                    <a:latin typeface="Comic Sans MS" panose="030F0702030302020204" pitchFamily="66" charset="0"/>
-                  </a:rPr>
-                  <a:t> , y </a:t>
-                </a:r>
-                <a14:m>
-                  <m:oMath xmlns:m="http://schemas.openxmlformats.org/officeDocument/2006/math">
-                    <m:r>
-                      <a:rPr lang="en-US" sz="3200" i="1" smtClean="0">
-                        <a:latin typeface="Cambria Math" panose="02040503050406030204" pitchFamily="18" charset="0"/>
-                        <a:ea typeface="Cambria Math" panose="02040503050406030204" pitchFamily="18" charset="0"/>
-                      </a:rPr>
-                      <m:t>∈</m:t>
-                    </m:r>
-                    <m:r>
-                      <a:rPr lang="en-US" sz="3200" i="1" smtClean="0">
-                        <a:latin typeface="Cambria Math" panose="02040503050406030204" pitchFamily="18" charset="0"/>
-                        <a:ea typeface="Cambria Math" panose="02040503050406030204" pitchFamily="18" charset="0"/>
-                      </a:rPr>
-                      <m:t>ℕ</m:t>
-                    </m:r>
-                    <m:r>
-                      <a:rPr lang="en-US" sz="3200" b="0" i="1" smtClean="0">
-                        <a:latin typeface="Cambria Math" panose="02040503050406030204" pitchFamily="18" charset="0"/>
-                        <a:ea typeface="Cambria Math" panose="02040503050406030204" pitchFamily="18" charset="0"/>
-                      </a:rPr>
-                      <m:t>={1, 2, …}</m:t>
-                    </m:r>
-                  </m:oMath>
-                </a14:m>
-                <a:endParaRPr lang="en-US" sz="3200" dirty="0">
-                  <a:latin typeface="Comic Sans MS" panose="030F0702030302020204" pitchFamily="66" charset="0"/>
-                </a:endParaRPr>
-              </a:p>
-              <a:p>
-                <a:pPr marL="0" indent="0">
-                  <a:buNone/>
-                </a:pPr>
-                <a:r>
-                  <a:rPr lang="en-US" sz="3200" dirty="0">
-                    <a:latin typeface="Comic Sans MS" panose="030F0702030302020204" pitchFamily="66" charset="0"/>
-                  </a:rPr>
-                  <a:t>Q(x, y)::= [x + y = 0]</a:t>
-                </a:r>
-              </a:p>
-              <a:p>
-                <a:pPr marL="0" indent="0" algn="ctr">
-                  <a:buNone/>
-                </a:pPr>
-                <a14:m>
-                  <m:oMath xmlns:m="http://schemas.openxmlformats.org/officeDocument/2006/math">
-                    <m:r>
-                      <a:rPr lang="en-US" sz="3600" i="1" dirty="0" smtClean="0">
-                        <a:latin typeface="Cambria Math" panose="02040503050406030204" pitchFamily="18" charset="0"/>
-                        <a:ea typeface="Cambria Math" panose="02040503050406030204" pitchFamily="18" charset="0"/>
-                      </a:rPr>
-                      <m:t>∃</m:t>
-                    </m:r>
-                  </m:oMath>
-                </a14:m>
-                <a:r>
-                  <a:rPr lang="en-US" sz="3600" dirty="0">
-                    <a:latin typeface="Comic Sans MS" panose="030F0702030302020204" pitchFamily="66" charset="0"/>
-                  </a:rPr>
-                  <a:t>x</a:t>
-                </a:r>
-                <a14:m>
-                  <m:oMath xmlns:m="http://schemas.openxmlformats.org/officeDocument/2006/math">
-                    <m:r>
-                      <a:rPr lang="en-US" sz="3600" i="1" dirty="0" smtClean="0">
-                        <a:latin typeface="Cambria Math" panose="02040503050406030204" pitchFamily="18" charset="0"/>
-                        <a:ea typeface="Cambria Math" panose="02040503050406030204" pitchFamily="18" charset="0"/>
-                      </a:rPr>
-                      <m:t>∀</m:t>
-                    </m:r>
-                  </m:oMath>
-                </a14:m>
-                <a:r>
-                  <a:rPr lang="en-US" sz="3600" dirty="0">
-                    <a:latin typeface="Comic Sans MS" panose="030F0702030302020204" pitchFamily="66" charset="0"/>
-                  </a:rPr>
-                  <a:t>y Q(x, y) = ?</a:t>
-                </a:r>
-                <a:r>
-                  <a:rPr lang="en-US" sz="3200" dirty="0">
-                    <a:latin typeface="Comic Sans MS" panose="030F0702030302020204" pitchFamily="66" charset="0"/>
-                  </a:rPr>
-                  <a:t/>
-                </a:r>
-                <a:br>
-                  <a:rPr lang="en-US" sz="3200" dirty="0">
-                    <a:latin typeface="Comic Sans MS" panose="030F0702030302020204" pitchFamily="66" charset="0"/>
-                  </a:rPr>
-                </a:br>
-                <a:endParaRPr lang="en-US" sz="3200" dirty="0">
-                  <a:latin typeface="Comic Sans MS" panose="030F0702030302020204" pitchFamily="66" charset="0"/>
-                </a:endParaRPr>
-              </a:p>
-            </p:txBody>
-          </p:sp>
-        </mc:Choice>
-        <mc:Fallback xmlns="">
-          <p:sp>
-            <p:nvSpPr>
-              <p:cNvPr id="3" name="Content Placeholder 2">
-                <a:extLst>
-                  <a:ext uri="{FF2B5EF4-FFF2-40B4-BE49-F238E27FC236}">
-                    <a16:creationId xmlns:a16="http://schemas.microsoft.com/office/drawing/2014/main" id="{8FD3E7E3-6406-4C87-9E06-5BA40AA66E22}"/>
-                  </a:ext>
-                </a:extLst>
-              </p:cNvPr>
-              <p:cNvSpPr>
-                <a:spLocks noGrp="1" noRot="1" noChangeAspect="1" noMove="1" noResize="1" noEditPoints="1" noAdjustHandles="1" noChangeArrowheads="1" noChangeShapeType="1" noTextEdit="1"/>
-              </p:cNvSpPr>
-              <p:nvPr>
-                <p:ph idx="1"/>
-              </p:nvPr>
-            </p:nvSpPr>
-            <p:spPr>
-              <a:blipFill>
-                <a:blip r:embed="rId2"/>
-                <a:stretch>
-                  <a:fillRect l="-1507" t="-2941"/>
-                </a:stretch>
-              </a:blipFill>
-            </p:spPr>
-            <p:txBody>
-              <a:bodyPr/>
-              <a:lstStyle/>
-              <a:p>
-                <a:r>
-                  <a:rPr lang="en-US">
-                    <a:noFill/>
-                  </a:rPr>
-                  <a:t> </a:t>
-                </a:r>
-              </a:p>
-            </p:txBody>
-          </p:sp>
-        </mc:Fallback>
-      </mc:AlternateContent>
-    </p:spTree>
-    <p:extLst>
-      <p:ext uri="{BB962C8B-B14F-4D97-AF65-F5344CB8AC3E}">
-        <p14:creationId xmlns:p14="http://schemas.microsoft.com/office/powerpoint/2010/main" val="4062375128"/>
-      </p:ext>
-    </p:extLst>
-  </p:cSld>
-  <p:clrMapOvr>
-    <a:masterClrMapping/>
-  </p:clrMapOvr>
-  <p:timing>
-    <p:tnLst>
-      <p:par>
-        <p:cTn id="1" dur="indefinite" restart="never" nodeType="tmRoot"/>
-      </p:par>
-    </p:tnLst>
-  </p:timing>
-</p:sld>
-</file>
-
-<file path=ppt/slides/slide17.xml><?xml version="1.0" encoding="utf-8"?>
-<p:sld xmlns:a="http://schemas.openxmlformats.org/drawingml/2006/main" xmlns:r="http://schemas.openxmlformats.org/officeDocument/2006/relationships" xmlns:p="http://schemas.openxmlformats.org/presentationml/2006/main">
-  <p:cSld>
-    <p:spTree>
-      <p:nvGrpSpPr>
-        <p:cNvPr id="1" name=""/>
-        <p:cNvGrpSpPr/>
-        <p:nvPr/>
-      </p:nvGrpSpPr>
-      <p:grpSpPr>
-        <a:xfrm>
-          <a:off x="0" y="0"/>
-          <a:ext cx="0" cy="0"/>
-          <a:chOff x="0" y="0"/>
-          <a:chExt cx="0" cy="0"/>
-        </a:xfrm>
-      </p:grpSpPr>
-      <p:sp>
-        <p:nvSpPr>
-          <p:cNvPr id="2" name="Title 1">
-            <a:extLst>
-              <a:ext uri="{FF2B5EF4-FFF2-40B4-BE49-F238E27FC236}">
-                <a16:creationId xmlns="" xmlns:a16="http://schemas.microsoft.com/office/drawing/2014/main" id="{64FC46BD-FCD3-4070-A2FE-CF068D21089D}"/>
-              </a:ext>
-            </a:extLst>
-          </p:cNvPr>
-          <p:cNvSpPr>
-            <a:spLocks noGrp="1"/>
-          </p:cNvSpPr>
-          <p:nvPr>
-            <p:ph type="title"/>
-          </p:nvPr>
-        </p:nvSpPr>
-        <p:spPr/>
-        <p:txBody>
-          <a:bodyPr/>
-          <a:lstStyle/>
-          <a:p>
-            <a:r>
-              <a:rPr lang="en-US" dirty="0">
-                <a:latin typeface="Comic Sans MS" panose="030F0702030302020204" pitchFamily="66" charset="0"/>
-              </a:rPr>
-              <a:t>Nested Quantifier</a:t>
-            </a:r>
-          </a:p>
-        </p:txBody>
-      </p:sp>
-      <mc:AlternateContent xmlns:mc="http://schemas.openxmlformats.org/markup-compatibility/2006" xmlns:a14="http://schemas.microsoft.com/office/drawing/2010/main">
-        <mc:Choice Requires="a14">
-          <p:sp>
-            <p:nvSpPr>
-              <p:cNvPr id="3" name="Content Placeholder 2">
-                <a:extLst>
-                  <a:ext uri="{FF2B5EF4-FFF2-40B4-BE49-F238E27FC236}">
-                    <a16:creationId xmlns="" xmlns:a16="http://schemas.microsoft.com/office/drawing/2014/main" id="{8FD3E7E3-6406-4C87-9E06-5BA40AA66E22}"/>
-                  </a:ext>
-                </a:extLst>
-              </p:cNvPr>
-              <p:cNvSpPr>
-                <a:spLocks noGrp="1"/>
-              </p:cNvSpPr>
-              <p:nvPr>
-                <p:ph idx="1"/>
-              </p:nvPr>
-            </p:nvSpPr>
-            <p:spPr/>
-            <p:txBody>
-              <a:bodyPr>
-                <a:normAutofit/>
-              </a:bodyPr>
-              <a:lstStyle/>
-              <a:p>
-                <a:pPr marL="0" indent="0">
-                  <a:buNone/>
-                </a:pPr>
-                <a:r>
-                  <a:rPr lang="en-US" sz="3200" dirty="0">
-                    <a:latin typeface="Comic Sans MS" panose="030F0702030302020204" pitchFamily="66" charset="0"/>
-                  </a:rPr>
-                  <a:t>x </a:t>
-                </a:r>
-                <a14:m>
-                  <m:oMath xmlns:m="http://schemas.openxmlformats.org/officeDocument/2006/math">
-                    <m:r>
-                      <a:rPr lang="en-US" sz="3200" i="1" smtClean="0">
-                        <a:latin typeface="Cambria Math" panose="02040503050406030204" pitchFamily="18" charset="0"/>
-                        <a:ea typeface="Cambria Math" panose="02040503050406030204" pitchFamily="18" charset="0"/>
-                      </a:rPr>
-                      <m:t>∈</m:t>
-                    </m:r>
-                    <m:r>
-                      <a:rPr lang="en-US" sz="3200" i="1" smtClean="0">
-                        <a:latin typeface="Cambria Math" panose="02040503050406030204" pitchFamily="18" charset="0"/>
-                        <a:ea typeface="Cambria Math" panose="02040503050406030204" pitchFamily="18" charset="0"/>
-                      </a:rPr>
-                      <m:t>ℝ</m:t>
-                    </m:r>
-                  </m:oMath>
-                </a14:m>
-                <a:r>
-                  <a:rPr lang="en-US" sz="3200" dirty="0">
-                    <a:latin typeface="Comic Sans MS" panose="030F0702030302020204" pitchFamily="66" charset="0"/>
-                  </a:rPr>
-                  <a:t> , y </a:t>
-                </a:r>
-                <a14:m>
-                  <m:oMath xmlns:m="http://schemas.openxmlformats.org/officeDocument/2006/math">
-                    <m:r>
-                      <a:rPr lang="en-US" sz="3200" i="1" smtClean="0">
-                        <a:latin typeface="Cambria Math" panose="02040503050406030204" pitchFamily="18" charset="0"/>
-                        <a:ea typeface="Cambria Math" panose="02040503050406030204" pitchFamily="18" charset="0"/>
-                      </a:rPr>
-                      <m:t>∈</m:t>
-                    </m:r>
-                    <m:r>
-                      <a:rPr lang="en-US" sz="3200" i="1" smtClean="0">
-                        <a:latin typeface="Cambria Math" panose="02040503050406030204" pitchFamily="18" charset="0"/>
-                        <a:ea typeface="Cambria Math" panose="02040503050406030204" pitchFamily="18" charset="0"/>
-                      </a:rPr>
-                      <m:t>ℕ</m:t>
-                    </m:r>
-                    <m:r>
-                      <a:rPr lang="en-US" sz="3200" b="0" i="1" smtClean="0">
-                        <a:latin typeface="Cambria Math" panose="02040503050406030204" pitchFamily="18" charset="0"/>
-                        <a:ea typeface="Cambria Math" panose="02040503050406030204" pitchFamily="18" charset="0"/>
-                      </a:rPr>
-                      <m:t>={1, 2, …}</m:t>
-                    </m:r>
-                  </m:oMath>
-                </a14:m>
-                <a:endParaRPr lang="en-US" sz="3200" dirty="0">
-                  <a:latin typeface="Comic Sans MS" panose="030F0702030302020204" pitchFamily="66" charset="0"/>
-                </a:endParaRPr>
-              </a:p>
-              <a:p>
-                <a:pPr marL="0" indent="0">
-                  <a:buNone/>
-                </a:pPr>
-                <a:r>
-                  <a:rPr lang="en-US" sz="3200" dirty="0">
-                    <a:latin typeface="Comic Sans MS" panose="030F0702030302020204" pitchFamily="66" charset="0"/>
-                  </a:rPr>
-                  <a:t>Q(x, y)::= [x </a:t>
-                </a:r>
-                <a14:m>
-                  <m:oMath xmlns:m="http://schemas.openxmlformats.org/officeDocument/2006/math">
-                    <m:r>
-                      <a:rPr lang="en-US" sz="3200" b="0" i="1" smtClean="0">
-                        <a:latin typeface="Cambria Math" panose="02040503050406030204" pitchFamily="18" charset="0"/>
-                      </a:rPr>
-                      <m:t>∗</m:t>
-                    </m:r>
-                  </m:oMath>
-                </a14:m>
-                <a:r>
-                  <a:rPr lang="en-US" sz="3200" dirty="0">
-                    <a:latin typeface="Comic Sans MS" panose="030F0702030302020204" pitchFamily="66" charset="0"/>
-                  </a:rPr>
-                  <a:t> y = 0]</a:t>
-                </a:r>
-              </a:p>
-              <a:p>
-                <a:pPr marL="0" indent="0" algn="ctr">
-                  <a:buNone/>
-                </a:pPr>
-                <a14:m>
-                  <m:oMath xmlns:m="http://schemas.openxmlformats.org/officeDocument/2006/math">
-                    <m:r>
-                      <a:rPr lang="en-US" sz="3600" i="1" dirty="0" smtClean="0">
-                        <a:latin typeface="Cambria Math" panose="02040503050406030204" pitchFamily="18" charset="0"/>
-                        <a:ea typeface="Cambria Math" panose="02040503050406030204" pitchFamily="18" charset="0"/>
-                      </a:rPr>
-                      <m:t>∃</m:t>
-                    </m:r>
-                  </m:oMath>
-                </a14:m>
-                <a:r>
-                  <a:rPr lang="en-US" sz="3600" dirty="0">
-                    <a:latin typeface="Comic Sans MS" panose="030F0702030302020204" pitchFamily="66" charset="0"/>
-                  </a:rPr>
-                  <a:t>x</a:t>
-                </a:r>
-                <a14:m>
-                  <m:oMath xmlns:m="http://schemas.openxmlformats.org/officeDocument/2006/math">
-                    <m:r>
-                      <a:rPr lang="en-US" sz="3600" i="1" dirty="0" smtClean="0">
-                        <a:latin typeface="Cambria Math" panose="02040503050406030204" pitchFamily="18" charset="0"/>
-                        <a:ea typeface="Cambria Math" panose="02040503050406030204" pitchFamily="18" charset="0"/>
-                      </a:rPr>
-                      <m:t>∀</m:t>
-                    </m:r>
-                  </m:oMath>
-                </a14:m>
-                <a:r>
-                  <a:rPr lang="en-US" sz="3600" dirty="0">
-                    <a:latin typeface="Comic Sans MS" panose="030F0702030302020204" pitchFamily="66" charset="0"/>
-                  </a:rPr>
-                  <a:t>y Q(x, y) = ?</a:t>
-                </a:r>
-                <a:r>
-                  <a:rPr lang="en-US" sz="3200" dirty="0">
-                    <a:latin typeface="Comic Sans MS" panose="030F0702030302020204" pitchFamily="66" charset="0"/>
-                  </a:rPr>
-                  <a:t/>
-                </a:r>
-                <a:br>
-                  <a:rPr lang="en-US" sz="3200" dirty="0">
-                    <a:latin typeface="Comic Sans MS" panose="030F0702030302020204" pitchFamily="66" charset="0"/>
-                  </a:rPr>
-                </a:br>
-                <a:endParaRPr lang="en-US" sz="3200" dirty="0">
-                  <a:latin typeface="Comic Sans MS" panose="030F0702030302020204" pitchFamily="66" charset="0"/>
-                </a:endParaRPr>
-              </a:p>
-            </p:txBody>
-          </p:sp>
-        </mc:Choice>
-        <mc:Fallback xmlns="">
-          <p:sp>
-            <p:nvSpPr>
-              <p:cNvPr id="3" name="Content Placeholder 2">
-                <a:extLst>
-                  <a:ext uri="{FF2B5EF4-FFF2-40B4-BE49-F238E27FC236}">
-                    <a16:creationId xmlns:a16="http://schemas.microsoft.com/office/drawing/2014/main" id="{8FD3E7E3-6406-4C87-9E06-5BA40AA66E22}"/>
-                  </a:ext>
-                </a:extLst>
-              </p:cNvPr>
-              <p:cNvSpPr>
-                <a:spLocks noGrp="1" noRot="1" noChangeAspect="1" noMove="1" noResize="1" noEditPoints="1" noAdjustHandles="1" noChangeArrowheads="1" noChangeShapeType="1" noTextEdit="1"/>
-              </p:cNvSpPr>
-              <p:nvPr>
-                <p:ph idx="1"/>
-              </p:nvPr>
-            </p:nvSpPr>
-            <p:spPr>
-              <a:blipFill>
-                <a:blip r:embed="rId2"/>
-                <a:stretch>
-                  <a:fillRect l="-1507" t="-2941"/>
-                </a:stretch>
-              </a:blipFill>
-            </p:spPr>
-            <p:txBody>
-              <a:bodyPr/>
-              <a:lstStyle/>
-              <a:p>
-                <a:r>
-                  <a:rPr lang="en-US">
-                    <a:noFill/>
-                  </a:rPr>
-                  <a:t> </a:t>
-                </a:r>
-              </a:p>
-            </p:txBody>
-          </p:sp>
-        </mc:Fallback>
-      </mc:AlternateContent>
-    </p:spTree>
-    <p:extLst>
-      <p:ext uri="{BB962C8B-B14F-4D97-AF65-F5344CB8AC3E}">
-        <p14:creationId xmlns:p14="http://schemas.microsoft.com/office/powerpoint/2010/main" val="3760593751"/>
-      </p:ext>
-    </p:extLst>
-  </p:cSld>
-  <p:clrMapOvr>
-    <a:masterClrMapping/>
-  </p:clrMapOvr>
-  <p:timing>
-    <p:tnLst>
-      <p:par>
-        <p:cTn id="1" dur="indefinite" restart="never" nodeType="tmRoot"/>
-      </p:par>
-    </p:tnLst>
-  </p:timing>
-</p:sld>
-</file>
-
-<file path=ppt/slides/slide18.xml><?xml version="1.0" encoding="utf-8"?>
-<p:sld xmlns:a="http://schemas.openxmlformats.org/drawingml/2006/main" xmlns:r="http://schemas.openxmlformats.org/officeDocument/2006/relationships" xmlns:p="http://schemas.openxmlformats.org/presentationml/2006/main">
-  <p:cSld>
-    <p:spTree>
-      <p:nvGrpSpPr>
-        <p:cNvPr id="1" name=""/>
-        <p:cNvGrpSpPr/>
-        <p:nvPr/>
-      </p:nvGrpSpPr>
-      <p:grpSpPr>
-        <a:xfrm>
-          <a:off x="0" y="0"/>
-          <a:ext cx="0" cy="0"/>
-          <a:chOff x="0" y="0"/>
-          <a:chExt cx="0" cy="0"/>
-        </a:xfrm>
-      </p:grpSpPr>
-      <p:sp>
-        <p:nvSpPr>
-          <p:cNvPr id="2" name="Title 1">
-            <a:extLst>
-              <a:ext uri="{FF2B5EF4-FFF2-40B4-BE49-F238E27FC236}">
-                <a16:creationId xmlns="" xmlns:a16="http://schemas.microsoft.com/office/drawing/2014/main" id="{64FC46BD-FCD3-4070-A2FE-CF068D21089D}"/>
-              </a:ext>
-            </a:extLst>
-          </p:cNvPr>
-          <p:cNvSpPr>
-            <a:spLocks noGrp="1"/>
-          </p:cNvSpPr>
-          <p:nvPr>
-            <p:ph type="title"/>
-          </p:nvPr>
-        </p:nvSpPr>
-        <p:spPr/>
-        <p:txBody>
-          <a:bodyPr/>
-          <a:lstStyle/>
-          <a:p>
-            <a:r>
-              <a:rPr lang="en-US" dirty="0">
-                <a:latin typeface="Comic Sans MS" panose="030F0702030302020204" pitchFamily="66" charset="0"/>
-              </a:rPr>
-              <a:t>Nested Quantifier</a:t>
-            </a:r>
           </a:p>
         </p:txBody>
       </p:sp>
@@ -6613,7 +3735,7 @@
 </p:sld>
 </file>
 
-<file path=ppt/slides/slide19.xml><?xml version="1.0" encoding="utf-8"?>
+<file path=ppt/slides/slide11.xml><?xml version="1.0" encoding="utf-8"?>
 <p:sld xmlns:a="http://schemas.openxmlformats.org/drawingml/2006/main" xmlns:r="http://schemas.openxmlformats.org/officeDocument/2006/relationships" xmlns:p="http://schemas.openxmlformats.org/presentationml/2006/main">
   <p:cSld>
     <p:spTree>
@@ -6655,8 +3777,17 @@
               <a:rPr lang="en-US" dirty="0">
                 <a:latin typeface="Comic Sans MS" panose="030F0702030302020204" pitchFamily="66" charset="0"/>
               </a:rPr>
-              <a:t>Nested Quantifier</a:t>
-            </a:r>
+              <a:t>Nested </a:t>
+            </a:r>
+            <a:r>
+              <a:rPr lang="en-US" dirty="0" smtClean="0">
+                <a:latin typeface="Comic Sans MS" panose="030F0702030302020204" pitchFamily="66" charset="0"/>
+              </a:rPr>
+              <a:t>Quantifier6</a:t>
+            </a:r>
+            <a:endParaRPr lang="en-US" dirty="0">
+              <a:latin typeface="Comic Sans MS" panose="030F0702030302020204" pitchFamily="66" charset="0"/>
+            </a:endParaRPr>
           </a:p>
         </p:txBody>
       </p:sp>
@@ -6948,7 +4079,7 @@
 </p:sld>
 </file>
 
-<file path=ppt/slides/slide2.xml><?xml version="1.0" encoding="utf-8"?>
+<file path=ppt/slides/slide12.xml><?xml version="1.0" encoding="utf-8"?>
 <p:sld xmlns:a="http://schemas.openxmlformats.org/drawingml/2006/main" xmlns:r="http://schemas.openxmlformats.org/officeDocument/2006/relationships" xmlns:p="http://schemas.openxmlformats.org/presentationml/2006/main">
   <p:cSld>
     <p:spTree>
@@ -6990,144 +4121,17 @@
               <a:rPr lang="en-US" dirty="0">
                 <a:latin typeface="Comic Sans MS" panose="030F0702030302020204" pitchFamily="66" charset="0"/>
               </a:rPr>
-              <a:t>Predicates</a:t>
-            </a:r>
-          </a:p>
-        </p:txBody>
-      </p:sp>
-      <p:sp>
-        <p:nvSpPr>
-          <p:cNvPr id="3" name="Content Placeholder 2">
-            <a:extLst>
-              <a:ext uri="{FF2B5EF4-FFF2-40B4-BE49-F238E27FC236}">
-                <a16:creationId xmlns="" xmlns:a16="http://schemas.microsoft.com/office/drawing/2014/main" id="{8FD3E7E3-6406-4C87-9E06-5BA40AA66E22}"/>
-              </a:ext>
-            </a:extLst>
-          </p:cNvPr>
-          <p:cNvSpPr>
-            <a:spLocks noGrp="1"/>
-          </p:cNvSpPr>
-          <p:nvPr>
-            <p:ph idx="1"/>
-          </p:nvPr>
-        </p:nvSpPr>
-        <p:spPr/>
-        <p:txBody>
-          <a:bodyPr/>
-          <a:lstStyle/>
-          <a:p>
-            <a:pPr marL="0" indent="0">
-              <a:buNone/>
-            </a:pPr>
-            <a:r>
-              <a:rPr lang="en-US" dirty="0">
+              <a:t>Nested </a:t>
+            </a:r>
+            <a:r>
+              <a:rPr lang="en-US" dirty="0" smtClean="0">
                 <a:latin typeface="Comic Sans MS" panose="030F0702030302020204" pitchFamily="66" charset="0"/>
               </a:rPr>
-              <a:t>Proposition with variables.</a:t>
-            </a:r>
-          </a:p>
-          <a:p>
-            <a:pPr marL="0" indent="0">
-              <a:buNone/>
-            </a:pPr>
-            <a:r>
-              <a:rPr lang="es-ES" dirty="0">
-                <a:latin typeface="Comic Sans MS" panose="030F0702030302020204" pitchFamily="66" charset="0"/>
-              </a:rPr>
-              <a:t>Example: </a:t>
-            </a:r>
-          </a:p>
-          <a:p>
-            <a:pPr marL="0" indent="0">
-              <a:buNone/>
-            </a:pPr>
-            <a:r>
-              <a:rPr lang="es-ES" dirty="0">
-                <a:latin typeface="Comic Sans MS" panose="030F0702030302020204" pitchFamily="66" charset="0"/>
-              </a:rPr>
-              <a:t>	P(x) ::= [x &gt; 3]</a:t>
-            </a:r>
-            <a:br>
-              <a:rPr lang="es-ES" dirty="0">
-                <a:latin typeface="Comic Sans MS" panose="030F0702030302020204" pitchFamily="66" charset="0"/>
-              </a:rPr>
-            </a:br>
-            <a:r>
-              <a:rPr lang="es-ES" dirty="0">
-                <a:latin typeface="Comic Sans MS" panose="030F0702030302020204" pitchFamily="66" charset="0"/>
-              </a:rPr>
-              <a:t>	P(x, y) ::= [x + 2 = y]</a:t>
+              <a:t>Quantifier7</a:t>
             </a:r>
             <a:endParaRPr lang="en-US" dirty="0">
               <a:latin typeface="Comic Sans MS" panose="030F0702030302020204" pitchFamily="66" charset="0"/>
             </a:endParaRPr>
-          </a:p>
-        </p:txBody>
-      </p:sp>
-    </p:spTree>
-    <p:extLst>
-      <p:ext uri="{BB962C8B-B14F-4D97-AF65-F5344CB8AC3E}">
-        <p14:creationId xmlns:p14="http://schemas.microsoft.com/office/powerpoint/2010/main" val="435689793"/>
-      </p:ext>
-    </p:extLst>
-  </p:cSld>
-  <p:clrMapOvr>
-    <a:masterClrMapping/>
-  </p:clrMapOvr>
-  <p:timing>
-    <p:tnLst>
-      <p:par>
-        <p:cTn id="1" dur="indefinite" restart="never" nodeType="tmRoot"/>
-      </p:par>
-    </p:tnLst>
-  </p:timing>
-</p:sld>
-</file>
-
-<file path=ppt/slides/slide20.xml><?xml version="1.0" encoding="utf-8"?>
-<p:sld xmlns:a="http://schemas.openxmlformats.org/drawingml/2006/main" xmlns:r="http://schemas.openxmlformats.org/officeDocument/2006/relationships" xmlns:p="http://schemas.openxmlformats.org/presentationml/2006/main">
-  <p:cSld>
-    <p:spTree>
-      <p:nvGrpSpPr>
-        <p:cNvPr id="1" name=""/>
-        <p:cNvGrpSpPr/>
-        <p:nvPr/>
-      </p:nvGrpSpPr>
-      <p:grpSpPr>
-        <a:xfrm>
-          <a:off x="0" y="0"/>
-          <a:ext cx="0" cy="0"/>
-          <a:chOff x="0" y="0"/>
-          <a:chExt cx="0" cy="0"/>
-        </a:xfrm>
-      </p:grpSpPr>
-      <p:sp>
-        <p:nvSpPr>
-          <p:cNvPr id="2" name="Title 1">
-            <a:extLst>
-              <a:ext uri="{FF2B5EF4-FFF2-40B4-BE49-F238E27FC236}">
-                <a16:creationId xmlns="" xmlns:a16="http://schemas.microsoft.com/office/drawing/2014/main" id="{64FC46BD-FCD3-4070-A2FE-CF068D21089D}"/>
-              </a:ext>
-            </a:extLst>
-          </p:cNvPr>
-          <p:cNvSpPr>
-            <a:spLocks noGrp="1"/>
-          </p:cNvSpPr>
-          <p:nvPr>
-            <p:ph type="title"/>
-          </p:nvPr>
-        </p:nvSpPr>
-        <p:spPr/>
-        <p:txBody>
-          <a:bodyPr/>
-          <a:lstStyle/>
-          <a:p>
-            <a:r>
-              <a:rPr lang="en-US" dirty="0">
-                <a:latin typeface="Comic Sans MS" panose="030F0702030302020204" pitchFamily="66" charset="0"/>
-              </a:rPr>
-              <a:t>Nested Quantifier</a:t>
-            </a:r>
           </a:p>
         </p:txBody>
       </p:sp>
@@ -7419,7 +4423,7 @@
 </p:sld>
 </file>
 
-<file path=ppt/slides/slide21.xml><?xml version="1.0" encoding="utf-8"?>
+<file path=ppt/slides/slide13.xml><?xml version="1.0" encoding="utf-8"?>
 <p:sld xmlns:a="http://schemas.openxmlformats.org/drawingml/2006/main" xmlns:r="http://schemas.openxmlformats.org/officeDocument/2006/relationships" xmlns:p="http://schemas.openxmlformats.org/presentationml/2006/main">
   <p:cSld>
     <p:spTree>
@@ -7461,8 +4465,17 @@
               <a:rPr lang="en-US" dirty="0">
                 <a:latin typeface="Comic Sans MS" panose="030F0702030302020204" pitchFamily="66" charset="0"/>
               </a:rPr>
-              <a:t>Nested Quantifier</a:t>
-            </a:r>
+              <a:t>Nested </a:t>
+            </a:r>
+            <a:r>
+              <a:rPr lang="en-US" dirty="0" smtClean="0">
+                <a:latin typeface="Comic Sans MS" panose="030F0702030302020204" pitchFamily="66" charset="0"/>
+              </a:rPr>
+              <a:t>Quantifier8</a:t>
+            </a:r>
+            <a:endParaRPr lang="en-US" dirty="0">
+              <a:latin typeface="Comic Sans MS" panose="030F0702030302020204" pitchFamily="66" charset="0"/>
+            </a:endParaRPr>
           </a:p>
         </p:txBody>
       </p:sp>
@@ -7759,7 +4772,7 @@
 </p:sld>
 </file>
 
-<file path=ppt/slides/slide22.xml><?xml version="1.0" encoding="utf-8"?>
+<file path=ppt/slides/slide14.xml><?xml version="1.0" encoding="utf-8"?>
 <p:sld xmlns:a="http://schemas.openxmlformats.org/drawingml/2006/main" xmlns:r="http://schemas.openxmlformats.org/officeDocument/2006/relationships" xmlns:p="http://schemas.openxmlformats.org/presentationml/2006/main">
   <p:cSld>
     <p:spTree>
@@ -7801,8 +4814,17 @@
               <a:rPr lang="en-US" dirty="0">
                 <a:latin typeface="Comic Sans MS" panose="030F0702030302020204" pitchFamily="66" charset="0"/>
               </a:rPr>
-              <a:t>Nested Quantifier</a:t>
-            </a:r>
+              <a:t>Nested </a:t>
+            </a:r>
+            <a:r>
+              <a:rPr lang="en-US" dirty="0" smtClean="0">
+                <a:latin typeface="Comic Sans MS" panose="030F0702030302020204" pitchFamily="66" charset="0"/>
+              </a:rPr>
+              <a:t>Quantifier9</a:t>
+            </a:r>
+            <a:endParaRPr lang="en-US" dirty="0">
+              <a:latin typeface="Comic Sans MS" panose="030F0702030302020204" pitchFamily="66" charset="0"/>
+            </a:endParaRPr>
           </a:p>
         </p:txBody>
       </p:sp>
@@ -8093,7 +5115,7 @@
 </p:sld>
 </file>
 
-<file path=ppt/slides/slide23.xml><?xml version="1.0" encoding="utf-8"?>
+<file path=ppt/slides/slide15.xml><?xml version="1.0" encoding="utf-8"?>
 <p:sld xmlns:a="http://schemas.openxmlformats.org/drawingml/2006/main" xmlns:r="http://schemas.openxmlformats.org/officeDocument/2006/relationships" xmlns:p="http://schemas.openxmlformats.org/presentationml/2006/main">
   <p:cSld>
     <p:spTree>
@@ -8135,8 +5157,17 @@
               <a:rPr lang="en-US" dirty="0">
                 <a:latin typeface="Comic Sans MS" panose="030F0702030302020204" pitchFamily="66" charset="0"/>
               </a:rPr>
-              <a:t>Nested Quantifier</a:t>
-            </a:r>
+              <a:t>Nested </a:t>
+            </a:r>
+            <a:r>
+              <a:rPr lang="en-US" dirty="0" smtClean="0">
+                <a:latin typeface="Comic Sans MS" panose="030F0702030302020204" pitchFamily="66" charset="0"/>
+              </a:rPr>
+              <a:t>Quantifier10</a:t>
+            </a:r>
+            <a:endParaRPr lang="en-US" dirty="0">
+              <a:latin typeface="Comic Sans MS" panose="030F0702030302020204" pitchFamily="66" charset="0"/>
+            </a:endParaRPr>
           </a:p>
         </p:txBody>
       </p:sp>
@@ -8421,7 +5452,7 @@
 </p:sld>
 </file>
 
-<file path=ppt/slides/slide24.xml><?xml version="1.0" encoding="utf-8"?>
+<file path=ppt/slides/slide16.xml><?xml version="1.0" encoding="utf-8"?>
 <p:sld xmlns:a="http://schemas.openxmlformats.org/drawingml/2006/main" xmlns:r="http://schemas.openxmlformats.org/officeDocument/2006/relationships" xmlns:p="http://schemas.openxmlformats.org/presentationml/2006/main">
   <p:cSld>
     <p:spTree>
@@ -8483,7 +5514,7 @@
 </p:sld>
 </file>
 
-<file path=ppt/slides/slide25.xml><?xml version="1.0" encoding="utf-8"?>
+<file path=ppt/slides/slide17.xml><?xml version="1.0" encoding="utf-8"?>
 <p:sld xmlns:a="http://schemas.openxmlformats.org/drawingml/2006/main" xmlns:r="http://schemas.openxmlformats.org/officeDocument/2006/relationships" xmlns:p="http://schemas.openxmlformats.org/presentationml/2006/main">
   <p:cSld>
     <p:spTree>
@@ -10200,7 +7231,7 @@
 </p:sld>
 </file>
 
-<file path=ppt/slides/slide26.xml><?xml version="1.0" encoding="utf-8"?>
+<file path=ppt/slides/slide18.xml><?xml version="1.0" encoding="utf-8"?>
 <p:sld xmlns:a="http://schemas.openxmlformats.org/drawingml/2006/main" xmlns:r="http://schemas.openxmlformats.org/officeDocument/2006/relationships" xmlns:p="http://schemas.openxmlformats.org/presentationml/2006/main">
   <p:cSld>
     <p:spTree>
@@ -10917,7 +7948,7 @@
 </p:sld>
 </file>
 
-<file path=ppt/slides/slide27.xml><?xml version="1.0" encoding="utf-8"?>
+<file path=ppt/slides/slide19.xml><?xml version="1.0" encoding="utf-8"?>
 <p:sld xmlns:a="http://schemas.openxmlformats.org/drawingml/2006/main" xmlns:r="http://schemas.openxmlformats.org/officeDocument/2006/relationships" xmlns:p="http://schemas.openxmlformats.org/presentationml/2006/main">
   <p:cSld>
     <p:spTree>
@@ -12006,6 +9037,142 @@
 </p:sld>
 </file>
 
+<file path=ppt/slides/slide2.xml><?xml version="1.0" encoding="utf-8"?>
+<p:sld xmlns:a="http://schemas.openxmlformats.org/drawingml/2006/main" xmlns:r="http://schemas.openxmlformats.org/officeDocument/2006/relationships" xmlns:p="http://schemas.openxmlformats.org/presentationml/2006/main">
+  <p:cSld>
+    <p:spTree>
+      <p:nvGrpSpPr>
+        <p:cNvPr id="1" name=""/>
+        <p:cNvGrpSpPr/>
+        <p:nvPr/>
+      </p:nvGrpSpPr>
+      <p:grpSpPr>
+        <a:xfrm>
+          <a:off x="0" y="0"/>
+          <a:ext cx="0" cy="0"/>
+          <a:chOff x="0" y="0"/>
+          <a:chExt cx="0" cy="0"/>
+        </a:xfrm>
+      </p:grpSpPr>
+      <p:sp>
+        <p:nvSpPr>
+          <p:cNvPr id="2" name="Title 1">
+            <a:extLst>
+              <a:ext uri="{FF2B5EF4-FFF2-40B4-BE49-F238E27FC236}">
+                <a16:creationId xmlns="" xmlns:a16="http://schemas.microsoft.com/office/drawing/2014/main" id="{64FC46BD-FCD3-4070-A2FE-CF068D21089D}"/>
+              </a:ext>
+            </a:extLst>
+          </p:cNvPr>
+          <p:cNvSpPr>
+            <a:spLocks noGrp="1"/>
+          </p:cNvSpPr>
+          <p:nvPr>
+            <p:ph type="title"/>
+          </p:nvPr>
+        </p:nvSpPr>
+        <p:spPr/>
+        <p:txBody>
+          <a:bodyPr/>
+          <a:lstStyle/>
+          <a:p>
+            <a:r>
+              <a:rPr lang="en-US" dirty="0">
+                <a:latin typeface="Comic Sans MS" panose="030F0702030302020204" pitchFamily="66" charset="0"/>
+              </a:rPr>
+              <a:t>Predicates</a:t>
+            </a:r>
+          </a:p>
+        </p:txBody>
+      </p:sp>
+      <p:sp>
+        <p:nvSpPr>
+          <p:cNvPr id="3" name="Content Placeholder 2">
+            <a:extLst>
+              <a:ext uri="{FF2B5EF4-FFF2-40B4-BE49-F238E27FC236}">
+                <a16:creationId xmlns="" xmlns:a16="http://schemas.microsoft.com/office/drawing/2014/main" id="{8FD3E7E3-6406-4C87-9E06-5BA40AA66E22}"/>
+              </a:ext>
+            </a:extLst>
+          </p:cNvPr>
+          <p:cNvSpPr>
+            <a:spLocks noGrp="1"/>
+          </p:cNvSpPr>
+          <p:nvPr>
+            <p:ph idx="1"/>
+          </p:nvPr>
+        </p:nvSpPr>
+        <p:spPr/>
+        <p:txBody>
+          <a:bodyPr/>
+          <a:lstStyle/>
+          <a:p>
+            <a:pPr marL="0" indent="0">
+              <a:buNone/>
+            </a:pPr>
+            <a:r>
+              <a:rPr lang="en-US" dirty="0">
+                <a:latin typeface="Comic Sans MS" panose="030F0702030302020204" pitchFamily="66" charset="0"/>
+              </a:rPr>
+              <a:t>Proposition with variables.</a:t>
+            </a:r>
+          </a:p>
+          <a:p>
+            <a:pPr marL="0" indent="0">
+              <a:buNone/>
+            </a:pPr>
+            <a:r>
+              <a:rPr lang="es-ES" dirty="0">
+                <a:latin typeface="Comic Sans MS" panose="030F0702030302020204" pitchFamily="66" charset="0"/>
+              </a:rPr>
+              <a:t>Example: </a:t>
+            </a:r>
+          </a:p>
+          <a:p>
+            <a:pPr marL="0" indent="0">
+              <a:buNone/>
+            </a:pPr>
+            <a:r>
+              <a:rPr lang="es-ES" dirty="0">
+                <a:latin typeface="Comic Sans MS" panose="030F0702030302020204" pitchFamily="66" charset="0"/>
+              </a:rPr>
+              <a:t>	P(x) ::= [x &gt; 3]</a:t>
+            </a:r>
+            <a:br>
+              <a:rPr lang="es-ES" dirty="0">
+                <a:latin typeface="Comic Sans MS" panose="030F0702030302020204" pitchFamily="66" charset="0"/>
+              </a:rPr>
+            </a:br>
+            <a:r>
+              <a:rPr lang="es-ES" dirty="0">
+                <a:latin typeface="Comic Sans MS" panose="030F0702030302020204" pitchFamily="66" charset="0"/>
+              </a:rPr>
+              <a:t>	P(x, y) ::= [x + 2 = y]</a:t>
+            </a:r>
+            <a:endParaRPr lang="en-US" dirty="0">
+              <a:latin typeface="Comic Sans MS" panose="030F0702030302020204" pitchFamily="66" charset="0"/>
+            </a:endParaRPr>
+          </a:p>
+        </p:txBody>
+      </p:sp>
+    </p:spTree>
+    <p:extLst>
+      <p:ext uri="{BB962C8B-B14F-4D97-AF65-F5344CB8AC3E}">
+        <p14:creationId xmlns:p14="http://schemas.microsoft.com/office/powerpoint/2010/main" val="435689793"/>
+      </p:ext>
+    </p:extLst>
+  </p:cSld>
+  <p:clrMapOvr>
+    <a:masterClrMapping/>
+  </p:clrMapOvr>
+  <p:timing>
+    <p:tnLst>
+      <p:par>
+        <p:cTn id="1" dur="indefinite" restart="never" nodeType="tmRoot"/>
+      </p:par>
+    </p:tnLst>
+  </p:timing>
+</p:sld>
+</file>
+
 <file path=ppt/slides/slide3.xml><?xml version="1.0" encoding="utf-8"?>
 <p:sld xmlns:a="http://schemas.openxmlformats.org/drawingml/2006/main" xmlns:r="http://schemas.openxmlformats.org/officeDocument/2006/relationships" xmlns:p="http://schemas.openxmlformats.org/presentationml/2006/main">
   <p:cSld>
@@ -12497,8 +9664,17 @@
               <a:rPr lang="en-US" dirty="0">
                 <a:latin typeface="Comic Sans MS" panose="030F0702030302020204" pitchFamily="66" charset="0"/>
               </a:rPr>
-              <a:t>Existential Quantifier</a:t>
-            </a:r>
+              <a:t>Nested </a:t>
+            </a:r>
+            <a:r>
+              <a:rPr lang="en-US" dirty="0" smtClean="0">
+                <a:latin typeface="Comic Sans MS" panose="030F0702030302020204" pitchFamily="66" charset="0"/>
+              </a:rPr>
+              <a:t>Quantifier1</a:t>
+            </a:r>
+            <a:endParaRPr lang="en-US" dirty="0">
+              <a:latin typeface="Comic Sans MS" panose="030F0702030302020204" pitchFamily="66" charset="0"/>
+            </a:endParaRPr>
           </a:p>
         </p:txBody>
       </p:sp>
@@ -12520,10 +9696,15 @@
                 <p:ph idx="1"/>
               </p:nvPr>
             </p:nvSpPr>
-            <p:spPr/>
+            <p:spPr>
+              <a:xfrm>
+                <a:off x="838200" y="1825625"/>
+                <a:ext cx="10515600" cy="1954805"/>
+              </a:xfrm>
+            </p:spPr>
             <p:txBody>
               <a:bodyPr>
-                <a:normAutofit/>
+                <a:normAutofit lnSpcReduction="10000"/>
               </a:bodyPr>
               <a:lstStyle/>
               <a:p>
@@ -12534,7 +9715,7 @@
                   <a:rPr lang="en-US" sz="3200" dirty="0">
                     <a:latin typeface="Comic Sans MS" panose="030F0702030302020204" pitchFamily="66" charset="0"/>
                   </a:rPr>
-                  <a:t>Let x, y range over </a:t>
+                  <a:t>x, y </a:t>
                 </a:r>
                 <a14:m>
                   <m:oMath xmlns:m="http://schemas.openxmlformats.org/officeDocument/2006/math">
@@ -12543,14 +9724,14 @@
                         <a:latin typeface="Cambria Math" panose="02040503050406030204" pitchFamily="18" charset="0"/>
                         <a:ea typeface="Cambria Math" panose="02040503050406030204" pitchFamily="18" charset="0"/>
                       </a:rPr>
-                      <m:t>ℕ</m:t>
+                      <m:t>∈</m:t>
                     </m:r>
                     <m:r>
-                      <a:rPr lang="en-US" sz="3200" b="0" i="1" smtClean="0">
+                      <a:rPr lang="en-US" sz="3200" i="1" smtClean="0">
                         <a:latin typeface="Cambria Math" panose="02040503050406030204" pitchFamily="18" charset="0"/>
                         <a:ea typeface="Cambria Math" panose="02040503050406030204" pitchFamily="18" charset="0"/>
                       </a:rPr>
-                      <m:t>={0, 1, 2, …}</m:t>
+                      <m:t>ℝ</m:t>
                     </m:r>
                   </m:oMath>
                 </a14:m>
@@ -12558,55 +9739,58 @@
                   <a:rPr lang="en-US" sz="3200" dirty="0">
                     <a:latin typeface="Comic Sans MS" panose="030F0702030302020204" pitchFamily="66" charset="0"/>
                   </a:rPr>
-                  <a:t/>
-                </a:r>
-                <a:br>
+                  <a:t> </a:t>
+                </a:r>
+              </a:p>
+              <a:p>
+                <a:pPr marL="0" indent="0">
+                  <a:buNone/>
+                </a:pPr>
+                <a:r>
                   <a:rPr lang="en-US" sz="3200" dirty="0">
                     <a:latin typeface="Comic Sans MS" panose="030F0702030302020204" pitchFamily="66" charset="0"/>
                   </a:rPr>
-                </a:br>
-                <a:r>
-                  <a:rPr lang="en-US" sz="3200" dirty="0">
-                    <a:latin typeface="Comic Sans MS" panose="030F0702030302020204" pitchFamily="66" charset="0"/>
-                  </a:rPr>
-                  <a:t>P(x, y) ::= [x + y &gt; 0] </a:t>
+                  <a:t>Q(x, y)::= [x + y = 0]</a:t>
                 </a:r>
               </a:p>
               <a:p>
                 <a:pPr marL="0" indent="0" algn="ctr">
                   <a:buNone/>
                 </a:pPr>
-                <a:r>
-                  <a:rPr lang="en-US" sz="3200" dirty="0">
-                    <a:latin typeface="Comic Sans MS" panose="030F0702030302020204" pitchFamily="66" charset="0"/>
-                  </a:rPr>
-                  <a:t/>
-                </a:r>
-                <a:br>
-                  <a:rPr lang="en-US" sz="3200" dirty="0">
-                    <a:latin typeface="Comic Sans MS" panose="030F0702030302020204" pitchFamily="66" charset="0"/>
-                  </a:rPr>
-                </a:br>
-                <a:r>
-                  <a:rPr lang="en-US" sz="3200" dirty="0">
-                    <a:latin typeface="Comic Sans MS" panose="030F0702030302020204" pitchFamily="66" charset="0"/>
-                  </a:rPr>
-                  <a:t> ∃x P(x, y) </a:t>
-                </a:r>
-                <a:r>
-                  <a:rPr lang="en-US" sz="3200" dirty="0" smtClean="0">
-                    <a:latin typeface="Comic Sans MS" panose="030F0702030302020204" pitchFamily="66" charset="0"/>
-                  </a:rPr>
-                  <a:t>= ?</a:t>
-                </a:r>
-                <a:endParaRPr lang="en-US" sz="3200" dirty="0">
-                  <a:latin typeface="Comic Sans MS" panose="030F0702030302020204" pitchFamily="66" charset="0"/>
-                </a:endParaRPr>
-              </a:p>
-              <a:p>
-                <a:pPr marL="0" indent="0">
-                  <a:buNone/>
-                </a:pPr>
+                <a14:m>
+                  <m:oMath xmlns:m="http://schemas.openxmlformats.org/officeDocument/2006/math">
+                    <m:r>
+                      <a:rPr lang="en-US" sz="3600" i="1" dirty="0" smtClean="0">
+                        <a:latin typeface="Cambria Math" panose="02040503050406030204" pitchFamily="18" charset="0"/>
+                        <a:ea typeface="Cambria Math" panose="02040503050406030204" pitchFamily="18" charset="0"/>
+                      </a:rPr>
+                      <m:t>∀</m:t>
+                    </m:r>
+                  </m:oMath>
+                </a14:m>
+                <a:r>
+                  <a:rPr lang="en-US" sz="3600" dirty="0">
+                    <a:latin typeface="Comic Sans MS" panose="030F0702030302020204" pitchFamily="66" charset="0"/>
+                  </a:rPr>
+                  <a:t>x</a:t>
+                </a:r>
+                <a14:m>
+                  <m:oMath xmlns:m="http://schemas.openxmlformats.org/officeDocument/2006/math">
+                    <m:r>
+                      <a:rPr lang="en-US" sz="3600" i="1" dirty="0" smtClean="0">
+                        <a:latin typeface="Cambria Math" panose="02040503050406030204" pitchFamily="18" charset="0"/>
+                        <a:ea typeface="Cambria Math" panose="02040503050406030204" pitchFamily="18" charset="0"/>
+                      </a:rPr>
+                      <m:t>∃</m:t>
+                    </m:r>
+                  </m:oMath>
+                </a14:m>
+                <a:r>
+                  <a:rPr lang="en-US" sz="3600" dirty="0">
+                    <a:latin typeface="Comic Sans MS" panose="030F0702030302020204" pitchFamily="66" charset="0"/>
+                  </a:rPr>
+                  <a:t>y Q(x, y) = ?</a:t>
+                </a:r>
                 <a:r>
                   <a:rPr lang="en-US" sz="3200" dirty="0">
                     <a:latin typeface="Comic Sans MS" panose="030F0702030302020204" pitchFamily="66" charset="0"/>
@@ -12631,7 +9815,7 @@
               <p:cNvPr id="3" name="Content Placeholder 2">
                 <a:extLst>
                   <a:ext uri="{FF2B5EF4-FFF2-40B4-BE49-F238E27FC236}">
-                    <a16:creationId xmlns:a16="http://schemas.microsoft.com/office/drawing/2014/main" xmlns:a14="http://schemas.microsoft.com/office/drawing/2010/main" xmlns="" id="{8FD3E7E3-6406-4C87-9E06-5BA40AA66E22}"/>
+                    <a16:creationId xmlns:a16="http://schemas.microsoft.com/office/drawing/2014/main" xmlns="" xmlns:a14="http://schemas.microsoft.com/office/drawing/2010/main" id="{8FD3E7E3-6406-4C87-9E06-5BA40AA66E22}"/>
                   </a:ext>
                 </a:extLst>
               </p:cNvPr>
@@ -12643,10 +9827,14 @@
               </p:nvPr>
             </p:nvSpPr>
             <p:spPr>
+              <a:xfrm>
+                <a:off x="838200" y="1825625"/>
+                <a:ext cx="10515600" cy="1954805"/>
+              </a:xfrm>
               <a:blipFill rotWithShape="0">
                 <a:blip r:embed="rId2"/>
                 <a:stretch>
-                  <a:fillRect l="-1507" t="-2941"/>
+                  <a:fillRect l="-1507" t="-8723"/>
                 </a:stretch>
               </a:blipFill>
             </p:spPr>
@@ -12668,7 +9856,7 @@
     </p:spTree>
     <p:extLst>
       <p:ext uri="{BB962C8B-B14F-4D97-AF65-F5344CB8AC3E}">
-        <p14:creationId xmlns:p14="http://schemas.microsoft.com/office/powerpoint/2010/main" val="1189882782"/>
+        <p14:creationId xmlns:p14="http://schemas.microsoft.com/office/powerpoint/2010/main" val="3208751036"/>
       </p:ext>
     </p:extLst>
   </p:cSld>
@@ -12727,329 +9915,218 @@
               <a:rPr lang="en-US" dirty="0">
                 <a:latin typeface="Comic Sans MS" panose="030F0702030302020204" pitchFamily="66" charset="0"/>
               </a:rPr>
-              <a:t>Existential Quantifier</a:t>
-            </a:r>
+              <a:t>Nested </a:t>
+            </a:r>
+            <a:r>
+              <a:rPr lang="en-US" dirty="0" smtClean="0">
+                <a:latin typeface="Comic Sans MS" panose="030F0702030302020204" pitchFamily="66" charset="0"/>
+              </a:rPr>
+              <a:t>Quantifier2</a:t>
+            </a:r>
+            <a:endParaRPr lang="en-US" dirty="0">
+              <a:latin typeface="Comic Sans MS" panose="030F0702030302020204" pitchFamily="66" charset="0"/>
+            </a:endParaRPr>
           </a:p>
         </p:txBody>
       </p:sp>
-      <p:sp>
-        <p:nvSpPr>
-          <p:cNvPr id="3" name="Content Placeholder 2">
-            <a:extLst>
-              <a:ext uri="{FF2B5EF4-FFF2-40B4-BE49-F238E27FC236}">
-                <a16:creationId xmlns="" xmlns:mc="http://schemas.openxmlformats.org/markup-compatibility/2006" xmlns:a14="http://schemas.microsoft.com/office/drawing/2010/main" xmlns:a16="http://schemas.microsoft.com/office/drawing/2014/main" id="{8FD3E7E3-6406-4C87-9E06-5BA40AA66E22}"/>
-              </a:ext>
-            </a:extLst>
-          </p:cNvPr>
-          <p:cNvSpPr>
-            <a:spLocks noGrp="1"/>
-          </p:cNvSpPr>
-          <p:nvPr>
-            <p:ph idx="1"/>
-          </p:nvPr>
-        </p:nvSpPr>
-        <p:spPr>
-          <a:xfrm>
-            <a:off x="838200" y="1825625"/>
-            <a:ext cx="10515600" cy="1886566"/>
-          </a:xfrm>
-        </p:spPr>
-        <p:txBody>
-          <a:bodyPr>
-            <a:normAutofit/>
-          </a:bodyPr>
-          <a:lstStyle/>
-          <a:p>
-            <a:pPr marL="0" indent="0">
-              <a:buNone/>
-            </a:pPr>
-            <a:r>
-              <a:rPr lang="en-US" sz="3200" dirty="0">
-                <a:latin typeface="Comic Sans MS" panose="030F0702030302020204" pitchFamily="66" charset="0"/>
-              </a:rPr>
-              <a:t>P(1, 2) ::= [1 + 2 &gt; 0] = [3 &gt; 0] </a:t>
-            </a:r>
-            <a:r>
-              <a:rPr lang="en-US" sz="3200" dirty="0">
-                <a:solidFill>
-                  <a:srgbClr val="00B050"/>
-                </a:solidFill>
-                <a:latin typeface="Comic Sans MS" panose="030F0702030302020204" pitchFamily="66" charset="0"/>
-              </a:rPr>
-              <a:t>T</a:t>
-            </a:r>
-          </a:p>
-          <a:p>
-            <a:pPr marL="0" indent="0">
-              <a:buNone/>
-            </a:pPr>
-            <a:r>
-              <a:rPr lang="en-US" sz="3200" dirty="0">
-                <a:latin typeface="Comic Sans MS" panose="030F0702030302020204" pitchFamily="66" charset="0"/>
-              </a:rPr>
-              <a:t>P(2, 3) ::= [2 + 3 &gt; 0] = [5 &gt; 0] </a:t>
-            </a:r>
-            <a:r>
-              <a:rPr lang="en-US" sz="3200" dirty="0">
-                <a:solidFill>
-                  <a:srgbClr val="00B050"/>
-                </a:solidFill>
-                <a:latin typeface="Comic Sans MS" panose="030F0702030302020204" pitchFamily="66" charset="0"/>
-              </a:rPr>
-              <a:t>T</a:t>
-            </a:r>
-          </a:p>
-          <a:p>
-            <a:pPr marL="0" indent="0">
-              <a:buNone/>
-            </a:pPr>
-            <a:r>
-              <a:rPr lang="en-US" sz="3200" dirty="0">
-                <a:latin typeface="Comic Sans MS" panose="030F0702030302020204" pitchFamily="66" charset="0"/>
-              </a:rPr>
-              <a:t>P(0, 0) ::= [0 + 0 &gt; 0] = [0 &gt; 0] </a:t>
-            </a:r>
-            <a:r>
-              <a:rPr lang="en-US" sz="3200" dirty="0" smtClean="0">
-                <a:solidFill>
-                  <a:srgbClr val="FF0000"/>
-                </a:solidFill>
-                <a:latin typeface="Comic Sans MS" panose="030F0702030302020204" pitchFamily="66" charset="0"/>
-              </a:rPr>
-              <a:t>F</a:t>
-            </a:r>
-            <a:endParaRPr lang="en-US" sz="3200" dirty="0">
-              <a:solidFill>
-                <a:srgbClr val="FF0000"/>
-              </a:solidFill>
-              <a:latin typeface="Comic Sans MS" panose="030F0702030302020204" pitchFamily="66" charset="0"/>
-            </a:endParaRPr>
-          </a:p>
-        </p:txBody>
-      </p:sp>
-      <p:sp>
-        <p:nvSpPr>
-          <p:cNvPr id="4" name="Content Placeholder 2">
-            <a:extLst>
-              <a:ext uri="{FF2B5EF4-FFF2-40B4-BE49-F238E27FC236}">
-                <a16:creationId xmlns="" xmlns:mc="http://schemas.openxmlformats.org/markup-compatibility/2006" xmlns:a14="http://schemas.microsoft.com/office/drawing/2010/main" xmlns:a16="http://schemas.microsoft.com/office/drawing/2014/main" id="{8FD3E7E3-6406-4C87-9E06-5BA40AA66E22}"/>
-              </a:ext>
-            </a:extLst>
-          </p:cNvPr>
-          <p:cNvSpPr txBox="1">
-            <a:spLocks/>
-          </p:cNvSpPr>
-          <p:nvPr/>
-        </p:nvSpPr>
-        <p:spPr>
-          <a:xfrm>
-            <a:off x="867771" y="3793177"/>
-            <a:ext cx="10515600" cy="1886566"/>
-          </a:xfrm>
-          <a:prstGeom prst="rect">
-            <a:avLst/>
-          </a:prstGeom>
-        </p:spPr>
-        <p:txBody>
-          <a:bodyPr vert="horz" lIns="91440" tIns="45720" rIns="91440" bIns="45720" rtlCol="0">
-            <a:normAutofit/>
-          </a:bodyPr>
-          <a:lstStyle>
-            <a:lvl1pPr marL="228600" indent="-228600" algn="l" defTabSz="914400" rtl="0" eaLnBrk="1" latinLnBrk="0" hangingPunct="1">
-              <a:lnSpc>
-                <a:spcPct val="90000"/>
-              </a:lnSpc>
-              <a:spcBef>
-                <a:spcPts val="1000"/>
-              </a:spcBef>
-              <a:buFont typeface="Arial" panose="020B0604020202020204" pitchFamily="34" charset="0"/>
-              <a:buChar char="•"/>
-              <a:defRPr sz="2800" kern="1200">
-                <a:solidFill>
-                  <a:schemeClr val="tx1"/>
-                </a:solidFill>
-                <a:latin typeface="+mn-lt"/>
-                <a:ea typeface="+mn-ea"/>
-                <a:cs typeface="+mn-cs"/>
-              </a:defRPr>
-            </a:lvl1pPr>
-            <a:lvl2pPr marL="685800" indent="-228600" algn="l" defTabSz="914400" rtl="0" eaLnBrk="1" latinLnBrk="0" hangingPunct="1">
-              <a:lnSpc>
-                <a:spcPct val="90000"/>
-              </a:lnSpc>
-              <a:spcBef>
-                <a:spcPts val="500"/>
-              </a:spcBef>
-              <a:buFont typeface="Arial" panose="020B0604020202020204" pitchFamily="34" charset="0"/>
-              <a:buChar char="•"/>
-              <a:defRPr sz="2400" kern="1200">
-                <a:solidFill>
-                  <a:schemeClr val="tx1"/>
-                </a:solidFill>
-                <a:latin typeface="+mn-lt"/>
-                <a:ea typeface="+mn-ea"/>
-                <a:cs typeface="+mn-cs"/>
-              </a:defRPr>
-            </a:lvl2pPr>
-            <a:lvl3pPr marL="1143000" indent="-228600" algn="l" defTabSz="914400" rtl="0" eaLnBrk="1" latinLnBrk="0" hangingPunct="1">
-              <a:lnSpc>
-                <a:spcPct val="90000"/>
-              </a:lnSpc>
-              <a:spcBef>
-                <a:spcPts val="500"/>
-              </a:spcBef>
-              <a:buFont typeface="Arial" panose="020B0604020202020204" pitchFamily="34" charset="0"/>
-              <a:buChar char="•"/>
-              <a:defRPr sz="2000" kern="1200">
-                <a:solidFill>
-                  <a:schemeClr val="tx1"/>
-                </a:solidFill>
-                <a:latin typeface="+mn-lt"/>
-                <a:ea typeface="+mn-ea"/>
-                <a:cs typeface="+mn-cs"/>
-              </a:defRPr>
-            </a:lvl3pPr>
-            <a:lvl4pPr marL="1600200" indent="-228600" algn="l" defTabSz="914400" rtl="0" eaLnBrk="1" latinLnBrk="0" hangingPunct="1">
-              <a:lnSpc>
-                <a:spcPct val="90000"/>
-              </a:lnSpc>
-              <a:spcBef>
-                <a:spcPts val="500"/>
-              </a:spcBef>
-              <a:buFont typeface="Arial" panose="020B0604020202020204" pitchFamily="34" charset="0"/>
-              <a:buChar char="•"/>
-              <a:defRPr sz="1800" kern="1200">
-                <a:solidFill>
-                  <a:schemeClr val="tx1"/>
-                </a:solidFill>
-                <a:latin typeface="+mn-lt"/>
-                <a:ea typeface="+mn-ea"/>
-                <a:cs typeface="+mn-cs"/>
-              </a:defRPr>
-            </a:lvl4pPr>
-            <a:lvl5pPr marL="2057400" indent="-228600" algn="l" defTabSz="914400" rtl="0" eaLnBrk="1" latinLnBrk="0" hangingPunct="1">
-              <a:lnSpc>
-                <a:spcPct val="90000"/>
-              </a:lnSpc>
-              <a:spcBef>
-                <a:spcPts val="500"/>
-              </a:spcBef>
-              <a:buFont typeface="Arial" panose="020B0604020202020204" pitchFamily="34" charset="0"/>
-              <a:buChar char="•"/>
-              <a:defRPr sz="1800" kern="1200">
-                <a:solidFill>
-                  <a:schemeClr val="tx1"/>
-                </a:solidFill>
-                <a:latin typeface="+mn-lt"/>
-                <a:ea typeface="+mn-ea"/>
-                <a:cs typeface="+mn-cs"/>
-              </a:defRPr>
-            </a:lvl5pPr>
-            <a:lvl6pPr marL="2514600" indent="-228600" algn="l" defTabSz="914400" rtl="0" eaLnBrk="1" latinLnBrk="0" hangingPunct="1">
-              <a:lnSpc>
-                <a:spcPct val="90000"/>
-              </a:lnSpc>
-              <a:spcBef>
-                <a:spcPts val="500"/>
-              </a:spcBef>
-              <a:buFont typeface="Arial" panose="020B0604020202020204" pitchFamily="34" charset="0"/>
-              <a:buChar char="•"/>
-              <a:defRPr sz="1800" kern="1200">
-                <a:solidFill>
-                  <a:schemeClr val="tx1"/>
-                </a:solidFill>
-                <a:latin typeface="+mn-lt"/>
-                <a:ea typeface="+mn-ea"/>
-                <a:cs typeface="+mn-cs"/>
-              </a:defRPr>
-            </a:lvl6pPr>
-            <a:lvl7pPr marL="2971800" indent="-228600" algn="l" defTabSz="914400" rtl="0" eaLnBrk="1" latinLnBrk="0" hangingPunct="1">
-              <a:lnSpc>
-                <a:spcPct val="90000"/>
-              </a:lnSpc>
-              <a:spcBef>
-                <a:spcPts val="500"/>
-              </a:spcBef>
-              <a:buFont typeface="Arial" panose="020B0604020202020204" pitchFamily="34" charset="0"/>
-              <a:buChar char="•"/>
-              <a:defRPr sz="1800" kern="1200">
-                <a:solidFill>
-                  <a:schemeClr val="tx1"/>
-                </a:solidFill>
-                <a:latin typeface="+mn-lt"/>
-                <a:ea typeface="+mn-ea"/>
-                <a:cs typeface="+mn-cs"/>
-              </a:defRPr>
-            </a:lvl7pPr>
-            <a:lvl8pPr marL="3429000" indent="-228600" algn="l" defTabSz="914400" rtl="0" eaLnBrk="1" latinLnBrk="0" hangingPunct="1">
-              <a:lnSpc>
-                <a:spcPct val="90000"/>
-              </a:lnSpc>
-              <a:spcBef>
-                <a:spcPts val="500"/>
-              </a:spcBef>
-              <a:buFont typeface="Arial" panose="020B0604020202020204" pitchFamily="34" charset="0"/>
-              <a:buChar char="•"/>
-              <a:defRPr sz="1800" kern="1200">
-                <a:solidFill>
-                  <a:schemeClr val="tx1"/>
-                </a:solidFill>
-                <a:latin typeface="+mn-lt"/>
-                <a:ea typeface="+mn-ea"/>
-                <a:cs typeface="+mn-cs"/>
-              </a:defRPr>
-            </a:lvl8pPr>
-            <a:lvl9pPr marL="3886200" indent="-228600" algn="l" defTabSz="914400" rtl="0" eaLnBrk="1" latinLnBrk="0" hangingPunct="1">
-              <a:lnSpc>
-                <a:spcPct val="90000"/>
-              </a:lnSpc>
-              <a:spcBef>
-                <a:spcPts val="500"/>
-              </a:spcBef>
-              <a:buFont typeface="Arial" panose="020B0604020202020204" pitchFamily="34" charset="0"/>
-              <a:buChar char="•"/>
-              <a:defRPr sz="1800" kern="1200">
-                <a:solidFill>
-                  <a:schemeClr val="tx1"/>
-                </a:solidFill>
-                <a:latin typeface="+mn-lt"/>
-                <a:ea typeface="+mn-ea"/>
-                <a:cs typeface="+mn-cs"/>
-              </a:defRPr>
-            </a:lvl9pPr>
-          </a:lstStyle>
-          <a:p>
-            <a:pPr marL="0" indent="0" algn="ctr">
-              <a:buNone/>
-            </a:pPr>
-            <a:r>
-              <a:rPr lang="en-US" sz="3200" dirty="0" smtClean="0">
-                <a:latin typeface="Comic Sans MS" panose="030F0702030302020204" pitchFamily="66" charset="0"/>
-              </a:rPr>
-              <a:t>∃x P(x, y) = </a:t>
-            </a:r>
-            <a:r>
-              <a:rPr lang="en-US" sz="3200" dirty="0">
-                <a:solidFill>
-                  <a:srgbClr val="00B050"/>
-                </a:solidFill>
-                <a:latin typeface="Comic Sans MS" panose="030F0702030302020204" pitchFamily="66" charset="0"/>
-              </a:rPr>
-              <a:t>T</a:t>
-            </a:r>
-            <a:endParaRPr lang="en-US" sz="3200" dirty="0">
-              <a:solidFill>
-                <a:srgbClr val="FF0000"/>
-              </a:solidFill>
-              <a:latin typeface="Comic Sans MS" panose="030F0702030302020204" pitchFamily="66" charset="0"/>
-            </a:endParaRPr>
-          </a:p>
-        </p:txBody>
-      </p:sp>
+      <mc:AlternateContent xmlns:mc="http://schemas.openxmlformats.org/markup-compatibility/2006" xmlns:a14="http://schemas.microsoft.com/office/drawing/2010/main">
+        <mc:Choice Requires="a14">
+          <p:sp>
+            <p:nvSpPr>
+              <p:cNvPr id="3" name="Content Placeholder 2">
+                <a:extLst>
+                  <a:ext uri="{FF2B5EF4-FFF2-40B4-BE49-F238E27FC236}">
+                    <a16:creationId xmlns="" xmlns:a16="http://schemas.microsoft.com/office/drawing/2014/main" id="{8FD3E7E3-6406-4C87-9E06-5BA40AA66E22}"/>
+                  </a:ext>
+                </a:extLst>
+              </p:cNvPr>
+              <p:cNvSpPr>
+                <a:spLocks noGrp="1"/>
+              </p:cNvSpPr>
+              <p:nvPr>
+                <p:ph idx="1"/>
+              </p:nvPr>
+            </p:nvSpPr>
+            <p:spPr/>
+            <p:txBody>
+              <a:bodyPr>
+                <a:normAutofit/>
+              </a:bodyPr>
+              <a:lstStyle/>
+              <a:p>
+                <a:pPr marL="0" indent="0">
+                  <a:buNone/>
+                </a:pPr>
+                <a:r>
+                  <a:rPr lang="en-US" sz="3200" dirty="0">
+                    <a:latin typeface="Comic Sans MS" panose="030F0702030302020204" pitchFamily="66" charset="0"/>
+                  </a:rPr>
+                  <a:t>x </a:t>
+                </a:r>
+                <a14:m>
+                  <m:oMath xmlns:m="http://schemas.openxmlformats.org/officeDocument/2006/math">
+                    <m:r>
+                      <a:rPr lang="en-US" sz="3200" i="1" smtClean="0">
+                        <a:latin typeface="Cambria Math" panose="02040503050406030204" pitchFamily="18" charset="0"/>
+                        <a:ea typeface="Cambria Math" panose="02040503050406030204" pitchFamily="18" charset="0"/>
+                      </a:rPr>
+                      <m:t>∈</m:t>
+                    </m:r>
+                    <m:r>
+                      <a:rPr lang="en-US" sz="3200" i="1" smtClean="0">
+                        <a:latin typeface="Cambria Math" panose="02040503050406030204" pitchFamily="18" charset="0"/>
+                        <a:ea typeface="Cambria Math" panose="02040503050406030204" pitchFamily="18" charset="0"/>
+                      </a:rPr>
+                      <m:t>ℝ</m:t>
+                    </m:r>
+                  </m:oMath>
+                </a14:m>
+                <a:r>
+                  <a:rPr lang="en-US" sz="3200" dirty="0">
+                    <a:latin typeface="Comic Sans MS" panose="030F0702030302020204" pitchFamily="66" charset="0"/>
+                  </a:rPr>
+                  <a:t> , y </a:t>
+                </a:r>
+                <a14:m>
+                  <m:oMath xmlns:m="http://schemas.openxmlformats.org/officeDocument/2006/math">
+                    <m:r>
+                      <a:rPr lang="en-US" sz="3200" i="1" smtClean="0">
+                        <a:latin typeface="Cambria Math" panose="02040503050406030204" pitchFamily="18" charset="0"/>
+                        <a:ea typeface="Cambria Math" panose="02040503050406030204" pitchFamily="18" charset="0"/>
+                      </a:rPr>
+                      <m:t>∈</m:t>
+                    </m:r>
+                    <m:r>
+                      <a:rPr lang="en-US" sz="3200" i="1" smtClean="0">
+                        <a:latin typeface="Cambria Math" panose="02040503050406030204" pitchFamily="18" charset="0"/>
+                        <a:ea typeface="Cambria Math" panose="02040503050406030204" pitchFamily="18" charset="0"/>
+                      </a:rPr>
+                      <m:t>ℕ</m:t>
+                    </m:r>
+                    <m:r>
+                      <a:rPr lang="en-US" sz="3200" b="0" i="1" smtClean="0">
+                        <a:latin typeface="Cambria Math" panose="02040503050406030204" pitchFamily="18" charset="0"/>
+                        <a:ea typeface="Cambria Math" panose="02040503050406030204" pitchFamily="18" charset="0"/>
+                      </a:rPr>
+                      <m:t>={1, 2, …}</m:t>
+                    </m:r>
+                  </m:oMath>
+                </a14:m>
+                <a:endParaRPr lang="en-US" sz="3200" dirty="0">
+                  <a:latin typeface="Comic Sans MS" panose="030F0702030302020204" pitchFamily="66" charset="0"/>
+                </a:endParaRPr>
+              </a:p>
+              <a:p>
+                <a:pPr marL="0" indent="0">
+                  <a:buNone/>
+                </a:pPr>
+                <a:r>
+                  <a:rPr lang="en-US" sz="3200" dirty="0">
+                    <a:latin typeface="Comic Sans MS" panose="030F0702030302020204" pitchFamily="66" charset="0"/>
+                  </a:rPr>
+                  <a:t>Q(x, y)::= [x + y = 0]</a:t>
+                </a:r>
+              </a:p>
+              <a:p>
+                <a:pPr marL="0" indent="0" algn="ctr">
+                  <a:buNone/>
+                </a:pPr>
+                <a14:m>
+                  <m:oMath xmlns:m="http://schemas.openxmlformats.org/officeDocument/2006/math">
+                    <m:r>
+                      <a:rPr lang="en-US" sz="3600" i="1" dirty="0" smtClean="0">
+                        <a:latin typeface="Cambria Math" panose="02040503050406030204" pitchFamily="18" charset="0"/>
+                        <a:ea typeface="Cambria Math" panose="02040503050406030204" pitchFamily="18" charset="0"/>
+                      </a:rPr>
+                      <m:t>∀</m:t>
+                    </m:r>
+                  </m:oMath>
+                </a14:m>
+                <a:r>
+                  <a:rPr lang="en-US" sz="3600" dirty="0">
+                    <a:latin typeface="Comic Sans MS" panose="030F0702030302020204" pitchFamily="66" charset="0"/>
+                  </a:rPr>
+                  <a:t>x</a:t>
+                </a:r>
+                <a14:m>
+                  <m:oMath xmlns:m="http://schemas.openxmlformats.org/officeDocument/2006/math">
+                    <m:r>
+                      <a:rPr lang="en-US" sz="3600" i="1" dirty="0" smtClean="0">
+                        <a:latin typeface="Cambria Math" panose="02040503050406030204" pitchFamily="18" charset="0"/>
+                        <a:ea typeface="Cambria Math" panose="02040503050406030204" pitchFamily="18" charset="0"/>
+                      </a:rPr>
+                      <m:t>∃</m:t>
+                    </m:r>
+                  </m:oMath>
+                </a14:m>
+                <a:r>
+                  <a:rPr lang="en-US" sz="3600" dirty="0">
+                    <a:latin typeface="Comic Sans MS" panose="030F0702030302020204" pitchFamily="66" charset="0"/>
+                  </a:rPr>
+                  <a:t>y Q(x, y) = ?</a:t>
+                </a:r>
+                <a:r>
+                  <a:rPr lang="en-US" sz="3200" dirty="0">
+                    <a:latin typeface="Comic Sans MS" panose="030F0702030302020204" pitchFamily="66" charset="0"/>
+                  </a:rPr>
+                  <a:t/>
+                </a:r>
+                <a:br>
+                  <a:rPr lang="en-US" sz="3200" dirty="0">
+                    <a:latin typeface="Comic Sans MS" panose="030F0702030302020204" pitchFamily="66" charset="0"/>
+                  </a:rPr>
+                </a:br>
+                <a:endParaRPr lang="en-US" sz="3200" dirty="0">
+                  <a:latin typeface="Comic Sans MS" panose="030F0702030302020204" pitchFamily="66" charset="0"/>
+                </a:endParaRPr>
+              </a:p>
+            </p:txBody>
+          </p:sp>
+        </mc:Choice>
+        <mc:Fallback xmlns="">
+          <p:sp>
+            <p:nvSpPr>
+              <p:cNvPr id="3" name="Content Placeholder 2">
+                <a:extLst>
+                  <a:ext uri="{FF2B5EF4-FFF2-40B4-BE49-F238E27FC236}">
+                    <a16:creationId xmlns:a16="http://schemas.microsoft.com/office/drawing/2014/main" id="{8FD3E7E3-6406-4C87-9E06-5BA40AA66E22}"/>
+                  </a:ext>
+                </a:extLst>
+              </p:cNvPr>
+              <p:cNvSpPr>
+                <a:spLocks noGrp="1" noRot="1" noChangeAspect="1" noMove="1" noResize="1" noEditPoints="1" noAdjustHandles="1" noChangeArrowheads="1" noChangeShapeType="1" noTextEdit="1"/>
+              </p:cNvSpPr>
+              <p:nvPr>
+                <p:ph idx="1"/>
+              </p:nvPr>
+            </p:nvSpPr>
+            <p:spPr>
+              <a:blipFill>
+                <a:blip r:embed="rId2"/>
+                <a:stretch>
+                  <a:fillRect l="-1507" t="-2941"/>
+                </a:stretch>
+              </a:blipFill>
+            </p:spPr>
+            <p:txBody>
+              <a:bodyPr/>
+              <a:lstStyle/>
+              <a:p>
+                <a:r>
+                  <a:rPr lang="en-US">
+                    <a:noFill/>
+                  </a:rPr>
+                  <a:t> </a:t>
+                </a:r>
+              </a:p>
+            </p:txBody>
+          </p:sp>
+        </mc:Fallback>
+      </mc:AlternateContent>
     </p:spTree>
     <p:extLst>
       <p:ext uri="{BB962C8B-B14F-4D97-AF65-F5344CB8AC3E}">
-        <p14:creationId xmlns:p14="http://schemas.microsoft.com/office/powerpoint/2010/main" val="1394651383"/>
+        <p14:creationId xmlns:p14="http://schemas.microsoft.com/office/powerpoint/2010/main" val="4011440162"/>
       </p:ext>
     </p:extLst>
   </p:cSld>
@@ -13059,80 +10136,9 @@
   <p:timing>
     <p:tnLst>
       <p:par>
-        <p:cTn id="1" dur="indefinite" restart="never" nodeType="tmRoot">
-          <p:childTnLst>
-            <p:seq concurrent="1" nextAc="seek">
-              <p:cTn id="2" dur="indefinite" nodeType="mainSeq">
-                <p:childTnLst>
-                  <p:par>
-                    <p:cTn id="3" fill="hold">
-                      <p:stCondLst>
-                        <p:cond delay="indefinite"/>
-                      </p:stCondLst>
-                      <p:childTnLst>
-                        <p:par>
-                          <p:cTn id="4" fill="hold">
-                            <p:stCondLst>
-                              <p:cond delay="0"/>
-                            </p:stCondLst>
-                            <p:childTnLst>
-                              <p:par>
-                                <p:cTn id="5" presetID="1" presetClass="entr" presetSubtype="0" fill="hold" grpId="0" nodeType="clickEffect">
-                                  <p:stCondLst>
-                                    <p:cond delay="0"/>
-                                  </p:stCondLst>
-                                  <p:childTnLst>
-                                    <p:set>
-                                      <p:cBhvr>
-                                        <p:cTn id="6" dur="1" fill="hold">
-                                          <p:stCondLst>
-                                            <p:cond delay="0"/>
-                                          </p:stCondLst>
-                                        </p:cTn>
-                                        <p:tgtEl>
-                                          <p:spTgt spid="4"/>
-                                        </p:tgtEl>
-                                        <p:attrNameLst>
-                                          <p:attrName>style.visibility</p:attrName>
-                                        </p:attrNameLst>
-                                      </p:cBhvr>
-                                      <p:to>
-                                        <p:strVal val="visible"/>
-                                      </p:to>
-                                    </p:set>
-                                  </p:childTnLst>
-                                </p:cTn>
-                              </p:par>
-                            </p:childTnLst>
-                          </p:cTn>
-                        </p:par>
-                      </p:childTnLst>
-                    </p:cTn>
-                  </p:par>
-                </p:childTnLst>
-              </p:cTn>
-              <p:prevCondLst>
-                <p:cond evt="onPrev" delay="0">
-                  <p:tgtEl>
-                    <p:sldTgt/>
-                  </p:tgtEl>
-                </p:cond>
-              </p:prevCondLst>
-              <p:nextCondLst>
-                <p:cond evt="onNext" delay="0">
-                  <p:tgtEl>
-                    <p:sldTgt/>
-                  </p:tgtEl>
-                </p:cond>
-              </p:nextCondLst>
-            </p:seq>
-          </p:childTnLst>
-        </p:cTn>
+        <p:cTn id="1" dur="indefinite" restart="never" nodeType="tmRoot"/>
       </p:par>
     </p:tnLst>
-    <p:bldLst>
-      <p:bldP spid="4" grpId="0"/>
-    </p:bldLst>
   </p:timing>
 </p:sld>
 </file>
@@ -13179,8 +10185,17 @@
               <a:rPr lang="en-US" dirty="0">
                 <a:latin typeface="Comic Sans MS" panose="030F0702030302020204" pitchFamily="66" charset="0"/>
               </a:rPr>
-              <a:t>Existential Quantifier</a:t>
-            </a:r>
+              <a:t>Nested </a:t>
+            </a:r>
+            <a:r>
+              <a:rPr lang="en-US" dirty="0" smtClean="0">
+                <a:latin typeface="Comic Sans MS" panose="030F0702030302020204" pitchFamily="66" charset="0"/>
+              </a:rPr>
+              <a:t>Quantifier3</a:t>
+            </a:r>
+            <a:endParaRPr lang="en-US" dirty="0">
+              <a:latin typeface="Comic Sans MS" panose="030F0702030302020204" pitchFamily="66" charset="0"/>
+            </a:endParaRPr>
           </a:p>
         </p:txBody>
       </p:sp>
@@ -13216,10 +10231,41 @@
                   <a:rPr lang="en-US" sz="3200" dirty="0">
                     <a:latin typeface="Comic Sans MS" panose="030F0702030302020204" pitchFamily="66" charset="0"/>
                   </a:rPr>
-                  <a:t>Let x, y range over </a:t>
+                  <a:t>x </a:t>
                 </a:r>
                 <a14:m>
                   <m:oMath xmlns:m="http://schemas.openxmlformats.org/officeDocument/2006/math">
+                    <m:r>
+                      <a:rPr lang="en-US" sz="3200" i="1" smtClean="0">
+                        <a:latin typeface="Cambria Math" panose="02040503050406030204" pitchFamily="18" charset="0"/>
+                        <a:ea typeface="Cambria Math" panose="02040503050406030204" pitchFamily="18" charset="0"/>
+                      </a:rPr>
+                      <m:t>∈</m:t>
+                    </m:r>
+                    <m:r>
+                      <a:rPr lang="en-US" sz="3200" i="1" smtClean="0">
+                        <a:latin typeface="Cambria Math" panose="02040503050406030204" pitchFamily="18" charset="0"/>
+                        <a:ea typeface="Cambria Math" panose="02040503050406030204" pitchFamily="18" charset="0"/>
+                      </a:rPr>
+                      <m:t>ℝ</m:t>
+                    </m:r>
+                  </m:oMath>
+                </a14:m>
+                <a:r>
+                  <a:rPr lang="en-US" sz="3200" dirty="0">
+                    <a:latin typeface="Comic Sans MS" panose="030F0702030302020204" pitchFamily="66" charset="0"/>
+                  </a:rPr>
+                  <a:t> , y </a:t>
+                </a:r>
+                <a14:m>
+                  <m:oMath xmlns:m="http://schemas.openxmlformats.org/officeDocument/2006/math">
+                    <m:r>
+                      <a:rPr lang="en-US" sz="3200" i="1" smtClean="0">
+                        <a:latin typeface="Cambria Math" panose="02040503050406030204" pitchFamily="18" charset="0"/>
+                        <a:ea typeface="Cambria Math" panose="02040503050406030204" pitchFamily="18" charset="0"/>
+                      </a:rPr>
+                      <m:t>∈</m:t>
+                    </m:r>
                     <m:r>
                       <a:rPr lang="en-US" sz="3200" i="1" smtClean="0">
                         <a:latin typeface="Cambria Math" panose="02040503050406030204" pitchFamily="18" charset="0"/>
@@ -13232,55 +10278,10 @@
                         <a:latin typeface="Cambria Math" panose="02040503050406030204" pitchFamily="18" charset="0"/>
                         <a:ea typeface="Cambria Math" panose="02040503050406030204" pitchFamily="18" charset="0"/>
                       </a:rPr>
-                      <m:t>={0, 1, 2, …}</m:t>
+                      <m:t>={1, 2, …}</m:t>
                     </m:r>
                   </m:oMath>
                 </a14:m>
-                <a:r>
-                  <a:rPr lang="en-US" sz="3200" dirty="0">
-                    <a:latin typeface="Comic Sans MS" panose="030F0702030302020204" pitchFamily="66" charset="0"/>
-                  </a:rPr>
-                  <a:t/>
-                </a:r>
-                <a:br>
-                  <a:rPr lang="en-US" sz="3200" dirty="0">
-                    <a:latin typeface="Comic Sans MS" panose="030F0702030302020204" pitchFamily="66" charset="0"/>
-                  </a:rPr>
-                </a:br>
-                <a:r>
-                  <a:rPr lang="en-US" sz="3200" dirty="0">
-                    <a:latin typeface="Comic Sans MS" panose="030F0702030302020204" pitchFamily="66" charset="0"/>
-                  </a:rPr>
-                  <a:t>P(x, y) ::= [x + y &lt; 0] </a:t>
-                </a:r>
-              </a:p>
-              <a:p>
-                <a:pPr marL="0" indent="0" algn="ctr">
-                  <a:buNone/>
-                </a:pPr>
-                <a:r>
-                  <a:rPr lang="en-US" sz="3200" dirty="0">
-                    <a:latin typeface="Comic Sans MS" panose="030F0702030302020204" pitchFamily="66" charset="0"/>
-                  </a:rPr>
-                  <a:t/>
-                </a:r>
-                <a:br>
-                  <a:rPr lang="en-US" sz="3200" dirty="0">
-                    <a:latin typeface="Comic Sans MS" panose="030F0702030302020204" pitchFamily="66" charset="0"/>
-                  </a:rPr>
-                </a:br>
-                <a:r>
-                  <a:rPr lang="en-US" sz="3200" dirty="0">
-                    <a:latin typeface="Comic Sans MS" panose="030F0702030302020204" pitchFamily="66" charset="0"/>
-                  </a:rPr>
-                  <a:t> ∃x P(x, y) </a:t>
-                </a:r>
-                <a:r>
-                  <a:rPr lang="en-US" sz="3200" dirty="0" smtClean="0">
-                    <a:latin typeface="Comic Sans MS" panose="030F0702030302020204" pitchFamily="66" charset="0"/>
-                  </a:rPr>
-                  <a:t>= ?</a:t>
-                </a:r>
                 <a:endParaRPr lang="en-US" sz="3200" dirty="0">
                   <a:latin typeface="Comic Sans MS" panose="030F0702030302020204" pitchFamily="66" charset="0"/>
                 </a:endParaRPr>
@@ -13289,6 +10290,51 @@
                 <a:pPr marL="0" indent="0">
                   <a:buNone/>
                 </a:pPr>
+                <a:r>
+                  <a:rPr lang="en-US" sz="3200" dirty="0">
+                    <a:latin typeface="Comic Sans MS" panose="030F0702030302020204" pitchFamily="66" charset="0"/>
+                  </a:rPr>
+                  <a:t>Q(x, y)::= [x + y = 0]</a:t>
+                </a:r>
+              </a:p>
+              <a:p>
+                <a:pPr marL="0" indent="0" algn="ctr">
+                  <a:buNone/>
+                </a:pPr>
+                <a14:m>
+                  <m:oMath xmlns:m="http://schemas.openxmlformats.org/officeDocument/2006/math">
+                    <m:r>
+                      <a:rPr lang="en-US" sz="3600" i="1" dirty="0" smtClean="0">
+                        <a:latin typeface="Cambria Math" panose="02040503050406030204" pitchFamily="18" charset="0"/>
+                        <a:ea typeface="Cambria Math" panose="02040503050406030204" pitchFamily="18" charset="0"/>
+                      </a:rPr>
+                      <m:t>∃</m:t>
+                    </m:r>
+                  </m:oMath>
+                </a14:m>
+                <a:r>
+                  <a:rPr lang="en-US" sz="3600" dirty="0">
+                    <a:latin typeface="Comic Sans MS" panose="030F0702030302020204" pitchFamily="66" charset="0"/>
+                  </a:rPr>
+                  <a:t>x</a:t>
+                </a:r>
+                <a14:m>
+                  <m:oMath xmlns:m="http://schemas.openxmlformats.org/officeDocument/2006/math">
+                    <m:r>
+                      <a:rPr lang="en-US" sz="3600" i="1" dirty="0" smtClean="0">
+                        <a:latin typeface="Cambria Math" panose="02040503050406030204" pitchFamily="18" charset="0"/>
+                        <a:ea typeface="Cambria Math" panose="02040503050406030204" pitchFamily="18" charset="0"/>
+                      </a:rPr>
+                      <m:t>∀</m:t>
+                    </m:r>
+                  </m:oMath>
+                </a14:m>
+                <a:r>
+                  <a:rPr lang="en-US" sz="3600" dirty="0">
+                    <a:latin typeface="Comic Sans MS" panose="030F0702030302020204" pitchFamily="66" charset="0"/>
+                  </a:rPr>
+                  <a:t>y Q(x, y) = ?</a:t>
+                </a:r>
                 <a:r>
                   <a:rPr lang="en-US" sz="3200" dirty="0">
                     <a:latin typeface="Comic Sans MS" panose="030F0702030302020204" pitchFamily="66" charset="0"/>
@@ -13313,7 +10359,7 @@
               <p:cNvPr id="3" name="Content Placeholder 2">
                 <a:extLst>
                   <a:ext uri="{FF2B5EF4-FFF2-40B4-BE49-F238E27FC236}">
-                    <a16:creationId xmlns:a16="http://schemas.microsoft.com/office/drawing/2014/main" xmlns:a14="http://schemas.microsoft.com/office/drawing/2010/main" xmlns="" id="{8FD3E7E3-6406-4C87-9E06-5BA40AA66E22}"/>
+                    <a16:creationId xmlns:a16="http://schemas.microsoft.com/office/drawing/2014/main" id="{8FD3E7E3-6406-4C87-9E06-5BA40AA66E22}"/>
                   </a:ext>
                 </a:extLst>
               </p:cNvPr>
@@ -13325,7 +10371,7 @@
               </p:nvPr>
             </p:nvSpPr>
             <p:spPr>
-              <a:blipFill rotWithShape="0">
+              <a:blipFill>
                 <a:blip r:embed="rId2"/>
                 <a:stretch>
                   <a:fillRect l="-1507" t="-2941"/>
@@ -13350,7 +10396,7 @@
     </p:spTree>
     <p:extLst>
       <p:ext uri="{BB962C8B-B14F-4D97-AF65-F5344CB8AC3E}">
-        <p14:creationId xmlns:p14="http://schemas.microsoft.com/office/powerpoint/2010/main" val="3132276883"/>
+        <p14:creationId xmlns:p14="http://schemas.microsoft.com/office/powerpoint/2010/main" val="4062375128"/>
       </p:ext>
     </p:extLst>
   </p:cSld>
@@ -13409,386 +10455,234 @@
               <a:rPr lang="en-US" dirty="0">
                 <a:latin typeface="Comic Sans MS" panose="030F0702030302020204" pitchFamily="66" charset="0"/>
               </a:rPr>
-              <a:t>Existential Quantifier</a:t>
-            </a:r>
+              <a:t>Nested </a:t>
+            </a:r>
+            <a:r>
+              <a:rPr lang="en-US" dirty="0" smtClean="0">
+                <a:latin typeface="Comic Sans MS" panose="030F0702030302020204" pitchFamily="66" charset="0"/>
+              </a:rPr>
+              <a:t>Quantifier4</a:t>
+            </a:r>
+            <a:endParaRPr lang="en-US" dirty="0">
+              <a:latin typeface="Comic Sans MS" panose="030F0702030302020204" pitchFamily="66" charset="0"/>
+            </a:endParaRPr>
           </a:p>
         </p:txBody>
       </p:sp>
-      <p:sp>
-        <p:nvSpPr>
-          <p:cNvPr id="3" name="Content Placeholder 2">
-            <a:extLst>
-              <a:ext uri="{FF2B5EF4-FFF2-40B4-BE49-F238E27FC236}">
-                <a16:creationId xmlns="" xmlns:mc="http://schemas.openxmlformats.org/markup-compatibility/2006" xmlns:a14="http://schemas.microsoft.com/office/drawing/2010/main" xmlns:a16="http://schemas.microsoft.com/office/drawing/2014/main" id="{8FD3E7E3-6406-4C87-9E06-5BA40AA66E22}"/>
-              </a:ext>
-            </a:extLst>
-          </p:cNvPr>
-          <p:cNvSpPr>
-            <a:spLocks noGrp="1"/>
-          </p:cNvSpPr>
-          <p:nvPr>
-            <p:ph idx="1"/>
-          </p:nvPr>
-        </p:nvSpPr>
-        <p:spPr>
-          <a:xfrm>
-            <a:off x="838200" y="1825625"/>
-            <a:ext cx="10515600" cy="1927509"/>
-          </a:xfrm>
-        </p:spPr>
-        <p:txBody>
-          <a:bodyPr>
-            <a:normAutofit/>
-          </a:bodyPr>
-          <a:lstStyle/>
-          <a:p>
-            <a:pPr marL="0" indent="0">
-              <a:buNone/>
-            </a:pPr>
-            <a:r>
-              <a:rPr lang="en-US" sz="3200" dirty="0">
-                <a:latin typeface="Comic Sans MS" panose="030F0702030302020204" pitchFamily="66" charset="0"/>
-              </a:rPr>
-              <a:t>P(1, 2) ::= [1 + 2 &lt; 0] = [3 &lt; 0] </a:t>
-            </a:r>
-            <a:r>
-              <a:rPr lang="en-US" sz="3200" dirty="0">
-                <a:solidFill>
-                  <a:srgbClr val="FF0000"/>
-                </a:solidFill>
-                <a:latin typeface="Comic Sans MS" panose="030F0702030302020204" pitchFamily="66" charset="0"/>
-              </a:rPr>
-              <a:t>F</a:t>
-            </a:r>
-          </a:p>
-          <a:p>
-            <a:pPr marL="0" indent="0">
-              <a:buNone/>
-            </a:pPr>
-            <a:r>
-              <a:rPr lang="en-US" sz="3200" dirty="0">
-                <a:latin typeface="Comic Sans MS" panose="030F0702030302020204" pitchFamily="66" charset="0"/>
-              </a:rPr>
-              <a:t>P(2, 3) ::= [2 + 3 &lt; 0] = [5 &lt; 0] </a:t>
-            </a:r>
-            <a:r>
-              <a:rPr lang="en-US" sz="3200" dirty="0">
-                <a:solidFill>
-                  <a:srgbClr val="FF0000"/>
-                </a:solidFill>
-                <a:latin typeface="Comic Sans MS" panose="030F0702030302020204" pitchFamily="66" charset="0"/>
-              </a:rPr>
-              <a:t>F</a:t>
-            </a:r>
-          </a:p>
-          <a:p>
-            <a:pPr marL="0" indent="0">
-              <a:buNone/>
-            </a:pPr>
-            <a:r>
-              <a:rPr lang="en-US" sz="3200" dirty="0">
-                <a:latin typeface="Comic Sans MS" panose="030F0702030302020204" pitchFamily="66" charset="0"/>
-              </a:rPr>
-              <a:t>P(0, 0) ::= [0 + 0 &lt; 0] = [0 &lt; 0] </a:t>
-            </a:r>
-            <a:r>
-              <a:rPr lang="en-US" sz="3200" dirty="0" smtClean="0">
-                <a:solidFill>
-                  <a:srgbClr val="FF0000"/>
-                </a:solidFill>
-                <a:latin typeface="Comic Sans MS" panose="030F0702030302020204" pitchFamily="66" charset="0"/>
-              </a:rPr>
-              <a:t>F</a:t>
-            </a:r>
-          </a:p>
-          <a:p>
-            <a:pPr marL="0" indent="0">
-              <a:buNone/>
-            </a:pPr>
-            <a:endParaRPr lang="en-US" sz="3200" dirty="0">
-              <a:solidFill>
-                <a:srgbClr val="00B050"/>
-              </a:solidFill>
-              <a:latin typeface="Comic Sans MS" panose="030F0702030302020204" pitchFamily="66" charset="0"/>
-            </a:endParaRPr>
-          </a:p>
-          <a:p>
-            <a:pPr marL="0" indent="0">
-              <a:buNone/>
-            </a:pPr>
-            <a:endParaRPr lang="en-US" sz="3200" dirty="0">
-              <a:solidFill>
-                <a:srgbClr val="00B050"/>
-              </a:solidFill>
-              <a:latin typeface="Comic Sans MS" panose="030F0702030302020204" pitchFamily="66" charset="0"/>
-            </a:endParaRPr>
-          </a:p>
-          <a:p>
-            <a:pPr marL="0" indent="0">
-              <a:buNone/>
-            </a:pPr>
-            <a:endParaRPr lang="en-US" sz="3200" dirty="0">
-              <a:latin typeface="Comic Sans MS" panose="030F0702030302020204" pitchFamily="66" charset="0"/>
-            </a:endParaRPr>
-          </a:p>
-        </p:txBody>
-      </p:sp>
-      <p:sp>
-        <p:nvSpPr>
-          <p:cNvPr id="4" name="Content Placeholder 2">
-            <a:extLst>
-              <a:ext uri="{FF2B5EF4-FFF2-40B4-BE49-F238E27FC236}">
-                <a16:creationId xmlns="" xmlns:mc="http://schemas.openxmlformats.org/markup-compatibility/2006" xmlns:a14="http://schemas.microsoft.com/office/drawing/2010/main" xmlns:a16="http://schemas.microsoft.com/office/drawing/2014/main" id="{8FD3E7E3-6406-4C87-9E06-5BA40AA66E22}"/>
-              </a:ext>
-            </a:extLst>
-          </p:cNvPr>
-          <p:cNvSpPr txBox="1">
-            <a:spLocks/>
-          </p:cNvSpPr>
-          <p:nvPr/>
-        </p:nvSpPr>
-        <p:spPr>
-          <a:xfrm>
-            <a:off x="854123" y="3765882"/>
-            <a:ext cx="10515600" cy="737879"/>
-          </a:xfrm>
-          <a:prstGeom prst="rect">
-            <a:avLst/>
-          </a:prstGeom>
-        </p:spPr>
-        <p:txBody>
-          <a:bodyPr vert="horz" lIns="91440" tIns="45720" rIns="91440" bIns="45720" rtlCol="0">
-            <a:normAutofit/>
-          </a:bodyPr>
-          <a:lstStyle>
-            <a:lvl1pPr marL="228600" indent="-228600" algn="l" defTabSz="914400" rtl="0" eaLnBrk="1" latinLnBrk="0" hangingPunct="1">
-              <a:lnSpc>
-                <a:spcPct val="90000"/>
-              </a:lnSpc>
-              <a:spcBef>
-                <a:spcPts val="1000"/>
-              </a:spcBef>
-              <a:buFont typeface="Arial" panose="020B0604020202020204" pitchFamily="34" charset="0"/>
-              <a:buChar char="•"/>
-              <a:defRPr sz="2800" kern="1200">
-                <a:solidFill>
-                  <a:schemeClr val="tx1"/>
-                </a:solidFill>
-                <a:latin typeface="+mn-lt"/>
-                <a:ea typeface="+mn-ea"/>
-                <a:cs typeface="+mn-cs"/>
-              </a:defRPr>
-            </a:lvl1pPr>
-            <a:lvl2pPr marL="685800" indent="-228600" algn="l" defTabSz="914400" rtl="0" eaLnBrk="1" latinLnBrk="0" hangingPunct="1">
-              <a:lnSpc>
-                <a:spcPct val="90000"/>
-              </a:lnSpc>
-              <a:spcBef>
-                <a:spcPts val="500"/>
-              </a:spcBef>
-              <a:buFont typeface="Arial" panose="020B0604020202020204" pitchFamily="34" charset="0"/>
-              <a:buChar char="•"/>
-              <a:defRPr sz="2400" kern="1200">
-                <a:solidFill>
-                  <a:schemeClr val="tx1"/>
-                </a:solidFill>
-                <a:latin typeface="+mn-lt"/>
-                <a:ea typeface="+mn-ea"/>
-                <a:cs typeface="+mn-cs"/>
-              </a:defRPr>
-            </a:lvl2pPr>
-            <a:lvl3pPr marL="1143000" indent="-228600" algn="l" defTabSz="914400" rtl="0" eaLnBrk="1" latinLnBrk="0" hangingPunct="1">
-              <a:lnSpc>
-                <a:spcPct val="90000"/>
-              </a:lnSpc>
-              <a:spcBef>
-                <a:spcPts val="500"/>
-              </a:spcBef>
-              <a:buFont typeface="Arial" panose="020B0604020202020204" pitchFamily="34" charset="0"/>
-              <a:buChar char="•"/>
-              <a:defRPr sz="2000" kern="1200">
-                <a:solidFill>
-                  <a:schemeClr val="tx1"/>
-                </a:solidFill>
-                <a:latin typeface="+mn-lt"/>
-                <a:ea typeface="+mn-ea"/>
-                <a:cs typeface="+mn-cs"/>
-              </a:defRPr>
-            </a:lvl3pPr>
-            <a:lvl4pPr marL="1600200" indent="-228600" algn="l" defTabSz="914400" rtl="0" eaLnBrk="1" latinLnBrk="0" hangingPunct="1">
-              <a:lnSpc>
-                <a:spcPct val="90000"/>
-              </a:lnSpc>
-              <a:spcBef>
-                <a:spcPts val="500"/>
-              </a:spcBef>
-              <a:buFont typeface="Arial" panose="020B0604020202020204" pitchFamily="34" charset="0"/>
-              <a:buChar char="•"/>
-              <a:defRPr sz="1800" kern="1200">
-                <a:solidFill>
-                  <a:schemeClr val="tx1"/>
-                </a:solidFill>
-                <a:latin typeface="+mn-lt"/>
-                <a:ea typeface="+mn-ea"/>
-                <a:cs typeface="+mn-cs"/>
-              </a:defRPr>
-            </a:lvl4pPr>
-            <a:lvl5pPr marL="2057400" indent="-228600" algn="l" defTabSz="914400" rtl="0" eaLnBrk="1" latinLnBrk="0" hangingPunct="1">
-              <a:lnSpc>
-                <a:spcPct val="90000"/>
-              </a:lnSpc>
-              <a:spcBef>
-                <a:spcPts val="500"/>
-              </a:spcBef>
-              <a:buFont typeface="Arial" panose="020B0604020202020204" pitchFamily="34" charset="0"/>
-              <a:buChar char="•"/>
-              <a:defRPr sz="1800" kern="1200">
-                <a:solidFill>
-                  <a:schemeClr val="tx1"/>
-                </a:solidFill>
-                <a:latin typeface="+mn-lt"/>
-                <a:ea typeface="+mn-ea"/>
-                <a:cs typeface="+mn-cs"/>
-              </a:defRPr>
-            </a:lvl5pPr>
-            <a:lvl6pPr marL="2514600" indent="-228600" algn="l" defTabSz="914400" rtl="0" eaLnBrk="1" latinLnBrk="0" hangingPunct="1">
-              <a:lnSpc>
-                <a:spcPct val="90000"/>
-              </a:lnSpc>
-              <a:spcBef>
-                <a:spcPts val="500"/>
-              </a:spcBef>
-              <a:buFont typeface="Arial" panose="020B0604020202020204" pitchFamily="34" charset="0"/>
-              <a:buChar char="•"/>
-              <a:defRPr sz="1800" kern="1200">
-                <a:solidFill>
-                  <a:schemeClr val="tx1"/>
-                </a:solidFill>
-                <a:latin typeface="+mn-lt"/>
-                <a:ea typeface="+mn-ea"/>
-                <a:cs typeface="+mn-cs"/>
-              </a:defRPr>
-            </a:lvl6pPr>
-            <a:lvl7pPr marL="2971800" indent="-228600" algn="l" defTabSz="914400" rtl="0" eaLnBrk="1" latinLnBrk="0" hangingPunct="1">
-              <a:lnSpc>
-                <a:spcPct val="90000"/>
-              </a:lnSpc>
-              <a:spcBef>
-                <a:spcPts val="500"/>
-              </a:spcBef>
-              <a:buFont typeface="Arial" panose="020B0604020202020204" pitchFamily="34" charset="0"/>
-              <a:buChar char="•"/>
-              <a:defRPr sz="1800" kern="1200">
-                <a:solidFill>
-                  <a:schemeClr val="tx1"/>
-                </a:solidFill>
-                <a:latin typeface="+mn-lt"/>
-                <a:ea typeface="+mn-ea"/>
-                <a:cs typeface="+mn-cs"/>
-              </a:defRPr>
-            </a:lvl7pPr>
-            <a:lvl8pPr marL="3429000" indent="-228600" algn="l" defTabSz="914400" rtl="0" eaLnBrk="1" latinLnBrk="0" hangingPunct="1">
-              <a:lnSpc>
-                <a:spcPct val="90000"/>
-              </a:lnSpc>
-              <a:spcBef>
-                <a:spcPts val="500"/>
-              </a:spcBef>
-              <a:buFont typeface="Arial" panose="020B0604020202020204" pitchFamily="34" charset="0"/>
-              <a:buChar char="•"/>
-              <a:defRPr sz="1800" kern="1200">
-                <a:solidFill>
-                  <a:schemeClr val="tx1"/>
-                </a:solidFill>
-                <a:latin typeface="+mn-lt"/>
-                <a:ea typeface="+mn-ea"/>
-                <a:cs typeface="+mn-cs"/>
-              </a:defRPr>
-            </a:lvl8pPr>
-            <a:lvl9pPr marL="3886200" indent="-228600" algn="l" defTabSz="914400" rtl="0" eaLnBrk="1" latinLnBrk="0" hangingPunct="1">
-              <a:lnSpc>
-                <a:spcPct val="90000"/>
-              </a:lnSpc>
-              <a:spcBef>
-                <a:spcPts val="500"/>
-              </a:spcBef>
-              <a:buFont typeface="Arial" panose="020B0604020202020204" pitchFamily="34" charset="0"/>
-              <a:buChar char="•"/>
-              <a:defRPr sz="1800" kern="1200">
-                <a:solidFill>
-                  <a:schemeClr val="tx1"/>
-                </a:solidFill>
-                <a:latin typeface="+mn-lt"/>
-                <a:ea typeface="+mn-ea"/>
-                <a:cs typeface="+mn-cs"/>
-              </a:defRPr>
-            </a:lvl9pPr>
-          </a:lstStyle>
-          <a:p>
-            <a:pPr marL="0" indent="0" algn="ctr">
-              <a:buNone/>
-            </a:pPr>
-            <a:r>
-              <a:rPr lang="en-US" sz="3200" dirty="0" smtClean="0">
-                <a:latin typeface="Comic Sans MS" panose="030F0702030302020204" pitchFamily="66" charset="0"/>
-              </a:rPr>
-              <a:t>∃x P(x, y) = </a:t>
-            </a:r>
-            <a:r>
-              <a:rPr lang="en-US" sz="3200" dirty="0">
-                <a:solidFill>
-                  <a:srgbClr val="FF0000"/>
-                </a:solidFill>
-                <a:latin typeface="Comic Sans MS" panose="030F0702030302020204" pitchFamily="66" charset="0"/>
-              </a:rPr>
-              <a:t>F</a:t>
-            </a:r>
-            <a:endParaRPr lang="en-US" sz="3200" dirty="0" smtClean="0">
-              <a:solidFill>
-                <a:srgbClr val="FF0000"/>
-              </a:solidFill>
-              <a:latin typeface="Comic Sans MS" panose="030F0702030302020204" pitchFamily="66" charset="0"/>
-            </a:endParaRPr>
-          </a:p>
-          <a:p>
-            <a:pPr marL="0" indent="0">
-              <a:buFont typeface="Arial" panose="020B0604020202020204" pitchFamily="34" charset="0"/>
-              <a:buNone/>
-            </a:pPr>
-            <a:endParaRPr lang="en-US" sz="3200" dirty="0" smtClean="0">
-              <a:solidFill>
-                <a:srgbClr val="00B050"/>
-              </a:solidFill>
-              <a:latin typeface="Comic Sans MS" panose="030F0702030302020204" pitchFamily="66" charset="0"/>
-            </a:endParaRPr>
-          </a:p>
-          <a:p>
-            <a:pPr marL="0" indent="0">
-              <a:buFont typeface="Arial" panose="020B0604020202020204" pitchFamily="34" charset="0"/>
-              <a:buNone/>
-            </a:pPr>
-            <a:endParaRPr lang="en-US" sz="3200" dirty="0" smtClean="0">
-              <a:solidFill>
-                <a:srgbClr val="00B050"/>
-              </a:solidFill>
-              <a:latin typeface="Comic Sans MS" panose="030F0702030302020204" pitchFamily="66" charset="0"/>
-            </a:endParaRPr>
-          </a:p>
-          <a:p>
-            <a:pPr marL="0" indent="0">
-              <a:buFont typeface="Arial" panose="020B0604020202020204" pitchFamily="34" charset="0"/>
-              <a:buNone/>
-            </a:pPr>
-            <a:endParaRPr lang="en-US" sz="3200" dirty="0">
-              <a:latin typeface="Comic Sans MS" panose="030F0702030302020204" pitchFamily="66" charset="0"/>
-            </a:endParaRPr>
-          </a:p>
-        </p:txBody>
-      </p:sp>
+      <mc:AlternateContent xmlns:mc="http://schemas.openxmlformats.org/markup-compatibility/2006" xmlns:a14="http://schemas.microsoft.com/office/drawing/2010/main">
+        <mc:Choice Requires="a14">
+          <p:sp>
+            <p:nvSpPr>
+              <p:cNvPr id="3" name="Content Placeholder 2">
+                <a:extLst>
+                  <a:ext uri="{FF2B5EF4-FFF2-40B4-BE49-F238E27FC236}">
+                    <a16:creationId xmlns="" xmlns:a16="http://schemas.microsoft.com/office/drawing/2014/main" id="{8FD3E7E3-6406-4C87-9E06-5BA40AA66E22}"/>
+                  </a:ext>
+                </a:extLst>
+              </p:cNvPr>
+              <p:cNvSpPr>
+                <a:spLocks noGrp="1"/>
+              </p:cNvSpPr>
+              <p:nvPr>
+                <p:ph idx="1"/>
+              </p:nvPr>
+            </p:nvSpPr>
+            <p:spPr/>
+            <p:txBody>
+              <a:bodyPr>
+                <a:normAutofit/>
+              </a:bodyPr>
+              <a:lstStyle/>
+              <a:p>
+                <a:pPr marL="0" indent="0">
+                  <a:buNone/>
+                </a:pPr>
+                <a:r>
+                  <a:rPr lang="en-US" sz="3200" dirty="0">
+                    <a:latin typeface="Comic Sans MS" panose="030F0702030302020204" pitchFamily="66" charset="0"/>
+                  </a:rPr>
+                  <a:t>x </a:t>
+                </a:r>
+                <a14:m>
+                  <m:oMath xmlns:m="http://schemas.openxmlformats.org/officeDocument/2006/math">
+                    <m:r>
+                      <a:rPr lang="en-US" sz="3200" i="1" smtClean="0">
+                        <a:latin typeface="Cambria Math" panose="02040503050406030204" pitchFamily="18" charset="0"/>
+                        <a:ea typeface="Cambria Math" panose="02040503050406030204" pitchFamily="18" charset="0"/>
+                      </a:rPr>
+                      <m:t>∈</m:t>
+                    </m:r>
+                    <m:r>
+                      <a:rPr lang="en-US" sz="3200" i="1" smtClean="0">
+                        <a:latin typeface="Cambria Math" panose="02040503050406030204" pitchFamily="18" charset="0"/>
+                        <a:ea typeface="Cambria Math" panose="02040503050406030204" pitchFamily="18" charset="0"/>
+                      </a:rPr>
+                      <m:t>ℝ</m:t>
+                    </m:r>
+                  </m:oMath>
+                </a14:m>
+                <a:r>
+                  <a:rPr lang="en-US" sz="3200" dirty="0">
+                    <a:latin typeface="Comic Sans MS" panose="030F0702030302020204" pitchFamily="66" charset="0"/>
+                  </a:rPr>
+                  <a:t> , y </a:t>
+                </a:r>
+                <a14:m>
+                  <m:oMath xmlns:m="http://schemas.openxmlformats.org/officeDocument/2006/math">
+                    <m:r>
+                      <a:rPr lang="en-US" sz="3200" i="1" smtClean="0">
+                        <a:latin typeface="Cambria Math" panose="02040503050406030204" pitchFamily="18" charset="0"/>
+                        <a:ea typeface="Cambria Math" panose="02040503050406030204" pitchFamily="18" charset="0"/>
+                      </a:rPr>
+                      <m:t>∈</m:t>
+                    </m:r>
+                    <m:r>
+                      <a:rPr lang="en-US" sz="3200" i="1" smtClean="0">
+                        <a:latin typeface="Cambria Math" panose="02040503050406030204" pitchFamily="18" charset="0"/>
+                        <a:ea typeface="Cambria Math" panose="02040503050406030204" pitchFamily="18" charset="0"/>
+                      </a:rPr>
+                      <m:t>ℕ</m:t>
+                    </m:r>
+                    <m:r>
+                      <a:rPr lang="en-US" sz="3200" b="0" i="1" smtClean="0">
+                        <a:latin typeface="Cambria Math" panose="02040503050406030204" pitchFamily="18" charset="0"/>
+                        <a:ea typeface="Cambria Math" panose="02040503050406030204" pitchFamily="18" charset="0"/>
+                      </a:rPr>
+                      <m:t>={1, 2, …}</m:t>
+                    </m:r>
+                  </m:oMath>
+                </a14:m>
+                <a:endParaRPr lang="en-US" sz="3200" dirty="0">
+                  <a:latin typeface="Comic Sans MS" panose="030F0702030302020204" pitchFamily="66" charset="0"/>
+                </a:endParaRPr>
+              </a:p>
+              <a:p>
+                <a:pPr marL="0" indent="0">
+                  <a:buNone/>
+                </a:pPr>
+                <a:r>
+                  <a:rPr lang="en-US" sz="3200" dirty="0">
+                    <a:latin typeface="Comic Sans MS" panose="030F0702030302020204" pitchFamily="66" charset="0"/>
+                  </a:rPr>
+                  <a:t>Q(x, y)::= [x </a:t>
+                </a:r>
+                <a14:m>
+                  <m:oMath xmlns:m="http://schemas.openxmlformats.org/officeDocument/2006/math">
+                    <m:r>
+                      <a:rPr lang="en-US" sz="3200" b="0" i="1" smtClean="0">
+                        <a:latin typeface="Cambria Math" panose="02040503050406030204" pitchFamily="18" charset="0"/>
+                      </a:rPr>
+                      <m:t>∗</m:t>
+                    </m:r>
+                  </m:oMath>
+                </a14:m>
+                <a:r>
+                  <a:rPr lang="en-US" sz="3200" dirty="0">
+                    <a:latin typeface="Comic Sans MS" panose="030F0702030302020204" pitchFamily="66" charset="0"/>
+                  </a:rPr>
+                  <a:t> y = 0]</a:t>
+                </a:r>
+              </a:p>
+              <a:p>
+                <a:pPr marL="0" indent="0" algn="ctr">
+                  <a:buNone/>
+                </a:pPr>
+                <a14:m>
+                  <m:oMath xmlns:m="http://schemas.openxmlformats.org/officeDocument/2006/math">
+                    <m:r>
+                      <a:rPr lang="en-US" sz="3600" i="1" dirty="0" smtClean="0">
+                        <a:latin typeface="Cambria Math" panose="02040503050406030204" pitchFamily="18" charset="0"/>
+                        <a:ea typeface="Cambria Math" panose="02040503050406030204" pitchFamily="18" charset="0"/>
+                      </a:rPr>
+                      <m:t>∃</m:t>
+                    </m:r>
+                  </m:oMath>
+                </a14:m>
+                <a:r>
+                  <a:rPr lang="en-US" sz="3600" dirty="0">
+                    <a:latin typeface="Comic Sans MS" panose="030F0702030302020204" pitchFamily="66" charset="0"/>
+                  </a:rPr>
+                  <a:t>x</a:t>
+                </a:r>
+                <a14:m>
+                  <m:oMath xmlns:m="http://schemas.openxmlformats.org/officeDocument/2006/math">
+                    <m:r>
+                      <a:rPr lang="en-US" sz="3600" i="1" dirty="0" smtClean="0">
+                        <a:latin typeface="Cambria Math" panose="02040503050406030204" pitchFamily="18" charset="0"/>
+                        <a:ea typeface="Cambria Math" panose="02040503050406030204" pitchFamily="18" charset="0"/>
+                      </a:rPr>
+                      <m:t>∀</m:t>
+                    </m:r>
+                  </m:oMath>
+                </a14:m>
+                <a:r>
+                  <a:rPr lang="en-US" sz="3600" dirty="0">
+                    <a:latin typeface="Comic Sans MS" panose="030F0702030302020204" pitchFamily="66" charset="0"/>
+                  </a:rPr>
+                  <a:t>y Q(x, y) = ?</a:t>
+                </a:r>
+                <a:r>
+                  <a:rPr lang="en-US" sz="3200" dirty="0">
+                    <a:latin typeface="Comic Sans MS" panose="030F0702030302020204" pitchFamily="66" charset="0"/>
+                  </a:rPr>
+                  <a:t/>
+                </a:r>
+                <a:br>
+                  <a:rPr lang="en-US" sz="3200" dirty="0">
+                    <a:latin typeface="Comic Sans MS" panose="030F0702030302020204" pitchFamily="66" charset="0"/>
+                  </a:rPr>
+                </a:br>
+                <a:endParaRPr lang="en-US" sz="3200" dirty="0">
+                  <a:latin typeface="Comic Sans MS" panose="030F0702030302020204" pitchFamily="66" charset="0"/>
+                </a:endParaRPr>
+              </a:p>
+            </p:txBody>
+          </p:sp>
+        </mc:Choice>
+        <mc:Fallback xmlns="">
+          <p:sp>
+            <p:nvSpPr>
+              <p:cNvPr id="3" name="Content Placeholder 2">
+                <a:extLst>
+                  <a:ext uri="{FF2B5EF4-FFF2-40B4-BE49-F238E27FC236}">
+                    <a16:creationId xmlns:a16="http://schemas.microsoft.com/office/drawing/2014/main" id="{8FD3E7E3-6406-4C87-9E06-5BA40AA66E22}"/>
+                  </a:ext>
+                </a:extLst>
+              </p:cNvPr>
+              <p:cNvSpPr>
+                <a:spLocks noGrp="1" noRot="1" noChangeAspect="1" noMove="1" noResize="1" noEditPoints="1" noAdjustHandles="1" noChangeArrowheads="1" noChangeShapeType="1" noTextEdit="1"/>
+              </p:cNvSpPr>
+              <p:nvPr>
+                <p:ph idx="1"/>
+              </p:nvPr>
+            </p:nvSpPr>
+            <p:spPr>
+              <a:blipFill>
+                <a:blip r:embed="rId2"/>
+                <a:stretch>
+                  <a:fillRect l="-1507" t="-2941"/>
+                </a:stretch>
+              </a:blipFill>
+            </p:spPr>
+            <p:txBody>
+              <a:bodyPr/>
+              <a:lstStyle/>
+              <a:p>
+                <a:r>
+                  <a:rPr lang="en-US">
+                    <a:noFill/>
+                  </a:rPr>
+                  <a:t> </a:t>
+                </a:r>
+              </a:p>
+            </p:txBody>
+          </p:sp>
+        </mc:Fallback>
+      </mc:AlternateContent>
     </p:spTree>
     <p:extLst>
       <p:ext uri="{BB962C8B-B14F-4D97-AF65-F5344CB8AC3E}">
-        <p14:creationId xmlns:p14="http://schemas.microsoft.com/office/powerpoint/2010/main" val="878090771"/>
+        <p14:creationId xmlns:p14="http://schemas.microsoft.com/office/powerpoint/2010/main" val="3760593751"/>
       </p:ext>
     </p:extLst>
   </p:cSld>
@@ -13798,80 +10692,9 @@
   <p:timing>
     <p:tnLst>
       <p:par>
-        <p:cTn id="1" dur="indefinite" restart="never" nodeType="tmRoot">
-          <p:childTnLst>
-            <p:seq concurrent="1" nextAc="seek">
-              <p:cTn id="2" dur="indefinite" nodeType="mainSeq">
-                <p:childTnLst>
-                  <p:par>
-                    <p:cTn id="3" fill="hold">
-                      <p:stCondLst>
-                        <p:cond delay="indefinite"/>
-                      </p:stCondLst>
-                      <p:childTnLst>
-                        <p:par>
-                          <p:cTn id="4" fill="hold">
-                            <p:stCondLst>
-                              <p:cond delay="0"/>
-                            </p:stCondLst>
-                            <p:childTnLst>
-                              <p:par>
-                                <p:cTn id="5" presetID="1" presetClass="entr" presetSubtype="0" fill="hold" grpId="0" nodeType="clickEffect">
-                                  <p:stCondLst>
-                                    <p:cond delay="0"/>
-                                  </p:stCondLst>
-                                  <p:childTnLst>
-                                    <p:set>
-                                      <p:cBhvr>
-                                        <p:cTn id="6" dur="1" fill="hold">
-                                          <p:stCondLst>
-                                            <p:cond delay="0"/>
-                                          </p:stCondLst>
-                                        </p:cTn>
-                                        <p:tgtEl>
-                                          <p:spTgt spid="4"/>
-                                        </p:tgtEl>
-                                        <p:attrNameLst>
-                                          <p:attrName>style.visibility</p:attrName>
-                                        </p:attrNameLst>
-                                      </p:cBhvr>
-                                      <p:to>
-                                        <p:strVal val="visible"/>
-                                      </p:to>
-                                    </p:set>
-                                  </p:childTnLst>
-                                </p:cTn>
-                              </p:par>
-                            </p:childTnLst>
-                          </p:cTn>
-                        </p:par>
-                      </p:childTnLst>
-                    </p:cTn>
-                  </p:par>
-                </p:childTnLst>
-              </p:cTn>
-              <p:prevCondLst>
-                <p:cond evt="onPrev" delay="0">
-                  <p:tgtEl>
-                    <p:sldTgt/>
-                  </p:tgtEl>
-                </p:cond>
-              </p:prevCondLst>
-              <p:nextCondLst>
-                <p:cond evt="onNext" delay="0">
-                  <p:tgtEl>
-                    <p:sldTgt/>
-                  </p:tgtEl>
-                </p:cond>
-              </p:nextCondLst>
-            </p:seq>
-          </p:childTnLst>
-        </p:cTn>
+        <p:cTn id="1" dur="indefinite" restart="never" nodeType="tmRoot"/>
       </p:par>
     </p:tnLst>
-    <p:bldLst>
-      <p:bldP spid="4" grpId="0"/>
-    </p:bldLst>
   </p:timing>
 </p:sld>
 </file>

--- a/cse106/slides/2. Predicate.pptx
+++ b/cse106/slides/2. Predicate.pptx
@@ -171,7 +171,7 @@
           <p:cNvPr id="2" name="Title 1">
             <a:extLst>
               <a:ext uri="{FF2B5EF4-FFF2-40B4-BE49-F238E27FC236}">
-                <a16:creationId xmlns="" xmlns:a16="http://schemas.microsoft.com/office/drawing/2014/main" id="{90852FDB-C65D-41E9-89C2-C530EF2B4746}"/>
+                <a16:creationId xmlns:a16="http://schemas.microsoft.com/office/drawing/2014/main" xmlns="" id="{90852FDB-C65D-41E9-89C2-C530EF2B4746}"/>
               </a:ext>
             </a:extLst>
           </p:cNvPr>
@@ -208,7 +208,7 @@
           <p:cNvPr id="3" name="Subtitle 2">
             <a:extLst>
               <a:ext uri="{FF2B5EF4-FFF2-40B4-BE49-F238E27FC236}">
-                <a16:creationId xmlns="" xmlns:a16="http://schemas.microsoft.com/office/drawing/2014/main" id="{8CAEEF26-7C22-4F4D-8311-CA7D08600B83}"/>
+                <a16:creationId xmlns:a16="http://schemas.microsoft.com/office/drawing/2014/main" xmlns="" id="{8CAEEF26-7C22-4F4D-8311-CA7D08600B83}"/>
               </a:ext>
             </a:extLst>
           </p:cNvPr>
@@ -278,7 +278,7 @@
           <p:cNvPr id="4" name="Date Placeholder 3">
             <a:extLst>
               <a:ext uri="{FF2B5EF4-FFF2-40B4-BE49-F238E27FC236}">
-                <a16:creationId xmlns="" xmlns:a16="http://schemas.microsoft.com/office/drawing/2014/main" id="{D4FED0D7-458C-455E-8544-7F4FB227E4EF}"/>
+                <a16:creationId xmlns:a16="http://schemas.microsoft.com/office/drawing/2014/main" xmlns="" id="{D4FED0D7-458C-455E-8544-7F4FB227E4EF}"/>
               </a:ext>
             </a:extLst>
           </p:cNvPr>
@@ -296,7 +296,7 @@
           <a:p>
             <a:fld id="{072FDDB4-F553-424D-81C5-266A1B530A90}" type="datetimeFigureOut">
               <a:rPr lang="en-US" smtClean="0"/>
-              <a:t>7/12/2020</a:t>
+              <a:t>7/14/2020</a:t>
             </a:fld>
             <a:endParaRPr lang="en-US"/>
           </a:p>
@@ -307,7 +307,7 @@
           <p:cNvPr id="5" name="Footer Placeholder 4">
             <a:extLst>
               <a:ext uri="{FF2B5EF4-FFF2-40B4-BE49-F238E27FC236}">
-                <a16:creationId xmlns="" xmlns:a16="http://schemas.microsoft.com/office/drawing/2014/main" id="{724BE479-F30A-42AD-9F57-F69961CF74EC}"/>
+                <a16:creationId xmlns:a16="http://schemas.microsoft.com/office/drawing/2014/main" xmlns="" id="{724BE479-F30A-42AD-9F57-F69961CF74EC}"/>
               </a:ext>
             </a:extLst>
           </p:cNvPr>
@@ -332,7 +332,7 @@
           <p:cNvPr id="6" name="Slide Number Placeholder 5">
             <a:extLst>
               <a:ext uri="{FF2B5EF4-FFF2-40B4-BE49-F238E27FC236}">
-                <a16:creationId xmlns="" xmlns:a16="http://schemas.microsoft.com/office/drawing/2014/main" id="{77E6237C-6508-45AC-A65A-8988FEA37170}"/>
+                <a16:creationId xmlns:a16="http://schemas.microsoft.com/office/drawing/2014/main" xmlns="" id="{77E6237C-6508-45AC-A65A-8988FEA37170}"/>
               </a:ext>
             </a:extLst>
           </p:cNvPr>
@@ -391,7 +391,7 @@
           <p:cNvPr id="2" name="Title 1">
             <a:extLst>
               <a:ext uri="{FF2B5EF4-FFF2-40B4-BE49-F238E27FC236}">
-                <a16:creationId xmlns="" xmlns:a16="http://schemas.microsoft.com/office/drawing/2014/main" id="{EAC09935-CB0F-4147-B42A-ED3B9F1E3CDA}"/>
+                <a16:creationId xmlns:a16="http://schemas.microsoft.com/office/drawing/2014/main" xmlns="" id="{EAC09935-CB0F-4147-B42A-ED3B9F1E3CDA}"/>
               </a:ext>
             </a:extLst>
           </p:cNvPr>
@@ -419,7 +419,7 @@
           <p:cNvPr id="3" name="Vertical Text Placeholder 2">
             <a:extLst>
               <a:ext uri="{FF2B5EF4-FFF2-40B4-BE49-F238E27FC236}">
-                <a16:creationId xmlns="" xmlns:a16="http://schemas.microsoft.com/office/drawing/2014/main" id="{7019B112-47D9-477E-8F70-56F30DEC2565}"/>
+                <a16:creationId xmlns:a16="http://schemas.microsoft.com/office/drawing/2014/main" xmlns="" id="{7019B112-47D9-477E-8F70-56F30DEC2565}"/>
               </a:ext>
             </a:extLst>
           </p:cNvPr>
@@ -476,7 +476,7 @@
           <p:cNvPr id="4" name="Date Placeholder 3">
             <a:extLst>
               <a:ext uri="{FF2B5EF4-FFF2-40B4-BE49-F238E27FC236}">
-                <a16:creationId xmlns="" xmlns:a16="http://schemas.microsoft.com/office/drawing/2014/main" id="{B0C16462-43A1-462A-AE45-0EF834CF4802}"/>
+                <a16:creationId xmlns:a16="http://schemas.microsoft.com/office/drawing/2014/main" xmlns="" id="{B0C16462-43A1-462A-AE45-0EF834CF4802}"/>
               </a:ext>
             </a:extLst>
           </p:cNvPr>
@@ -494,7 +494,7 @@
           <a:p>
             <a:fld id="{072FDDB4-F553-424D-81C5-266A1B530A90}" type="datetimeFigureOut">
               <a:rPr lang="en-US" smtClean="0"/>
-              <a:t>7/12/2020</a:t>
+              <a:t>7/14/2020</a:t>
             </a:fld>
             <a:endParaRPr lang="en-US"/>
           </a:p>
@@ -505,7 +505,7 @@
           <p:cNvPr id="5" name="Footer Placeholder 4">
             <a:extLst>
               <a:ext uri="{FF2B5EF4-FFF2-40B4-BE49-F238E27FC236}">
-                <a16:creationId xmlns="" xmlns:a16="http://schemas.microsoft.com/office/drawing/2014/main" id="{509A7AE0-42F4-434A-A672-3BF167C6D54C}"/>
+                <a16:creationId xmlns:a16="http://schemas.microsoft.com/office/drawing/2014/main" xmlns="" id="{509A7AE0-42F4-434A-A672-3BF167C6D54C}"/>
               </a:ext>
             </a:extLst>
           </p:cNvPr>
@@ -530,7 +530,7 @@
           <p:cNvPr id="6" name="Slide Number Placeholder 5">
             <a:extLst>
               <a:ext uri="{FF2B5EF4-FFF2-40B4-BE49-F238E27FC236}">
-                <a16:creationId xmlns="" xmlns:a16="http://schemas.microsoft.com/office/drawing/2014/main" id="{3A77513D-7167-431D-9243-B45CAF3522DD}"/>
+                <a16:creationId xmlns:a16="http://schemas.microsoft.com/office/drawing/2014/main" xmlns="" id="{3A77513D-7167-431D-9243-B45CAF3522DD}"/>
               </a:ext>
             </a:extLst>
           </p:cNvPr>
@@ -589,7 +589,7 @@
           <p:cNvPr id="2" name="Vertical Title 1">
             <a:extLst>
               <a:ext uri="{FF2B5EF4-FFF2-40B4-BE49-F238E27FC236}">
-                <a16:creationId xmlns="" xmlns:a16="http://schemas.microsoft.com/office/drawing/2014/main" id="{181DC520-FEA9-492D-A282-4EB0B653B1F0}"/>
+                <a16:creationId xmlns:a16="http://schemas.microsoft.com/office/drawing/2014/main" xmlns="" id="{181DC520-FEA9-492D-A282-4EB0B653B1F0}"/>
               </a:ext>
             </a:extLst>
           </p:cNvPr>
@@ -622,7 +622,7 @@
           <p:cNvPr id="3" name="Vertical Text Placeholder 2">
             <a:extLst>
               <a:ext uri="{FF2B5EF4-FFF2-40B4-BE49-F238E27FC236}">
-                <a16:creationId xmlns="" xmlns:a16="http://schemas.microsoft.com/office/drawing/2014/main" id="{D7E4A549-EDB1-49AE-91E7-4B9F9B07A1B4}"/>
+                <a16:creationId xmlns:a16="http://schemas.microsoft.com/office/drawing/2014/main" xmlns="" id="{D7E4A549-EDB1-49AE-91E7-4B9F9B07A1B4}"/>
               </a:ext>
             </a:extLst>
           </p:cNvPr>
@@ -684,7 +684,7 @@
           <p:cNvPr id="4" name="Date Placeholder 3">
             <a:extLst>
               <a:ext uri="{FF2B5EF4-FFF2-40B4-BE49-F238E27FC236}">
-                <a16:creationId xmlns="" xmlns:a16="http://schemas.microsoft.com/office/drawing/2014/main" id="{E2A75A99-64FD-4982-B025-60A2A3AD1BD5}"/>
+                <a16:creationId xmlns:a16="http://schemas.microsoft.com/office/drawing/2014/main" xmlns="" id="{E2A75A99-64FD-4982-B025-60A2A3AD1BD5}"/>
               </a:ext>
             </a:extLst>
           </p:cNvPr>
@@ -702,7 +702,7 @@
           <a:p>
             <a:fld id="{072FDDB4-F553-424D-81C5-266A1B530A90}" type="datetimeFigureOut">
               <a:rPr lang="en-US" smtClean="0"/>
-              <a:t>7/12/2020</a:t>
+              <a:t>7/14/2020</a:t>
             </a:fld>
             <a:endParaRPr lang="en-US"/>
           </a:p>
@@ -713,7 +713,7 @@
           <p:cNvPr id="5" name="Footer Placeholder 4">
             <a:extLst>
               <a:ext uri="{FF2B5EF4-FFF2-40B4-BE49-F238E27FC236}">
-                <a16:creationId xmlns="" xmlns:a16="http://schemas.microsoft.com/office/drawing/2014/main" id="{192E719E-62FE-4BDD-B1A9-3903FF70DC69}"/>
+                <a16:creationId xmlns:a16="http://schemas.microsoft.com/office/drawing/2014/main" xmlns="" id="{192E719E-62FE-4BDD-B1A9-3903FF70DC69}"/>
               </a:ext>
             </a:extLst>
           </p:cNvPr>
@@ -738,7 +738,7 @@
           <p:cNvPr id="6" name="Slide Number Placeholder 5">
             <a:extLst>
               <a:ext uri="{FF2B5EF4-FFF2-40B4-BE49-F238E27FC236}">
-                <a16:creationId xmlns="" xmlns:a16="http://schemas.microsoft.com/office/drawing/2014/main" id="{BC660DEE-60E9-491D-BCCD-66BF7BBEB59B}"/>
+                <a16:creationId xmlns:a16="http://schemas.microsoft.com/office/drawing/2014/main" xmlns="" id="{BC660DEE-60E9-491D-BCCD-66BF7BBEB59B}"/>
               </a:ext>
             </a:extLst>
           </p:cNvPr>
@@ -797,7 +797,7 @@
           <p:cNvPr id="2" name="Title 1">
             <a:extLst>
               <a:ext uri="{FF2B5EF4-FFF2-40B4-BE49-F238E27FC236}">
-                <a16:creationId xmlns="" xmlns:a16="http://schemas.microsoft.com/office/drawing/2014/main" id="{EAF828E4-CD31-4E08-9042-18A54834AA62}"/>
+                <a16:creationId xmlns:a16="http://schemas.microsoft.com/office/drawing/2014/main" xmlns="" id="{EAF828E4-CD31-4E08-9042-18A54834AA62}"/>
               </a:ext>
             </a:extLst>
           </p:cNvPr>
@@ -825,7 +825,7 @@
           <p:cNvPr id="3" name="Content Placeholder 2">
             <a:extLst>
               <a:ext uri="{FF2B5EF4-FFF2-40B4-BE49-F238E27FC236}">
-                <a16:creationId xmlns="" xmlns:a16="http://schemas.microsoft.com/office/drawing/2014/main" id="{8BA8D670-48EE-4E79-9632-ED6C0C65FA34}"/>
+                <a16:creationId xmlns:a16="http://schemas.microsoft.com/office/drawing/2014/main" xmlns="" id="{8BA8D670-48EE-4E79-9632-ED6C0C65FA34}"/>
               </a:ext>
             </a:extLst>
           </p:cNvPr>
@@ -882,7 +882,7 @@
           <p:cNvPr id="4" name="Date Placeholder 3">
             <a:extLst>
               <a:ext uri="{FF2B5EF4-FFF2-40B4-BE49-F238E27FC236}">
-                <a16:creationId xmlns="" xmlns:a16="http://schemas.microsoft.com/office/drawing/2014/main" id="{D426F468-0AD5-4234-B33C-A5A21E0E6E8F}"/>
+                <a16:creationId xmlns:a16="http://schemas.microsoft.com/office/drawing/2014/main" xmlns="" id="{D426F468-0AD5-4234-B33C-A5A21E0E6E8F}"/>
               </a:ext>
             </a:extLst>
           </p:cNvPr>
@@ -900,7 +900,7 @@
           <a:p>
             <a:fld id="{072FDDB4-F553-424D-81C5-266A1B530A90}" type="datetimeFigureOut">
               <a:rPr lang="en-US" smtClean="0"/>
-              <a:t>7/12/2020</a:t>
+              <a:t>7/14/2020</a:t>
             </a:fld>
             <a:endParaRPr lang="en-US"/>
           </a:p>
@@ -911,7 +911,7 @@
           <p:cNvPr id="5" name="Footer Placeholder 4">
             <a:extLst>
               <a:ext uri="{FF2B5EF4-FFF2-40B4-BE49-F238E27FC236}">
-                <a16:creationId xmlns="" xmlns:a16="http://schemas.microsoft.com/office/drawing/2014/main" id="{F07F4839-FB68-485F-8927-47F468A813F9}"/>
+                <a16:creationId xmlns:a16="http://schemas.microsoft.com/office/drawing/2014/main" xmlns="" id="{F07F4839-FB68-485F-8927-47F468A813F9}"/>
               </a:ext>
             </a:extLst>
           </p:cNvPr>
@@ -936,7 +936,7 @@
           <p:cNvPr id="6" name="Slide Number Placeholder 5">
             <a:extLst>
               <a:ext uri="{FF2B5EF4-FFF2-40B4-BE49-F238E27FC236}">
-                <a16:creationId xmlns="" xmlns:a16="http://schemas.microsoft.com/office/drawing/2014/main" id="{465E2014-BE1B-4729-A66C-3BD8CAB2813E}"/>
+                <a16:creationId xmlns:a16="http://schemas.microsoft.com/office/drawing/2014/main" xmlns="" id="{465E2014-BE1B-4729-A66C-3BD8CAB2813E}"/>
               </a:ext>
             </a:extLst>
           </p:cNvPr>
@@ -995,7 +995,7 @@
           <p:cNvPr id="2" name="Title 1">
             <a:extLst>
               <a:ext uri="{FF2B5EF4-FFF2-40B4-BE49-F238E27FC236}">
-                <a16:creationId xmlns="" xmlns:a16="http://schemas.microsoft.com/office/drawing/2014/main" id="{A782AB2D-E870-419D-97BC-61742125C13F}"/>
+                <a16:creationId xmlns:a16="http://schemas.microsoft.com/office/drawing/2014/main" xmlns="" id="{A782AB2D-E870-419D-97BC-61742125C13F}"/>
               </a:ext>
             </a:extLst>
           </p:cNvPr>
@@ -1032,7 +1032,7 @@
           <p:cNvPr id="3" name="Text Placeholder 2">
             <a:extLst>
               <a:ext uri="{FF2B5EF4-FFF2-40B4-BE49-F238E27FC236}">
-                <a16:creationId xmlns="" xmlns:a16="http://schemas.microsoft.com/office/drawing/2014/main" id="{A5A07E9E-5920-4D15-94AB-989A48360C3E}"/>
+                <a16:creationId xmlns:a16="http://schemas.microsoft.com/office/drawing/2014/main" xmlns="" id="{A5A07E9E-5920-4D15-94AB-989A48360C3E}"/>
               </a:ext>
             </a:extLst>
           </p:cNvPr>
@@ -1157,7 +1157,7 @@
           <p:cNvPr id="4" name="Date Placeholder 3">
             <a:extLst>
               <a:ext uri="{FF2B5EF4-FFF2-40B4-BE49-F238E27FC236}">
-                <a16:creationId xmlns="" xmlns:a16="http://schemas.microsoft.com/office/drawing/2014/main" id="{79CB3C6E-1A37-41A5-A05B-7046DE330FDB}"/>
+                <a16:creationId xmlns:a16="http://schemas.microsoft.com/office/drawing/2014/main" xmlns="" id="{79CB3C6E-1A37-41A5-A05B-7046DE330FDB}"/>
               </a:ext>
             </a:extLst>
           </p:cNvPr>
@@ -1175,7 +1175,7 @@
           <a:p>
             <a:fld id="{072FDDB4-F553-424D-81C5-266A1B530A90}" type="datetimeFigureOut">
               <a:rPr lang="en-US" smtClean="0"/>
-              <a:t>7/12/2020</a:t>
+              <a:t>7/14/2020</a:t>
             </a:fld>
             <a:endParaRPr lang="en-US"/>
           </a:p>
@@ -1186,7 +1186,7 @@
           <p:cNvPr id="5" name="Footer Placeholder 4">
             <a:extLst>
               <a:ext uri="{FF2B5EF4-FFF2-40B4-BE49-F238E27FC236}">
-                <a16:creationId xmlns="" xmlns:a16="http://schemas.microsoft.com/office/drawing/2014/main" id="{45ADBC4C-8B94-4DFB-9121-41A7345506AC}"/>
+                <a16:creationId xmlns:a16="http://schemas.microsoft.com/office/drawing/2014/main" xmlns="" id="{45ADBC4C-8B94-4DFB-9121-41A7345506AC}"/>
               </a:ext>
             </a:extLst>
           </p:cNvPr>
@@ -1211,7 +1211,7 @@
           <p:cNvPr id="6" name="Slide Number Placeholder 5">
             <a:extLst>
               <a:ext uri="{FF2B5EF4-FFF2-40B4-BE49-F238E27FC236}">
-                <a16:creationId xmlns="" xmlns:a16="http://schemas.microsoft.com/office/drawing/2014/main" id="{9C92F611-984C-4700-8F37-9E1549C6F5A0}"/>
+                <a16:creationId xmlns:a16="http://schemas.microsoft.com/office/drawing/2014/main" xmlns="" id="{9C92F611-984C-4700-8F37-9E1549C6F5A0}"/>
               </a:ext>
             </a:extLst>
           </p:cNvPr>
@@ -1270,7 +1270,7 @@
           <p:cNvPr id="2" name="Title 1">
             <a:extLst>
               <a:ext uri="{FF2B5EF4-FFF2-40B4-BE49-F238E27FC236}">
-                <a16:creationId xmlns="" xmlns:a16="http://schemas.microsoft.com/office/drawing/2014/main" id="{D4ADE4F3-2E91-4B7B-A523-4F20D9DB4FD2}"/>
+                <a16:creationId xmlns:a16="http://schemas.microsoft.com/office/drawing/2014/main" xmlns="" id="{D4ADE4F3-2E91-4B7B-A523-4F20D9DB4FD2}"/>
               </a:ext>
             </a:extLst>
           </p:cNvPr>
@@ -1298,7 +1298,7 @@
           <p:cNvPr id="3" name="Content Placeholder 2">
             <a:extLst>
               <a:ext uri="{FF2B5EF4-FFF2-40B4-BE49-F238E27FC236}">
-                <a16:creationId xmlns="" xmlns:a16="http://schemas.microsoft.com/office/drawing/2014/main" id="{30BFEFF9-26D6-4A12-9EA0-C90492A03A30}"/>
+                <a16:creationId xmlns:a16="http://schemas.microsoft.com/office/drawing/2014/main" xmlns="" id="{30BFEFF9-26D6-4A12-9EA0-C90492A03A30}"/>
               </a:ext>
             </a:extLst>
           </p:cNvPr>
@@ -1360,7 +1360,7 @@
           <p:cNvPr id="4" name="Content Placeholder 3">
             <a:extLst>
               <a:ext uri="{FF2B5EF4-FFF2-40B4-BE49-F238E27FC236}">
-                <a16:creationId xmlns="" xmlns:a16="http://schemas.microsoft.com/office/drawing/2014/main" id="{34E3AE41-6594-47EC-896F-6F854579A58D}"/>
+                <a16:creationId xmlns:a16="http://schemas.microsoft.com/office/drawing/2014/main" xmlns="" id="{34E3AE41-6594-47EC-896F-6F854579A58D}"/>
               </a:ext>
             </a:extLst>
           </p:cNvPr>
@@ -1422,7 +1422,7 @@
           <p:cNvPr id="5" name="Date Placeholder 4">
             <a:extLst>
               <a:ext uri="{FF2B5EF4-FFF2-40B4-BE49-F238E27FC236}">
-                <a16:creationId xmlns="" xmlns:a16="http://schemas.microsoft.com/office/drawing/2014/main" id="{9309353D-8B36-4661-8F38-7F672E0C6A54}"/>
+                <a16:creationId xmlns:a16="http://schemas.microsoft.com/office/drawing/2014/main" xmlns="" id="{9309353D-8B36-4661-8F38-7F672E0C6A54}"/>
               </a:ext>
             </a:extLst>
           </p:cNvPr>
@@ -1440,7 +1440,7 @@
           <a:p>
             <a:fld id="{072FDDB4-F553-424D-81C5-266A1B530A90}" type="datetimeFigureOut">
               <a:rPr lang="en-US" smtClean="0"/>
-              <a:t>7/12/2020</a:t>
+              <a:t>7/14/2020</a:t>
             </a:fld>
             <a:endParaRPr lang="en-US"/>
           </a:p>
@@ -1451,7 +1451,7 @@
           <p:cNvPr id="6" name="Footer Placeholder 5">
             <a:extLst>
               <a:ext uri="{FF2B5EF4-FFF2-40B4-BE49-F238E27FC236}">
-                <a16:creationId xmlns="" xmlns:a16="http://schemas.microsoft.com/office/drawing/2014/main" id="{57BE5FC0-FCB4-4A00-9B13-EF95E7822A7F}"/>
+                <a16:creationId xmlns:a16="http://schemas.microsoft.com/office/drawing/2014/main" xmlns="" id="{57BE5FC0-FCB4-4A00-9B13-EF95E7822A7F}"/>
               </a:ext>
             </a:extLst>
           </p:cNvPr>
@@ -1476,7 +1476,7 @@
           <p:cNvPr id="7" name="Slide Number Placeholder 6">
             <a:extLst>
               <a:ext uri="{FF2B5EF4-FFF2-40B4-BE49-F238E27FC236}">
-                <a16:creationId xmlns="" xmlns:a16="http://schemas.microsoft.com/office/drawing/2014/main" id="{81734B99-3D29-484C-B00E-6681F8E41520}"/>
+                <a16:creationId xmlns:a16="http://schemas.microsoft.com/office/drawing/2014/main" xmlns="" id="{81734B99-3D29-484C-B00E-6681F8E41520}"/>
               </a:ext>
             </a:extLst>
           </p:cNvPr>
@@ -1535,7 +1535,7 @@
           <p:cNvPr id="2" name="Title 1">
             <a:extLst>
               <a:ext uri="{FF2B5EF4-FFF2-40B4-BE49-F238E27FC236}">
-                <a16:creationId xmlns="" xmlns:a16="http://schemas.microsoft.com/office/drawing/2014/main" id="{16B0D425-A8D8-40C3-AADC-ED0A1F06480E}"/>
+                <a16:creationId xmlns:a16="http://schemas.microsoft.com/office/drawing/2014/main" xmlns="" id="{16B0D425-A8D8-40C3-AADC-ED0A1F06480E}"/>
               </a:ext>
             </a:extLst>
           </p:cNvPr>
@@ -1568,7 +1568,7 @@
           <p:cNvPr id="3" name="Text Placeholder 2">
             <a:extLst>
               <a:ext uri="{FF2B5EF4-FFF2-40B4-BE49-F238E27FC236}">
-                <a16:creationId xmlns="" xmlns:a16="http://schemas.microsoft.com/office/drawing/2014/main" id="{0ACE5B86-8B8A-4F2D-BF50-F9A1BFA1AD5B}"/>
+                <a16:creationId xmlns:a16="http://schemas.microsoft.com/office/drawing/2014/main" xmlns="" id="{0ACE5B86-8B8A-4F2D-BF50-F9A1BFA1AD5B}"/>
               </a:ext>
             </a:extLst>
           </p:cNvPr>
@@ -1639,7 +1639,7 @@
           <p:cNvPr id="4" name="Content Placeholder 3">
             <a:extLst>
               <a:ext uri="{FF2B5EF4-FFF2-40B4-BE49-F238E27FC236}">
-                <a16:creationId xmlns="" xmlns:a16="http://schemas.microsoft.com/office/drawing/2014/main" id="{502A5037-5960-4074-98D6-73D02BAD55CC}"/>
+                <a16:creationId xmlns:a16="http://schemas.microsoft.com/office/drawing/2014/main" xmlns="" id="{502A5037-5960-4074-98D6-73D02BAD55CC}"/>
               </a:ext>
             </a:extLst>
           </p:cNvPr>
@@ -1701,7 +1701,7 @@
           <p:cNvPr id="5" name="Text Placeholder 4">
             <a:extLst>
               <a:ext uri="{FF2B5EF4-FFF2-40B4-BE49-F238E27FC236}">
-                <a16:creationId xmlns="" xmlns:a16="http://schemas.microsoft.com/office/drawing/2014/main" id="{FD79AB3D-A0C4-43C8-9AE5-466CD15A04B3}"/>
+                <a16:creationId xmlns:a16="http://schemas.microsoft.com/office/drawing/2014/main" xmlns="" id="{FD79AB3D-A0C4-43C8-9AE5-466CD15A04B3}"/>
               </a:ext>
             </a:extLst>
           </p:cNvPr>
@@ -1772,7 +1772,7 @@
           <p:cNvPr id="6" name="Content Placeholder 5">
             <a:extLst>
               <a:ext uri="{FF2B5EF4-FFF2-40B4-BE49-F238E27FC236}">
-                <a16:creationId xmlns="" xmlns:a16="http://schemas.microsoft.com/office/drawing/2014/main" id="{6D78A97C-7EBD-4F84-BA6E-25D45A7C1436}"/>
+                <a16:creationId xmlns:a16="http://schemas.microsoft.com/office/drawing/2014/main" xmlns="" id="{6D78A97C-7EBD-4F84-BA6E-25D45A7C1436}"/>
               </a:ext>
             </a:extLst>
           </p:cNvPr>
@@ -1834,7 +1834,7 @@
           <p:cNvPr id="7" name="Date Placeholder 6">
             <a:extLst>
               <a:ext uri="{FF2B5EF4-FFF2-40B4-BE49-F238E27FC236}">
-                <a16:creationId xmlns="" xmlns:a16="http://schemas.microsoft.com/office/drawing/2014/main" id="{C577F049-3FBA-4D4F-94A1-4C75C32748C1}"/>
+                <a16:creationId xmlns:a16="http://schemas.microsoft.com/office/drawing/2014/main" xmlns="" id="{C577F049-3FBA-4D4F-94A1-4C75C32748C1}"/>
               </a:ext>
             </a:extLst>
           </p:cNvPr>
@@ -1852,7 +1852,7 @@
           <a:p>
             <a:fld id="{072FDDB4-F553-424D-81C5-266A1B530A90}" type="datetimeFigureOut">
               <a:rPr lang="en-US" smtClean="0"/>
-              <a:t>7/12/2020</a:t>
+              <a:t>7/14/2020</a:t>
             </a:fld>
             <a:endParaRPr lang="en-US"/>
           </a:p>
@@ -1863,7 +1863,7 @@
           <p:cNvPr id="8" name="Footer Placeholder 7">
             <a:extLst>
               <a:ext uri="{FF2B5EF4-FFF2-40B4-BE49-F238E27FC236}">
-                <a16:creationId xmlns="" xmlns:a16="http://schemas.microsoft.com/office/drawing/2014/main" id="{6770C7D9-907C-4916-8158-03680A1F480D}"/>
+                <a16:creationId xmlns:a16="http://schemas.microsoft.com/office/drawing/2014/main" xmlns="" id="{6770C7D9-907C-4916-8158-03680A1F480D}"/>
               </a:ext>
             </a:extLst>
           </p:cNvPr>
@@ -1888,7 +1888,7 @@
           <p:cNvPr id="9" name="Slide Number Placeholder 8">
             <a:extLst>
               <a:ext uri="{FF2B5EF4-FFF2-40B4-BE49-F238E27FC236}">
-                <a16:creationId xmlns="" xmlns:a16="http://schemas.microsoft.com/office/drawing/2014/main" id="{61C3B229-17EA-4B52-8721-91DCF9AA55FC}"/>
+                <a16:creationId xmlns:a16="http://schemas.microsoft.com/office/drawing/2014/main" xmlns="" id="{61C3B229-17EA-4B52-8721-91DCF9AA55FC}"/>
               </a:ext>
             </a:extLst>
           </p:cNvPr>
@@ -1947,7 +1947,7 @@
           <p:cNvPr id="2" name="Title 1">
             <a:extLst>
               <a:ext uri="{FF2B5EF4-FFF2-40B4-BE49-F238E27FC236}">
-                <a16:creationId xmlns="" xmlns:a16="http://schemas.microsoft.com/office/drawing/2014/main" id="{7DB11FC9-9919-4FE2-A084-F8E8852C460A}"/>
+                <a16:creationId xmlns:a16="http://schemas.microsoft.com/office/drawing/2014/main" xmlns="" id="{7DB11FC9-9919-4FE2-A084-F8E8852C460A}"/>
               </a:ext>
             </a:extLst>
           </p:cNvPr>
@@ -1975,7 +1975,7 @@
           <p:cNvPr id="3" name="Date Placeholder 2">
             <a:extLst>
               <a:ext uri="{FF2B5EF4-FFF2-40B4-BE49-F238E27FC236}">
-                <a16:creationId xmlns="" xmlns:a16="http://schemas.microsoft.com/office/drawing/2014/main" id="{B5F52948-BD2D-4B96-9757-E89999924032}"/>
+                <a16:creationId xmlns:a16="http://schemas.microsoft.com/office/drawing/2014/main" xmlns="" id="{B5F52948-BD2D-4B96-9757-E89999924032}"/>
               </a:ext>
             </a:extLst>
           </p:cNvPr>
@@ -1993,7 +1993,7 @@
           <a:p>
             <a:fld id="{072FDDB4-F553-424D-81C5-266A1B530A90}" type="datetimeFigureOut">
               <a:rPr lang="en-US" smtClean="0"/>
-              <a:t>7/12/2020</a:t>
+              <a:t>7/14/2020</a:t>
             </a:fld>
             <a:endParaRPr lang="en-US"/>
           </a:p>
@@ -2004,7 +2004,7 @@
           <p:cNvPr id="4" name="Footer Placeholder 3">
             <a:extLst>
               <a:ext uri="{FF2B5EF4-FFF2-40B4-BE49-F238E27FC236}">
-                <a16:creationId xmlns="" xmlns:a16="http://schemas.microsoft.com/office/drawing/2014/main" id="{C4EA6FBD-C6D4-429A-AF22-58EAED3EB1CC}"/>
+                <a16:creationId xmlns:a16="http://schemas.microsoft.com/office/drawing/2014/main" xmlns="" id="{C4EA6FBD-C6D4-429A-AF22-58EAED3EB1CC}"/>
               </a:ext>
             </a:extLst>
           </p:cNvPr>
@@ -2029,7 +2029,7 @@
           <p:cNvPr id="5" name="Slide Number Placeholder 4">
             <a:extLst>
               <a:ext uri="{FF2B5EF4-FFF2-40B4-BE49-F238E27FC236}">
-                <a16:creationId xmlns="" xmlns:a16="http://schemas.microsoft.com/office/drawing/2014/main" id="{22FCAB54-AAEC-412D-AD85-B853F8E4E9F4}"/>
+                <a16:creationId xmlns:a16="http://schemas.microsoft.com/office/drawing/2014/main" xmlns="" id="{22FCAB54-AAEC-412D-AD85-B853F8E4E9F4}"/>
               </a:ext>
             </a:extLst>
           </p:cNvPr>
@@ -2088,7 +2088,7 @@
           <p:cNvPr id="2" name="Date Placeholder 1">
             <a:extLst>
               <a:ext uri="{FF2B5EF4-FFF2-40B4-BE49-F238E27FC236}">
-                <a16:creationId xmlns="" xmlns:a16="http://schemas.microsoft.com/office/drawing/2014/main" id="{65EBC5A4-17CB-434C-9609-2219D1800D25}"/>
+                <a16:creationId xmlns:a16="http://schemas.microsoft.com/office/drawing/2014/main" xmlns="" id="{65EBC5A4-17CB-434C-9609-2219D1800D25}"/>
               </a:ext>
             </a:extLst>
           </p:cNvPr>
@@ -2106,7 +2106,7 @@
           <a:p>
             <a:fld id="{072FDDB4-F553-424D-81C5-266A1B530A90}" type="datetimeFigureOut">
               <a:rPr lang="en-US" smtClean="0"/>
-              <a:t>7/12/2020</a:t>
+              <a:t>7/14/2020</a:t>
             </a:fld>
             <a:endParaRPr lang="en-US"/>
           </a:p>
@@ -2117,7 +2117,7 @@
           <p:cNvPr id="3" name="Footer Placeholder 2">
             <a:extLst>
               <a:ext uri="{FF2B5EF4-FFF2-40B4-BE49-F238E27FC236}">
-                <a16:creationId xmlns="" xmlns:a16="http://schemas.microsoft.com/office/drawing/2014/main" id="{946A0E82-BFF7-48D4-B4BE-19F68E22B863}"/>
+                <a16:creationId xmlns:a16="http://schemas.microsoft.com/office/drawing/2014/main" xmlns="" id="{946A0E82-BFF7-48D4-B4BE-19F68E22B863}"/>
               </a:ext>
             </a:extLst>
           </p:cNvPr>
@@ -2142,7 +2142,7 @@
           <p:cNvPr id="4" name="Slide Number Placeholder 3">
             <a:extLst>
               <a:ext uri="{FF2B5EF4-FFF2-40B4-BE49-F238E27FC236}">
-                <a16:creationId xmlns="" xmlns:a16="http://schemas.microsoft.com/office/drawing/2014/main" id="{16E4AC46-62DE-4650-854E-0178023A6DFA}"/>
+                <a16:creationId xmlns:a16="http://schemas.microsoft.com/office/drawing/2014/main" xmlns="" id="{16E4AC46-62DE-4650-854E-0178023A6DFA}"/>
               </a:ext>
             </a:extLst>
           </p:cNvPr>
@@ -2201,7 +2201,7 @@
           <p:cNvPr id="2" name="Title 1">
             <a:extLst>
               <a:ext uri="{FF2B5EF4-FFF2-40B4-BE49-F238E27FC236}">
-                <a16:creationId xmlns="" xmlns:a16="http://schemas.microsoft.com/office/drawing/2014/main" id="{2611F1E2-AA8C-4F5A-AD3C-DE865B15D3C8}"/>
+                <a16:creationId xmlns:a16="http://schemas.microsoft.com/office/drawing/2014/main" xmlns="" id="{2611F1E2-AA8C-4F5A-AD3C-DE865B15D3C8}"/>
               </a:ext>
             </a:extLst>
           </p:cNvPr>
@@ -2238,7 +2238,7 @@
           <p:cNvPr id="3" name="Content Placeholder 2">
             <a:extLst>
               <a:ext uri="{FF2B5EF4-FFF2-40B4-BE49-F238E27FC236}">
-                <a16:creationId xmlns="" xmlns:a16="http://schemas.microsoft.com/office/drawing/2014/main" id="{BFAF90EB-2E06-4841-8535-150EBA092FAB}"/>
+                <a16:creationId xmlns:a16="http://schemas.microsoft.com/office/drawing/2014/main" xmlns="" id="{BFAF90EB-2E06-4841-8535-150EBA092FAB}"/>
               </a:ext>
             </a:extLst>
           </p:cNvPr>
@@ -2328,7 +2328,7 @@
           <p:cNvPr id="4" name="Text Placeholder 3">
             <a:extLst>
               <a:ext uri="{FF2B5EF4-FFF2-40B4-BE49-F238E27FC236}">
-                <a16:creationId xmlns="" xmlns:a16="http://schemas.microsoft.com/office/drawing/2014/main" id="{5B85B0F3-AC9A-47AB-AA9C-8696B66FEBC0}"/>
+                <a16:creationId xmlns:a16="http://schemas.microsoft.com/office/drawing/2014/main" xmlns="" id="{5B85B0F3-AC9A-47AB-AA9C-8696B66FEBC0}"/>
               </a:ext>
             </a:extLst>
           </p:cNvPr>
@@ -2399,7 +2399,7 @@
           <p:cNvPr id="5" name="Date Placeholder 4">
             <a:extLst>
               <a:ext uri="{FF2B5EF4-FFF2-40B4-BE49-F238E27FC236}">
-                <a16:creationId xmlns="" xmlns:a16="http://schemas.microsoft.com/office/drawing/2014/main" id="{E6C64471-6160-4EAC-BB24-78B60CD5D555}"/>
+                <a16:creationId xmlns:a16="http://schemas.microsoft.com/office/drawing/2014/main" xmlns="" id="{E6C64471-6160-4EAC-BB24-78B60CD5D555}"/>
               </a:ext>
             </a:extLst>
           </p:cNvPr>
@@ -2417,7 +2417,7 @@
           <a:p>
             <a:fld id="{072FDDB4-F553-424D-81C5-266A1B530A90}" type="datetimeFigureOut">
               <a:rPr lang="en-US" smtClean="0"/>
-              <a:t>7/12/2020</a:t>
+              <a:t>7/14/2020</a:t>
             </a:fld>
             <a:endParaRPr lang="en-US"/>
           </a:p>
@@ -2428,7 +2428,7 @@
           <p:cNvPr id="6" name="Footer Placeholder 5">
             <a:extLst>
               <a:ext uri="{FF2B5EF4-FFF2-40B4-BE49-F238E27FC236}">
-                <a16:creationId xmlns="" xmlns:a16="http://schemas.microsoft.com/office/drawing/2014/main" id="{F0336C18-C959-43BB-81AD-588F23FB7F26}"/>
+                <a16:creationId xmlns:a16="http://schemas.microsoft.com/office/drawing/2014/main" xmlns="" id="{F0336C18-C959-43BB-81AD-588F23FB7F26}"/>
               </a:ext>
             </a:extLst>
           </p:cNvPr>
@@ -2453,7 +2453,7 @@
           <p:cNvPr id="7" name="Slide Number Placeholder 6">
             <a:extLst>
               <a:ext uri="{FF2B5EF4-FFF2-40B4-BE49-F238E27FC236}">
-                <a16:creationId xmlns="" xmlns:a16="http://schemas.microsoft.com/office/drawing/2014/main" id="{25C75149-E3CE-4F34-BCDB-1DC926C20911}"/>
+                <a16:creationId xmlns:a16="http://schemas.microsoft.com/office/drawing/2014/main" xmlns="" id="{25C75149-E3CE-4F34-BCDB-1DC926C20911}"/>
               </a:ext>
             </a:extLst>
           </p:cNvPr>
@@ -2512,7 +2512,7 @@
           <p:cNvPr id="2" name="Title 1">
             <a:extLst>
               <a:ext uri="{FF2B5EF4-FFF2-40B4-BE49-F238E27FC236}">
-                <a16:creationId xmlns="" xmlns:a16="http://schemas.microsoft.com/office/drawing/2014/main" id="{5E985B36-160C-4B77-B9F6-6E6ADC4B4B7A}"/>
+                <a16:creationId xmlns:a16="http://schemas.microsoft.com/office/drawing/2014/main" xmlns="" id="{5E985B36-160C-4B77-B9F6-6E6ADC4B4B7A}"/>
               </a:ext>
             </a:extLst>
           </p:cNvPr>
@@ -2549,7 +2549,7 @@
           <p:cNvPr id="3" name="Picture Placeholder 2">
             <a:extLst>
               <a:ext uri="{FF2B5EF4-FFF2-40B4-BE49-F238E27FC236}">
-                <a16:creationId xmlns="" xmlns:a16="http://schemas.microsoft.com/office/drawing/2014/main" id="{FCD1F2B6-8B27-46DA-815F-AEC2588D86B7}"/>
+                <a16:creationId xmlns:a16="http://schemas.microsoft.com/office/drawing/2014/main" xmlns="" id="{FCD1F2B6-8B27-46DA-815F-AEC2588D86B7}"/>
               </a:ext>
             </a:extLst>
           </p:cNvPr>
@@ -2616,7 +2616,7 @@
           <p:cNvPr id="4" name="Text Placeholder 3">
             <a:extLst>
               <a:ext uri="{FF2B5EF4-FFF2-40B4-BE49-F238E27FC236}">
-                <a16:creationId xmlns="" xmlns:a16="http://schemas.microsoft.com/office/drawing/2014/main" id="{794048D5-AF6C-4AE7-903A-9F0BBEE06D1B}"/>
+                <a16:creationId xmlns:a16="http://schemas.microsoft.com/office/drawing/2014/main" xmlns="" id="{794048D5-AF6C-4AE7-903A-9F0BBEE06D1B}"/>
               </a:ext>
             </a:extLst>
           </p:cNvPr>
@@ -2687,7 +2687,7 @@
           <p:cNvPr id="5" name="Date Placeholder 4">
             <a:extLst>
               <a:ext uri="{FF2B5EF4-FFF2-40B4-BE49-F238E27FC236}">
-                <a16:creationId xmlns="" xmlns:a16="http://schemas.microsoft.com/office/drawing/2014/main" id="{606F619A-F3F8-479D-B382-1B06C8739060}"/>
+                <a16:creationId xmlns:a16="http://schemas.microsoft.com/office/drawing/2014/main" xmlns="" id="{606F619A-F3F8-479D-B382-1B06C8739060}"/>
               </a:ext>
             </a:extLst>
           </p:cNvPr>
@@ -2705,7 +2705,7 @@
           <a:p>
             <a:fld id="{072FDDB4-F553-424D-81C5-266A1B530A90}" type="datetimeFigureOut">
               <a:rPr lang="en-US" smtClean="0"/>
-              <a:t>7/12/2020</a:t>
+              <a:t>7/14/2020</a:t>
             </a:fld>
             <a:endParaRPr lang="en-US"/>
           </a:p>
@@ -2716,7 +2716,7 @@
           <p:cNvPr id="6" name="Footer Placeholder 5">
             <a:extLst>
               <a:ext uri="{FF2B5EF4-FFF2-40B4-BE49-F238E27FC236}">
-                <a16:creationId xmlns="" xmlns:a16="http://schemas.microsoft.com/office/drawing/2014/main" id="{83955CF4-8167-4C02-A662-5E3ED1E793B9}"/>
+                <a16:creationId xmlns:a16="http://schemas.microsoft.com/office/drawing/2014/main" xmlns="" id="{83955CF4-8167-4C02-A662-5E3ED1E793B9}"/>
               </a:ext>
             </a:extLst>
           </p:cNvPr>
@@ -2741,7 +2741,7 @@
           <p:cNvPr id="7" name="Slide Number Placeholder 6">
             <a:extLst>
               <a:ext uri="{FF2B5EF4-FFF2-40B4-BE49-F238E27FC236}">
-                <a16:creationId xmlns="" xmlns:a16="http://schemas.microsoft.com/office/drawing/2014/main" id="{2FB652C0-1103-4529-AAEB-70E8920E41E4}"/>
+                <a16:creationId xmlns:a16="http://schemas.microsoft.com/office/drawing/2014/main" xmlns="" id="{2FB652C0-1103-4529-AAEB-70E8920E41E4}"/>
               </a:ext>
             </a:extLst>
           </p:cNvPr>
@@ -2805,7 +2805,7 @@
           <p:cNvPr id="2" name="Title Placeholder 1">
             <a:extLst>
               <a:ext uri="{FF2B5EF4-FFF2-40B4-BE49-F238E27FC236}">
-                <a16:creationId xmlns="" xmlns:a16="http://schemas.microsoft.com/office/drawing/2014/main" id="{F0F10A20-DCB1-4469-82F2-DA58857D0B7C}"/>
+                <a16:creationId xmlns:a16="http://schemas.microsoft.com/office/drawing/2014/main" xmlns="" id="{F0F10A20-DCB1-4469-82F2-DA58857D0B7C}"/>
               </a:ext>
             </a:extLst>
           </p:cNvPr>
@@ -2843,7 +2843,7 @@
           <p:cNvPr id="3" name="Text Placeholder 2">
             <a:extLst>
               <a:ext uri="{FF2B5EF4-FFF2-40B4-BE49-F238E27FC236}">
-                <a16:creationId xmlns="" xmlns:a16="http://schemas.microsoft.com/office/drawing/2014/main" id="{0DC14E44-AA3E-46A4-AF98-6D730D586F9D}"/>
+                <a16:creationId xmlns:a16="http://schemas.microsoft.com/office/drawing/2014/main" xmlns="" id="{0DC14E44-AA3E-46A4-AF98-6D730D586F9D}"/>
               </a:ext>
             </a:extLst>
           </p:cNvPr>
@@ -2910,7 +2910,7 @@
           <p:cNvPr id="4" name="Date Placeholder 3">
             <a:extLst>
               <a:ext uri="{FF2B5EF4-FFF2-40B4-BE49-F238E27FC236}">
-                <a16:creationId xmlns="" xmlns:a16="http://schemas.microsoft.com/office/drawing/2014/main" id="{FDF36B15-1CB7-4724-91CF-C3AF193C9CB1}"/>
+                <a16:creationId xmlns:a16="http://schemas.microsoft.com/office/drawing/2014/main" xmlns="" id="{FDF36B15-1CB7-4724-91CF-C3AF193C9CB1}"/>
               </a:ext>
             </a:extLst>
           </p:cNvPr>
@@ -2946,7 +2946,7 @@
           <a:p>
             <a:fld id="{072FDDB4-F553-424D-81C5-266A1B530A90}" type="datetimeFigureOut">
               <a:rPr lang="en-US" smtClean="0"/>
-              <a:t>7/12/2020</a:t>
+              <a:t>7/14/2020</a:t>
             </a:fld>
             <a:endParaRPr lang="en-US"/>
           </a:p>
@@ -2957,7 +2957,7 @@
           <p:cNvPr id="5" name="Footer Placeholder 4">
             <a:extLst>
               <a:ext uri="{FF2B5EF4-FFF2-40B4-BE49-F238E27FC236}">
-                <a16:creationId xmlns="" xmlns:a16="http://schemas.microsoft.com/office/drawing/2014/main" id="{B7ACD7DB-2840-4940-B50F-42527C398FAE}"/>
+                <a16:creationId xmlns:a16="http://schemas.microsoft.com/office/drawing/2014/main" xmlns="" id="{B7ACD7DB-2840-4940-B50F-42527C398FAE}"/>
               </a:ext>
             </a:extLst>
           </p:cNvPr>
@@ -3000,7 +3000,7 @@
           <p:cNvPr id="6" name="Slide Number Placeholder 5">
             <a:extLst>
               <a:ext uri="{FF2B5EF4-FFF2-40B4-BE49-F238E27FC236}">
-                <a16:creationId xmlns="" xmlns:a16="http://schemas.microsoft.com/office/drawing/2014/main" id="{8F87367D-22C9-4D20-9B6B-372D4388D2AB}"/>
+                <a16:creationId xmlns:a16="http://schemas.microsoft.com/office/drawing/2014/main" xmlns="" id="{8F87367D-22C9-4D20-9B6B-372D4388D2AB}"/>
               </a:ext>
             </a:extLst>
           </p:cNvPr>
@@ -3368,7 +3368,7 @@
           <p:cNvPr id="2" name="Title 1">
             <a:extLst>
               <a:ext uri="{FF2B5EF4-FFF2-40B4-BE49-F238E27FC236}">
-                <a16:creationId xmlns="" xmlns:a16="http://schemas.microsoft.com/office/drawing/2014/main" id="{282FDA3E-FC10-4645-9A57-FCA21E1CA963}"/>
+                <a16:creationId xmlns:a16="http://schemas.microsoft.com/office/drawing/2014/main" xmlns="" id="{282FDA3E-FC10-4645-9A57-FCA21E1CA963}"/>
               </a:ext>
             </a:extLst>
           </p:cNvPr>
@@ -3435,7 +3435,7 @@
           <p:cNvPr id="2" name="Title 1">
             <a:extLst>
               <a:ext uri="{FF2B5EF4-FFF2-40B4-BE49-F238E27FC236}">
-                <a16:creationId xmlns="" xmlns:a16="http://schemas.microsoft.com/office/drawing/2014/main" id="{64FC46BD-FCD3-4070-A2FE-CF068D21089D}"/>
+                <a16:creationId xmlns:a16="http://schemas.microsoft.com/office/drawing/2014/main" xmlns="" id="{64FC46BD-FCD3-4070-A2FE-CF068D21089D}"/>
               </a:ext>
             </a:extLst>
           </p:cNvPr>
@@ -3476,7 +3476,7 @@
               <p:cNvPr id="3" name="Content Placeholder 2">
                 <a:extLst>
                   <a:ext uri="{FF2B5EF4-FFF2-40B4-BE49-F238E27FC236}">
-                    <a16:creationId xmlns="" xmlns:a16="http://schemas.microsoft.com/office/drawing/2014/main" id="{8FD3E7E3-6406-4C87-9E06-5BA40AA66E22}"/>
+                    <a16:creationId xmlns:a16="http://schemas.microsoft.com/office/drawing/2014/main" xmlns="" id="{8FD3E7E3-6406-4C87-9E06-5BA40AA66E22}"/>
                   </a:ext>
                 </a:extLst>
               </p:cNvPr>
@@ -3776,7 +3776,7 @@
           <p:cNvPr id="2" name="Title 1">
             <a:extLst>
               <a:ext uri="{FF2B5EF4-FFF2-40B4-BE49-F238E27FC236}">
-                <a16:creationId xmlns="" xmlns:a16="http://schemas.microsoft.com/office/drawing/2014/main" id="{64FC46BD-FCD3-4070-A2FE-CF068D21089D}"/>
+                <a16:creationId xmlns:a16="http://schemas.microsoft.com/office/drawing/2014/main" xmlns="" id="{64FC46BD-FCD3-4070-A2FE-CF068D21089D}"/>
               </a:ext>
             </a:extLst>
           </p:cNvPr>
@@ -3817,7 +3817,7 @@
               <p:cNvPr id="3" name="Content Placeholder 2">
                 <a:extLst>
                   <a:ext uri="{FF2B5EF4-FFF2-40B4-BE49-F238E27FC236}">
-                    <a16:creationId xmlns="" xmlns:a16="http://schemas.microsoft.com/office/drawing/2014/main" id="{8FD3E7E3-6406-4C87-9E06-5BA40AA66E22}"/>
+                    <a16:creationId xmlns:a16="http://schemas.microsoft.com/office/drawing/2014/main" xmlns="" id="{8FD3E7E3-6406-4C87-9E06-5BA40AA66E22}"/>
                   </a:ext>
                 </a:extLst>
               </p:cNvPr>
@@ -4120,7 +4120,7 @@
           <p:cNvPr id="2" name="Title 1">
             <a:extLst>
               <a:ext uri="{FF2B5EF4-FFF2-40B4-BE49-F238E27FC236}">
-                <a16:creationId xmlns="" xmlns:a16="http://schemas.microsoft.com/office/drawing/2014/main" id="{64FC46BD-FCD3-4070-A2FE-CF068D21089D}"/>
+                <a16:creationId xmlns:a16="http://schemas.microsoft.com/office/drawing/2014/main" xmlns="" id="{64FC46BD-FCD3-4070-A2FE-CF068D21089D}"/>
               </a:ext>
             </a:extLst>
           </p:cNvPr>
@@ -4161,7 +4161,7 @@
               <p:cNvPr id="3" name="Content Placeholder 2">
                 <a:extLst>
                   <a:ext uri="{FF2B5EF4-FFF2-40B4-BE49-F238E27FC236}">
-                    <a16:creationId xmlns="" xmlns:a16="http://schemas.microsoft.com/office/drawing/2014/main" id="{8FD3E7E3-6406-4C87-9E06-5BA40AA66E22}"/>
+                    <a16:creationId xmlns:a16="http://schemas.microsoft.com/office/drawing/2014/main" xmlns="" id="{8FD3E7E3-6406-4C87-9E06-5BA40AA66E22}"/>
                   </a:ext>
                 </a:extLst>
               </p:cNvPr>
@@ -4464,7 +4464,7 @@
           <p:cNvPr id="2" name="Title 1">
             <a:extLst>
               <a:ext uri="{FF2B5EF4-FFF2-40B4-BE49-F238E27FC236}">
-                <a16:creationId xmlns="" xmlns:a16="http://schemas.microsoft.com/office/drawing/2014/main" id="{64FC46BD-FCD3-4070-A2FE-CF068D21089D}"/>
+                <a16:creationId xmlns:a16="http://schemas.microsoft.com/office/drawing/2014/main" xmlns="" id="{64FC46BD-FCD3-4070-A2FE-CF068D21089D}"/>
               </a:ext>
             </a:extLst>
           </p:cNvPr>
@@ -4505,7 +4505,7 @@
               <p:cNvPr id="3" name="Content Placeholder 2">
                 <a:extLst>
                   <a:ext uri="{FF2B5EF4-FFF2-40B4-BE49-F238E27FC236}">
-                    <a16:creationId xmlns="" xmlns:a16="http://schemas.microsoft.com/office/drawing/2014/main" id="{8FD3E7E3-6406-4C87-9E06-5BA40AA66E22}"/>
+                    <a16:creationId xmlns:a16="http://schemas.microsoft.com/office/drawing/2014/main" xmlns="" id="{8FD3E7E3-6406-4C87-9E06-5BA40AA66E22}"/>
                   </a:ext>
                 </a:extLst>
               </p:cNvPr>
@@ -4815,7 +4815,7 @@
               <p:cNvPr id="2" name="Title 1">
                 <a:extLst>
                   <a:ext uri="{FF2B5EF4-FFF2-40B4-BE49-F238E27FC236}">
-                    <a16:creationId xmlns="" xmlns:a16="http://schemas.microsoft.com/office/drawing/2014/main" id="{64FC46BD-FCD3-4070-A2FE-CF068D21089D}"/>
+                    <a16:creationId xmlns:a16="http://schemas.microsoft.com/office/drawing/2014/main" xmlns="" id="{64FC46BD-FCD3-4070-A2FE-CF068D21089D}"/>
                   </a:ext>
                 </a:extLst>
               </p:cNvPr>
@@ -4958,7 +4958,7 @@
           <p:cNvPr id="3" name="Content Placeholder 2">
             <a:extLst>
               <a:ext uri="{FF2B5EF4-FFF2-40B4-BE49-F238E27FC236}">
-                <a16:creationId xmlns:mc="http://schemas.openxmlformats.org/markup-compatibility/2006" xmlns:a14="http://schemas.microsoft.com/office/drawing/2010/main" xmlns="" xmlns:a16="http://schemas.microsoft.com/office/drawing/2014/main" id="{8FD3E7E3-6406-4C87-9E06-5BA40AA66E22}"/>
+                <a16:creationId xmlns:a16="http://schemas.microsoft.com/office/drawing/2014/main" xmlns="" xmlns:a14="http://schemas.microsoft.com/office/drawing/2010/main" xmlns:mc="http://schemas.openxmlformats.org/markup-compatibility/2006" id="{8FD3E7E3-6406-4C87-9E06-5BA40AA66E22}"/>
               </a:ext>
             </a:extLst>
           </p:cNvPr>
@@ -5016,19 +5016,7 @@
               <a:rPr lang="en-US" dirty="0" smtClean="0">
                 <a:latin typeface="Comic Sans MS" panose="030F0702030302020204" pitchFamily="66" charset="0"/>
               </a:rPr>
-              <a:t>		z = </a:t>
-            </a:r>
-            <a:r>
-              <a:rPr lang="en-US" dirty="0" smtClean="0">
-                <a:latin typeface="Comic Sans MS" panose="030F0702030302020204" pitchFamily="66" charset="0"/>
-              </a:rPr>
-              <a:t>2, </a:t>
-            </a:r>
-            <a:r>
-              <a:rPr lang="en-US" dirty="0" smtClean="0">
-                <a:latin typeface="Comic Sans MS" panose="030F0702030302020204" pitchFamily="66" charset="0"/>
-              </a:rPr>
-              <a:t>1 + 1 = 2: T  </a:t>
+              <a:t>		z = 2, 1 + 1 = 2: T  </a:t>
             </a:r>
             <a:endParaRPr lang="en-US" sz="3200" dirty="0">
               <a:latin typeface="Comic Sans MS" panose="030F0702030302020204" pitchFamily="66" charset="0"/>
@@ -5080,7 +5068,7 @@
               <p:cNvPr id="2" name="Title 1">
                 <a:extLst>
                   <a:ext uri="{FF2B5EF4-FFF2-40B4-BE49-F238E27FC236}">
-                    <a16:creationId xmlns="" xmlns:a16="http://schemas.microsoft.com/office/drawing/2014/main" id="{64FC46BD-FCD3-4070-A2FE-CF068D21089D}"/>
+                    <a16:creationId xmlns:a16="http://schemas.microsoft.com/office/drawing/2014/main" xmlns="" id="{64FC46BD-FCD3-4070-A2FE-CF068D21089D}"/>
                   </a:ext>
                 </a:extLst>
               </p:cNvPr>
@@ -5223,7 +5211,7 @@
           <p:cNvPr id="3" name="Content Placeholder 2">
             <a:extLst>
               <a:ext uri="{FF2B5EF4-FFF2-40B4-BE49-F238E27FC236}">
-                <a16:creationId xmlns:mc="http://schemas.openxmlformats.org/markup-compatibility/2006" xmlns:a14="http://schemas.microsoft.com/office/drawing/2010/main" xmlns="" xmlns:a16="http://schemas.microsoft.com/office/drawing/2014/main" id="{8FD3E7E3-6406-4C87-9E06-5BA40AA66E22}"/>
+                <a16:creationId xmlns:a16="http://schemas.microsoft.com/office/drawing/2014/main" xmlns="" xmlns:a14="http://schemas.microsoft.com/office/drawing/2010/main" xmlns:mc="http://schemas.openxmlformats.org/markup-compatibility/2006" id="{8FD3E7E3-6406-4C87-9E06-5BA40AA66E22}"/>
               </a:ext>
             </a:extLst>
           </p:cNvPr>
@@ -5281,19 +5269,7 @@
               <a:rPr lang="en-US" dirty="0" smtClean="0">
                 <a:latin typeface="Comic Sans MS" panose="030F0702030302020204" pitchFamily="66" charset="0"/>
               </a:rPr>
-              <a:t>		z = </a:t>
-            </a:r>
-            <a:r>
-              <a:rPr lang="en-US" dirty="0" smtClean="0">
-                <a:latin typeface="Comic Sans MS" panose="030F0702030302020204" pitchFamily="66" charset="0"/>
-              </a:rPr>
-              <a:t>2, </a:t>
-            </a:r>
-            <a:r>
-              <a:rPr lang="en-US" dirty="0" smtClean="0">
-                <a:latin typeface="Comic Sans MS" panose="030F0702030302020204" pitchFamily="66" charset="0"/>
-              </a:rPr>
-              <a:t>1 + 1 = 2: T  </a:t>
+              <a:t>		z = 2, 1 + 1 = 2: T  </a:t>
             </a:r>
             <a:endParaRPr lang="en-US" sz="3200" dirty="0">
               <a:latin typeface="Comic Sans MS" panose="030F0702030302020204" pitchFamily="66" charset="0"/>
@@ -5308,7 +5284,7 @@
               <p:cNvPr id="4" name="Content Placeholder 2">
                 <a:extLst>
                   <a:ext uri="{FF2B5EF4-FFF2-40B4-BE49-F238E27FC236}">
-                    <a16:creationId xmlns="" xmlns:a16="http://schemas.microsoft.com/office/drawing/2014/main" id="{8FD3E7E3-6406-4C87-9E06-5BA40AA66E22}"/>
+                    <a16:creationId xmlns:a16="http://schemas.microsoft.com/office/drawing/2014/main" xmlns="" id="{8FD3E7E3-6406-4C87-9E06-5BA40AA66E22}"/>
                   </a:ext>
                 </a:extLst>
               </p:cNvPr>
@@ -5623,7 +5599,7 @@
               <p:cNvPr id="2" name="Title 1">
                 <a:extLst>
                   <a:ext uri="{FF2B5EF4-FFF2-40B4-BE49-F238E27FC236}">
-                    <a16:creationId xmlns="" xmlns:a16="http://schemas.microsoft.com/office/drawing/2014/main" id="{64FC46BD-FCD3-4070-A2FE-CF068D21089D}"/>
+                    <a16:creationId xmlns:a16="http://schemas.microsoft.com/office/drawing/2014/main" xmlns="" id="{64FC46BD-FCD3-4070-A2FE-CF068D21089D}"/>
                   </a:ext>
                 </a:extLst>
               </p:cNvPr>
@@ -5766,7 +5742,7 @@
           <p:cNvPr id="3" name="Content Placeholder 2">
             <a:extLst>
               <a:ext uri="{FF2B5EF4-FFF2-40B4-BE49-F238E27FC236}">
-                <a16:creationId xmlns:mc="http://schemas.openxmlformats.org/markup-compatibility/2006" xmlns:a14="http://schemas.microsoft.com/office/drawing/2010/main" xmlns="" xmlns:a16="http://schemas.microsoft.com/office/drawing/2014/main" id="{8FD3E7E3-6406-4C87-9E06-5BA40AA66E22}"/>
+                <a16:creationId xmlns:a16="http://schemas.microsoft.com/office/drawing/2014/main" xmlns="" xmlns:a14="http://schemas.microsoft.com/office/drawing/2010/main" xmlns:mc="http://schemas.openxmlformats.org/markup-compatibility/2006" id="{8FD3E7E3-6406-4C87-9E06-5BA40AA66E22}"/>
               </a:ext>
             </a:extLst>
           </p:cNvPr>
@@ -5839,7 +5815,7 @@
               <p:cNvPr id="4" name="Content Placeholder 2">
                 <a:extLst>
                   <a:ext uri="{FF2B5EF4-FFF2-40B4-BE49-F238E27FC236}">
-                    <a16:creationId xmlns="" xmlns:a16="http://schemas.microsoft.com/office/drawing/2014/main" id="{8FD3E7E3-6406-4C87-9E06-5BA40AA66E22}"/>
+                    <a16:creationId xmlns:a16="http://schemas.microsoft.com/office/drawing/2014/main" xmlns="" id="{8FD3E7E3-6406-4C87-9E06-5BA40AA66E22}"/>
                   </a:ext>
                 </a:extLst>
               </p:cNvPr>
@@ -6115,7 +6091,7 @@
           <p:cNvPr id="5" name="Content Placeholder 2">
             <a:extLst>
               <a:ext uri="{FF2B5EF4-FFF2-40B4-BE49-F238E27FC236}">
-                <a16:creationId xmlns:mc="http://schemas.openxmlformats.org/markup-compatibility/2006" xmlns:a14="http://schemas.microsoft.com/office/drawing/2010/main" xmlns="" xmlns:a16="http://schemas.microsoft.com/office/drawing/2014/main" id="{8FD3E7E3-6406-4C87-9E06-5BA40AA66E22}"/>
+                <a16:creationId xmlns:a16="http://schemas.microsoft.com/office/drawing/2014/main" xmlns="" xmlns:a14="http://schemas.microsoft.com/office/drawing/2010/main" xmlns:mc="http://schemas.openxmlformats.org/markup-compatibility/2006" id="{8FD3E7E3-6406-4C87-9E06-5BA40AA66E22}"/>
               </a:ext>
             </a:extLst>
           </p:cNvPr>
@@ -6547,7 +6523,7 @@
               <p:cNvPr id="2" name="Title 1">
                 <a:extLst>
                   <a:ext uri="{FF2B5EF4-FFF2-40B4-BE49-F238E27FC236}">
-                    <a16:creationId xmlns="" xmlns:a16="http://schemas.microsoft.com/office/drawing/2014/main" id="{64FC46BD-FCD3-4070-A2FE-CF068D21089D}"/>
+                    <a16:creationId xmlns:a16="http://schemas.microsoft.com/office/drawing/2014/main" xmlns="" id="{64FC46BD-FCD3-4070-A2FE-CF068D21089D}"/>
                   </a:ext>
                 </a:extLst>
               </p:cNvPr>
@@ -6692,7 +6668,7 @@
               <p:cNvPr id="4" name="Content Placeholder 2">
                 <a:extLst>
                   <a:ext uri="{FF2B5EF4-FFF2-40B4-BE49-F238E27FC236}">
-                    <a16:creationId xmlns="" xmlns:a16="http://schemas.microsoft.com/office/drawing/2014/main" id="{8FD3E7E3-6406-4C87-9E06-5BA40AA66E22}"/>
+                    <a16:creationId xmlns:a16="http://schemas.microsoft.com/office/drawing/2014/main" xmlns="" id="{8FD3E7E3-6406-4C87-9E06-5BA40AA66E22}"/>
                   </a:ext>
                 </a:extLst>
               </p:cNvPr>
@@ -7002,7 +6978,7 @@
               <p:cNvPr id="2" name="Title 1">
                 <a:extLst>
                   <a:ext uri="{FF2B5EF4-FFF2-40B4-BE49-F238E27FC236}">
-                    <a16:creationId xmlns="" xmlns:a16="http://schemas.microsoft.com/office/drawing/2014/main" id="{64FC46BD-FCD3-4070-A2FE-CF068D21089D}"/>
+                    <a16:creationId xmlns:a16="http://schemas.microsoft.com/office/drawing/2014/main" xmlns="" id="{64FC46BD-FCD3-4070-A2FE-CF068D21089D}"/>
                   </a:ext>
                 </a:extLst>
               </p:cNvPr>
@@ -7147,7 +7123,7 @@
               <p:cNvPr id="4" name="Content Placeholder 2">
                 <a:extLst>
                   <a:ext uri="{FF2B5EF4-FFF2-40B4-BE49-F238E27FC236}">
-                    <a16:creationId xmlns="" xmlns:a16="http://schemas.microsoft.com/office/drawing/2014/main" id="{8FD3E7E3-6406-4C87-9E06-5BA40AA66E22}"/>
+                    <a16:creationId xmlns:a16="http://schemas.microsoft.com/office/drawing/2014/main" xmlns="" id="{8FD3E7E3-6406-4C87-9E06-5BA40AA66E22}"/>
                   </a:ext>
                 </a:extLst>
               </p:cNvPr>
@@ -7418,7 +7394,7 @@
           <p:cNvPr id="5" name="Content Placeholder 2">
             <a:extLst>
               <a:ext uri="{FF2B5EF4-FFF2-40B4-BE49-F238E27FC236}">
-                <a16:creationId xmlns:mc="http://schemas.openxmlformats.org/markup-compatibility/2006" xmlns:a14="http://schemas.microsoft.com/office/drawing/2010/main" xmlns="" xmlns:a16="http://schemas.microsoft.com/office/drawing/2014/main" id="{8FD3E7E3-6406-4C87-9E06-5BA40AA66E22}"/>
+                <a16:creationId xmlns:a16="http://schemas.microsoft.com/office/drawing/2014/main" xmlns="" xmlns:a14="http://schemas.microsoft.com/office/drawing/2010/main" xmlns:mc="http://schemas.openxmlformats.org/markup-compatibility/2006" id="{8FD3E7E3-6406-4C87-9E06-5BA40AA66E22}"/>
               </a:ext>
             </a:extLst>
           </p:cNvPr>
@@ -8065,7 +8041,7 @@
               <p:cNvPr id="2" name="Title 1">
                 <a:extLst>
                   <a:ext uri="{FF2B5EF4-FFF2-40B4-BE49-F238E27FC236}">
-                    <a16:creationId xmlns="" xmlns:a16="http://schemas.microsoft.com/office/drawing/2014/main" id="{64FC46BD-FCD3-4070-A2FE-CF068D21089D}"/>
+                    <a16:creationId xmlns:a16="http://schemas.microsoft.com/office/drawing/2014/main" xmlns="" id="{64FC46BD-FCD3-4070-A2FE-CF068D21089D}"/>
                   </a:ext>
                 </a:extLst>
               </p:cNvPr>
@@ -8208,7 +8184,7 @@
           <p:cNvPr id="5" name="Content Placeholder 2">
             <a:extLst>
               <a:ext uri="{FF2B5EF4-FFF2-40B4-BE49-F238E27FC236}">
-                <a16:creationId xmlns:mc="http://schemas.openxmlformats.org/markup-compatibility/2006" xmlns:a14="http://schemas.microsoft.com/office/drawing/2010/main" xmlns="" xmlns:a16="http://schemas.microsoft.com/office/drawing/2014/main" id="{8FD3E7E3-6406-4C87-9E06-5BA40AA66E22}"/>
+                <a16:creationId xmlns:a16="http://schemas.microsoft.com/office/drawing/2014/main" xmlns="" xmlns:a14="http://schemas.microsoft.com/office/drawing/2010/main" xmlns:mc="http://schemas.openxmlformats.org/markup-compatibility/2006" id="{8FD3E7E3-6406-4C87-9E06-5BA40AA66E22}"/>
               </a:ext>
             </a:extLst>
           </p:cNvPr>
@@ -9046,7 +9022,7 @@
           <p:cNvPr id="2" name="Title 1">
             <a:extLst>
               <a:ext uri="{FF2B5EF4-FFF2-40B4-BE49-F238E27FC236}">
-                <a16:creationId xmlns="" xmlns:a16="http://schemas.microsoft.com/office/drawing/2014/main" id="{64FC46BD-FCD3-4070-A2FE-CF068D21089D}"/>
+                <a16:creationId xmlns:a16="http://schemas.microsoft.com/office/drawing/2014/main" xmlns="" id="{64FC46BD-FCD3-4070-A2FE-CF068D21089D}"/>
               </a:ext>
             </a:extLst>
           </p:cNvPr>
@@ -9076,7 +9052,7 @@
           <p:cNvPr id="3" name="Content Placeholder 2">
             <a:extLst>
               <a:ext uri="{FF2B5EF4-FFF2-40B4-BE49-F238E27FC236}">
-                <a16:creationId xmlns="" xmlns:a16="http://schemas.microsoft.com/office/drawing/2014/main" id="{8FD3E7E3-6406-4C87-9E06-5BA40AA66E22}"/>
+                <a16:creationId xmlns:a16="http://schemas.microsoft.com/office/drawing/2014/main" xmlns="" id="{8FD3E7E3-6406-4C87-9E06-5BA40AA66E22}"/>
               </a:ext>
             </a:extLst>
           </p:cNvPr>
@@ -9184,7 +9160,7 @@
               <p:cNvPr id="2" name="Title 1">
                 <a:extLst>
                   <a:ext uri="{FF2B5EF4-FFF2-40B4-BE49-F238E27FC236}">
-                    <a16:creationId xmlns="" xmlns:a16="http://schemas.microsoft.com/office/drawing/2014/main" id="{64FC46BD-FCD3-4070-A2FE-CF068D21089D}"/>
+                    <a16:creationId xmlns:a16="http://schemas.microsoft.com/office/drawing/2014/main" xmlns="" id="{64FC46BD-FCD3-4070-A2FE-CF068D21089D}"/>
                   </a:ext>
                 </a:extLst>
               </p:cNvPr>
@@ -9327,7 +9303,7 @@
           <p:cNvPr id="5" name="Content Placeholder 2">
             <a:extLst>
               <a:ext uri="{FF2B5EF4-FFF2-40B4-BE49-F238E27FC236}">
-                <a16:creationId xmlns:mc="http://schemas.openxmlformats.org/markup-compatibility/2006" xmlns:a14="http://schemas.microsoft.com/office/drawing/2010/main" xmlns="" xmlns:a16="http://schemas.microsoft.com/office/drawing/2014/main" id="{8FD3E7E3-6406-4C87-9E06-5BA40AA66E22}"/>
+                <a16:creationId xmlns:a16="http://schemas.microsoft.com/office/drawing/2014/main" xmlns="" xmlns:a14="http://schemas.microsoft.com/office/drawing/2010/main" xmlns:mc="http://schemas.openxmlformats.org/markup-compatibility/2006" id="{8FD3E7E3-6406-4C87-9E06-5BA40AA66E22}"/>
               </a:ext>
             </a:extLst>
           </p:cNvPr>
@@ -10300,7 +10276,7 @@
               <p:cNvPr id="2" name="Title 1">
                 <a:extLst>
                   <a:ext uri="{FF2B5EF4-FFF2-40B4-BE49-F238E27FC236}">
-                    <a16:creationId xmlns="" xmlns:a16="http://schemas.microsoft.com/office/drawing/2014/main" id="{64FC46BD-FCD3-4070-A2FE-CF068D21089D}"/>
+                    <a16:creationId xmlns:a16="http://schemas.microsoft.com/office/drawing/2014/main" xmlns="" id="{64FC46BD-FCD3-4070-A2FE-CF068D21089D}"/>
                   </a:ext>
                 </a:extLst>
               </p:cNvPr>
@@ -10445,7 +10421,7 @@
               <p:cNvPr id="31" name="Content Placeholder 2">
                 <a:extLst>
                   <a:ext uri="{FF2B5EF4-FFF2-40B4-BE49-F238E27FC236}">
-                    <a16:creationId xmlns="" xmlns:a16="http://schemas.microsoft.com/office/drawing/2014/main" id="{8FD3E7E3-6406-4C87-9E06-5BA40AA66E22}"/>
+                    <a16:creationId xmlns:a16="http://schemas.microsoft.com/office/drawing/2014/main" xmlns="" id="{8FD3E7E3-6406-4C87-9E06-5BA40AA66E22}"/>
                   </a:ext>
                 </a:extLst>
               </p:cNvPr>
@@ -10759,7 +10735,7 @@
               <p:cNvPr id="2" name="Title 1">
                 <a:extLst>
                   <a:ext uri="{FF2B5EF4-FFF2-40B4-BE49-F238E27FC236}">
-                    <a16:creationId xmlns="" xmlns:a16="http://schemas.microsoft.com/office/drawing/2014/main" id="{64FC46BD-FCD3-4070-A2FE-CF068D21089D}"/>
+                    <a16:creationId xmlns:a16="http://schemas.microsoft.com/office/drawing/2014/main" xmlns="" id="{64FC46BD-FCD3-4070-A2FE-CF068D21089D}"/>
                   </a:ext>
                 </a:extLst>
               </p:cNvPr>
@@ -10902,7 +10878,7 @@
           <p:cNvPr id="5" name="Content Placeholder 2">
             <a:extLst>
               <a:ext uri="{FF2B5EF4-FFF2-40B4-BE49-F238E27FC236}">
-                <a16:creationId xmlns:mc="http://schemas.openxmlformats.org/markup-compatibility/2006" xmlns:a14="http://schemas.microsoft.com/office/drawing/2010/main" xmlns="" xmlns:a16="http://schemas.microsoft.com/office/drawing/2014/main" id="{8FD3E7E3-6406-4C87-9E06-5BA40AA66E22}"/>
+                <a16:creationId xmlns:a16="http://schemas.microsoft.com/office/drawing/2014/main" xmlns="" xmlns:a14="http://schemas.microsoft.com/office/drawing/2010/main" xmlns:mc="http://schemas.openxmlformats.org/markup-compatibility/2006" id="{8FD3E7E3-6406-4C87-9E06-5BA40AA66E22}"/>
               </a:ext>
             </a:extLst>
           </p:cNvPr>
@@ -11843,14 +11819,14 @@
           </a:p>
         </p:txBody>
       </p:sp>
-      <mc:AlternateContent xmlns:mc="http://schemas.openxmlformats.org/markup-compatibility/2006">
-        <mc:Choice xmlns:a14="http://schemas.microsoft.com/office/drawing/2010/main" Requires="a14">
+      <mc:AlternateContent xmlns:mc="http://schemas.openxmlformats.org/markup-compatibility/2006" xmlns:a14="http://schemas.microsoft.com/office/drawing/2010/main">
+        <mc:Choice Requires="a14">
           <p:sp>
             <p:nvSpPr>
               <p:cNvPr id="31" name="Content Placeholder 2">
                 <a:extLst>
                   <a:ext uri="{FF2B5EF4-FFF2-40B4-BE49-F238E27FC236}">
-                    <a16:creationId xmlns="" xmlns:a16="http://schemas.microsoft.com/office/drawing/2014/main" id="{8FD3E7E3-6406-4C87-9E06-5BA40AA66E22}"/>
+                    <a16:creationId xmlns:a16="http://schemas.microsoft.com/office/drawing/2014/main" xmlns="" id="{8FD3E7E3-6406-4C87-9E06-5BA40AA66E22}"/>
                   </a:ext>
                 </a:extLst>
               </p:cNvPr>
@@ -12071,7 +12047,7 @@
             </p:txBody>
           </p:sp>
         </mc:Choice>
-        <mc:Fallback>
+        <mc:Fallback xmlns="">
           <p:sp>
             <p:nvSpPr>
               <p:cNvPr id="31" name="Content Placeholder 2">
@@ -12158,7 +12134,7 @@
           <p:cNvPr id="2" name="Title 1">
             <a:extLst>
               <a:ext uri="{FF2B5EF4-FFF2-40B4-BE49-F238E27FC236}">
-                <a16:creationId xmlns="" xmlns:a16="http://schemas.microsoft.com/office/drawing/2014/main" id="{64FC46BD-FCD3-4070-A2FE-CF068D21089D}"/>
+                <a16:creationId xmlns:a16="http://schemas.microsoft.com/office/drawing/2014/main" xmlns="" id="{64FC46BD-FCD3-4070-A2FE-CF068D21089D}"/>
               </a:ext>
             </a:extLst>
           </p:cNvPr>
@@ -12199,7 +12175,7 @@
               <p:cNvPr id="3" name="Content Placeholder 2">
                 <a:extLst>
                   <a:ext uri="{FF2B5EF4-FFF2-40B4-BE49-F238E27FC236}">
-                    <a16:creationId xmlns="" xmlns:a16="http://schemas.microsoft.com/office/drawing/2014/main" id="{8FD3E7E3-6406-4C87-9E06-5BA40AA66E22}"/>
+                    <a16:creationId xmlns:a16="http://schemas.microsoft.com/office/drawing/2014/main" xmlns="" id="{8FD3E7E3-6406-4C87-9E06-5BA40AA66E22}"/>
                   </a:ext>
                 </a:extLst>
               </p:cNvPr>
@@ -12503,7 +12479,7 @@
               <p:cNvPr id="2" name="Title 1">
                 <a:extLst>
                   <a:ext uri="{FF2B5EF4-FFF2-40B4-BE49-F238E27FC236}">
-                    <a16:creationId xmlns="" xmlns:a16="http://schemas.microsoft.com/office/drawing/2014/main" id="{64FC46BD-FCD3-4070-A2FE-CF068D21089D}"/>
+                    <a16:creationId xmlns:a16="http://schemas.microsoft.com/office/drawing/2014/main" xmlns="" id="{64FC46BD-FCD3-4070-A2FE-CF068D21089D}"/>
                   </a:ext>
                 </a:extLst>
               </p:cNvPr>
@@ -12640,7 +12616,7 @@
           <p:cNvPr id="3" name="Content Placeholder 2">
             <a:extLst>
               <a:ext uri="{FF2B5EF4-FFF2-40B4-BE49-F238E27FC236}">
-                <a16:creationId xmlns:mc="http://schemas.openxmlformats.org/markup-compatibility/2006" xmlns:a14="http://schemas.microsoft.com/office/drawing/2010/main" xmlns="" xmlns:a16="http://schemas.microsoft.com/office/drawing/2014/main" id="{8FD3E7E3-6406-4C87-9E06-5BA40AA66E22}"/>
+                <a16:creationId xmlns:a16="http://schemas.microsoft.com/office/drawing/2014/main" xmlns="" xmlns:a14="http://schemas.microsoft.com/office/drawing/2010/main" xmlns:mc="http://schemas.openxmlformats.org/markup-compatibility/2006" id="{8FD3E7E3-6406-4C87-9E06-5BA40AA66E22}"/>
               </a:ext>
             </a:extLst>
           </p:cNvPr>
@@ -12698,19 +12674,7 @@
               <a:rPr lang="en-US" dirty="0" smtClean="0">
                 <a:latin typeface="Comic Sans MS" panose="030F0702030302020204" pitchFamily="66" charset="0"/>
               </a:rPr>
-              <a:t>		z = </a:t>
-            </a:r>
-            <a:r>
-              <a:rPr lang="en-US" dirty="0" smtClean="0">
-                <a:latin typeface="Comic Sans MS" panose="030F0702030302020204" pitchFamily="66" charset="0"/>
-              </a:rPr>
-              <a:t>2, </a:t>
-            </a:r>
-            <a:r>
-              <a:rPr lang="en-US" dirty="0" smtClean="0">
-                <a:latin typeface="Comic Sans MS" panose="030F0702030302020204" pitchFamily="66" charset="0"/>
-              </a:rPr>
-              <a:t>1 + 1 = 2: T  </a:t>
+              <a:t>		z = 2, 1 + 1 = 2: T  </a:t>
             </a:r>
             <a:endParaRPr lang="en-US" sz="3200" dirty="0">
               <a:latin typeface="Comic Sans MS" panose="030F0702030302020204" pitchFamily="66" charset="0"/>
@@ -12762,7 +12726,7 @@
               <p:cNvPr id="2" name="Title 1">
                 <a:extLst>
                   <a:ext uri="{FF2B5EF4-FFF2-40B4-BE49-F238E27FC236}">
-                    <a16:creationId xmlns="" xmlns:a16="http://schemas.microsoft.com/office/drawing/2014/main" id="{64FC46BD-FCD3-4070-A2FE-CF068D21089D}"/>
+                    <a16:creationId xmlns:a16="http://schemas.microsoft.com/office/drawing/2014/main" xmlns="" id="{64FC46BD-FCD3-4070-A2FE-CF068D21089D}"/>
                   </a:ext>
                 </a:extLst>
               </p:cNvPr>
@@ -12884,7 +12848,7 @@
           <p:cNvPr id="3" name="Content Placeholder 2">
             <a:extLst>
               <a:ext uri="{FF2B5EF4-FFF2-40B4-BE49-F238E27FC236}">
-                <a16:creationId xmlns:mc="http://schemas.openxmlformats.org/markup-compatibility/2006" xmlns:a14="http://schemas.microsoft.com/office/drawing/2010/main" xmlns="" xmlns:a16="http://schemas.microsoft.com/office/drawing/2014/main" id="{8FD3E7E3-6406-4C87-9E06-5BA40AA66E22}"/>
+                <a16:creationId xmlns:a16="http://schemas.microsoft.com/office/drawing/2014/main" xmlns="" xmlns:a14="http://schemas.microsoft.com/office/drawing/2010/main" xmlns:mc="http://schemas.openxmlformats.org/markup-compatibility/2006" id="{8FD3E7E3-6406-4C87-9E06-5BA40AA66E22}"/>
               </a:ext>
             </a:extLst>
           </p:cNvPr>
@@ -12942,19 +12906,7 @@
               <a:rPr lang="en-US" dirty="0" smtClean="0">
                 <a:latin typeface="Comic Sans MS" panose="030F0702030302020204" pitchFamily="66" charset="0"/>
               </a:rPr>
-              <a:t>		z = </a:t>
-            </a:r>
-            <a:r>
-              <a:rPr lang="en-US" dirty="0" smtClean="0">
-                <a:latin typeface="Comic Sans MS" panose="030F0702030302020204" pitchFamily="66" charset="0"/>
-              </a:rPr>
-              <a:t>2, </a:t>
-            </a:r>
-            <a:r>
-              <a:rPr lang="en-US" dirty="0" smtClean="0">
-                <a:latin typeface="Comic Sans MS" panose="030F0702030302020204" pitchFamily="66" charset="0"/>
-              </a:rPr>
-              <a:t>1 + 1 = 2: T  </a:t>
+              <a:t>		z = 2, 1 + 1 = 2: T  </a:t>
             </a:r>
             <a:endParaRPr lang="en-US" sz="3200" dirty="0">
               <a:latin typeface="Comic Sans MS" panose="030F0702030302020204" pitchFamily="66" charset="0"/>
@@ -12969,7 +12921,7 @@
               <p:cNvPr id="4" name="Content Placeholder 2">
                 <a:extLst>
                   <a:ext uri="{FF2B5EF4-FFF2-40B4-BE49-F238E27FC236}">
-                    <a16:creationId xmlns="" xmlns:a16="http://schemas.microsoft.com/office/drawing/2014/main" id="{8FD3E7E3-6406-4C87-9E06-5BA40AA66E22}"/>
+                    <a16:creationId xmlns:a16="http://schemas.microsoft.com/office/drawing/2014/main" xmlns="" id="{8FD3E7E3-6406-4C87-9E06-5BA40AA66E22}"/>
                   </a:ext>
                 </a:extLst>
               </p:cNvPr>
@@ -13284,7 +13236,7 @@
               <p:cNvPr id="2" name="Title 1">
                 <a:extLst>
                   <a:ext uri="{FF2B5EF4-FFF2-40B4-BE49-F238E27FC236}">
-                    <a16:creationId xmlns="" xmlns:a16="http://schemas.microsoft.com/office/drawing/2014/main" id="{64FC46BD-FCD3-4070-A2FE-CF068D21089D}"/>
+                    <a16:creationId xmlns:a16="http://schemas.microsoft.com/office/drawing/2014/main" xmlns="" id="{64FC46BD-FCD3-4070-A2FE-CF068D21089D}"/>
                   </a:ext>
                 </a:extLst>
               </p:cNvPr>
@@ -13406,7 +13358,7 @@
           <p:cNvPr id="3" name="Content Placeholder 2">
             <a:extLst>
               <a:ext uri="{FF2B5EF4-FFF2-40B4-BE49-F238E27FC236}">
-                <a16:creationId xmlns:mc="http://schemas.openxmlformats.org/markup-compatibility/2006" xmlns:a14="http://schemas.microsoft.com/office/drawing/2010/main" xmlns="" xmlns:a16="http://schemas.microsoft.com/office/drawing/2014/main" id="{8FD3E7E3-6406-4C87-9E06-5BA40AA66E22}"/>
+                <a16:creationId xmlns:a16="http://schemas.microsoft.com/office/drawing/2014/main" xmlns="" xmlns:a14="http://schemas.microsoft.com/office/drawing/2010/main" xmlns:mc="http://schemas.openxmlformats.org/markup-compatibility/2006" id="{8FD3E7E3-6406-4C87-9E06-5BA40AA66E22}"/>
               </a:ext>
             </a:extLst>
           </p:cNvPr>
@@ -13464,19 +13416,7 @@
               <a:rPr lang="en-US" dirty="0" smtClean="0">
                 <a:latin typeface="Comic Sans MS" panose="030F0702030302020204" pitchFamily="66" charset="0"/>
               </a:rPr>
-              <a:t>		z = </a:t>
-            </a:r>
-            <a:r>
-              <a:rPr lang="en-US" dirty="0" smtClean="0">
-                <a:latin typeface="Comic Sans MS" panose="030F0702030302020204" pitchFamily="66" charset="0"/>
-              </a:rPr>
-              <a:t>2, </a:t>
-            </a:r>
-            <a:r>
-              <a:rPr lang="en-US" dirty="0" smtClean="0">
-                <a:latin typeface="Comic Sans MS" panose="030F0702030302020204" pitchFamily="66" charset="0"/>
-              </a:rPr>
-              <a:t>1 + 1 = 2: T</a:t>
+              <a:t>		z = 2, 1 + 1 = 2: T</a:t>
             </a:r>
           </a:p>
           <a:p>
@@ -13487,55 +13427,37 @@
               <a:rPr lang="en-US" dirty="0">
                 <a:latin typeface="Comic Sans MS" panose="030F0702030302020204" pitchFamily="66" charset="0"/>
               </a:rPr>
-              <a:t>  		z = </a:t>
+              <a:t>  		z = 1</a:t>
+            </a:r>
+            <a:r>
+              <a:rPr lang="en-US" dirty="0" smtClean="0">
+                <a:latin typeface="Comic Sans MS" panose="030F0702030302020204" pitchFamily="66" charset="0"/>
+              </a:rPr>
+              <a:t>, </a:t>
             </a:r>
             <a:r>
               <a:rPr lang="en-US" dirty="0">
                 <a:latin typeface="Comic Sans MS" panose="030F0702030302020204" pitchFamily="66" charset="0"/>
               </a:rPr>
-              <a:t>1</a:t>
+              <a:t>1 + </a:t>
             </a:r>
             <a:r>
               <a:rPr lang="en-US" dirty="0" smtClean="0">
                 <a:latin typeface="Comic Sans MS" panose="030F0702030302020204" pitchFamily="66" charset="0"/>
               </a:rPr>
-              <a:t>, </a:t>
+              <a:t>1 </a:t>
             </a:r>
             <a:r>
               <a:rPr lang="en-US" dirty="0">
                 <a:latin typeface="Comic Sans MS" panose="030F0702030302020204" pitchFamily="66" charset="0"/>
               </a:rPr>
-              <a:t>1 + </a:t>
+              <a:t>= 1</a:t>
             </a:r>
             <a:r>
               <a:rPr lang="en-US" dirty="0" smtClean="0">
                 <a:latin typeface="Comic Sans MS" panose="030F0702030302020204" pitchFamily="66" charset="0"/>
               </a:rPr>
-              <a:t>1 </a:t>
-            </a:r>
-            <a:r>
-              <a:rPr lang="en-US" dirty="0">
-                <a:latin typeface="Comic Sans MS" panose="030F0702030302020204" pitchFamily="66" charset="0"/>
-              </a:rPr>
-              <a:t>= </a:t>
-            </a:r>
-            <a:r>
-              <a:rPr lang="en-US" dirty="0">
-                <a:latin typeface="Comic Sans MS" panose="030F0702030302020204" pitchFamily="66" charset="0"/>
-              </a:rPr>
-              <a:t>1</a:t>
-            </a:r>
-            <a:r>
-              <a:rPr lang="en-US" dirty="0" smtClean="0">
-                <a:latin typeface="Comic Sans MS" panose="030F0702030302020204" pitchFamily="66" charset="0"/>
-              </a:rPr>
-              <a:t>: </a:t>
-            </a:r>
-            <a:r>
-              <a:rPr lang="en-US" dirty="0" smtClean="0">
-                <a:latin typeface="Comic Sans MS" panose="030F0702030302020204" pitchFamily="66" charset="0"/>
-              </a:rPr>
-              <a:t>F</a:t>
+              <a:t>: F</a:t>
             </a:r>
             <a:endParaRPr lang="en-US" sz="3200" dirty="0">
               <a:latin typeface="Comic Sans MS" panose="030F0702030302020204" pitchFamily="66" charset="0"/>
@@ -13587,7 +13509,7 @@
               <p:cNvPr id="2" name="Title 1">
                 <a:extLst>
                   <a:ext uri="{FF2B5EF4-FFF2-40B4-BE49-F238E27FC236}">
-                    <a16:creationId xmlns="" xmlns:a16="http://schemas.microsoft.com/office/drawing/2014/main" id="{64FC46BD-FCD3-4070-A2FE-CF068D21089D}"/>
+                    <a16:creationId xmlns:a16="http://schemas.microsoft.com/office/drawing/2014/main" xmlns="" id="{64FC46BD-FCD3-4070-A2FE-CF068D21089D}"/>
                   </a:ext>
                 </a:extLst>
               </p:cNvPr>
@@ -13709,7 +13631,7 @@
           <p:cNvPr id="3" name="Content Placeholder 2">
             <a:extLst>
               <a:ext uri="{FF2B5EF4-FFF2-40B4-BE49-F238E27FC236}">
-                <a16:creationId xmlns:mc="http://schemas.openxmlformats.org/markup-compatibility/2006" xmlns:a14="http://schemas.microsoft.com/office/drawing/2010/main" xmlns="" xmlns:a16="http://schemas.microsoft.com/office/drawing/2014/main" id="{8FD3E7E3-6406-4C87-9E06-5BA40AA66E22}"/>
+                <a16:creationId xmlns:a16="http://schemas.microsoft.com/office/drawing/2014/main" xmlns="" xmlns:a14="http://schemas.microsoft.com/office/drawing/2010/main" xmlns:mc="http://schemas.openxmlformats.org/markup-compatibility/2006" id="{8FD3E7E3-6406-4C87-9E06-5BA40AA66E22}"/>
               </a:ext>
             </a:extLst>
           </p:cNvPr>
@@ -13823,7 +13745,7 @@
               <p:cNvPr id="4" name="Content Placeholder 2">
                 <a:extLst>
                   <a:ext uri="{FF2B5EF4-FFF2-40B4-BE49-F238E27FC236}">
-                    <a16:creationId xmlns="" xmlns:a16="http://schemas.microsoft.com/office/drawing/2014/main" id="{8FD3E7E3-6406-4C87-9E06-5BA40AA66E22}"/>
+                    <a16:creationId xmlns:a16="http://schemas.microsoft.com/office/drawing/2014/main" xmlns="" id="{8FD3E7E3-6406-4C87-9E06-5BA40AA66E22}"/>
                   </a:ext>
                 </a:extLst>
               </p:cNvPr>
@@ -14138,7 +14060,7 @@
               <p:cNvPr id="2" name="Title 1">
                 <a:extLst>
                   <a:ext uri="{FF2B5EF4-FFF2-40B4-BE49-F238E27FC236}">
-                    <a16:creationId xmlns="" xmlns:a16="http://schemas.microsoft.com/office/drawing/2014/main" id="{64FC46BD-FCD3-4070-A2FE-CF068D21089D}"/>
+                    <a16:creationId xmlns:a16="http://schemas.microsoft.com/office/drawing/2014/main" xmlns="" id="{64FC46BD-FCD3-4070-A2FE-CF068D21089D}"/>
                   </a:ext>
                 </a:extLst>
               </p:cNvPr>
@@ -14260,7 +14182,7 @@
           <p:cNvPr id="3" name="Content Placeholder 2">
             <a:extLst>
               <a:ext uri="{FF2B5EF4-FFF2-40B4-BE49-F238E27FC236}">
-                <a16:creationId xmlns:mc="http://schemas.openxmlformats.org/markup-compatibility/2006" xmlns:a14="http://schemas.microsoft.com/office/drawing/2010/main" xmlns="" xmlns:a16="http://schemas.microsoft.com/office/drawing/2014/main" id="{8FD3E7E3-6406-4C87-9E06-5BA40AA66E22}"/>
+                <a16:creationId xmlns:a16="http://schemas.microsoft.com/office/drawing/2014/main" xmlns="" xmlns:a14="http://schemas.microsoft.com/office/drawing/2010/main" xmlns:mc="http://schemas.openxmlformats.org/markup-compatibility/2006" id="{8FD3E7E3-6406-4C87-9E06-5BA40AA66E22}"/>
               </a:ext>
             </a:extLst>
           </p:cNvPr>
@@ -14341,7 +14263,7 @@
               <p:cNvPr id="4" name="Content Placeholder 2">
                 <a:extLst>
                   <a:ext uri="{FF2B5EF4-FFF2-40B4-BE49-F238E27FC236}">
-                    <a16:creationId xmlns="" xmlns:a16="http://schemas.microsoft.com/office/drawing/2014/main" id="{8FD3E7E3-6406-4C87-9E06-5BA40AA66E22}"/>
+                    <a16:creationId xmlns:a16="http://schemas.microsoft.com/office/drawing/2014/main" xmlns="" id="{8FD3E7E3-6406-4C87-9E06-5BA40AA66E22}"/>
                   </a:ext>
                 </a:extLst>
               </p:cNvPr>
@@ -14617,7 +14539,7 @@
           <p:cNvPr id="5" name="Content Placeholder 2">
             <a:extLst>
               <a:ext uri="{FF2B5EF4-FFF2-40B4-BE49-F238E27FC236}">
-                <a16:creationId xmlns:mc="http://schemas.openxmlformats.org/markup-compatibility/2006" xmlns:a14="http://schemas.microsoft.com/office/drawing/2010/main" xmlns="" xmlns:a16="http://schemas.microsoft.com/office/drawing/2014/main" id="{8FD3E7E3-6406-4C87-9E06-5BA40AA66E22}"/>
+                <a16:creationId xmlns:a16="http://schemas.microsoft.com/office/drawing/2014/main" xmlns="" xmlns:a14="http://schemas.microsoft.com/office/drawing/2010/main" xmlns:mc="http://schemas.openxmlformats.org/markup-compatibility/2006" id="{8FD3E7E3-6406-4C87-9E06-5BA40AA66E22}"/>
               </a:ext>
             </a:extLst>
           </p:cNvPr>
@@ -15066,7 +14988,7 @@
               <p:cNvPr id="2" name="Title 1">
                 <a:extLst>
                   <a:ext uri="{FF2B5EF4-FFF2-40B4-BE49-F238E27FC236}">
-                    <a16:creationId xmlns="" xmlns:a16="http://schemas.microsoft.com/office/drawing/2014/main" id="{64FC46BD-FCD3-4070-A2FE-CF068D21089D}"/>
+                    <a16:creationId xmlns:a16="http://schemas.microsoft.com/office/drawing/2014/main" xmlns="" id="{64FC46BD-FCD3-4070-A2FE-CF068D21089D}"/>
                   </a:ext>
                 </a:extLst>
               </p:cNvPr>
@@ -15190,7 +15112,7 @@
               <p:cNvPr id="31" name="Content Placeholder 2">
                 <a:extLst>
                   <a:ext uri="{FF2B5EF4-FFF2-40B4-BE49-F238E27FC236}">
-                    <a16:creationId xmlns="" xmlns:a16="http://schemas.microsoft.com/office/drawing/2014/main" id="{8FD3E7E3-6406-4C87-9E06-5BA40AA66E22}"/>
+                    <a16:creationId xmlns:a16="http://schemas.microsoft.com/office/drawing/2014/main" xmlns="" id="{8FD3E7E3-6406-4C87-9E06-5BA40AA66E22}"/>
                   </a:ext>
                 </a:extLst>
               </p:cNvPr>
@@ -15498,7 +15420,7 @@
           <p:cNvPr id="2" name="Title 1">
             <a:extLst>
               <a:ext uri="{FF2B5EF4-FFF2-40B4-BE49-F238E27FC236}">
-                <a16:creationId xmlns="" xmlns:a16="http://schemas.microsoft.com/office/drawing/2014/main" id="{64FC46BD-FCD3-4070-A2FE-CF068D21089D}"/>
+                <a16:creationId xmlns:a16="http://schemas.microsoft.com/office/drawing/2014/main" xmlns="" id="{64FC46BD-FCD3-4070-A2FE-CF068D21089D}"/>
               </a:ext>
             </a:extLst>
           </p:cNvPr>
@@ -15528,7 +15450,7 @@
           <p:cNvPr id="3" name="Content Placeholder 2">
             <a:extLst>
               <a:ext uri="{FF2B5EF4-FFF2-40B4-BE49-F238E27FC236}">
-                <a16:creationId xmlns="" xmlns:a16="http://schemas.microsoft.com/office/drawing/2014/main" id="{8FD3E7E3-6406-4C87-9E06-5BA40AA66E22}"/>
+                <a16:creationId xmlns:a16="http://schemas.microsoft.com/office/drawing/2014/main" xmlns="" id="{8FD3E7E3-6406-4C87-9E06-5BA40AA66E22}"/>
               </a:ext>
             </a:extLst>
           </p:cNvPr>
@@ -15613,7 +15535,7 @@
               <p:cNvPr id="2" name="Title 1">
                 <a:extLst>
                   <a:ext uri="{FF2B5EF4-FFF2-40B4-BE49-F238E27FC236}">
-                    <a16:creationId xmlns="" xmlns:a16="http://schemas.microsoft.com/office/drawing/2014/main" id="{64FC46BD-FCD3-4070-A2FE-CF068D21089D}"/>
+                    <a16:creationId xmlns:a16="http://schemas.microsoft.com/office/drawing/2014/main" xmlns="" id="{64FC46BD-FCD3-4070-A2FE-CF068D21089D}"/>
                   </a:ext>
                 </a:extLst>
               </p:cNvPr>
@@ -15735,7 +15657,7 @@
           <p:cNvPr id="31" name="Content Placeholder 2">
             <a:extLst>
               <a:ext uri="{FF2B5EF4-FFF2-40B4-BE49-F238E27FC236}">
-                <a16:creationId xmlns:mc="http://schemas.openxmlformats.org/markup-compatibility/2006" xmlns:a14="http://schemas.microsoft.com/office/drawing/2010/main" xmlns="" xmlns:a16="http://schemas.microsoft.com/office/drawing/2014/main" id="{8FD3E7E3-6406-4C87-9E06-5BA40AA66E22}"/>
+                <a16:creationId xmlns:a16="http://schemas.microsoft.com/office/drawing/2014/main" xmlns="" xmlns:a14="http://schemas.microsoft.com/office/drawing/2010/main" xmlns:mc="http://schemas.openxmlformats.org/markup-compatibility/2006" id="{8FD3E7E3-6406-4C87-9E06-5BA40AA66E22}"/>
               </a:ext>
             </a:extLst>
           </p:cNvPr>
@@ -16280,7 +16202,7 @@
               <p:cNvPr id="42" name="Content Placeholder 2">
                 <a:extLst>
                   <a:ext uri="{FF2B5EF4-FFF2-40B4-BE49-F238E27FC236}">
-                    <a16:creationId xmlns="" xmlns:a16="http://schemas.microsoft.com/office/drawing/2014/main" id="{8FD3E7E3-6406-4C87-9E06-5BA40AA66E22}"/>
+                    <a16:creationId xmlns:a16="http://schemas.microsoft.com/office/drawing/2014/main" xmlns="" id="{8FD3E7E3-6406-4C87-9E06-5BA40AA66E22}"/>
                   </a:ext>
                 </a:extLst>
               </p:cNvPr>
@@ -16590,7 +16512,7 @@
               <p:cNvPr id="2" name="Title 1">
                 <a:extLst>
                   <a:ext uri="{FF2B5EF4-FFF2-40B4-BE49-F238E27FC236}">
-                    <a16:creationId xmlns="" xmlns:a16="http://schemas.microsoft.com/office/drawing/2014/main" id="{64FC46BD-FCD3-4070-A2FE-CF068D21089D}"/>
+                    <a16:creationId xmlns:a16="http://schemas.microsoft.com/office/drawing/2014/main" xmlns="" id="{64FC46BD-FCD3-4070-A2FE-CF068D21089D}"/>
                   </a:ext>
                 </a:extLst>
               </p:cNvPr>
@@ -16707,14 +16629,14 @@
           </p:sp>
         </mc:Fallback>
       </mc:AlternateContent>
-      <mc:AlternateContent xmlns:mc="http://schemas.openxmlformats.org/markup-compatibility/2006" xmlns:a14="http://schemas.microsoft.com/office/drawing/2010/main">
-        <mc:Choice Requires="a14">
+      <mc:AlternateContent xmlns:mc="http://schemas.openxmlformats.org/markup-compatibility/2006">
+        <mc:Choice xmlns:a14="http://schemas.microsoft.com/office/drawing/2010/main" Requires="a14">
           <p:sp>
             <p:nvSpPr>
               <p:cNvPr id="31" name="Content Placeholder 2">
                 <a:extLst>
                   <a:ext uri="{FF2B5EF4-FFF2-40B4-BE49-F238E27FC236}">
-                    <a16:creationId xmlns="" xmlns:a16="http://schemas.microsoft.com/office/drawing/2014/main" id="{8FD3E7E3-6406-4C87-9E06-5BA40AA66E22}"/>
+                    <a16:creationId xmlns:a16="http://schemas.microsoft.com/office/drawing/2014/main" xmlns="" id="{8FD3E7E3-6406-4C87-9E06-5BA40AA66E22}"/>
                   </a:ext>
                 </a:extLst>
               </p:cNvPr>
@@ -16909,7 +16831,7 @@
                     <a:latin typeface="Comic Sans MS" panose="030F0702030302020204" pitchFamily="66" charset="0"/>
                     <a:ea typeface="Cambria Math" panose="02040503050406030204" pitchFamily="18" charset="0"/>
                   </a:rPr>
-                  <a:t>What’s the quantifier before x? </a:t>
+                  <a:t>What’s the quantifier before x?</a:t>
                 </a:r>
                 <a14:m>
                   <m:oMath xmlns:m="http://schemas.openxmlformats.org/officeDocument/2006/math">
@@ -16918,7 +16840,7 @@
                         <a:latin typeface="Cambria Math" panose="02040503050406030204" pitchFamily="18" charset="0"/>
                         <a:ea typeface="Cambria Math" panose="02040503050406030204" pitchFamily="18" charset="0"/>
                       </a:rPr>
-                      <m:t>∀</m:t>
+                      <m:t>∃</m:t>
                     </m:r>
                   </m:oMath>
                 </a14:m>
@@ -16935,7 +16857,7 @@
             </p:txBody>
           </p:sp>
         </mc:Choice>
-        <mc:Fallback xmlns="">
+        <mc:Fallback>
           <p:sp>
             <p:nvSpPr>
               <p:cNvPr id="31" name="Content Placeholder 2">
@@ -17024,7 +16946,7 @@
               <p:cNvPr id="2" name="Title 1">
                 <a:extLst>
                   <a:ext uri="{FF2B5EF4-FFF2-40B4-BE49-F238E27FC236}">
-                    <a16:creationId xmlns="" xmlns:a16="http://schemas.microsoft.com/office/drawing/2014/main" id="{64FC46BD-FCD3-4070-A2FE-CF068D21089D}"/>
+                    <a16:creationId xmlns:a16="http://schemas.microsoft.com/office/drawing/2014/main" xmlns="" id="{64FC46BD-FCD3-4070-A2FE-CF068D21089D}"/>
                   </a:ext>
                 </a:extLst>
               </p:cNvPr>
@@ -17141,14 +17063,14 @@
           </p:sp>
         </mc:Fallback>
       </mc:AlternateContent>
-      <mc:AlternateContent xmlns:mc="http://schemas.openxmlformats.org/markup-compatibility/2006" xmlns:a14="http://schemas.microsoft.com/office/drawing/2010/main">
-        <mc:Choice Requires="a14">
+      <mc:AlternateContent xmlns:mc="http://schemas.openxmlformats.org/markup-compatibility/2006">
+        <mc:Choice xmlns:a14="http://schemas.microsoft.com/office/drawing/2010/main" Requires="a14">
           <p:sp>
             <p:nvSpPr>
               <p:cNvPr id="31" name="Content Placeholder 2">
                 <a:extLst>
                   <a:ext uri="{FF2B5EF4-FFF2-40B4-BE49-F238E27FC236}">
-                    <a16:creationId xmlns="" xmlns:a16="http://schemas.microsoft.com/office/drawing/2014/main" id="{8FD3E7E3-6406-4C87-9E06-5BA40AA66E22}"/>
+                    <a16:creationId xmlns:a16="http://schemas.microsoft.com/office/drawing/2014/main" xmlns="" id="{8FD3E7E3-6406-4C87-9E06-5BA40AA66E22}"/>
                   </a:ext>
                 </a:extLst>
               </p:cNvPr>
@@ -17343,7 +17265,7 @@
                     <a:latin typeface="Comic Sans MS" panose="030F0702030302020204" pitchFamily="66" charset="0"/>
                     <a:ea typeface="Cambria Math" panose="02040503050406030204" pitchFamily="18" charset="0"/>
                   </a:rPr>
-                  <a:t>What’s the quantifier before x? </a:t>
+                  <a:t>What’s the quantifier before x?</a:t>
                 </a:r>
                 <a14:m>
                   <m:oMath xmlns:m="http://schemas.openxmlformats.org/officeDocument/2006/math">
@@ -17352,7 +17274,7 @@
                         <a:latin typeface="Cambria Math" panose="02040503050406030204" pitchFamily="18" charset="0"/>
                         <a:ea typeface="Cambria Math" panose="02040503050406030204" pitchFamily="18" charset="0"/>
                       </a:rPr>
-                      <m:t>∀</m:t>
+                      <m:t>∃</m:t>
                     </m:r>
                   </m:oMath>
                 </a14:m>
@@ -17369,7 +17291,7 @@
             </p:txBody>
           </p:sp>
         </mc:Choice>
-        <mc:Fallback xmlns="">
+        <mc:Fallback>
           <p:sp>
             <p:nvSpPr>
               <p:cNvPr id="31" name="Content Placeholder 2">
@@ -17715,7 +17637,7 @@
           <p:cNvPr id="13" name="Content Placeholder 2">
             <a:extLst>
               <a:ext uri="{FF2B5EF4-FFF2-40B4-BE49-F238E27FC236}">
-                <a16:creationId xmlns:mc="http://schemas.openxmlformats.org/markup-compatibility/2006" xmlns:a14="http://schemas.microsoft.com/office/drawing/2010/main" xmlns="" xmlns:a16="http://schemas.microsoft.com/office/drawing/2014/main" id="{8FD3E7E3-6406-4C87-9E06-5BA40AA66E22}"/>
+                <a16:creationId xmlns:a16="http://schemas.microsoft.com/office/drawing/2014/main" xmlns="" xmlns:a14="http://schemas.microsoft.com/office/drawing/2010/main" xmlns:mc="http://schemas.openxmlformats.org/markup-compatibility/2006" id="{8FD3E7E3-6406-4C87-9E06-5BA40AA66E22}"/>
               </a:ext>
             </a:extLst>
           </p:cNvPr>
@@ -18035,7 +17957,7 @@
           <p:cNvPr id="2" name="Title 1">
             <a:extLst>
               <a:ext uri="{FF2B5EF4-FFF2-40B4-BE49-F238E27FC236}">
-                <a16:creationId xmlns="" xmlns:a16="http://schemas.microsoft.com/office/drawing/2014/main" id="{64FC46BD-FCD3-4070-A2FE-CF068D21089D}"/>
+                <a16:creationId xmlns:a16="http://schemas.microsoft.com/office/drawing/2014/main" xmlns="" id="{64FC46BD-FCD3-4070-A2FE-CF068D21089D}"/>
               </a:ext>
             </a:extLst>
           </p:cNvPr>
@@ -18069,14 +17991,14 @@
           </a:p>
         </p:txBody>
       </p:sp>
-      <mc:AlternateContent xmlns:mc="http://schemas.openxmlformats.org/markup-compatibility/2006">
-        <mc:Choice xmlns:a14="http://schemas.microsoft.com/office/drawing/2010/main" Requires="a14">
+      <mc:AlternateContent xmlns:mc="http://schemas.openxmlformats.org/markup-compatibility/2006" xmlns:a14="http://schemas.microsoft.com/office/drawing/2010/main">
+        <mc:Choice Requires="a14">
           <p:sp>
             <p:nvSpPr>
               <p:cNvPr id="3" name="Content Placeholder 2">
                 <a:extLst>
                   <a:ext uri="{FF2B5EF4-FFF2-40B4-BE49-F238E27FC236}">
-                    <a16:creationId xmlns="" xmlns:a16="http://schemas.microsoft.com/office/drawing/2014/main" id="{8FD3E7E3-6406-4C87-9E06-5BA40AA66E22}"/>
+                    <a16:creationId xmlns:a16="http://schemas.microsoft.com/office/drawing/2014/main" xmlns="" id="{8FD3E7E3-6406-4C87-9E06-5BA40AA66E22}"/>
                   </a:ext>
                 </a:extLst>
               </p:cNvPr>
@@ -18300,7 +18222,7 @@
             </p:txBody>
           </p:sp>
         </mc:Choice>
-        <mc:Fallback>
+        <mc:Fallback xmlns="">
           <p:sp>
             <p:nvSpPr>
               <p:cNvPr id="3" name="Content Placeholder 2">
@@ -18377,14 +18299,14 @@
           <a:chExt cx="0" cy="0"/>
         </a:xfrm>
       </p:grpSpPr>
-      <mc:AlternateContent xmlns:mc="http://schemas.openxmlformats.org/markup-compatibility/2006">
-        <mc:Choice xmlns:a14="http://schemas.microsoft.com/office/drawing/2010/main" Requires="a14">
+      <mc:AlternateContent xmlns:mc="http://schemas.openxmlformats.org/markup-compatibility/2006" xmlns:a14="http://schemas.microsoft.com/office/drawing/2010/main">
+        <mc:Choice Requires="a14">
           <p:sp>
             <p:nvSpPr>
               <p:cNvPr id="2" name="Title 1">
                 <a:extLst>
                   <a:ext uri="{FF2B5EF4-FFF2-40B4-BE49-F238E27FC236}">
-                    <a16:creationId xmlns="" xmlns:a16="http://schemas.microsoft.com/office/drawing/2014/main" id="{64FC46BD-FCD3-4070-A2FE-CF068D21089D}"/>
+                    <a16:creationId xmlns:a16="http://schemas.microsoft.com/office/drawing/2014/main" xmlns="" id="{64FC46BD-FCD3-4070-A2FE-CF068D21089D}"/>
                   </a:ext>
                 </a:extLst>
               </p:cNvPr>
@@ -18464,7 +18386,7 @@
             </p:txBody>
           </p:sp>
         </mc:Choice>
-        <mc:Fallback>
+        <mc:Fallback xmlns="">
           <p:sp>
             <p:nvSpPr>
               <p:cNvPr id="2" name="Title 1">
@@ -18509,7 +18431,7 @@
           <p:cNvPr id="3" name="Content Placeholder 2">
             <a:extLst>
               <a:ext uri="{FF2B5EF4-FFF2-40B4-BE49-F238E27FC236}">
-                <a16:creationId xmlns="" xmlns:a16="http://schemas.microsoft.com/office/drawing/2014/main" xmlns:a14="http://schemas.microsoft.com/office/drawing/2010/main" xmlns:mc="http://schemas.openxmlformats.org/markup-compatibility/2006" id="{8FD3E7E3-6406-4C87-9E06-5BA40AA66E22}"/>
+                <a16:creationId xmlns:mc="http://schemas.openxmlformats.org/markup-compatibility/2006" xmlns:a14="http://schemas.microsoft.com/office/drawing/2010/main" xmlns:a16="http://schemas.microsoft.com/office/drawing/2014/main" xmlns="" id="{8FD3E7E3-6406-4C87-9E06-5BA40AA66E22}"/>
               </a:ext>
             </a:extLst>
           </p:cNvPr>
@@ -18651,7 +18573,7 @@
           <p:cNvPr id="2" name="Title 1">
             <a:extLst>
               <a:ext uri="{FF2B5EF4-FFF2-40B4-BE49-F238E27FC236}">
-                <a16:creationId xmlns="" xmlns:a16="http://schemas.microsoft.com/office/drawing/2014/main" id="{64FC46BD-FCD3-4070-A2FE-CF068D21089D}"/>
+                <a16:creationId xmlns:a16="http://schemas.microsoft.com/office/drawing/2014/main" xmlns="" id="{64FC46BD-FCD3-4070-A2FE-CF068D21089D}"/>
               </a:ext>
             </a:extLst>
           </p:cNvPr>
@@ -18692,7 +18614,7 @@
               <p:cNvPr id="3" name="Content Placeholder 2">
                 <a:extLst>
                   <a:ext uri="{FF2B5EF4-FFF2-40B4-BE49-F238E27FC236}">
-                    <a16:creationId xmlns="" xmlns:a16="http://schemas.microsoft.com/office/drawing/2014/main" id="{8FD3E7E3-6406-4C87-9E06-5BA40AA66E22}"/>
+                    <a16:creationId xmlns:a16="http://schemas.microsoft.com/office/drawing/2014/main" xmlns="" id="{8FD3E7E3-6406-4C87-9E06-5BA40AA66E22}"/>
                   </a:ext>
                 </a:extLst>
               </p:cNvPr>
@@ -18839,7 +18761,7 @@
               <p:cNvPr id="4" name="Content Placeholder 2">
                 <a:extLst>
                   <a:ext uri="{FF2B5EF4-FFF2-40B4-BE49-F238E27FC236}">
-                    <a16:creationId xmlns="" xmlns:a16="http://schemas.microsoft.com/office/drawing/2014/main" id="{8FD3E7E3-6406-4C87-9E06-5BA40AA66E22}"/>
+                    <a16:creationId xmlns:a16="http://schemas.microsoft.com/office/drawing/2014/main" xmlns="" id="{8FD3E7E3-6406-4C87-9E06-5BA40AA66E22}"/>
                   </a:ext>
                 </a:extLst>
               </p:cNvPr>
@@ -19155,7 +19077,7 @@
               <p:cNvPr id="5" name="Content Placeholder 2">
                 <a:extLst>
                   <a:ext uri="{FF2B5EF4-FFF2-40B4-BE49-F238E27FC236}">
-                    <a16:creationId xmlns="" xmlns:a16="http://schemas.microsoft.com/office/drawing/2014/main" id="{8FD3E7E3-6406-4C87-9E06-5BA40AA66E22}"/>
+                    <a16:creationId xmlns:a16="http://schemas.microsoft.com/office/drawing/2014/main" xmlns="" id="{8FD3E7E3-6406-4C87-9E06-5BA40AA66E22}"/>
                   </a:ext>
                 </a:extLst>
               </p:cNvPr>
@@ -19470,7 +19392,7 @@
               <p:cNvPr id="6" name="Content Placeholder 2">
                 <a:extLst>
                   <a:ext uri="{FF2B5EF4-FFF2-40B4-BE49-F238E27FC236}">
-                    <a16:creationId xmlns="" xmlns:a16="http://schemas.microsoft.com/office/drawing/2014/main" id="{8FD3E7E3-6406-4C87-9E06-5BA40AA66E22}"/>
+                    <a16:creationId xmlns:a16="http://schemas.microsoft.com/office/drawing/2014/main" xmlns="" id="{8FD3E7E3-6406-4C87-9E06-5BA40AA66E22}"/>
                   </a:ext>
                 </a:extLst>
               </p:cNvPr>
@@ -19791,7 +19713,7 @@
               <p:cNvPr id="7" name="Content Placeholder 2">
                 <a:extLst>
                   <a:ext uri="{FF2B5EF4-FFF2-40B4-BE49-F238E27FC236}">
-                    <a16:creationId xmlns="" xmlns:a16="http://schemas.microsoft.com/office/drawing/2014/main" id="{8FD3E7E3-6406-4C87-9E06-5BA40AA66E22}"/>
+                    <a16:creationId xmlns:a16="http://schemas.microsoft.com/office/drawing/2014/main" xmlns="" id="{8FD3E7E3-6406-4C87-9E06-5BA40AA66E22}"/>
                   </a:ext>
                 </a:extLst>
               </p:cNvPr>
@@ -20368,7 +20290,7 @@
           <p:cNvPr id="2" name="Title 1">
             <a:extLst>
               <a:ext uri="{FF2B5EF4-FFF2-40B4-BE49-F238E27FC236}">
-                <a16:creationId xmlns="" xmlns:a16="http://schemas.microsoft.com/office/drawing/2014/main" id="{64FC46BD-FCD3-4070-A2FE-CF068D21089D}"/>
+                <a16:creationId xmlns:a16="http://schemas.microsoft.com/office/drawing/2014/main" xmlns="" id="{64FC46BD-FCD3-4070-A2FE-CF068D21089D}"/>
               </a:ext>
             </a:extLst>
           </p:cNvPr>
@@ -20409,7 +20331,7 @@
               <p:cNvPr id="6" name="Content Placeholder 2">
                 <a:extLst>
                   <a:ext uri="{FF2B5EF4-FFF2-40B4-BE49-F238E27FC236}">
-                    <a16:creationId xmlns="" xmlns:a16="http://schemas.microsoft.com/office/drawing/2014/main" id="{8FD3E7E3-6406-4C87-9E06-5BA40AA66E22}"/>
+                    <a16:creationId xmlns:a16="http://schemas.microsoft.com/office/drawing/2014/main" xmlns="" id="{8FD3E7E3-6406-4C87-9E06-5BA40AA66E22}"/>
                   </a:ext>
                 </a:extLst>
               </p:cNvPr>
@@ -20727,7 +20649,7 @@
               <p:cNvPr id="9" name="Content Placeholder 2">
                 <a:extLst>
                   <a:ext uri="{FF2B5EF4-FFF2-40B4-BE49-F238E27FC236}">
-                    <a16:creationId xmlns="" xmlns:a16="http://schemas.microsoft.com/office/drawing/2014/main" id="{8FD3E7E3-6406-4C87-9E06-5BA40AA66E22}"/>
+                    <a16:creationId xmlns:a16="http://schemas.microsoft.com/office/drawing/2014/main" xmlns="" id="{8FD3E7E3-6406-4C87-9E06-5BA40AA66E22}"/>
                   </a:ext>
                 </a:extLst>
               </p:cNvPr>
@@ -21085,7 +21007,7 @@
           <p:cNvPr id="2" name="Title 1">
             <a:extLst>
               <a:ext uri="{FF2B5EF4-FFF2-40B4-BE49-F238E27FC236}">
-                <a16:creationId xmlns="" xmlns:a16="http://schemas.microsoft.com/office/drawing/2014/main" id="{64FC46BD-FCD3-4070-A2FE-CF068D21089D}"/>
+                <a16:creationId xmlns:a16="http://schemas.microsoft.com/office/drawing/2014/main" xmlns="" id="{64FC46BD-FCD3-4070-A2FE-CF068D21089D}"/>
               </a:ext>
             </a:extLst>
           </p:cNvPr>
@@ -21126,7 +21048,7 @@
               <p:cNvPr id="6" name="Content Placeholder 2">
                 <a:extLst>
                   <a:ext uri="{FF2B5EF4-FFF2-40B4-BE49-F238E27FC236}">
-                    <a16:creationId xmlns="" xmlns:a16="http://schemas.microsoft.com/office/drawing/2014/main" id="{8FD3E7E3-6406-4C87-9E06-5BA40AA66E22}"/>
+                    <a16:creationId xmlns:a16="http://schemas.microsoft.com/office/drawing/2014/main" xmlns="" id="{8FD3E7E3-6406-4C87-9E06-5BA40AA66E22}"/>
                   </a:ext>
                 </a:extLst>
               </p:cNvPr>
@@ -21496,7 +21418,7 @@
           <p:cNvPr id="9" name="Content Placeholder 2">
             <a:extLst>
               <a:ext uri="{FF2B5EF4-FFF2-40B4-BE49-F238E27FC236}">
-                <a16:creationId xmlns="" xmlns:a16="http://schemas.microsoft.com/office/drawing/2014/main" xmlns:a14="http://schemas.microsoft.com/office/drawing/2010/main" xmlns:mc="http://schemas.openxmlformats.org/markup-compatibility/2006" id="{8FD3E7E3-6406-4C87-9E06-5BA40AA66E22}"/>
+                <a16:creationId xmlns:mc="http://schemas.openxmlformats.org/markup-compatibility/2006" xmlns:a14="http://schemas.microsoft.com/office/drawing/2010/main" xmlns:a16="http://schemas.microsoft.com/office/drawing/2014/main" xmlns="" id="{8FD3E7E3-6406-4C87-9E06-5BA40AA66E22}"/>
               </a:ext>
             </a:extLst>
           </p:cNvPr>
@@ -21705,7 +21627,7 @@
               <p:cNvPr id="5" name="Content Placeholder 2">
                 <a:extLst>
                   <a:ext uri="{FF2B5EF4-FFF2-40B4-BE49-F238E27FC236}">
-                    <a16:creationId xmlns="" xmlns:a16="http://schemas.microsoft.com/office/drawing/2014/main" id="{8FD3E7E3-6406-4C87-9E06-5BA40AA66E22}"/>
+                    <a16:creationId xmlns:a16="http://schemas.microsoft.com/office/drawing/2014/main" xmlns="" id="{8FD3E7E3-6406-4C87-9E06-5BA40AA66E22}"/>
                   </a:ext>
                 </a:extLst>
               </p:cNvPr>
@@ -22174,7 +22096,7 @@
           <p:cNvPr id="2" name="Title 1">
             <a:extLst>
               <a:ext uri="{FF2B5EF4-FFF2-40B4-BE49-F238E27FC236}">
-                <a16:creationId xmlns="" xmlns:a16="http://schemas.microsoft.com/office/drawing/2014/main" id="{64FC46BD-FCD3-4070-A2FE-CF068D21089D}"/>
+                <a16:creationId xmlns:a16="http://schemas.microsoft.com/office/drawing/2014/main" xmlns="" id="{64FC46BD-FCD3-4070-A2FE-CF068D21089D}"/>
               </a:ext>
             </a:extLst>
           </p:cNvPr>
@@ -22204,7 +22126,7 @@
           <p:cNvPr id="3" name="Content Placeholder 2">
             <a:extLst>
               <a:ext uri="{FF2B5EF4-FFF2-40B4-BE49-F238E27FC236}">
-                <a16:creationId xmlns="" xmlns:a16="http://schemas.microsoft.com/office/drawing/2014/main" id="{8FD3E7E3-6406-4C87-9E06-5BA40AA66E22}"/>
+                <a16:creationId xmlns:a16="http://schemas.microsoft.com/office/drawing/2014/main" xmlns="" id="{8FD3E7E3-6406-4C87-9E06-5BA40AA66E22}"/>
               </a:ext>
             </a:extLst>
           </p:cNvPr>
@@ -22342,7 +22264,7 @@
           <p:cNvPr id="2" name="Title 1">
             <a:extLst>
               <a:ext uri="{FF2B5EF4-FFF2-40B4-BE49-F238E27FC236}">
-                <a16:creationId xmlns="" xmlns:a16="http://schemas.microsoft.com/office/drawing/2014/main" id="{64FC46BD-FCD3-4070-A2FE-CF068D21089D}"/>
+                <a16:creationId xmlns:a16="http://schemas.microsoft.com/office/drawing/2014/main" xmlns="" id="{64FC46BD-FCD3-4070-A2FE-CF068D21089D}"/>
               </a:ext>
             </a:extLst>
           </p:cNvPr>
@@ -22372,7 +22294,7 @@
           <p:cNvPr id="3" name="Content Placeholder 2">
             <a:extLst>
               <a:ext uri="{FF2B5EF4-FFF2-40B4-BE49-F238E27FC236}">
-                <a16:creationId xmlns="" xmlns:a16="http://schemas.microsoft.com/office/drawing/2014/main" id="{8FD3E7E3-6406-4C87-9E06-5BA40AA66E22}"/>
+                <a16:creationId xmlns:a16="http://schemas.microsoft.com/office/drawing/2014/main" xmlns="" id="{8FD3E7E3-6406-4C87-9E06-5BA40AA66E22}"/>
               </a:ext>
             </a:extLst>
           </p:cNvPr>
@@ -22510,7 +22432,7 @@
           <p:cNvPr id="2" name="Title 1">
             <a:extLst>
               <a:ext uri="{FF2B5EF4-FFF2-40B4-BE49-F238E27FC236}">
-                <a16:creationId xmlns="" xmlns:a16="http://schemas.microsoft.com/office/drawing/2014/main" id="{64FC46BD-FCD3-4070-A2FE-CF068D21089D}"/>
+                <a16:creationId xmlns:a16="http://schemas.microsoft.com/office/drawing/2014/main" xmlns="" id="{64FC46BD-FCD3-4070-A2FE-CF068D21089D}"/>
               </a:ext>
             </a:extLst>
           </p:cNvPr>
@@ -22551,7 +22473,7 @@
               <p:cNvPr id="3" name="Content Placeholder 2">
                 <a:extLst>
                   <a:ext uri="{FF2B5EF4-FFF2-40B4-BE49-F238E27FC236}">
-                    <a16:creationId xmlns="" xmlns:a16="http://schemas.microsoft.com/office/drawing/2014/main" id="{8FD3E7E3-6406-4C87-9E06-5BA40AA66E22}"/>
+                    <a16:creationId xmlns:a16="http://schemas.microsoft.com/office/drawing/2014/main" xmlns="" id="{8FD3E7E3-6406-4C87-9E06-5BA40AA66E22}"/>
                   </a:ext>
                 </a:extLst>
               </p:cNvPr>
@@ -22761,7 +22683,7 @@
           <p:cNvPr id="2" name="Title 1">
             <a:extLst>
               <a:ext uri="{FF2B5EF4-FFF2-40B4-BE49-F238E27FC236}">
-                <a16:creationId xmlns="" xmlns:a16="http://schemas.microsoft.com/office/drawing/2014/main" id="{64FC46BD-FCD3-4070-A2FE-CF068D21089D}"/>
+                <a16:creationId xmlns:a16="http://schemas.microsoft.com/office/drawing/2014/main" xmlns="" id="{64FC46BD-FCD3-4070-A2FE-CF068D21089D}"/>
               </a:ext>
             </a:extLst>
           </p:cNvPr>
@@ -22802,7 +22724,7 @@
               <p:cNvPr id="3" name="Content Placeholder 2">
                 <a:extLst>
                   <a:ext uri="{FF2B5EF4-FFF2-40B4-BE49-F238E27FC236}">
-                    <a16:creationId xmlns="" xmlns:a16="http://schemas.microsoft.com/office/drawing/2014/main" id="{8FD3E7E3-6406-4C87-9E06-5BA40AA66E22}"/>
+                    <a16:creationId xmlns:a16="http://schemas.microsoft.com/office/drawing/2014/main" xmlns="" id="{8FD3E7E3-6406-4C87-9E06-5BA40AA66E22}"/>
                   </a:ext>
                 </a:extLst>
               </p:cNvPr>
@@ -23031,7 +22953,7 @@
           <p:cNvPr id="2" name="Title 1">
             <a:extLst>
               <a:ext uri="{FF2B5EF4-FFF2-40B4-BE49-F238E27FC236}">
-                <a16:creationId xmlns="" xmlns:a16="http://schemas.microsoft.com/office/drawing/2014/main" id="{64FC46BD-FCD3-4070-A2FE-CF068D21089D}"/>
+                <a16:creationId xmlns:a16="http://schemas.microsoft.com/office/drawing/2014/main" xmlns="" id="{64FC46BD-FCD3-4070-A2FE-CF068D21089D}"/>
               </a:ext>
             </a:extLst>
           </p:cNvPr>
@@ -23072,7 +22994,7 @@
               <p:cNvPr id="3" name="Content Placeholder 2">
                 <a:extLst>
                   <a:ext uri="{FF2B5EF4-FFF2-40B4-BE49-F238E27FC236}">
-                    <a16:creationId xmlns="" xmlns:a16="http://schemas.microsoft.com/office/drawing/2014/main" id="{8FD3E7E3-6406-4C87-9E06-5BA40AA66E22}"/>
+                    <a16:creationId xmlns:a16="http://schemas.microsoft.com/office/drawing/2014/main" xmlns="" id="{8FD3E7E3-6406-4C87-9E06-5BA40AA66E22}"/>
                   </a:ext>
                 </a:extLst>
               </p:cNvPr>
@@ -23301,7 +23223,7 @@
           <p:cNvPr id="2" name="Title 1">
             <a:extLst>
               <a:ext uri="{FF2B5EF4-FFF2-40B4-BE49-F238E27FC236}">
-                <a16:creationId xmlns="" xmlns:a16="http://schemas.microsoft.com/office/drawing/2014/main" id="{64FC46BD-FCD3-4070-A2FE-CF068D21089D}"/>
+                <a16:creationId xmlns:a16="http://schemas.microsoft.com/office/drawing/2014/main" xmlns="" id="{64FC46BD-FCD3-4070-A2FE-CF068D21089D}"/>
               </a:ext>
             </a:extLst>
           </p:cNvPr>
@@ -23342,7 +23264,7 @@
               <p:cNvPr id="3" name="Content Placeholder 2">
                 <a:extLst>
                   <a:ext uri="{FF2B5EF4-FFF2-40B4-BE49-F238E27FC236}">
-                    <a16:creationId xmlns="" xmlns:a16="http://schemas.microsoft.com/office/drawing/2014/main" id="{8FD3E7E3-6406-4C87-9E06-5BA40AA66E22}"/>
+                    <a16:creationId xmlns:a16="http://schemas.microsoft.com/office/drawing/2014/main" xmlns="" id="{8FD3E7E3-6406-4C87-9E06-5BA40AA66E22}"/>
                   </a:ext>
                 </a:extLst>
               </p:cNvPr>

--- a/cse106/slides/2. Predicate.pptx
+++ b/cse106/slides/2. Predicate.pptx
@@ -171,7 +171,7 @@
           <p:cNvPr id="2" name="Title 1">
             <a:extLst>
               <a:ext uri="{FF2B5EF4-FFF2-40B4-BE49-F238E27FC236}">
-                <a16:creationId xmlns:a16="http://schemas.microsoft.com/office/drawing/2014/main" xmlns="" id="{90852FDB-C65D-41E9-89C2-C530EF2B4746}"/>
+                <a16:creationId xmlns="" xmlns:a16="http://schemas.microsoft.com/office/drawing/2014/main" id="{90852FDB-C65D-41E9-89C2-C530EF2B4746}"/>
               </a:ext>
             </a:extLst>
           </p:cNvPr>
@@ -208,7 +208,7 @@
           <p:cNvPr id="3" name="Subtitle 2">
             <a:extLst>
               <a:ext uri="{FF2B5EF4-FFF2-40B4-BE49-F238E27FC236}">
-                <a16:creationId xmlns:a16="http://schemas.microsoft.com/office/drawing/2014/main" xmlns="" id="{8CAEEF26-7C22-4F4D-8311-CA7D08600B83}"/>
+                <a16:creationId xmlns="" xmlns:a16="http://schemas.microsoft.com/office/drawing/2014/main" id="{8CAEEF26-7C22-4F4D-8311-CA7D08600B83}"/>
               </a:ext>
             </a:extLst>
           </p:cNvPr>
@@ -278,7 +278,7 @@
           <p:cNvPr id="4" name="Date Placeholder 3">
             <a:extLst>
               <a:ext uri="{FF2B5EF4-FFF2-40B4-BE49-F238E27FC236}">
-                <a16:creationId xmlns:a16="http://schemas.microsoft.com/office/drawing/2014/main" xmlns="" id="{D4FED0D7-458C-455E-8544-7F4FB227E4EF}"/>
+                <a16:creationId xmlns="" xmlns:a16="http://schemas.microsoft.com/office/drawing/2014/main" id="{D4FED0D7-458C-455E-8544-7F4FB227E4EF}"/>
               </a:ext>
             </a:extLst>
           </p:cNvPr>
@@ -296,7 +296,7 @@
           <a:p>
             <a:fld id="{072FDDB4-F553-424D-81C5-266A1B530A90}" type="datetimeFigureOut">
               <a:rPr lang="en-US" smtClean="0"/>
-              <a:t>7/14/2020</a:t>
+              <a:t>7/19/2020</a:t>
             </a:fld>
             <a:endParaRPr lang="en-US"/>
           </a:p>
@@ -307,7 +307,7 @@
           <p:cNvPr id="5" name="Footer Placeholder 4">
             <a:extLst>
               <a:ext uri="{FF2B5EF4-FFF2-40B4-BE49-F238E27FC236}">
-                <a16:creationId xmlns:a16="http://schemas.microsoft.com/office/drawing/2014/main" xmlns="" id="{724BE479-F30A-42AD-9F57-F69961CF74EC}"/>
+                <a16:creationId xmlns="" xmlns:a16="http://schemas.microsoft.com/office/drawing/2014/main" id="{724BE479-F30A-42AD-9F57-F69961CF74EC}"/>
               </a:ext>
             </a:extLst>
           </p:cNvPr>
@@ -332,7 +332,7 @@
           <p:cNvPr id="6" name="Slide Number Placeholder 5">
             <a:extLst>
               <a:ext uri="{FF2B5EF4-FFF2-40B4-BE49-F238E27FC236}">
-                <a16:creationId xmlns:a16="http://schemas.microsoft.com/office/drawing/2014/main" xmlns="" id="{77E6237C-6508-45AC-A65A-8988FEA37170}"/>
+                <a16:creationId xmlns="" xmlns:a16="http://schemas.microsoft.com/office/drawing/2014/main" id="{77E6237C-6508-45AC-A65A-8988FEA37170}"/>
               </a:ext>
             </a:extLst>
           </p:cNvPr>
@@ -391,7 +391,7 @@
           <p:cNvPr id="2" name="Title 1">
             <a:extLst>
               <a:ext uri="{FF2B5EF4-FFF2-40B4-BE49-F238E27FC236}">
-                <a16:creationId xmlns:a16="http://schemas.microsoft.com/office/drawing/2014/main" xmlns="" id="{EAC09935-CB0F-4147-B42A-ED3B9F1E3CDA}"/>
+                <a16:creationId xmlns="" xmlns:a16="http://schemas.microsoft.com/office/drawing/2014/main" id="{EAC09935-CB0F-4147-B42A-ED3B9F1E3CDA}"/>
               </a:ext>
             </a:extLst>
           </p:cNvPr>
@@ -419,7 +419,7 @@
           <p:cNvPr id="3" name="Vertical Text Placeholder 2">
             <a:extLst>
               <a:ext uri="{FF2B5EF4-FFF2-40B4-BE49-F238E27FC236}">
-                <a16:creationId xmlns:a16="http://schemas.microsoft.com/office/drawing/2014/main" xmlns="" id="{7019B112-47D9-477E-8F70-56F30DEC2565}"/>
+                <a16:creationId xmlns="" xmlns:a16="http://schemas.microsoft.com/office/drawing/2014/main" id="{7019B112-47D9-477E-8F70-56F30DEC2565}"/>
               </a:ext>
             </a:extLst>
           </p:cNvPr>
@@ -476,7 +476,7 @@
           <p:cNvPr id="4" name="Date Placeholder 3">
             <a:extLst>
               <a:ext uri="{FF2B5EF4-FFF2-40B4-BE49-F238E27FC236}">
-                <a16:creationId xmlns:a16="http://schemas.microsoft.com/office/drawing/2014/main" xmlns="" id="{B0C16462-43A1-462A-AE45-0EF834CF4802}"/>
+                <a16:creationId xmlns="" xmlns:a16="http://schemas.microsoft.com/office/drawing/2014/main" id="{B0C16462-43A1-462A-AE45-0EF834CF4802}"/>
               </a:ext>
             </a:extLst>
           </p:cNvPr>
@@ -494,7 +494,7 @@
           <a:p>
             <a:fld id="{072FDDB4-F553-424D-81C5-266A1B530A90}" type="datetimeFigureOut">
               <a:rPr lang="en-US" smtClean="0"/>
-              <a:t>7/14/2020</a:t>
+              <a:t>7/19/2020</a:t>
             </a:fld>
             <a:endParaRPr lang="en-US"/>
           </a:p>
@@ -505,7 +505,7 @@
           <p:cNvPr id="5" name="Footer Placeholder 4">
             <a:extLst>
               <a:ext uri="{FF2B5EF4-FFF2-40B4-BE49-F238E27FC236}">
-                <a16:creationId xmlns:a16="http://schemas.microsoft.com/office/drawing/2014/main" xmlns="" id="{509A7AE0-42F4-434A-A672-3BF167C6D54C}"/>
+                <a16:creationId xmlns="" xmlns:a16="http://schemas.microsoft.com/office/drawing/2014/main" id="{509A7AE0-42F4-434A-A672-3BF167C6D54C}"/>
               </a:ext>
             </a:extLst>
           </p:cNvPr>
@@ -530,7 +530,7 @@
           <p:cNvPr id="6" name="Slide Number Placeholder 5">
             <a:extLst>
               <a:ext uri="{FF2B5EF4-FFF2-40B4-BE49-F238E27FC236}">
-                <a16:creationId xmlns:a16="http://schemas.microsoft.com/office/drawing/2014/main" xmlns="" id="{3A77513D-7167-431D-9243-B45CAF3522DD}"/>
+                <a16:creationId xmlns="" xmlns:a16="http://schemas.microsoft.com/office/drawing/2014/main" id="{3A77513D-7167-431D-9243-B45CAF3522DD}"/>
               </a:ext>
             </a:extLst>
           </p:cNvPr>
@@ -589,7 +589,7 @@
           <p:cNvPr id="2" name="Vertical Title 1">
             <a:extLst>
               <a:ext uri="{FF2B5EF4-FFF2-40B4-BE49-F238E27FC236}">
-                <a16:creationId xmlns:a16="http://schemas.microsoft.com/office/drawing/2014/main" xmlns="" id="{181DC520-FEA9-492D-A282-4EB0B653B1F0}"/>
+                <a16:creationId xmlns="" xmlns:a16="http://schemas.microsoft.com/office/drawing/2014/main" id="{181DC520-FEA9-492D-A282-4EB0B653B1F0}"/>
               </a:ext>
             </a:extLst>
           </p:cNvPr>
@@ -622,7 +622,7 @@
           <p:cNvPr id="3" name="Vertical Text Placeholder 2">
             <a:extLst>
               <a:ext uri="{FF2B5EF4-FFF2-40B4-BE49-F238E27FC236}">
-                <a16:creationId xmlns:a16="http://schemas.microsoft.com/office/drawing/2014/main" xmlns="" id="{D7E4A549-EDB1-49AE-91E7-4B9F9B07A1B4}"/>
+                <a16:creationId xmlns="" xmlns:a16="http://schemas.microsoft.com/office/drawing/2014/main" id="{D7E4A549-EDB1-49AE-91E7-4B9F9B07A1B4}"/>
               </a:ext>
             </a:extLst>
           </p:cNvPr>
@@ -684,7 +684,7 @@
           <p:cNvPr id="4" name="Date Placeholder 3">
             <a:extLst>
               <a:ext uri="{FF2B5EF4-FFF2-40B4-BE49-F238E27FC236}">
-                <a16:creationId xmlns:a16="http://schemas.microsoft.com/office/drawing/2014/main" xmlns="" id="{E2A75A99-64FD-4982-B025-60A2A3AD1BD5}"/>
+                <a16:creationId xmlns="" xmlns:a16="http://schemas.microsoft.com/office/drawing/2014/main" id="{E2A75A99-64FD-4982-B025-60A2A3AD1BD5}"/>
               </a:ext>
             </a:extLst>
           </p:cNvPr>
@@ -702,7 +702,7 @@
           <a:p>
             <a:fld id="{072FDDB4-F553-424D-81C5-266A1B530A90}" type="datetimeFigureOut">
               <a:rPr lang="en-US" smtClean="0"/>
-              <a:t>7/14/2020</a:t>
+              <a:t>7/19/2020</a:t>
             </a:fld>
             <a:endParaRPr lang="en-US"/>
           </a:p>
@@ -713,7 +713,7 @@
           <p:cNvPr id="5" name="Footer Placeholder 4">
             <a:extLst>
               <a:ext uri="{FF2B5EF4-FFF2-40B4-BE49-F238E27FC236}">
-                <a16:creationId xmlns:a16="http://schemas.microsoft.com/office/drawing/2014/main" xmlns="" id="{192E719E-62FE-4BDD-B1A9-3903FF70DC69}"/>
+                <a16:creationId xmlns="" xmlns:a16="http://schemas.microsoft.com/office/drawing/2014/main" id="{192E719E-62FE-4BDD-B1A9-3903FF70DC69}"/>
               </a:ext>
             </a:extLst>
           </p:cNvPr>
@@ -738,7 +738,7 @@
           <p:cNvPr id="6" name="Slide Number Placeholder 5">
             <a:extLst>
               <a:ext uri="{FF2B5EF4-FFF2-40B4-BE49-F238E27FC236}">
-                <a16:creationId xmlns:a16="http://schemas.microsoft.com/office/drawing/2014/main" xmlns="" id="{BC660DEE-60E9-491D-BCCD-66BF7BBEB59B}"/>
+                <a16:creationId xmlns="" xmlns:a16="http://schemas.microsoft.com/office/drawing/2014/main" id="{BC660DEE-60E9-491D-BCCD-66BF7BBEB59B}"/>
               </a:ext>
             </a:extLst>
           </p:cNvPr>
@@ -797,7 +797,7 @@
           <p:cNvPr id="2" name="Title 1">
             <a:extLst>
               <a:ext uri="{FF2B5EF4-FFF2-40B4-BE49-F238E27FC236}">
-                <a16:creationId xmlns:a16="http://schemas.microsoft.com/office/drawing/2014/main" xmlns="" id="{EAF828E4-CD31-4E08-9042-18A54834AA62}"/>
+                <a16:creationId xmlns="" xmlns:a16="http://schemas.microsoft.com/office/drawing/2014/main" id="{EAF828E4-CD31-4E08-9042-18A54834AA62}"/>
               </a:ext>
             </a:extLst>
           </p:cNvPr>
@@ -825,7 +825,7 @@
           <p:cNvPr id="3" name="Content Placeholder 2">
             <a:extLst>
               <a:ext uri="{FF2B5EF4-FFF2-40B4-BE49-F238E27FC236}">
-                <a16:creationId xmlns:a16="http://schemas.microsoft.com/office/drawing/2014/main" xmlns="" id="{8BA8D670-48EE-4E79-9632-ED6C0C65FA34}"/>
+                <a16:creationId xmlns="" xmlns:a16="http://schemas.microsoft.com/office/drawing/2014/main" id="{8BA8D670-48EE-4E79-9632-ED6C0C65FA34}"/>
               </a:ext>
             </a:extLst>
           </p:cNvPr>
@@ -882,7 +882,7 @@
           <p:cNvPr id="4" name="Date Placeholder 3">
             <a:extLst>
               <a:ext uri="{FF2B5EF4-FFF2-40B4-BE49-F238E27FC236}">
-                <a16:creationId xmlns:a16="http://schemas.microsoft.com/office/drawing/2014/main" xmlns="" id="{D426F468-0AD5-4234-B33C-A5A21E0E6E8F}"/>
+                <a16:creationId xmlns="" xmlns:a16="http://schemas.microsoft.com/office/drawing/2014/main" id="{D426F468-0AD5-4234-B33C-A5A21E0E6E8F}"/>
               </a:ext>
             </a:extLst>
           </p:cNvPr>
@@ -900,7 +900,7 @@
           <a:p>
             <a:fld id="{072FDDB4-F553-424D-81C5-266A1B530A90}" type="datetimeFigureOut">
               <a:rPr lang="en-US" smtClean="0"/>
-              <a:t>7/14/2020</a:t>
+              <a:t>7/19/2020</a:t>
             </a:fld>
             <a:endParaRPr lang="en-US"/>
           </a:p>
@@ -911,7 +911,7 @@
           <p:cNvPr id="5" name="Footer Placeholder 4">
             <a:extLst>
               <a:ext uri="{FF2B5EF4-FFF2-40B4-BE49-F238E27FC236}">
-                <a16:creationId xmlns:a16="http://schemas.microsoft.com/office/drawing/2014/main" xmlns="" id="{F07F4839-FB68-485F-8927-47F468A813F9}"/>
+                <a16:creationId xmlns="" xmlns:a16="http://schemas.microsoft.com/office/drawing/2014/main" id="{F07F4839-FB68-485F-8927-47F468A813F9}"/>
               </a:ext>
             </a:extLst>
           </p:cNvPr>
@@ -936,7 +936,7 @@
           <p:cNvPr id="6" name="Slide Number Placeholder 5">
             <a:extLst>
               <a:ext uri="{FF2B5EF4-FFF2-40B4-BE49-F238E27FC236}">
-                <a16:creationId xmlns:a16="http://schemas.microsoft.com/office/drawing/2014/main" xmlns="" id="{465E2014-BE1B-4729-A66C-3BD8CAB2813E}"/>
+                <a16:creationId xmlns="" xmlns:a16="http://schemas.microsoft.com/office/drawing/2014/main" id="{465E2014-BE1B-4729-A66C-3BD8CAB2813E}"/>
               </a:ext>
             </a:extLst>
           </p:cNvPr>
@@ -995,7 +995,7 @@
           <p:cNvPr id="2" name="Title 1">
             <a:extLst>
               <a:ext uri="{FF2B5EF4-FFF2-40B4-BE49-F238E27FC236}">
-                <a16:creationId xmlns:a16="http://schemas.microsoft.com/office/drawing/2014/main" xmlns="" id="{A782AB2D-E870-419D-97BC-61742125C13F}"/>
+                <a16:creationId xmlns="" xmlns:a16="http://schemas.microsoft.com/office/drawing/2014/main" id="{A782AB2D-E870-419D-97BC-61742125C13F}"/>
               </a:ext>
             </a:extLst>
           </p:cNvPr>
@@ -1032,7 +1032,7 @@
           <p:cNvPr id="3" name="Text Placeholder 2">
             <a:extLst>
               <a:ext uri="{FF2B5EF4-FFF2-40B4-BE49-F238E27FC236}">
-                <a16:creationId xmlns:a16="http://schemas.microsoft.com/office/drawing/2014/main" xmlns="" id="{A5A07E9E-5920-4D15-94AB-989A48360C3E}"/>
+                <a16:creationId xmlns="" xmlns:a16="http://schemas.microsoft.com/office/drawing/2014/main" id="{A5A07E9E-5920-4D15-94AB-989A48360C3E}"/>
               </a:ext>
             </a:extLst>
           </p:cNvPr>
@@ -1157,7 +1157,7 @@
           <p:cNvPr id="4" name="Date Placeholder 3">
             <a:extLst>
               <a:ext uri="{FF2B5EF4-FFF2-40B4-BE49-F238E27FC236}">
-                <a16:creationId xmlns:a16="http://schemas.microsoft.com/office/drawing/2014/main" xmlns="" id="{79CB3C6E-1A37-41A5-A05B-7046DE330FDB}"/>
+                <a16:creationId xmlns="" xmlns:a16="http://schemas.microsoft.com/office/drawing/2014/main" id="{79CB3C6E-1A37-41A5-A05B-7046DE330FDB}"/>
               </a:ext>
             </a:extLst>
           </p:cNvPr>
@@ -1175,7 +1175,7 @@
           <a:p>
             <a:fld id="{072FDDB4-F553-424D-81C5-266A1B530A90}" type="datetimeFigureOut">
               <a:rPr lang="en-US" smtClean="0"/>
-              <a:t>7/14/2020</a:t>
+              <a:t>7/19/2020</a:t>
             </a:fld>
             <a:endParaRPr lang="en-US"/>
           </a:p>
@@ -1186,7 +1186,7 @@
           <p:cNvPr id="5" name="Footer Placeholder 4">
             <a:extLst>
               <a:ext uri="{FF2B5EF4-FFF2-40B4-BE49-F238E27FC236}">
-                <a16:creationId xmlns:a16="http://schemas.microsoft.com/office/drawing/2014/main" xmlns="" id="{45ADBC4C-8B94-4DFB-9121-41A7345506AC}"/>
+                <a16:creationId xmlns="" xmlns:a16="http://schemas.microsoft.com/office/drawing/2014/main" id="{45ADBC4C-8B94-4DFB-9121-41A7345506AC}"/>
               </a:ext>
             </a:extLst>
           </p:cNvPr>
@@ -1211,7 +1211,7 @@
           <p:cNvPr id="6" name="Slide Number Placeholder 5">
             <a:extLst>
               <a:ext uri="{FF2B5EF4-FFF2-40B4-BE49-F238E27FC236}">
-                <a16:creationId xmlns:a16="http://schemas.microsoft.com/office/drawing/2014/main" xmlns="" id="{9C92F611-984C-4700-8F37-9E1549C6F5A0}"/>
+                <a16:creationId xmlns="" xmlns:a16="http://schemas.microsoft.com/office/drawing/2014/main" id="{9C92F611-984C-4700-8F37-9E1549C6F5A0}"/>
               </a:ext>
             </a:extLst>
           </p:cNvPr>
@@ -1270,7 +1270,7 @@
           <p:cNvPr id="2" name="Title 1">
             <a:extLst>
               <a:ext uri="{FF2B5EF4-FFF2-40B4-BE49-F238E27FC236}">
-                <a16:creationId xmlns:a16="http://schemas.microsoft.com/office/drawing/2014/main" xmlns="" id="{D4ADE4F3-2E91-4B7B-A523-4F20D9DB4FD2}"/>
+                <a16:creationId xmlns="" xmlns:a16="http://schemas.microsoft.com/office/drawing/2014/main" id="{D4ADE4F3-2E91-4B7B-A523-4F20D9DB4FD2}"/>
               </a:ext>
             </a:extLst>
           </p:cNvPr>
@@ -1298,7 +1298,7 @@
           <p:cNvPr id="3" name="Content Placeholder 2">
             <a:extLst>
               <a:ext uri="{FF2B5EF4-FFF2-40B4-BE49-F238E27FC236}">
-                <a16:creationId xmlns:a16="http://schemas.microsoft.com/office/drawing/2014/main" xmlns="" id="{30BFEFF9-26D6-4A12-9EA0-C90492A03A30}"/>
+                <a16:creationId xmlns="" xmlns:a16="http://schemas.microsoft.com/office/drawing/2014/main" id="{30BFEFF9-26D6-4A12-9EA0-C90492A03A30}"/>
               </a:ext>
             </a:extLst>
           </p:cNvPr>
@@ -1360,7 +1360,7 @@
           <p:cNvPr id="4" name="Content Placeholder 3">
             <a:extLst>
               <a:ext uri="{FF2B5EF4-FFF2-40B4-BE49-F238E27FC236}">
-                <a16:creationId xmlns:a16="http://schemas.microsoft.com/office/drawing/2014/main" xmlns="" id="{34E3AE41-6594-47EC-896F-6F854579A58D}"/>
+                <a16:creationId xmlns="" xmlns:a16="http://schemas.microsoft.com/office/drawing/2014/main" id="{34E3AE41-6594-47EC-896F-6F854579A58D}"/>
               </a:ext>
             </a:extLst>
           </p:cNvPr>
@@ -1422,7 +1422,7 @@
           <p:cNvPr id="5" name="Date Placeholder 4">
             <a:extLst>
               <a:ext uri="{FF2B5EF4-FFF2-40B4-BE49-F238E27FC236}">
-                <a16:creationId xmlns:a16="http://schemas.microsoft.com/office/drawing/2014/main" xmlns="" id="{9309353D-8B36-4661-8F38-7F672E0C6A54}"/>
+                <a16:creationId xmlns="" xmlns:a16="http://schemas.microsoft.com/office/drawing/2014/main" id="{9309353D-8B36-4661-8F38-7F672E0C6A54}"/>
               </a:ext>
             </a:extLst>
           </p:cNvPr>
@@ -1440,7 +1440,7 @@
           <a:p>
             <a:fld id="{072FDDB4-F553-424D-81C5-266A1B530A90}" type="datetimeFigureOut">
               <a:rPr lang="en-US" smtClean="0"/>
-              <a:t>7/14/2020</a:t>
+              <a:t>7/19/2020</a:t>
             </a:fld>
             <a:endParaRPr lang="en-US"/>
           </a:p>
@@ -1451,7 +1451,7 @@
           <p:cNvPr id="6" name="Footer Placeholder 5">
             <a:extLst>
               <a:ext uri="{FF2B5EF4-FFF2-40B4-BE49-F238E27FC236}">
-                <a16:creationId xmlns:a16="http://schemas.microsoft.com/office/drawing/2014/main" xmlns="" id="{57BE5FC0-FCB4-4A00-9B13-EF95E7822A7F}"/>
+                <a16:creationId xmlns="" xmlns:a16="http://schemas.microsoft.com/office/drawing/2014/main" id="{57BE5FC0-FCB4-4A00-9B13-EF95E7822A7F}"/>
               </a:ext>
             </a:extLst>
           </p:cNvPr>
@@ -1476,7 +1476,7 @@
           <p:cNvPr id="7" name="Slide Number Placeholder 6">
             <a:extLst>
               <a:ext uri="{FF2B5EF4-FFF2-40B4-BE49-F238E27FC236}">
-                <a16:creationId xmlns:a16="http://schemas.microsoft.com/office/drawing/2014/main" xmlns="" id="{81734B99-3D29-484C-B00E-6681F8E41520}"/>
+                <a16:creationId xmlns="" xmlns:a16="http://schemas.microsoft.com/office/drawing/2014/main" id="{81734B99-3D29-484C-B00E-6681F8E41520}"/>
               </a:ext>
             </a:extLst>
           </p:cNvPr>
@@ -1535,7 +1535,7 @@
           <p:cNvPr id="2" name="Title 1">
             <a:extLst>
               <a:ext uri="{FF2B5EF4-FFF2-40B4-BE49-F238E27FC236}">
-                <a16:creationId xmlns:a16="http://schemas.microsoft.com/office/drawing/2014/main" xmlns="" id="{16B0D425-A8D8-40C3-AADC-ED0A1F06480E}"/>
+                <a16:creationId xmlns="" xmlns:a16="http://schemas.microsoft.com/office/drawing/2014/main" id="{16B0D425-A8D8-40C3-AADC-ED0A1F06480E}"/>
               </a:ext>
             </a:extLst>
           </p:cNvPr>
@@ -1568,7 +1568,7 @@
           <p:cNvPr id="3" name="Text Placeholder 2">
             <a:extLst>
               <a:ext uri="{FF2B5EF4-FFF2-40B4-BE49-F238E27FC236}">
-                <a16:creationId xmlns:a16="http://schemas.microsoft.com/office/drawing/2014/main" xmlns="" id="{0ACE5B86-8B8A-4F2D-BF50-F9A1BFA1AD5B}"/>
+                <a16:creationId xmlns="" xmlns:a16="http://schemas.microsoft.com/office/drawing/2014/main" id="{0ACE5B86-8B8A-4F2D-BF50-F9A1BFA1AD5B}"/>
               </a:ext>
             </a:extLst>
           </p:cNvPr>
@@ -1639,7 +1639,7 @@
           <p:cNvPr id="4" name="Content Placeholder 3">
             <a:extLst>
               <a:ext uri="{FF2B5EF4-FFF2-40B4-BE49-F238E27FC236}">
-                <a16:creationId xmlns:a16="http://schemas.microsoft.com/office/drawing/2014/main" xmlns="" id="{502A5037-5960-4074-98D6-73D02BAD55CC}"/>
+                <a16:creationId xmlns="" xmlns:a16="http://schemas.microsoft.com/office/drawing/2014/main" id="{502A5037-5960-4074-98D6-73D02BAD55CC}"/>
               </a:ext>
             </a:extLst>
           </p:cNvPr>
@@ -1701,7 +1701,7 @@
           <p:cNvPr id="5" name="Text Placeholder 4">
             <a:extLst>
               <a:ext uri="{FF2B5EF4-FFF2-40B4-BE49-F238E27FC236}">
-                <a16:creationId xmlns:a16="http://schemas.microsoft.com/office/drawing/2014/main" xmlns="" id="{FD79AB3D-A0C4-43C8-9AE5-466CD15A04B3}"/>
+                <a16:creationId xmlns="" xmlns:a16="http://schemas.microsoft.com/office/drawing/2014/main" id="{FD79AB3D-A0C4-43C8-9AE5-466CD15A04B3}"/>
               </a:ext>
             </a:extLst>
           </p:cNvPr>
@@ -1772,7 +1772,7 @@
           <p:cNvPr id="6" name="Content Placeholder 5">
             <a:extLst>
               <a:ext uri="{FF2B5EF4-FFF2-40B4-BE49-F238E27FC236}">
-                <a16:creationId xmlns:a16="http://schemas.microsoft.com/office/drawing/2014/main" xmlns="" id="{6D78A97C-7EBD-4F84-BA6E-25D45A7C1436}"/>
+                <a16:creationId xmlns="" xmlns:a16="http://schemas.microsoft.com/office/drawing/2014/main" id="{6D78A97C-7EBD-4F84-BA6E-25D45A7C1436}"/>
               </a:ext>
             </a:extLst>
           </p:cNvPr>
@@ -1834,7 +1834,7 @@
           <p:cNvPr id="7" name="Date Placeholder 6">
             <a:extLst>
               <a:ext uri="{FF2B5EF4-FFF2-40B4-BE49-F238E27FC236}">
-                <a16:creationId xmlns:a16="http://schemas.microsoft.com/office/drawing/2014/main" xmlns="" id="{C577F049-3FBA-4D4F-94A1-4C75C32748C1}"/>
+                <a16:creationId xmlns="" xmlns:a16="http://schemas.microsoft.com/office/drawing/2014/main" id="{C577F049-3FBA-4D4F-94A1-4C75C32748C1}"/>
               </a:ext>
             </a:extLst>
           </p:cNvPr>
@@ -1852,7 +1852,7 @@
           <a:p>
             <a:fld id="{072FDDB4-F553-424D-81C5-266A1B530A90}" type="datetimeFigureOut">
               <a:rPr lang="en-US" smtClean="0"/>
-              <a:t>7/14/2020</a:t>
+              <a:t>7/19/2020</a:t>
             </a:fld>
             <a:endParaRPr lang="en-US"/>
           </a:p>
@@ -1863,7 +1863,7 @@
           <p:cNvPr id="8" name="Footer Placeholder 7">
             <a:extLst>
               <a:ext uri="{FF2B5EF4-FFF2-40B4-BE49-F238E27FC236}">
-                <a16:creationId xmlns:a16="http://schemas.microsoft.com/office/drawing/2014/main" xmlns="" id="{6770C7D9-907C-4916-8158-03680A1F480D}"/>
+                <a16:creationId xmlns="" xmlns:a16="http://schemas.microsoft.com/office/drawing/2014/main" id="{6770C7D9-907C-4916-8158-03680A1F480D}"/>
               </a:ext>
             </a:extLst>
           </p:cNvPr>
@@ -1888,7 +1888,7 @@
           <p:cNvPr id="9" name="Slide Number Placeholder 8">
             <a:extLst>
               <a:ext uri="{FF2B5EF4-FFF2-40B4-BE49-F238E27FC236}">
-                <a16:creationId xmlns:a16="http://schemas.microsoft.com/office/drawing/2014/main" xmlns="" id="{61C3B229-17EA-4B52-8721-91DCF9AA55FC}"/>
+                <a16:creationId xmlns="" xmlns:a16="http://schemas.microsoft.com/office/drawing/2014/main" id="{61C3B229-17EA-4B52-8721-91DCF9AA55FC}"/>
               </a:ext>
             </a:extLst>
           </p:cNvPr>
@@ -1947,7 +1947,7 @@
           <p:cNvPr id="2" name="Title 1">
             <a:extLst>
               <a:ext uri="{FF2B5EF4-FFF2-40B4-BE49-F238E27FC236}">
-                <a16:creationId xmlns:a16="http://schemas.microsoft.com/office/drawing/2014/main" xmlns="" id="{7DB11FC9-9919-4FE2-A084-F8E8852C460A}"/>
+                <a16:creationId xmlns="" xmlns:a16="http://schemas.microsoft.com/office/drawing/2014/main" id="{7DB11FC9-9919-4FE2-A084-F8E8852C460A}"/>
               </a:ext>
             </a:extLst>
           </p:cNvPr>
@@ -1975,7 +1975,7 @@
           <p:cNvPr id="3" name="Date Placeholder 2">
             <a:extLst>
               <a:ext uri="{FF2B5EF4-FFF2-40B4-BE49-F238E27FC236}">
-                <a16:creationId xmlns:a16="http://schemas.microsoft.com/office/drawing/2014/main" xmlns="" id="{B5F52948-BD2D-4B96-9757-E89999924032}"/>
+                <a16:creationId xmlns="" xmlns:a16="http://schemas.microsoft.com/office/drawing/2014/main" id="{B5F52948-BD2D-4B96-9757-E89999924032}"/>
               </a:ext>
             </a:extLst>
           </p:cNvPr>
@@ -1993,7 +1993,7 @@
           <a:p>
             <a:fld id="{072FDDB4-F553-424D-81C5-266A1B530A90}" type="datetimeFigureOut">
               <a:rPr lang="en-US" smtClean="0"/>
-              <a:t>7/14/2020</a:t>
+              <a:t>7/19/2020</a:t>
             </a:fld>
             <a:endParaRPr lang="en-US"/>
           </a:p>
@@ -2004,7 +2004,7 @@
           <p:cNvPr id="4" name="Footer Placeholder 3">
             <a:extLst>
               <a:ext uri="{FF2B5EF4-FFF2-40B4-BE49-F238E27FC236}">
-                <a16:creationId xmlns:a16="http://schemas.microsoft.com/office/drawing/2014/main" xmlns="" id="{C4EA6FBD-C6D4-429A-AF22-58EAED3EB1CC}"/>
+                <a16:creationId xmlns="" xmlns:a16="http://schemas.microsoft.com/office/drawing/2014/main" id="{C4EA6FBD-C6D4-429A-AF22-58EAED3EB1CC}"/>
               </a:ext>
             </a:extLst>
           </p:cNvPr>
@@ -2029,7 +2029,7 @@
           <p:cNvPr id="5" name="Slide Number Placeholder 4">
             <a:extLst>
               <a:ext uri="{FF2B5EF4-FFF2-40B4-BE49-F238E27FC236}">
-                <a16:creationId xmlns:a16="http://schemas.microsoft.com/office/drawing/2014/main" xmlns="" id="{22FCAB54-AAEC-412D-AD85-B853F8E4E9F4}"/>
+                <a16:creationId xmlns="" xmlns:a16="http://schemas.microsoft.com/office/drawing/2014/main" id="{22FCAB54-AAEC-412D-AD85-B853F8E4E9F4}"/>
               </a:ext>
             </a:extLst>
           </p:cNvPr>
@@ -2088,7 +2088,7 @@
           <p:cNvPr id="2" name="Date Placeholder 1">
             <a:extLst>
               <a:ext uri="{FF2B5EF4-FFF2-40B4-BE49-F238E27FC236}">
-                <a16:creationId xmlns:a16="http://schemas.microsoft.com/office/drawing/2014/main" xmlns="" id="{65EBC5A4-17CB-434C-9609-2219D1800D25}"/>
+                <a16:creationId xmlns="" xmlns:a16="http://schemas.microsoft.com/office/drawing/2014/main" id="{65EBC5A4-17CB-434C-9609-2219D1800D25}"/>
               </a:ext>
             </a:extLst>
           </p:cNvPr>
@@ -2106,7 +2106,7 @@
           <a:p>
             <a:fld id="{072FDDB4-F553-424D-81C5-266A1B530A90}" type="datetimeFigureOut">
               <a:rPr lang="en-US" smtClean="0"/>
-              <a:t>7/14/2020</a:t>
+              <a:t>7/19/2020</a:t>
             </a:fld>
             <a:endParaRPr lang="en-US"/>
           </a:p>
@@ -2117,7 +2117,7 @@
           <p:cNvPr id="3" name="Footer Placeholder 2">
             <a:extLst>
               <a:ext uri="{FF2B5EF4-FFF2-40B4-BE49-F238E27FC236}">
-                <a16:creationId xmlns:a16="http://schemas.microsoft.com/office/drawing/2014/main" xmlns="" id="{946A0E82-BFF7-48D4-B4BE-19F68E22B863}"/>
+                <a16:creationId xmlns="" xmlns:a16="http://schemas.microsoft.com/office/drawing/2014/main" id="{946A0E82-BFF7-48D4-B4BE-19F68E22B863}"/>
               </a:ext>
             </a:extLst>
           </p:cNvPr>
@@ -2142,7 +2142,7 @@
           <p:cNvPr id="4" name="Slide Number Placeholder 3">
             <a:extLst>
               <a:ext uri="{FF2B5EF4-FFF2-40B4-BE49-F238E27FC236}">
-                <a16:creationId xmlns:a16="http://schemas.microsoft.com/office/drawing/2014/main" xmlns="" id="{16E4AC46-62DE-4650-854E-0178023A6DFA}"/>
+                <a16:creationId xmlns="" xmlns:a16="http://schemas.microsoft.com/office/drawing/2014/main" id="{16E4AC46-62DE-4650-854E-0178023A6DFA}"/>
               </a:ext>
             </a:extLst>
           </p:cNvPr>
@@ -2201,7 +2201,7 @@
           <p:cNvPr id="2" name="Title 1">
             <a:extLst>
               <a:ext uri="{FF2B5EF4-FFF2-40B4-BE49-F238E27FC236}">
-                <a16:creationId xmlns:a16="http://schemas.microsoft.com/office/drawing/2014/main" xmlns="" id="{2611F1E2-AA8C-4F5A-AD3C-DE865B15D3C8}"/>
+                <a16:creationId xmlns="" xmlns:a16="http://schemas.microsoft.com/office/drawing/2014/main" id="{2611F1E2-AA8C-4F5A-AD3C-DE865B15D3C8}"/>
               </a:ext>
             </a:extLst>
           </p:cNvPr>
@@ -2238,7 +2238,7 @@
           <p:cNvPr id="3" name="Content Placeholder 2">
             <a:extLst>
               <a:ext uri="{FF2B5EF4-FFF2-40B4-BE49-F238E27FC236}">
-                <a16:creationId xmlns:a16="http://schemas.microsoft.com/office/drawing/2014/main" xmlns="" id="{BFAF90EB-2E06-4841-8535-150EBA092FAB}"/>
+                <a16:creationId xmlns="" xmlns:a16="http://schemas.microsoft.com/office/drawing/2014/main" id="{BFAF90EB-2E06-4841-8535-150EBA092FAB}"/>
               </a:ext>
             </a:extLst>
           </p:cNvPr>
@@ -2328,7 +2328,7 @@
           <p:cNvPr id="4" name="Text Placeholder 3">
             <a:extLst>
               <a:ext uri="{FF2B5EF4-FFF2-40B4-BE49-F238E27FC236}">
-                <a16:creationId xmlns:a16="http://schemas.microsoft.com/office/drawing/2014/main" xmlns="" id="{5B85B0F3-AC9A-47AB-AA9C-8696B66FEBC0}"/>
+                <a16:creationId xmlns="" xmlns:a16="http://schemas.microsoft.com/office/drawing/2014/main" id="{5B85B0F3-AC9A-47AB-AA9C-8696B66FEBC0}"/>
               </a:ext>
             </a:extLst>
           </p:cNvPr>
@@ -2399,7 +2399,7 @@
           <p:cNvPr id="5" name="Date Placeholder 4">
             <a:extLst>
               <a:ext uri="{FF2B5EF4-FFF2-40B4-BE49-F238E27FC236}">
-                <a16:creationId xmlns:a16="http://schemas.microsoft.com/office/drawing/2014/main" xmlns="" id="{E6C64471-6160-4EAC-BB24-78B60CD5D555}"/>
+                <a16:creationId xmlns="" xmlns:a16="http://schemas.microsoft.com/office/drawing/2014/main" id="{E6C64471-6160-4EAC-BB24-78B60CD5D555}"/>
               </a:ext>
             </a:extLst>
           </p:cNvPr>
@@ -2417,7 +2417,7 @@
           <a:p>
             <a:fld id="{072FDDB4-F553-424D-81C5-266A1B530A90}" type="datetimeFigureOut">
               <a:rPr lang="en-US" smtClean="0"/>
-              <a:t>7/14/2020</a:t>
+              <a:t>7/19/2020</a:t>
             </a:fld>
             <a:endParaRPr lang="en-US"/>
           </a:p>
@@ -2428,7 +2428,7 @@
           <p:cNvPr id="6" name="Footer Placeholder 5">
             <a:extLst>
               <a:ext uri="{FF2B5EF4-FFF2-40B4-BE49-F238E27FC236}">
-                <a16:creationId xmlns:a16="http://schemas.microsoft.com/office/drawing/2014/main" xmlns="" id="{F0336C18-C959-43BB-81AD-588F23FB7F26}"/>
+                <a16:creationId xmlns="" xmlns:a16="http://schemas.microsoft.com/office/drawing/2014/main" id="{F0336C18-C959-43BB-81AD-588F23FB7F26}"/>
               </a:ext>
             </a:extLst>
           </p:cNvPr>
@@ -2453,7 +2453,7 @@
           <p:cNvPr id="7" name="Slide Number Placeholder 6">
             <a:extLst>
               <a:ext uri="{FF2B5EF4-FFF2-40B4-BE49-F238E27FC236}">
-                <a16:creationId xmlns:a16="http://schemas.microsoft.com/office/drawing/2014/main" xmlns="" id="{25C75149-E3CE-4F34-BCDB-1DC926C20911}"/>
+                <a16:creationId xmlns="" xmlns:a16="http://schemas.microsoft.com/office/drawing/2014/main" id="{25C75149-E3CE-4F34-BCDB-1DC926C20911}"/>
               </a:ext>
             </a:extLst>
           </p:cNvPr>
@@ -2512,7 +2512,7 @@
           <p:cNvPr id="2" name="Title 1">
             <a:extLst>
               <a:ext uri="{FF2B5EF4-FFF2-40B4-BE49-F238E27FC236}">
-                <a16:creationId xmlns:a16="http://schemas.microsoft.com/office/drawing/2014/main" xmlns="" id="{5E985B36-160C-4B77-B9F6-6E6ADC4B4B7A}"/>
+                <a16:creationId xmlns="" xmlns:a16="http://schemas.microsoft.com/office/drawing/2014/main" id="{5E985B36-160C-4B77-B9F6-6E6ADC4B4B7A}"/>
               </a:ext>
             </a:extLst>
           </p:cNvPr>
@@ -2549,7 +2549,7 @@
           <p:cNvPr id="3" name="Picture Placeholder 2">
             <a:extLst>
               <a:ext uri="{FF2B5EF4-FFF2-40B4-BE49-F238E27FC236}">
-                <a16:creationId xmlns:a16="http://schemas.microsoft.com/office/drawing/2014/main" xmlns="" id="{FCD1F2B6-8B27-46DA-815F-AEC2588D86B7}"/>
+                <a16:creationId xmlns="" xmlns:a16="http://schemas.microsoft.com/office/drawing/2014/main" id="{FCD1F2B6-8B27-46DA-815F-AEC2588D86B7}"/>
               </a:ext>
             </a:extLst>
           </p:cNvPr>
@@ -2616,7 +2616,7 @@
           <p:cNvPr id="4" name="Text Placeholder 3">
             <a:extLst>
               <a:ext uri="{FF2B5EF4-FFF2-40B4-BE49-F238E27FC236}">
-                <a16:creationId xmlns:a16="http://schemas.microsoft.com/office/drawing/2014/main" xmlns="" id="{794048D5-AF6C-4AE7-903A-9F0BBEE06D1B}"/>
+                <a16:creationId xmlns="" xmlns:a16="http://schemas.microsoft.com/office/drawing/2014/main" id="{794048D5-AF6C-4AE7-903A-9F0BBEE06D1B}"/>
               </a:ext>
             </a:extLst>
           </p:cNvPr>
@@ -2687,7 +2687,7 @@
           <p:cNvPr id="5" name="Date Placeholder 4">
             <a:extLst>
               <a:ext uri="{FF2B5EF4-FFF2-40B4-BE49-F238E27FC236}">
-                <a16:creationId xmlns:a16="http://schemas.microsoft.com/office/drawing/2014/main" xmlns="" id="{606F619A-F3F8-479D-B382-1B06C8739060}"/>
+                <a16:creationId xmlns="" xmlns:a16="http://schemas.microsoft.com/office/drawing/2014/main" id="{606F619A-F3F8-479D-B382-1B06C8739060}"/>
               </a:ext>
             </a:extLst>
           </p:cNvPr>
@@ -2705,7 +2705,7 @@
           <a:p>
             <a:fld id="{072FDDB4-F553-424D-81C5-266A1B530A90}" type="datetimeFigureOut">
               <a:rPr lang="en-US" smtClean="0"/>
-              <a:t>7/14/2020</a:t>
+              <a:t>7/19/2020</a:t>
             </a:fld>
             <a:endParaRPr lang="en-US"/>
           </a:p>
@@ -2716,7 +2716,7 @@
           <p:cNvPr id="6" name="Footer Placeholder 5">
             <a:extLst>
               <a:ext uri="{FF2B5EF4-FFF2-40B4-BE49-F238E27FC236}">
-                <a16:creationId xmlns:a16="http://schemas.microsoft.com/office/drawing/2014/main" xmlns="" id="{83955CF4-8167-4C02-A662-5E3ED1E793B9}"/>
+                <a16:creationId xmlns="" xmlns:a16="http://schemas.microsoft.com/office/drawing/2014/main" id="{83955CF4-8167-4C02-A662-5E3ED1E793B9}"/>
               </a:ext>
             </a:extLst>
           </p:cNvPr>
@@ -2741,7 +2741,7 @@
           <p:cNvPr id="7" name="Slide Number Placeholder 6">
             <a:extLst>
               <a:ext uri="{FF2B5EF4-FFF2-40B4-BE49-F238E27FC236}">
-                <a16:creationId xmlns:a16="http://schemas.microsoft.com/office/drawing/2014/main" xmlns="" id="{2FB652C0-1103-4529-AAEB-70E8920E41E4}"/>
+                <a16:creationId xmlns="" xmlns:a16="http://schemas.microsoft.com/office/drawing/2014/main" id="{2FB652C0-1103-4529-AAEB-70E8920E41E4}"/>
               </a:ext>
             </a:extLst>
           </p:cNvPr>
@@ -2805,7 +2805,7 @@
           <p:cNvPr id="2" name="Title Placeholder 1">
             <a:extLst>
               <a:ext uri="{FF2B5EF4-FFF2-40B4-BE49-F238E27FC236}">
-                <a16:creationId xmlns:a16="http://schemas.microsoft.com/office/drawing/2014/main" xmlns="" id="{F0F10A20-DCB1-4469-82F2-DA58857D0B7C}"/>
+                <a16:creationId xmlns="" xmlns:a16="http://schemas.microsoft.com/office/drawing/2014/main" id="{F0F10A20-DCB1-4469-82F2-DA58857D0B7C}"/>
               </a:ext>
             </a:extLst>
           </p:cNvPr>
@@ -2843,7 +2843,7 @@
           <p:cNvPr id="3" name="Text Placeholder 2">
             <a:extLst>
               <a:ext uri="{FF2B5EF4-FFF2-40B4-BE49-F238E27FC236}">
-                <a16:creationId xmlns:a16="http://schemas.microsoft.com/office/drawing/2014/main" xmlns="" id="{0DC14E44-AA3E-46A4-AF98-6D730D586F9D}"/>
+                <a16:creationId xmlns="" xmlns:a16="http://schemas.microsoft.com/office/drawing/2014/main" id="{0DC14E44-AA3E-46A4-AF98-6D730D586F9D}"/>
               </a:ext>
             </a:extLst>
           </p:cNvPr>
@@ -2910,7 +2910,7 @@
           <p:cNvPr id="4" name="Date Placeholder 3">
             <a:extLst>
               <a:ext uri="{FF2B5EF4-FFF2-40B4-BE49-F238E27FC236}">
-                <a16:creationId xmlns:a16="http://schemas.microsoft.com/office/drawing/2014/main" xmlns="" id="{FDF36B15-1CB7-4724-91CF-C3AF193C9CB1}"/>
+                <a16:creationId xmlns="" xmlns:a16="http://schemas.microsoft.com/office/drawing/2014/main" id="{FDF36B15-1CB7-4724-91CF-C3AF193C9CB1}"/>
               </a:ext>
             </a:extLst>
           </p:cNvPr>
@@ -2946,7 +2946,7 @@
           <a:p>
             <a:fld id="{072FDDB4-F553-424D-81C5-266A1B530A90}" type="datetimeFigureOut">
               <a:rPr lang="en-US" smtClean="0"/>
-              <a:t>7/14/2020</a:t>
+              <a:t>7/19/2020</a:t>
             </a:fld>
             <a:endParaRPr lang="en-US"/>
           </a:p>
@@ -2957,7 +2957,7 @@
           <p:cNvPr id="5" name="Footer Placeholder 4">
             <a:extLst>
               <a:ext uri="{FF2B5EF4-FFF2-40B4-BE49-F238E27FC236}">
-                <a16:creationId xmlns:a16="http://schemas.microsoft.com/office/drawing/2014/main" xmlns="" id="{B7ACD7DB-2840-4940-B50F-42527C398FAE}"/>
+                <a16:creationId xmlns="" xmlns:a16="http://schemas.microsoft.com/office/drawing/2014/main" id="{B7ACD7DB-2840-4940-B50F-42527C398FAE}"/>
               </a:ext>
             </a:extLst>
           </p:cNvPr>
@@ -3000,7 +3000,7 @@
           <p:cNvPr id="6" name="Slide Number Placeholder 5">
             <a:extLst>
               <a:ext uri="{FF2B5EF4-FFF2-40B4-BE49-F238E27FC236}">
-                <a16:creationId xmlns:a16="http://schemas.microsoft.com/office/drawing/2014/main" xmlns="" id="{8F87367D-22C9-4D20-9B6B-372D4388D2AB}"/>
+                <a16:creationId xmlns="" xmlns:a16="http://schemas.microsoft.com/office/drawing/2014/main" id="{8F87367D-22C9-4D20-9B6B-372D4388D2AB}"/>
               </a:ext>
             </a:extLst>
           </p:cNvPr>
@@ -3368,7 +3368,7 @@
           <p:cNvPr id="2" name="Title 1">
             <a:extLst>
               <a:ext uri="{FF2B5EF4-FFF2-40B4-BE49-F238E27FC236}">
-                <a16:creationId xmlns:a16="http://schemas.microsoft.com/office/drawing/2014/main" xmlns="" id="{282FDA3E-FC10-4645-9A57-FCA21E1CA963}"/>
+                <a16:creationId xmlns="" xmlns:a16="http://schemas.microsoft.com/office/drawing/2014/main" id="{282FDA3E-FC10-4645-9A57-FCA21E1CA963}"/>
               </a:ext>
             </a:extLst>
           </p:cNvPr>
@@ -3435,7 +3435,7 @@
           <p:cNvPr id="2" name="Title 1">
             <a:extLst>
               <a:ext uri="{FF2B5EF4-FFF2-40B4-BE49-F238E27FC236}">
-                <a16:creationId xmlns:a16="http://schemas.microsoft.com/office/drawing/2014/main" xmlns="" id="{64FC46BD-FCD3-4070-A2FE-CF068D21089D}"/>
+                <a16:creationId xmlns="" xmlns:a16="http://schemas.microsoft.com/office/drawing/2014/main" id="{64FC46BD-FCD3-4070-A2FE-CF068D21089D}"/>
               </a:ext>
             </a:extLst>
           </p:cNvPr>
@@ -3476,7 +3476,7 @@
               <p:cNvPr id="3" name="Content Placeholder 2">
                 <a:extLst>
                   <a:ext uri="{FF2B5EF4-FFF2-40B4-BE49-F238E27FC236}">
-                    <a16:creationId xmlns:a16="http://schemas.microsoft.com/office/drawing/2014/main" xmlns="" id="{8FD3E7E3-6406-4C87-9E06-5BA40AA66E22}"/>
+                    <a16:creationId xmlns="" xmlns:a16="http://schemas.microsoft.com/office/drawing/2014/main" id="{8FD3E7E3-6406-4C87-9E06-5BA40AA66E22}"/>
                   </a:ext>
                 </a:extLst>
               </p:cNvPr>
@@ -3776,7 +3776,7 @@
           <p:cNvPr id="2" name="Title 1">
             <a:extLst>
               <a:ext uri="{FF2B5EF4-FFF2-40B4-BE49-F238E27FC236}">
-                <a16:creationId xmlns:a16="http://schemas.microsoft.com/office/drawing/2014/main" xmlns="" id="{64FC46BD-FCD3-4070-A2FE-CF068D21089D}"/>
+                <a16:creationId xmlns="" xmlns:a16="http://schemas.microsoft.com/office/drawing/2014/main" id="{64FC46BD-FCD3-4070-A2FE-CF068D21089D}"/>
               </a:ext>
             </a:extLst>
           </p:cNvPr>
@@ -3817,7 +3817,7 @@
               <p:cNvPr id="3" name="Content Placeholder 2">
                 <a:extLst>
                   <a:ext uri="{FF2B5EF4-FFF2-40B4-BE49-F238E27FC236}">
-                    <a16:creationId xmlns:a16="http://schemas.microsoft.com/office/drawing/2014/main" xmlns="" id="{8FD3E7E3-6406-4C87-9E06-5BA40AA66E22}"/>
+                    <a16:creationId xmlns="" xmlns:a16="http://schemas.microsoft.com/office/drawing/2014/main" id="{8FD3E7E3-6406-4C87-9E06-5BA40AA66E22}"/>
                   </a:ext>
                 </a:extLst>
               </p:cNvPr>
@@ -4120,7 +4120,7 @@
           <p:cNvPr id="2" name="Title 1">
             <a:extLst>
               <a:ext uri="{FF2B5EF4-FFF2-40B4-BE49-F238E27FC236}">
-                <a16:creationId xmlns:a16="http://schemas.microsoft.com/office/drawing/2014/main" xmlns="" id="{64FC46BD-FCD3-4070-A2FE-CF068D21089D}"/>
+                <a16:creationId xmlns="" xmlns:a16="http://schemas.microsoft.com/office/drawing/2014/main" id="{64FC46BD-FCD3-4070-A2FE-CF068D21089D}"/>
               </a:ext>
             </a:extLst>
           </p:cNvPr>
@@ -4161,7 +4161,7 @@
               <p:cNvPr id="3" name="Content Placeholder 2">
                 <a:extLst>
                   <a:ext uri="{FF2B5EF4-FFF2-40B4-BE49-F238E27FC236}">
-                    <a16:creationId xmlns:a16="http://schemas.microsoft.com/office/drawing/2014/main" xmlns="" id="{8FD3E7E3-6406-4C87-9E06-5BA40AA66E22}"/>
+                    <a16:creationId xmlns="" xmlns:a16="http://schemas.microsoft.com/office/drawing/2014/main" id="{8FD3E7E3-6406-4C87-9E06-5BA40AA66E22}"/>
                   </a:ext>
                 </a:extLst>
               </p:cNvPr>
@@ -4464,7 +4464,7 @@
           <p:cNvPr id="2" name="Title 1">
             <a:extLst>
               <a:ext uri="{FF2B5EF4-FFF2-40B4-BE49-F238E27FC236}">
-                <a16:creationId xmlns:a16="http://schemas.microsoft.com/office/drawing/2014/main" xmlns="" id="{64FC46BD-FCD3-4070-A2FE-CF068D21089D}"/>
+                <a16:creationId xmlns="" xmlns:a16="http://schemas.microsoft.com/office/drawing/2014/main" id="{64FC46BD-FCD3-4070-A2FE-CF068D21089D}"/>
               </a:ext>
             </a:extLst>
           </p:cNvPr>
@@ -4505,7 +4505,7 @@
               <p:cNvPr id="3" name="Content Placeholder 2">
                 <a:extLst>
                   <a:ext uri="{FF2B5EF4-FFF2-40B4-BE49-F238E27FC236}">
-                    <a16:creationId xmlns:a16="http://schemas.microsoft.com/office/drawing/2014/main" xmlns="" id="{8FD3E7E3-6406-4C87-9E06-5BA40AA66E22}"/>
+                    <a16:creationId xmlns="" xmlns:a16="http://schemas.microsoft.com/office/drawing/2014/main" id="{8FD3E7E3-6406-4C87-9E06-5BA40AA66E22}"/>
                   </a:ext>
                 </a:extLst>
               </p:cNvPr>
@@ -4815,7 +4815,7 @@
               <p:cNvPr id="2" name="Title 1">
                 <a:extLst>
                   <a:ext uri="{FF2B5EF4-FFF2-40B4-BE49-F238E27FC236}">
-                    <a16:creationId xmlns:a16="http://schemas.microsoft.com/office/drawing/2014/main" xmlns="" id="{64FC46BD-FCD3-4070-A2FE-CF068D21089D}"/>
+                    <a16:creationId xmlns="" xmlns:a16="http://schemas.microsoft.com/office/drawing/2014/main" id="{64FC46BD-FCD3-4070-A2FE-CF068D21089D}"/>
                   </a:ext>
                 </a:extLst>
               </p:cNvPr>
@@ -4958,7 +4958,7 @@
           <p:cNvPr id="3" name="Content Placeholder 2">
             <a:extLst>
               <a:ext uri="{FF2B5EF4-FFF2-40B4-BE49-F238E27FC236}">
-                <a16:creationId xmlns:a16="http://schemas.microsoft.com/office/drawing/2014/main" xmlns="" xmlns:a14="http://schemas.microsoft.com/office/drawing/2010/main" xmlns:mc="http://schemas.openxmlformats.org/markup-compatibility/2006" id="{8FD3E7E3-6406-4C87-9E06-5BA40AA66E22}"/>
+                <a16:creationId xmlns:mc="http://schemas.openxmlformats.org/markup-compatibility/2006" xmlns:a14="http://schemas.microsoft.com/office/drawing/2010/main" xmlns="" xmlns:a16="http://schemas.microsoft.com/office/drawing/2014/main" id="{8FD3E7E3-6406-4C87-9E06-5BA40AA66E22}"/>
               </a:ext>
             </a:extLst>
           </p:cNvPr>
@@ -5068,7 +5068,7 @@
               <p:cNvPr id="2" name="Title 1">
                 <a:extLst>
                   <a:ext uri="{FF2B5EF4-FFF2-40B4-BE49-F238E27FC236}">
-                    <a16:creationId xmlns:a16="http://schemas.microsoft.com/office/drawing/2014/main" xmlns="" id="{64FC46BD-FCD3-4070-A2FE-CF068D21089D}"/>
+                    <a16:creationId xmlns="" xmlns:a16="http://schemas.microsoft.com/office/drawing/2014/main" id="{64FC46BD-FCD3-4070-A2FE-CF068D21089D}"/>
                   </a:ext>
                 </a:extLst>
               </p:cNvPr>
@@ -5211,7 +5211,7 @@
           <p:cNvPr id="3" name="Content Placeholder 2">
             <a:extLst>
               <a:ext uri="{FF2B5EF4-FFF2-40B4-BE49-F238E27FC236}">
-                <a16:creationId xmlns:a16="http://schemas.microsoft.com/office/drawing/2014/main" xmlns="" xmlns:a14="http://schemas.microsoft.com/office/drawing/2010/main" xmlns:mc="http://schemas.openxmlformats.org/markup-compatibility/2006" id="{8FD3E7E3-6406-4C87-9E06-5BA40AA66E22}"/>
+                <a16:creationId xmlns:mc="http://schemas.openxmlformats.org/markup-compatibility/2006" xmlns:a14="http://schemas.microsoft.com/office/drawing/2010/main" xmlns="" xmlns:a16="http://schemas.microsoft.com/office/drawing/2014/main" id="{8FD3E7E3-6406-4C87-9E06-5BA40AA66E22}"/>
               </a:ext>
             </a:extLst>
           </p:cNvPr>
@@ -5284,7 +5284,7 @@
               <p:cNvPr id="4" name="Content Placeholder 2">
                 <a:extLst>
                   <a:ext uri="{FF2B5EF4-FFF2-40B4-BE49-F238E27FC236}">
-                    <a16:creationId xmlns:a16="http://schemas.microsoft.com/office/drawing/2014/main" xmlns="" id="{8FD3E7E3-6406-4C87-9E06-5BA40AA66E22}"/>
+                    <a16:creationId xmlns="" xmlns:a16="http://schemas.microsoft.com/office/drawing/2014/main" id="{8FD3E7E3-6406-4C87-9E06-5BA40AA66E22}"/>
                   </a:ext>
                 </a:extLst>
               </p:cNvPr>
@@ -5599,7 +5599,7 @@
               <p:cNvPr id="2" name="Title 1">
                 <a:extLst>
                   <a:ext uri="{FF2B5EF4-FFF2-40B4-BE49-F238E27FC236}">
-                    <a16:creationId xmlns:a16="http://schemas.microsoft.com/office/drawing/2014/main" xmlns="" id="{64FC46BD-FCD3-4070-A2FE-CF068D21089D}"/>
+                    <a16:creationId xmlns="" xmlns:a16="http://schemas.microsoft.com/office/drawing/2014/main" id="{64FC46BD-FCD3-4070-A2FE-CF068D21089D}"/>
                   </a:ext>
                 </a:extLst>
               </p:cNvPr>
@@ -5742,7 +5742,7 @@
           <p:cNvPr id="3" name="Content Placeholder 2">
             <a:extLst>
               <a:ext uri="{FF2B5EF4-FFF2-40B4-BE49-F238E27FC236}">
-                <a16:creationId xmlns:a16="http://schemas.microsoft.com/office/drawing/2014/main" xmlns="" xmlns:a14="http://schemas.microsoft.com/office/drawing/2010/main" xmlns:mc="http://schemas.openxmlformats.org/markup-compatibility/2006" id="{8FD3E7E3-6406-4C87-9E06-5BA40AA66E22}"/>
+                <a16:creationId xmlns:mc="http://schemas.openxmlformats.org/markup-compatibility/2006" xmlns:a14="http://schemas.microsoft.com/office/drawing/2010/main" xmlns="" xmlns:a16="http://schemas.microsoft.com/office/drawing/2014/main" id="{8FD3E7E3-6406-4C87-9E06-5BA40AA66E22}"/>
               </a:ext>
             </a:extLst>
           </p:cNvPr>
@@ -5815,7 +5815,7 @@
               <p:cNvPr id="4" name="Content Placeholder 2">
                 <a:extLst>
                   <a:ext uri="{FF2B5EF4-FFF2-40B4-BE49-F238E27FC236}">
-                    <a16:creationId xmlns:a16="http://schemas.microsoft.com/office/drawing/2014/main" xmlns="" id="{8FD3E7E3-6406-4C87-9E06-5BA40AA66E22}"/>
+                    <a16:creationId xmlns="" xmlns:a16="http://schemas.microsoft.com/office/drawing/2014/main" id="{8FD3E7E3-6406-4C87-9E06-5BA40AA66E22}"/>
                   </a:ext>
                 </a:extLst>
               </p:cNvPr>
@@ -6091,7 +6091,7 @@
           <p:cNvPr id="5" name="Content Placeholder 2">
             <a:extLst>
               <a:ext uri="{FF2B5EF4-FFF2-40B4-BE49-F238E27FC236}">
-                <a16:creationId xmlns:a16="http://schemas.microsoft.com/office/drawing/2014/main" xmlns="" xmlns:a14="http://schemas.microsoft.com/office/drawing/2010/main" xmlns:mc="http://schemas.openxmlformats.org/markup-compatibility/2006" id="{8FD3E7E3-6406-4C87-9E06-5BA40AA66E22}"/>
+                <a16:creationId xmlns:mc="http://schemas.openxmlformats.org/markup-compatibility/2006" xmlns:a14="http://schemas.microsoft.com/office/drawing/2010/main" xmlns="" xmlns:a16="http://schemas.microsoft.com/office/drawing/2014/main" id="{8FD3E7E3-6406-4C87-9E06-5BA40AA66E22}"/>
               </a:ext>
             </a:extLst>
           </p:cNvPr>
@@ -6523,7 +6523,7 @@
               <p:cNvPr id="2" name="Title 1">
                 <a:extLst>
                   <a:ext uri="{FF2B5EF4-FFF2-40B4-BE49-F238E27FC236}">
-                    <a16:creationId xmlns:a16="http://schemas.microsoft.com/office/drawing/2014/main" xmlns="" id="{64FC46BD-FCD3-4070-A2FE-CF068D21089D}"/>
+                    <a16:creationId xmlns="" xmlns:a16="http://schemas.microsoft.com/office/drawing/2014/main" id="{64FC46BD-FCD3-4070-A2FE-CF068D21089D}"/>
                   </a:ext>
                 </a:extLst>
               </p:cNvPr>
@@ -6668,7 +6668,7 @@
               <p:cNvPr id="4" name="Content Placeholder 2">
                 <a:extLst>
                   <a:ext uri="{FF2B5EF4-FFF2-40B4-BE49-F238E27FC236}">
-                    <a16:creationId xmlns:a16="http://schemas.microsoft.com/office/drawing/2014/main" xmlns="" id="{8FD3E7E3-6406-4C87-9E06-5BA40AA66E22}"/>
+                    <a16:creationId xmlns="" xmlns:a16="http://schemas.microsoft.com/office/drawing/2014/main" id="{8FD3E7E3-6406-4C87-9E06-5BA40AA66E22}"/>
                   </a:ext>
                 </a:extLst>
               </p:cNvPr>
@@ -6978,7 +6978,7 @@
               <p:cNvPr id="2" name="Title 1">
                 <a:extLst>
                   <a:ext uri="{FF2B5EF4-FFF2-40B4-BE49-F238E27FC236}">
-                    <a16:creationId xmlns:a16="http://schemas.microsoft.com/office/drawing/2014/main" xmlns="" id="{64FC46BD-FCD3-4070-A2FE-CF068D21089D}"/>
+                    <a16:creationId xmlns="" xmlns:a16="http://schemas.microsoft.com/office/drawing/2014/main" id="{64FC46BD-FCD3-4070-A2FE-CF068D21089D}"/>
                   </a:ext>
                 </a:extLst>
               </p:cNvPr>
@@ -7123,7 +7123,7 @@
               <p:cNvPr id="4" name="Content Placeholder 2">
                 <a:extLst>
                   <a:ext uri="{FF2B5EF4-FFF2-40B4-BE49-F238E27FC236}">
-                    <a16:creationId xmlns:a16="http://schemas.microsoft.com/office/drawing/2014/main" xmlns="" id="{8FD3E7E3-6406-4C87-9E06-5BA40AA66E22}"/>
+                    <a16:creationId xmlns="" xmlns:a16="http://schemas.microsoft.com/office/drawing/2014/main" id="{8FD3E7E3-6406-4C87-9E06-5BA40AA66E22}"/>
                   </a:ext>
                 </a:extLst>
               </p:cNvPr>
@@ -7394,7 +7394,7 @@
           <p:cNvPr id="5" name="Content Placeholder 2">
             <a:extLst>
               <a:ext uri="{FF2B5EF4-FFF2-40B4-BE49-F238E27FC236}">
-                <a16:creationId xmlns:a16="http://schemas.microsoft.com/office/drawing/2014/main" xmlns="" xmlns:a14="http://schemas.microsoft.com/office/drawing/2010/main" xmlns:mc="http://schemas.openxmlformats.org/markup-compatibility/2006" id="{8FD3E7E3-6406-4C87-9E06-5BA40AA66E22}"/>
+                <a16:creationId xmlns:mc="http://schemas.openxmlformats.org/markup-compatibility/2006" xmlns:a14="http://schemas.microsoft.com/office/drawing/2010/main" xmlns="" xmlns:a16="http://schemas.microsoft.com/office/drawing/2014/main" id="{8FD3E7E3-6406-4C87-9E06-5BA40AA66E22}"/>
               </a:ext>
             </a:extLst>
           </p:cNvPr>
@@ -8041,7 +8041,7 @@
               <p:cNvPr id="2" name="Title 1">
                 <a:extLst>
                   <a:ext uri="{FF2B5EF4-FFF2-40B4-BE49-F238E27FC236}">
-                    <a16:creationId xmlns:a16="http://schemas.microsoft.com/office/drawing/2014/main" xmlns="" id="{64FC46BD-FCD3-4070-A2FE-CF068D21089D}"/>
+                    <a16:creationId xmlns="" xmlns:a16="http://schemas.microsoft.com/office/drawing/2014/main" id="{64FC46BD-FCD3-4070-A2FE-CF068D21089D}"/>
                   </a:ext>
                 </a:extLst>
               </p:cNvPr>
@@ -8184,7 +8184,7 @@
           <p:cNvPr id="5" name="Content Placeholder 2">
             <a:extLst>
               <a:ext uri="{FF2B5EF4-FFF2-40B4-BE49-F238E27FC236}">
-                <a16:creationId xmlns:a16="http://schemas.microsoft.com/office/drawing/2014/main" xmlns="" xmlns:a14="http://schemas.microsoft.com/office/drawing/2010/main" xmlns:mc="http://schemas.openxmlformats.org/markup-compatibility/2006" id="{8FD3E7E3-6406-4C87-9E06-5BA40AA66E22}"/>
+                <a16:creationId xmlns:mc="http://schemas.openxmlformats.org/markup-compatibility/2006" xmlns:a14="http://schemas.microsoft.com/office/drawing/2010/main" xmlns="" xmlns:a16="http://schemas.microsoft.com/office/drawing/2014/main" id="{8FD3E7E3-6406-4C87-9E06-5BA40AA66E22}"/>
               </a:ext>
             </a:extLst>
           </p:cNvPr>
@@ -9022,7 +9022,7 @@
           <p:cNvPr id="2" name="Title 1">
             <a:extLst>
               <a:ext uri="{FF2B5EF4-FFF2-40B4-BE49-F238E27FC236}">
-                <a16:creationId xmlns:a16="http://schemas.microsoft.com/office/drawing/2014/main" xmlns="" id="{64FC46BD-FCD3-4070-A2FE-CF068D21089D}"/>
+                <a16:creationId xmlns="" xmlns:a16="http://schemas.microsoft.com/office/drawing/2014/main" id="{64FC46BD-FCD3-4070-A2FE-CF068D21089D}"/>
               </a:ext>
             </a:extLst>
           </p:cNvPr>
@@ -9052,7 +9052,7 @@
           <p:cNvPr id="3" name="Content Placeholder 2">
             <a:extLst>
               <a:ext uri="{FF2B5EF4-FFF2-40B4-BE49-F238E27FC236}">
-                <a16:creationId xmlns:a16="http://schemas.microsoft.com/office/drawing/2014/main" xmlns="" id="{8FD3E7E3-6406-4C87-9E06-5BA40AA66E22}"/>
+                <a16:creationId xmlns="" xmlns:a16="http://schemas.microsoft.com/office/drawing/2014/main" id="{8FD3E7E3-6406-4C87-9E06-5BA40AA66E22}"/>
               </a:ext>
             </a:extLst>
           </p:cNvPr>
@@ -9160,7 +9160,7 @@
               <p:cNvPr id="2" name="Title 1">
                 <a:extLst>
                   <a:ext uri="{FF2B5EF4-FFF2-40B4-BE49-F238E27FC236}">
-                    <a16:creationId xmlns:a16="http://schemas.microsoft.com/office/drawing/2014/main" xmlns="" id="{64FC46BD-FCD3-4070-A2FE-CF068D21089D}"/>
+                    <a16:creationId xmlns="" xmlns:a16="http://schemas.microsoft.com/office/drawing/2014/main" id="{64FC46BD-FCD3-4070-A2FE-CF068D21089D}"/>
                   </a:ext>
                 </a:extLst>
               </p:cNvPr>
@@ -9303,7 +9303,7 @@
           <p:cNvPr id="5" name="Content Placeholder 2">
             <a:extLst>
               <a:ext uri="{FF2B5EF4-FFF2-40B4-BE49-F238E27FC236}">
-                <a16:creationId xmlns:a16="http://schemas.microsoft.com/office/drawing/2014/main" xmlns="" xmlns:a14="http://schemas.microsoft.com/office/drawing/2010/main" xmlns:mc="http://schemas.openxmlformats.org/markup-compatibility/2006" id="{8FD3E7E3-6406-4C87-9E06-5BA40AA66E22}"/>
+                <a16:creationId xmlns:mc="http://schemas.openxmlformats.org/markup-compatibility/2006" xmlns:a14="http://schemas.microsoft.com/office/drawing/2010/main" xmlns="" xmlns:a16="http://schemas.microsoft.com/office/drawing/2014/main" id="{8FD3E7E3-6406-4C87-9E06-5BA40AA66E22}"/>
               </a:ext>
             </a:extLst>
           </p:cNvPr>
@@ -10276,7 +10276,7 @@
               <p:cNvPr id="2" name="Title 1">
                 <a:extLst>
                   <a:ext uri="{FF2B5EF4-FFF2-40B4-BE49-F238E27FC236}">
-                    <a16:creationId xmlns:a16="http://schemas.microsoft.com/office/drawing/2014/main" xmlns="" id="{64FC46BD-FCD3-4070-A2FE-CF068D21089D}"/>
+                    <a16:creationId xmlns="" xmlns:a16="http://schemas.microsoft.com/office/drawing/2014/main" id="{64FC46BD-FCD3-4070-A2FE-CF068D21089D}"/>
                   </a:ext>
                 </a:extLst>
               </p:cNvPr>
@@ -10421,7 +10421,7 @@
               <p:cNvPr id="31" name="Content Placeholder 2">
                 <a:extLst>
                   <a:ext uri="{FF2B5EF4-FFF2-40B4-BE49-F238E27FC236}">
-                    <a16:creationId xmlns:a16="http://schemas.microsoft.com/office/drawing/2014/main" xmlns="" id="{8FD3E7E3-6406-4C87-9E06-5BA40AA66E22}"/>
+                    <a16:creationId xmlns="" xmlns:a16="http://schemas.microsoft.com/office/drawing/2014/main" id="{8FD3E7E3-6406-4C87-9E06-5BA40AA66E22}"/>
                   </a:ext>
                 </a:extLst>
               </p:cNvPr>
@@ -10735,7 +10735,7 @@
               <p:cNvPr id="2" name="Title 1">
                 <a:extLst>
                   <a:ext uri="{FF2B5EF4-FFF2-40B4-BE49-F238E27FC236}">
-                    <a16:creationId xmlns:a16="http://schemas.microsoft.com/office/drawing/2014/main" xmlns="" id="{64FC46BD-FCD3-4070-A2FE-CF068D21089D}"/>
+                    <a16:creationId xmlns="" xmlns:a16="http://schemas.microsoft.com/office/drawing/2014/main" id="{64FC46BD-FCD3-4070-A2FE-CF068D21089D}"/>
                   </a:ext>
                 </a:extLst>
               </p:cNvPr>
@@ -10878,7 +10878,7 @@
           <p:cNvPr id="5" name="Content Placeholder 2">
             <a:extLst>
               <a:ext uri="{FF2B5EF4-FFF2-40B4-BE49-F238E27FC236}">
-                <a16:creationId xmlns:a16="http://schemas.microsoft.com/office/drawing/2014/main" xmlns="" xmlns:a14="http://schemas.microsoft.com/office/drawing/2010/main" xmlns:mc="http://schemas.openxmlformats.org/markup-compatibility/2006" id="{8FD3E7E3-6406-4C87-9E06-5BA40AA66E22}"/>
+                <a16:creationId xmlns:mc="http://schemas.openxmlformats.org/markup-compatibility/2006" xmlns:a14="http://schemas.microsoft.com/office/drawing/2010/main" xmlns="" xmlns:a16="http://schemas.microsoft.com/office/drawing/2014/main" id="{8FD3E7E3-6406-4C87-9E06-5BA40AA66E22}"/>
               </a:ext>
             </a:extLst>
           </p:cNvPr>
@@ -11826,7 +11826,7 @@
               <p:cNvPr id="31" name="Content Placeholder 2">
                 <a:extLst>
                   <a:ext uri="{FF2B5EF4-FFF2-40B4-BE49-F238E27FC236}">
-                    <a16:creationId xmlns:a16="http://schemas.microsoft.com/office/drawing/2014/main" xmlns="" id="{8FD3E7E3-6406-4C87-9E06-5BA40AA66E22}"/>
+                    <a16:creationId xmlns="" xmlns:a16="http://schemas.microsoft.com/office/drawing/2014/main" id="{8FD3E7E3-6406-4C87-9E06-5BA40AA66E22}"/>
                   </a:ext>
                 </a:extLst>
               </p:cNvPr>
@@ -12134,7 +12134,7 @@
           <p:cNvPr id="2" name="Title 1">
             <a:extLst>
               <a:ext uri="{FF2B5EF4-FFF2-40B4-BE49-F238E27FC236}">
-                <a16:creationId xmlns:a16="http://schemas.microsoft.com/office/drawing/2014/main" xmlns="" id="{64FC46BD-FCD3-4070-A2FE-CF068D21089D}"/>
+                <a16:creationId xmlns="" xmlns:a16="http://schemas.microsoft.com/office/drawing/2014/main" id="{64FC46BD-FCD3-4070-A2FE-CF068D21089D}"/>
               </a:ext>
             </a:extLst>
           </p:cNvPr>
@@ -12175,7 +12175,7 @@
               <p:cNvPr id="3" name="Content Placeholder 2">
                 <a:extLst>
                   <a:ext uri="{FF2B5EF4-FFF2-40B4-BE49-F238E27FC236}">
-                    <a16:creationId xmlns:a16="http://schemas.microsoft.com/office/drawing/2014/main" xmlns="" id="{8FD3E7E3-6406-4C87-9E06-5BA40AA66E22}"/>
+                    <a16:creationId xmlns="" xmlns:a16="http://schemas.microsoft.com/office/drawing/2014/main" id="{8FD3E7E3-6406-4C87-9E06-5BA40AA66E22}"/>
                   </a:ext>
                 </a:extLst>
               </p:cNvPr>
@@ -12479,7 +12479,7 @@
               <p:cNvPr id="2" name="Title 1">
                 <a:extLst>
                   <a:ext uri="{FF2B5EF4-FFF2-40B4-BE49-F238E27FC236}">
-                    <a16:creationId xmlns:a16="http://schemas.microsoft.com/office/drawing/2014/main" xmlns="" id="{64FC46BD-FCD3-4070-A2FE-CF068D21089D}"/>
+                    <a16:creationId xmlns="" xmlns:a16="http://schemas.microsoft.com/office/drawing/2014/main" id="{64FC46BD-FCD3-4070-A2FE-CF068D21089D}"/>
                   </a:ext>
                 </a:extLst>
               </p:cNvPr>
@@ -12616,7 +12616,7 @@
           <p:cNvPr id="3" name="Content Placeholder 2">
             <a:extLst>
               <a:ext uri="{FF2B5EF4-FFF2-40B4-BE49-F238E27FC236}">
-                <a16:creationId xmlns:a16="http://schemas.microsoft.com/office/drawing/2014/main" xmlns="" xmlns:a14="http://schemas.microsoft.com/office/drawing/2010/main" xmlns:mc="http://schemas.openxmlformats.org/markup-compatibility/2006" id="{8FD3E7E3-6406-4C87-9E06-5BA40AA66E22}"/>
+                <a16:creationId xmlns:mc="http://schemas.openxmlformats.org/markup-compatibility/2006" xmlns:a14="http://schemas.microsoft.com/office/drawing/2010/main" xmlns="" xmlns:a16="http://schemas.microsoft.com/office/drawing/2014/main" id="{8FD3E7E3-6406-4C87-9E06-5BA40AA66E22}"/>
               </a:ext>
             </a:extLst>
           </p:cNvPr>
@@ -12726,7 +12726,7 @@
               <p:cNvPr id="2" name="Title 1">
                 <a:extLst>
                   <a:ext uri="{FF2B5EF4-FFF2-40B4-BE49-F238E27FC236}">
-                    <a16:creationId xmlns:a16="http://schemas.microsoft.com/office/drawing/2014/main" xmlns="" id="{64FC46BD-FCD3-4070-A2FE-CF068D21089D}"/>
+                    <a16:creationId xmlns="" xmlns:a16="http://schemas.microsoft.com/office/drawing/2014/main" id="{64FC46BD-FCD3-4070-A2FE-CF068D21089D}"/>
                   </a:ext>
                 </a:extLst>
               </p:cNvPr>
@@ -12848,7 +12848,7 @@
           <p:cNvPr id="3" name="Content Placeholder 2">
             <a:extLst>
               <a:ext uri="{FF2B5EF4-FFF2-40B4-BE49-F238E27FC236}">
-                <a16:creationId xmlns:a16="http://schemas.microsoft.com/office/drawing/2014/main" xmlns="" xmlns:a14="http://schemas.microsoft.com/office/drawing/2010/main" xmlns:mc="http://schemas.openxmlformats.org/markup-compatibility/2006" id="{8FD3E7E3-6406-4C87-9E06-5BA40AA66E22}"/>
+                <a16:creationId xmlns:mc="http://schemas.openxmlformats.org/markup-compatibility/2006" xmlns:a14="http://schemas.microsoft.com/office/drawing/2010/main" xmlns="" xmlns:a16="http://schemas.microsoft.com/office/drawing/2014/main" id="{8FD3E7E3-6406-4C87-9E06-5BA40AA66E22}"/>
               </a:ext>
             </a:extLst>
           </p:cNvPr>
@@ -12921,7 +12921,7 @@
               <p:cNvPr id="4" name="Content Placeholder 2">
                 <a:extLst>
                   <a:ext uri="{FF2B5EF4-FFF2-40B4-BE49-F238E27FC236}">
-                    <a16:creationId xmlns:a16="http://schemas.microsoft.com/office/drawing/2014/main" xmlns="" id="{8FD3E7E3-6406-4C87-9E06-5BA40AA66E22}"/>
+                    <a16:creationId xmlns="" xmlns:a16="http://schemas.microsoft.com/office/drawing/2014/main" id="{8FD3E7E3-6406-4C87-9E06-5BA40AA66E22}"/>
                   </a:ext>
                 </a:extLst>
               </p:cNvPr>
@@ -13236,7 +13236,7 @@
               <p:cNvPr id="2" name="Title 1">
                 <a:extLst>
                   <a:ext uri="{FF2B5EF4-FFF2-40B4-BE49-F238E27FC236}">
-                    <a16:creationId xmlns:a16="http://schemas.microsoft.com/office/drawing/2014/main" xmlns="" id="{64FC46BD-FCD3-4070-A2FE-CF068D21089D}"/>
+                    <a16:creationId xmlns="" xmlns:a16="http://schemas.microsoft.com/office/drawing/2014/main" id="{64FC46BD-FCD3-4070-A2FE-CF068D21089D}"/>
                   </a:ext>
                 </a:extLst>
               </p:cNvPr>
@@ -13358,7 +13358,7 @@
           <p:cNvPr id="3" name="Content Placeholder 2">
             <a:extLst>
               <a:ext uri="{FF2B5EF4-FFF2-40B4-BE49-F238E27FC236}">
-                <a16:creationId xmlns:a16="http://schemas.microsoft.com/office/drawing/2014/main" xmlns="" xmlns:a14="http://schemas.microsoft.com/office/drawing/2010/main" xmlns:mc="http://schemas.openxmlformats.org/markup-compatibility/2006" id="{8FD3E7E3-6406-4C87-9E06-5BA40AA66E22}"/>
+                <a16:creationId xmlns:mc="http://schemas.openxmlformats.org/markup-compatibility/2006" xmlns:a14="http://schemas.microsoft.com/office/drawing/2010/main" xmlns="" xmlns:a16="http://schemas.microsoft.com/office/drawing/2014/main" id="{8FD3E7E3-6406-4C87-9E06-5BA40AA66E22}"/>
               </a:ext>
             </a:extLst>
           </p:cNvPr>
@@ -13509,7 +13509,7 @@
               <p:cNvPr id="2" name="Title 1">
                 <a:extLst>
                   <a:ext uri="{FF2B5EF4-FFF2-40B4-BE49-F238E27FC236}">
-                    <a16:creationId xmlns:a16="http://schemas.microsoft.com/office/drawing/2014/main" xmlns="" id="{64FC46BD-FCD3-4070-A2FE-CF068D21089D}"/>
+                    <a16:creationId xmlns="" xmlns:a16="http://schemas.microsoft.com/office/drawing/2014/main" id="{64FC46BD-FCD3-4070-A2FE-CF068D21089D}"/>
                   </a:ext>
                 </a:extLst>
               </p:cNvPr>
@@ -13631,7 +13631,7 @@
           <p:cNvPr id="3" name="Content Placeholder 2">
             <a:extLst>
               <a:ext uri="{FF2B5EF4-FFF2-40B4-BE49-F238E27FC236}">
-                <a16:creationId xmlns:a16="http://schemas.microsoft.com/office/drawing/2014/main" xmlns="" xmlns:a14="http://schemas.microsoft.com/office/drawing/2010/main" xmlns:mc="http://schemas.openxmlformats.org/markup-compatibility/2006" id="{8FD3E7E3-6406-4C87-9E06-5BA40AA66E22}"/>
+                <a16:creationId xmlns:mc="http://schemas.openxmlformats.org/markup-compatibility/2006" xmlns:a14="http://schemas.microsoft.com/office/drawing/2010/main" xmlns="" xmlns:a16="http://schemas.microsoft.com/office/drawing/2014/main" id="{8FD3E7E3-6406-4C87-9E06-5BA40AA66E22}"/>
               </a:ext>
             </a:extLst>
           </p:cNvPr>
@@ -13745,7 +13745,7 @@
               <p:cNvPr id="4" name="Content Placeholder 2">
                 <a:extLst>
                   <a:ext uri="{FF2B5EF4-FFF2-40B4-BE49-F238E27FC236}">
-                    <a16:creationId xmlns:a16="http://schemas.microsoft.com/office/drawing/2014/main" xmlns="" id="{8FD3E7E3-6406-4C87-9E06-5BA40AA66E22}"/>
+                    <a16:creationId xmlns="" xmlns:a16="http://schemas.microsoft.com/office/drawing/2014/main" id="{8FD3E7E3-6406-4C87-9E06-5BA40AA66E22}"/>
                   </a:ext>
                 </a:extLst>
               </p:cNvPr>
@@ -14060,7 +14060,7 @@
               <p:cNvPr id="2" name="Title 1">
                 <a:extLst>
                   <a:ext uri="{FF2B5EF4-FFF2-40B4-BE49-F238E27FC236}">
-                    <a16:creationId xmlns:a16="http://schemas.microsoft.com/office/drawing/2014/main" xmlns="" id="{64FC46BD-FCD3-4070-A2FE-CF068D21089D}"/>
+                    <a16:creationId xmlns="" xmlns:a16="http://schemas.microsoft.com/office/drawing/2014/main" id="{64FC46BD-FCD3-4070-A2FE-CF068D21089D}"/>
                   </a:ext>
                 </a:extLst>
               </p:cNvPr>
@@ -14182,7 +14182,7 @@
           <p:cNvPr id="3" name="Content Placeholder 2">
             <a:extLst>
               <a:ext uri="{FF2B5EF4-FFF2-40B4-BE49-F238E27FC236}">
-                <a16:creationId xmlns:a16="http://schemas.microsoft.com/office/drawing/2014/main" xmlns="" xmlns:a14="http://schemas.microsoft.com/office/drawing/2010/main" xmlns:mc="http://schemas.openxmlformats.org/markup-compatibility/2006" id="{8FD3E7E3-6406-4C87-9E06-5BA40AA66E22}"/>
+                <a16:creationId xmlns:mc="http://schemas.openxmlformats.org/markup-compatibility/2006" xmlns:a14="http://schemas.microsoft.com/office/drawing/2010/main" xmlns="" xmlns:a16="http://schemas.microsoft.com/office/drawing/2014/main" id="{8FD3E7E3-6406-4C87-9E06-5BA40AA66E22}"/>
               </a:ext>
             </a:extLst>
           </p:cNvPr>
@@ -14263,7 +14263,7 @@
               <p:cNvPr id="4" name="Content Placeholder 2">
                 <a:extLst>
                   <a:ext uri="{FF2B5EF4-FFF2-40B4-BE49-F238E27FC236}">
-                    <a16:creationId xmlns:a16="http://schemas.microsoft.com/office/drawing/2014/main" xmlns="" id="{8FD3E7E3-6406-4C87-9E06-5BA40AA66E22}"/>
+                    <a16:creationId xmlns="" xmlns:a16="http://schemas.microsoft.com/office/drawing/2014/main" id="{8FD3E7E3-6406-4C87-9E06-5BA40AA66E22}"/>
                   </a:ext>
                 </a:extLst>
               </p:cNvPr>
@@ -14539,7 +14539,7 @@
           <p:cNvPr id="5" name="Content Placeholder 2">
             <a:extLst>
               <a:ext uri="{FF2B5EF4-FFF2-40B4-BE49-F238E27FC236}">
-                <a16:creationId xmlns:a16="http://schemas.microsoft.com/office/drawing/2014/main" xmlns="" xmlns:a14="http://schemas.microsoft.com/office/drawing/2010/main" xmlns:mc="http://schemas.openxmlformats.org/markup-compatibility/2006" id="{8FD3E7E3-6406-4C87-9E06-5BA40AA66E22}"/>
+                <a16:creationId xmlns:mc="http://schemas.openxmlformats.org/markup-compatibility/2006" xmlns:a14="http://schemas.microsoft.com/office/drawing/2010/main" xmlns="" xmlns:a16="http://schemas.microsoft.com/office/drawing/2014/main" id="{8FD3E7E3-6406-4C87-9E06-5BA40AA66E22}"/>
               </a:ext>
             </a:extLst>
           </p:cNvPr>
@@ -14988,7 +14988,7 @@
               <p:cNvPr id="2" name="Title 1">
                 <a:extLst>
                   <a:ext uri="{FF2B5EF4-FFF2-40B4-BE49-F238E27FC236}">
-                    <a16:creationId xmlns:a16="http://schemas.microsoft.com/office/drawing/2014/main" xmlns="" id="{64FC46BD-FCD3-4070-A2FE-CF068D21089D}"/>
+                    <a16:creationId xmlns="" xmlns:a16="http://schemas.microsoft.com/office/drawing/2014/main" id="{64FC46BD-FCD3-4070-A2FE-CF068D21089D}"/>
                   </a:ext>
                 </a:extLst>
               </p:cNvPr>
@@ -15112,7 +15112,7 @@
               <p:cNvPr id="31" name="Content Placeholder 2">
                 <a:extLst>
                   <a:ext uri="{FF2B5EF4-FFF2-40B4-BE49-F238E27FC236}">
-                    <a16:creationId xmlns:a16="http://schemas.microsoft.com/office/drawing/2014/main" xmlns="" id="{8FD3E7E3-6406-4C87-9E06-5BA40AA66E22}"/>
+                    <a16:creationId xmlns="" xmlns:a16="http://schemas.microsoft.com/office/drawing/2014/main" id="{8FD3E7E3-6406-4C87-9E06-5BA40AA66E22}"/>
                   </a:ext>
                 </a:extLst>
               </p:cNvPr>
@@ -15420,7 +15420,7 @@
           <p:cNvPr id="2" name="Title 1">
             <a:extLst>
               <a:ext uri="{FF2B5EF4-FFF2-40B4-BE49-F238E27FC236}">
-                <a16:creationId xmlns:a16="http://schemas.microsoft.com/office/drawing/2014/main" xmlns="" id="{64FC46BD-FCD3-4070-A2FE-CF068D21089D}"/>
+                <a16:creationId xmlns="" xmlns:a16="http://schemas.microsoft.com/office/drawing/2014/main" id="{64FC46BD-FCD3-4070-A2FE-CF068D21089D}"/>
               </a:ext>
             </a:extLst>
           </p:cNvPr>
@@ -15450,7 +15450,7 @@
           <p:cNvPr id="3" name="Content Placeholder 2">
             <a:extLst>
               <a:ext uri="{FF2B5EF4-FFF2-40B4-BE49-F238E27FC236}">
-                <a16:creationId xmlns:a16="http://schemas.microsoft.com/office/drawing/2014/main" xmlns="" id="{8FD3E7E3-6406-4C87-9E06-5BA40AA66E22}"/>
+                <a16:creationId xmlns="" xmlns:a16="http://schemas.microsoft.com/office/drawing/2014/main" id="{8FD3E7E3-6406-4C87-9E06-5BA40AA66E22}"/>
               </a:ext>
             </a:extLst>
           </p:cNvPr>
@@ -15535,7 +15535,7 @@
               <p:cNvPr id="2" name="Title 1">
                 <a:extLst>
                   <a:ext uri="{FF2B5EF4-FFF2-40B4-BE49-F238E27FC236}">
-                    <a16:creationId xmlns:a16="http://schemas.microsoft.com/office/drawing/2014/main" xmlns="" id="{64FC46BD-FCD3-4070-A2FE-CF068D21089D}"/>
+                    <a16:creationId xmlns="" xmlns:a16="http://schemas.microsoft.com/office/drawing/2014/main" id="{64FC46BD-FCD3-4070-A2FE-CF068D21089D}"/>
                   </a:ext>
                 </a:extLst>
               </p:cNvPr>
@@ -15657,7 +15657,7 @@
           <p:cNvPr id="31" name="Content Placeholder 2">
             <a:extLst>
               <a:ext uri="{FF2B5EF4-FFF2-40B4-BE49-F238E27FC236}">
-                <a16:creationId xmlns:a16="http://schemas.microsoft.com/office/drawing/2014/main" xmlns="" xmlns:a14="http://schemas.microsoft.com/office/drawing/2010/main" xmlns:mc="http://schemas.openxmlformats.org/markup-compatibility/2006" id="{8FD3E7E3-6406-4C87-9E06-5BA40AA66E22}"/>
+                <a16:creationId xmlns:mc="http://schemas.openxmlformats.org/markup-compatibility/2006" xmlns:a14="http://schemas.microsoft.com/office/drawing/2010/main" xmlns="" xmlns:a16="http://schemas.microsoft.com/office/drawing/2014/main" id="{8FD3E7E3-6406-4C87-9E06-5BA40AA66E22}"/>
               </a:ext>
             </a:extLst>
           </p:cNvPr>
@@ -16202,7 +16202,7 @@
               <p:cNvPr id="42" name="Content Placeholder 2">
                 <a:extLst>
                   <a:ext uri="{FF2B5EF4-FFF2-40B4-BE49-F238E27FC236}">
-                    <a16:creationId xmlns:a16="http://schemas.microsoft.com/office/drawing/2014/main" xmlns="" id="{8FD3E7E3-6406-4C87-9E06-5BA40AA66E22}"/>
+                    <a16:creationId xmlns="" xmlns:a16="http://schemas.microsoft.com/office/drawing/2014/main" id="{8FD3E7E3-6406-4C87-9E06-5BA40AA66E22}"/>
                   </a:ext>
                 </a:extLst>
               </p:cNvPr>
@@ -16512,7 +16512,7 @@
               <p:cNvPr id="2" name="Title 1">
                 <a:extLst>
                   <a:ext uri="{FF2B5EF4-FFF2-40B4-BE49-F238E27FC236}">
-                    <a16:creationId xmlns:a16="http://schemas.microsoft.com/office/drawing/2014/main" xmlns="" id="{64FC46BD-FCD3-4070-A2FE-CF068D21089D}"/>
+                    <a16:creationId xmlns="" xmlns:a16="http://schemas.microsoft.com/office/drawing/2014/main" id="{64FC46BD-FCD3-4070-A2FE-CF068D21089D}"/>
                   </a:ext>
                 </a:extLst>
               </p:cNvPr>
@@ -16629,14 +16629,14 @@
           </p:sp>
         </mc:Fallback>
       </mc:AlternateContent>
-      <mc:AlternateContent xmlns:mc="http://schemas.openxmlformats.org/markup-compatibility/2006">
-        <mc:Choice xmlns:a14="http://schemas.microsoft.com/office/drawing/2010/main" Requires="a14">
+      <mc:AlternateContent xmlns:mc="http://schemas.openxmlformats.org/markup-compatibility/2006" xmlns:a14="http://schemas.microsoft.com/office/drawing/2010/main">
+        <mc:Choice Requires="a14">
           <p:sp>
             <p:nvSpPr>
               <p:cNvPr id="31" name="Content Placeholder 2">
                 <a:extLst>
                   <a:ext uri="{FF2B5EF4-FFF2-40B4-BE49-F238E27FC236}">
-                    <a16:creationId xmlns:a16="http://schemas.microsoft.com/office/drawing/2014/main" xmlns="" id="{8FD3E7E3-6406-4C87-9E06-5BA40AA66E22}"/>
+                    <a16:creationId xmlns="" xmlns:a16="http://schemas.microsoft.com/office/drawing/2014/main" id="{8FD3E7E3-6406-4C87-9E06-5BA40AA66E22}"/>
                   </a:ext>
                 </a:extLst>
               </p:cNvPr>
@@ -16857,7 +16857,7 @@
             </p:txBody>
           </p:sp>
         </mc:Choice>
-        <mc:Fallback>
+        <mc:Fallback xmlns="">
           <p:sp>
             <p:nvSpPr>
               <p:cNvPr id="31" name="Content Placeholder 2">
@@ -16946,7 +16946,7 @@
               <p:cNvPr id="2" name="Title 1">
                 <a:extLst>
                   <a:ext uri="{FF2B5EF4-FFF2-40B4-BE49-F238E27FC236}">
-                    <a16:creationId xmlns:a16="http://schemas.microsoft.com/office/drawing/2014/main" xmlns="" id="{64FC46BD-FCD3-4070-A2FE-CF068D21089D}"/>
+                    <a16:creationId xmlns="" xmlns:a16="http://schemas.microsoft.com/office/drawing/2014/main" id="{64FC46BD-FCD3-4070-A2FE-CF068D21089D}"/>
                   </a:ext>
                 </a:extLst>
               </p:cNvPr>
@@ -17063,14 +17063,14 @@
           </p:sp>
         </mc:Fallback>
       </mc:AlternateContent>
-      <mc:AlternateContent xmlns:mc="http://schemas.openxmlformats.org/markup-compatibility/2006">
-        <mc:Choice xmlns:a14="http://schemas.microsoft.com/office/drawing/2010/main" Requires="a14">
+      <mc:AlternateContent xmlns:mc="http://schemas.openxmlformats.org/markup-compatibility/2006" xmlns:a14="http://schemas.microsoft.com/office/drawing/2010/main">
+        <mc:Choice Requires="a14">
           <p:sp>
             <p:nvSpPr>
               <p:cNvPr id="31" name="Content Placeholder 2">
                 <a:extLst>
                   <a:ext uri="{FF2B5EF4-FFF2-40B4-BE49-F238E27FC236}">
-                    <a16:creationId xmlns:a16="http://schemas.microsoft.com/office/drawing/2014/main" xmlns="" id="{8FD3E7E3-6406-4C87-9E06-5BA40AA66E22}"/>
+                    <a16:creationId xmlns="" xmlns:a16="http://schemas.microsoft.com/office/drawing/2014/main" id="{8FD3E7E3-6406-4C87-9E06-5BA40AA66E22}"/>
                   </a:ext>
                 </a:extLst>
               </p:cNvPr>
@@ -17291,7 +17291,7 @@
             </p:txBody>
           </p:sp>
         </mc:Choice>
-        <mc:Fallback>
+        <mc:Fallback xmlns="">
           <p:sp>
             <p:nvSpPr>
               <p:cNvPr id="31" name="Content Placeholder 2">
@@ -17637,7 +17637,7 @@
           <p:cNvPr id="13" name="Content Placeholder 2">
             <a:extLst>
               <a:ext uri="{FF2B5EF4-FFF2-40B4-BE49-F238E27FC236}">
-                <a16:creationId xmlns:a16="http://schemas.microsoft.com/office/drawing/2014/main" xmlns="" xmlns:a14="http://schemas.microsoft.com/office/drawing/2010/main" xmlns:mc="http://schemas.openxmlformats.org/markup-compatibility/2006" id="{8FD3E7E3-6406-4C87-9E06-5BA40AA66E22}"/>
+                <a16:creationId xmlns:mc="http://schemas.openxmlformats.org/markup-compatibility/2006" xmlns:a14="http://schemas.microsoft.com/office/drawing/2010/main" xmlns="" xmlns:a16="http://schemas.microsoft.com/office/drawing/2014/main" id="{8FD3E7E3-6406-4C87-9E06-5BA40AA66E22}"/>
               </a:ext>
             </a:extLst>
           </p:cNvPr>
@@ -17957,7 +17957,7 @@
           <p:cNvPr id="2" name="Title 1">
             <a:extLst>
               <a:ext uri="{FF2B5EF4-FFF2-40B4-BE49-F238E27FC236}">
-                <a16:creationId xmlns:a16="http://schemas.microsoft.com/office/drawing/2014/main" xmlns="" id="{64FC46BD-FCD3-4070-A2FE-CF068D21089D}"/>
+                <a16:creationId xmlns="" xmlns:a16="http://schemas.microsoft.com/office/drawing/2014/main" id="{64FC46BD-FCD3-4070-A2FE-CF068D21089D}"/>
               </a:ext>
             </a:extLst>
           </p:cNvPr>
@@ -17998,7 +17998,7 @@
               <p:cNvPr id="3" name="Content Placeholder 2">
                 <a:extLst>
                   <a:ext uri="{FF2B5EF4-FFF2-40B4-BE49-F238E27FC236}">
-                    <a16:creationId xmlns:a16="http://schemas.microsoft.com/office/drawing/2014/main" xmlns="" id="{8FD3E7E3-6406-4C87-9E06-5BA40AA66E22}"/>
+                    <a16:creationId xmlns="" xmlns:a16="http://schemas.microsoft.com/office/drawing/2014/main" id="{8FD3E7E3-6406-4C87-9E06-5BA40AA66E22}"/>
                   </a:ext>
                 </a:extLst>
               </p:cNvPr>
@@ -18306,7 +18306,7 @@
               <p:cNvPr id="2" name="Title 1">
                 <a:extLst>
                   <a:ext uri="{FF2B5EF4-FFF2-40B4-BE49-F238E27FC236}">
-                    <a16:creationId xmlns:a16="http://schemas.microsoft.com/office/drawing/2014/main" xmlns="" id="{64FC46BD-FCD3-4070-A2FE-CF068D21089D}"/>
+                    <a16:creationId xmlns="" xmlns:a16="http://schemas.microsoft.com/office/drawing/2014/main" id="{64FC46BD-FCD3-4070-A2FE-CF068D21089D}"/>
                   </a:ext>
                 </a:extLst>
               </p:cNvPr>
@@ -18431,7 +18431,7 @@
           <p:cNvPr id="3" name="Content Placeholder 2">
             <a:extLst>
               <a:ext uri="{FF2B5EF4-FFF2-40B4-BE49-F238E27FC236}">
-                <a16:creationId xmlns:mc="http://schemas.openxmlformats.org/markup-compatibility/2006" xmlns:a14="http://schemas.microsoft.com/office/drawing/2010/main" xmlns:a16="http://schemas.microsoft.com/office/drawing/2014/main" xmlns="" id="{8FD3E7E3-6406-4C87-9E06-5BA40AA66E22}"/>
+                <a16:creationId xmlns="" xmlns:a16="http://schemas.microsoft.com/office/drawing/2014/main" xmlns:a14="http://schemas.microsoft.com/office/drawing/2010/main" xmlns:mc="http://schemas.openxmlformats.org/markup-compatibility/2006" id="{8FD3E7E3-6406-4C87-9E06-5BA40AA66E22}"/>
               </a:ext>
             </a:extLst>
           </p:cNvPr>
@@ -18573,7 +18573,7 @@
           <p:cNvPr id="2" name="Title 1">
             <a:extLst>
               <a:ext uri="{FF2B5EF4-FFF2-40B4-BE49-F238E27FC236}">
-                <a16:creationId xmlns:a16="http://schemas.microsoft.com/office/drawing/2014/main" xmlns="" id="{64FC46BD-FCD3-4070-A2FE-CF068D21089D}"/>
+                <a16:creationId xmlns="" xmlns:a16="http://schemas.microsoft.com/office/drawing/2014/main" id="{64FC46BD-FCD3-4070-A2FE-CF068D21089D}"/>
               </a:ext>
             </a:extLst>
           </p:cNvPr>
@@ -18614,7 +18614,7 @@
               <p:cNvPr id="3" name="Content Placeholder 2">
                 <a:extLst>
                   <a:ext uri="{FF2B5EF4-FFF2-40B4-BE49-F238E27FC236}">
-                    <a16:creationId xmlns:a16="http://schemas.microsoft.com/office/drawing/2014/main" xmlns="" id="{8FD3E7E3-6406-4C87-9E06-5BA40AA66E22}"/>
+                    <a16:creationId xmlns="" xmlns:a16="http://schemas.microsoft.com/office/drawing/2014/main" id="{8FD3E7E3-6406-4C87-9E06-5BA40AA66E22}"/>
                   </a:ext>
                 </a:extLst>
               </p:cNvPr>
@@ -18761,7 +18761,7 @@
               <p:cNvPr id="4" name="Content Placeholder 2">
                 <a:extLst>
                   <a:ext uri="{FF2B5EF4-FFF2-40B4-BE49-F238E27FC236}">
-                    <a16:creationId xmlns:a16="http://schemas.microsoft.com/office/drawing/2014/main" xmlns="" id="{8FD3E7E3-6406-4C87-9E06-5BA40AA66E22}"/>
+                    <a16:creationId xmlns="" xmlns:a16="http://schemas.microsoft.com/office/drawing/2014/main" id="{8FD3E7E3-6406-4C87-9E06-5BA40AA66E22}"/>
                   </a:ext>
                 </a:extLst>
               </p:cNvPr>
@@ -19077,7 +19077,7 @@
               <p:cNvPr id="5" name="Content Placeholder 2">
                 <a:extLst>
                   <a:ext uri="{FF2B5EF4-FFF2-40B4-BE49-F238E27FC236}">
-                    <a16:creationId xmlns:a16="http://schemas.microsoft.com/office/drawing/2014/main" xmlns="" id="{8FD3E7E3-6406-4C87-9E06-5BA40AA66E22}"/>
+                    <a16:creationId xmlns="" xmlns:a16="http://schemas.microsoft.com/office/drawing/2014/main" id="{8FD3E7E3-6406-4C87-9E06-5BA40AA66E22}"/>
                   </a:ext>
                 </a:extLst>
               </p:cNvPr>
@@ -19392,7 +19392,7 @@
               <p:cNvPr id="6" name="Content Placeholder 2">
                 <a:extLst>
                   <a:ext uri="{FF2B5EF4-FFF2-40B4-BE49-F238E27FC236}">
-                    <a16:creationId xmlns:a16="http://schemas.microsoft.com/office/drawing/2014/main" xmlns="" id="{8FD3E7E3-6406-4C87-9E06-5BA40AA66E22}"/>
+                    <a16:creationId xmlns="" xmlns:a16="http://schemas.microsoft.com/office/drawing/2014/main" id="{8FD3E7E3-6406-4C87-9E06-5BA40AA66E22}"/>
                   </a:ext>
                 </a:extLst>
               </p:cNvPr>
@@ -19713,7 +19713,7 @@
               <p:cNvPr id="7" name="Content Placeholder 2">
                 <a:extLst>
                   <a:ext uri="{FF2B5EF4-FFF2-40B4-BE49-F238E27FC236}">
-                    <a16:creationId xmlns:a16="http://schemas.microsoft.com/office/drawing/2014/main" xmlns="" id="{8FD3E7E3-6406-4C87-9E06-5BA40AA66E22}"/>
+                    <a16:creationId xmlns="" xmlns:a16="http://schemas.microsoft.com/office/drawing/2014/main" id="{8FD3E7E3-6406-4C87-9E06-5BA40AA66E22}"/>
                   </a:ext>
                 </a:extLst>
               </p:cNvPr>
@@ -20290,7 +20290,7 @@
           <p:cNvPr id="2" name="Title 1">
             <a:extLst>
               <a:ext uri="{FF2B5EF4-FFF2-40B4-BE49-F238E27FC236}">
-                <a16:creationId xmlns:a16="http://schemas.microsoft.com/office/drawing/2014/main" xmlns="" id="{64FC46BD-FCD3-4070-A2FE-CF068D21089D}"/>
+                <a16:creationId xmlns="" xmlns:a16="http://schemas.microsoft.com/office/drawing/2014/main" id="{64FC46BD-FCD3-4070-A2FE-CF068D21089D}"/>
               </a:ext>
             </a:extLst>
           </p:cNvPr>
@@ -20331,7 +20331,7 @@
               <p:cNvPr id="6" name="Content Placeholder 2">
                 <a:extLst>
                   <a:ext uri="{FF2B5EF4-FFF2-40B4-BE49-F238E27FC236}">
-                    <a16:creationId xmlns:a16="http://schemas.microsoft.com/office/drawing/2014/main" xmlns="" id="{8FD3E7E3-6406-4C87-9E06-5BA40AA66E22}"/>
+                    <a16:creationId xmlns="" xmlns:a16="http://schemas.microsoft.com/office/drawing/2014/main" id="{8FD3E7E3-6406-4C87-9E06-5BA40AA66E22}"/>
                   </a:ext>
                 </a:extLst>
               </p:cNvPr>
@@ -20649,7 +20649,7 @@
               <p:cNvPr id="9" name="Content Placeholder 2">
                 <a:extLst>
                   <a:ext uri="{FF2B5EF4-FFF2-40B4-BE49-F238E27FC236}">
-                    <a16:creationId xmlns:a16="http://schemas.microsoft.com/office/drawing/2014/main" xmlns="" id="{8FD3E7E3-6406-4C87-9E06-5BA40AA66E22}"/>
+                    <a16:creationId xmlns="" xmlns:a16="http://schemas.microsoft.com/office/drawing/2014/main" id="{8FD3E7E3-6406-4C87-9E06-5BA40AA66E22}"/>
                   </a:ext>
                 </a:extLst>
               </p:cNvPr>
@@ -21007,7 +21007,7 @@
           <p:cNvPr id="2" name="Title 1">
             <a:extLst>
               <a:ext uri="{FF2B5EF4-FFF2-40B4-BE49-F238E27FC236}">
-                <a16:creationId xmlns:a16="http://schemas.microsoft.com/office/drawing/2014/main" xmlns="" id="{64FC46BD-FCD3-4070-A2FE-CF068D21089D}"/>
+                <a16:creationId xmlns="" xmlns:a16="http://schemas.microsoft.com/office/drawing/2014/main" id="{64FC46BD-FCD3-4070-A2FE-CF068D21089D}"/>
               </a:ext>
             </a:extLst>
           </p:cNvPr>
@@ -21048,7 +21048,7 @@
               <p:cNvPr id="6" name="Content Placeholder 2">
                 <a:extLst>
                   <a:ext uri="{FF2B5EF4-FFF2-40B4-BE49-F238E27FC236}">
-                    <a16:creationId xmlns:a16="http://schemas.microsoft.com/office/drawing/2014/main" xmlns="" id="{8FD3E7E3-6406-4C87-9E06-5BA40AA66E22}"/>
+                    <a16:creationId xmlns="" xmlns:a16="http://schemas.microsoft.com/office/drawing/2014/main" id="{8FD3E7E3-6406-4C87-9E06-5BA40AA66E22}"/>
                   </a:ext>
                 </a:extLst>
               </p:cNvPr>
@@ -21418,7 +21418,7 @@
           <p:cNvPr id="9" name="Content Placeholder 2">
             <a:extLst>
               <a:ext uri="{FF2B5EF4-FFF2-40B4-BE49-F238E27FC236}">
-                <a16:creationId xmlns:mc="http://schemas.openxmlformats.org/markup-compatibility/2006" xmlns:a14="http://schemas.microsoft.com/office/drawing/2010/main" xmlns:a16="http://schemas.microsoft.com/office/drawing/2014/main" xmlns="" id="{8FD3E7E3-6406-4C87-9E06-5BA40AA66E22}"/>
+                <a16:creationId xmlns="" xmlns:a16="http://schemas.microsoft.com/office/drawing/2014/main" xmlns:a14="http://schemas.microsoft.com/office/drawing/2010/main" xmlns:mc="http://schemas.openxmlformats.org/markup-compatibility/2006" id="{8FD3E7E3-6406-4C87-9E06-5BA40AA66E22}"/>
               </a:ext>
             </a:extLst>
           </p:cNvPr>
@@ -21627,7 +21627,7 @@
               <p:cNvPr id="5" name="Content Placeholder 2">
                 <a:extLst>
                   <a:ext uri="{FF2B5EF4-FFF2-40B4-BE49-F238E27FC236}">
-                    <a16:creationId xmlns:a16="http://schemas.microsoft.com/office/drawing/2014/main" xmlns="" id="{8FD3E7E3-6406-4C87-9E06-5BA40AA66E22}"/>
+                    <a16:creationId xmlns="" xmlns:a16="http://schemas.microsoft.com/office/drawing/2014/main" id="{8FD3E7E3-6406-4C87-9E06-5BA40AA66E22}"/>
                   </a:ext>
                 </a:extLst>
               </p:cNvPr>
@@ -22096,7 +22096,7 @@
           <p:cNvPr id="2" name="Title 1">
             <a:extLst>
               <a:ext uri="{FF2B5EF4-FFF2-40B4-BE49-F238E27FC236}">
-                <a16:creationId xmlns:a16="http://schemas.microsoft.com/office/drawing/2014/main" xmlns="" id="{64FC46BD-FCD3-4070-A2FE-CF068D21089D}"/>
+                <a16:creationId xmlns="" xmlns:a16="http://schemas.microsoft.com/office/drawing/2014/main" id="{64FC46BD-FCD3-4070-A2FE-CF068D21089D}"/>
               </a:ext>
             </a:extLst>
           </p:cNvPr>
@@ -22126,7 +22126,7 @@
           <p:cNvPr id="3" name="Content Placeholder 2">
             <a:extLst>
               <a:ext uri="{FF2B5EF4-FFF2-40B4-BE49-F238E27FC236}">
-                <a16:creationId xmlns:a16="http://schemas.microsoft.com/office/drawing/2014/main" xmlns="" id="{8FD3E7E3-6406-4C87-9E06-5BA40AA66E22}"/>
+                <a16:creationId xmlns="" xmlns:a16="http://schemas.microsoft.com/office/drawing/2014/main" id="{8FD3E7E3-6406-4C87-9E06-5BA40AA66E22}"/>
               </a:ext>
             </a:extLst>
           </p:cNvPr>
@@ -22184,7 +22184,25 @@
               <a:rPr lang="en-US" sz="3200" dirty="0">
                 <a:latin typeface="Comic Sans MS" panose="030F0702030302020204" pitchFamily="66" charset="0"/>
               </a:rPr>
-              <a:t>                          ∀x. P(x) </a:t>
+              <a:t>                          </a:t>
+            </a:r>
+            <a:r>
+              <a:rPr lang="en-US" sz="3200">
+                <a:latin typeface="Comic Sans MS" panose="030F0702030302020204" pitchFamily="66" charset="0"/>
+              </a:rPr>
+              <a:t>∀</a:t>
+            </a:r>
+            <a:r>
+              <a:rPr lang="en-US" sz="3200" smtClean="0">
+                <a:latin typeface="Comic Sans MS" panose="030F0702030302020204" pitchFamily="66" charset="0"/>
+              </a:rPr>
+              <a:t>x </a:t>
+            </a:r>
+            <a:r>
+              <a:rPr lang="en-US" sz="3200" dirty="0">
+                <a:latin typeface="Comic Sans MS" panose="030F0702030302020204" pitchFamily="66" charset="0"/>
+              </a:rPr>
+              <a:t>P(x) </a:t>
             </a:r>
           </a:p>
           <a:p>
@@ -22264,7 +22282,7 @@
           <p:cNvPr id="2" name="Title 1">
             <a:extLst>
               <a:ext uri="{FF2B5EF4-FFF2-40B4-BE49-F238E27FC236}">
-                <a16:creationId xmlns:a16="http://schemas.microsoft.com/office/drawing/2014/main" xmlns="" id="{64FC46BD-FCD3-4070-A2FE-CF068D21089D}"/>
+                <a16:creationId xmlns="" xmlns:a16="http://schemas.microsoft.com/office/drawing/2014/main" id="{64FC46BD-FCD3-4070-A2FE-CF068D21089D}"/>
               </a:ext>
             </a:extLst>
           </p:cNvPr>
@@ -22294,7 +22312,7 @@
           <p:cNvPr id="3" name="Content Placeholder 2">
             <a:extLst>
               <a:ext uri="{FF2B5EF4-FFF2-40B4-BE49-F238E27FC236}">
-                <a16:creationId xmlns:a16="http://schemas.microsoft.com/office/drawing/2014/main" xmlns="" id="{8FD3E7E3-6406-4C87-9E06-5BA40AA66E22}"/>
+                <a16:creationId xmlns="" xmlns:a16="http://schemas.microsoft.com/office/drawing/2014/main" id="{8FD3E7E3-6406-4C87-9E06-5BA40AA66E22}"/>
               </a:ext>
             </a:extLst>
           </p:cNvPr>
@@ -22432,7 +22450,7 @@
           <p:cNvPr id="2" name="Title 1">
             <a:extLst>
               <a:ext uri="{FF2B5EF4-FFF2-40B4-BE49-F238E27FC236}">
-                <a16:creationId xmlns:a16="http://schemas.microsoft.com/office/drawing/2014/main" xmlns="" id="{64FC46BD-FCD3-4070-A2FE-CF068D21089D}"/>
+                <a16:creationId xmlns="" xmlns:a16="http://schemas.microsoft.com/office/drawing/2014/main" id="{64FC46BD-FCD3-4070-A2FE-CF068D21089D}"/>
               </a:ext>
             </a:extLst>
           </p:cNvPr>
@@ -22473,7 +22491,7 @@
               <p:cNvPr id="3" name="Content Placeholder 2">
                 <a:extLst>
                   <a:ext uri="{FF2B5EF4-FFF2-40B4-BE49-F238E27FC236}">
-                    <a16:creationId xmlns:a16="http://schemas.microsoft.com/office/drawing/2014/main" xmlns="" id="{8FD3E7E3-6406-4C87-9E06-5BA40AA66E22}"/>
+                    <a16:creationId xmlns="" xmlns:a16="http://schemas.microsoft.com/office/drawing/2014/main" id="{8FD3E7E3-6406-4C87-9E06-5BA40AA66E22}"/>
                   </a:ext>
                 </a:extLst>
               </p:cNvPr>
@@ -22683,7 +22701,7 @@
           <p:cNvPr id="2" name="Title 1">
             <a:extLst>
               <a:ext uri="{FF2B5EF4-FFF2-40B4-BE49-F238E27FC236}">
-                <a16:creationId xmlns:a16="http://schemas.microsoft.com/office/drawing/2014/main" xmlns="" id="{64FC46BD-FCD3-4070-A2FE-CF068D21089D}"/>
+                <a16:creationId xmlns="" xmlns:a16="http://schemas.microsoft.com/office/drawing/2014/main" id="{64FC46BD-FCD3-4070-A2FE-CF068D21089D}"/>
               </a:ext>
             </a:extLst>
           </p:cNvPr>
@@ -22724,7 +22742,7 @@
               <p:cNvPr id="3" name="Content Placeholder 2">
                 <a:extLst>
                   <a:ext uri="{FF2B5EF4-FFF2-40B4-BE49-F238E27FC236}">
-                    <a16:creationId xmlns:a16="http://schemas.microsoft.com/office/drawing/2014/main" xmlns="" id="{8FD3E7E3-6406-4C87-9E06-5BA40AA66E22}"/>
+                    <a16:creationId xmlns="" xmlns:a16="http://schemas.microsoft.com/office/drawing/2014/main" id="{8FD3E7E3-6406-4C87-9E06-5BA40AA66E22}"/>
                   </a:ext>
                 </a:extLst>
               </p:cNvPr>
@@ -22953,7 +22971,7 @@
           <p:cNvPr id="2" name="Title 1">
             <a:extLst>
               <a:ext uri="{FF2B5EF4-FFF2-40B4-BE49-F238E27FC236}">
-                <a16:creationId xmlns:a16="http://schemas.microsoft.com/office/drawing/2014/main" xmlns="" id="{64FC46BD-FCD3-4070-A2FE-CF068D21089D}"/>
+                <a16:creationId xmlns="" xmlns:a16="http://schemas.microsoft.com/office/drawing/2014/main" id="{64FC46BD-FCD3-4070-A2FE-CF068D21089D}"/>
               </a:ext>
             </a:extLst>
           </p:cNvPr>
@@ -22994,7 +23012,7 @@
               <p:cNvPr id="3" name="Content Placeholder 2">
                 <a:extLst>
                   <a:ext uri="{FF2B5EF4-FFF2-40B4-BE49-F238E27FC236}">
-                    <a16:creationId xmlns:a16="http://schemas.microsoft.com/office/drawing/2014/main" xmlns="" id="{8FD3E7E3-6406-4C87-9E06-5BA40AA66E22}"/>
+                    <a16:creationId xmlns="" xmlns:a16="http://schemas.microsoft.com/office/drawing/2014/main" id="{8FD3E7E3-6406-4C87-9E06-5BA40AA66E22}"/>
                   </a:ext>
                 </a:extLst>
               </p:cNvPr>
@@ -23223,7 +23241,7 @@
           <p:cNvPr id="2" name="Title 1">
             <a:extLst>
               <a:ext uri="{FF2B5EF4-FFF2-40B4-BE49-F238E27FC236}">
-                <a16:creationId xmlns:a16="http://schemas.microsoft.com/office/drawing/2014/main" xmlns="" id="{64FC46BD-FCD3-4070-A2FE-CF068D21089D}"/>
+                <a16:creationId xmlns="" xmlns:a16="http://schemas.microsoft.com/office/drawing/2014/main" id="{64FC46BD-FCD3-4070-A2FE-CF068D21089D}"/>
               </a:ext>
             </a:extLst>
           </p:cNvPr>
@@ -23264,7 +23282,7 @@
               <p:cNvPr id="3" name="Content Placeholder 2">
                 <a:extLst>
                   <a:ext uri="{FF2B5EF4-FFF2-40B4-BE49-F238E27FC236}">
-                    <a16:creationId xmlns:a16="http://schemas.microsoft.com/office/drawing/2014/main" xmlns="" id="{8FD3E7E3-6406-4C87-9E06-5BA40AA66E22}"/>
+                    <a16:creationId xmlns="" xmlns:a16="http://schemas.microsoft.com/office/drawing/2014/main" id="{8FD3E7E3-6406-4C87-9E06-5BA40AA66E22}"/>
                   </a:ext>
                 </a:extLst>
               </p:cNvPr>
